--- a/分布式计算/课件/04. 全局快照算法.pptx
+++ b/分布式计算/课件/04. 全局快照算法.pptx
@@ -1,28 +1,28 @@
 
 <file path=ppt/presentation.xml><?xml version="1.0" encoding="utf-8"?>
-<p:presentation xmlns:a="http://schemas.openxmlformats.org/drawingml/2006/main" xmlns:r="http://schemas.openxmlformats.org/officeDocument/2006/relationships" xmlns:p="http://schemas.openxmlformats.org/presentationml/2006/main" saveSubsetFonts="1">
+<p:presentation xmlns:a="http://schemas.openxmlformats.org/drawingml/2006/main" xmlns:r="http://schemas.openxmlformats.org/officeDocument/2006/relationships" xmlns:p="http://schemas.openxmlformats.org/presentationml/2006/main">
   <p:sldMasterIdLst>
-    <p:sldMasterId id="2147483684" r:id="rId1"/>
+    <p:sldMasterId id="2147483648" r:id="rId1"/>
   </p:sldMasterIdLst>
   <p:notesMasterIdLst>
-    <p:notesMasterId r:id="rId14"/>
+    <p:notesMasterId r:id="rId5"/>
   </p:notesMasterIdLst>
   <p:handoutMasterIdLst>
-    <p:handoutMasterId r:id="rId15"/>
+    <p:handoutMasterId r:id="rId16"/>
   </p:handoutMasterIdLst>
   <p:sldIdLst>
-    <p:sldId id="256" r:id="rId2"/>
-    <p:sldId id="420" r:id="rId3"/>
-    <p:sldId id="531" r:id="rId4"/>
-    <p:sldId id="492" r:id="rId5"/>
-    <p:sldId id="509" r:id="rId6"/>
-    <p:sldId id="532" r:id="rId7"/>
-    <p:sldId id="534" r:id="rId8"/>
-    <p:sldId id="535" r:id="rId9"/>
-    <p:sldId id="536" r:id="rId10"/>
-    <p:sldId id="537" r:id="rId11"/>
-    <p:sldId id="540" r:id="rId12"/>
-    <p:sldId id="539" r:id="rId13"/>
+    <p:sldId id="256" r:id="rId3"/>
+    <p:sldId id="420" r:id="rId4"/>
+    <p:sldId id="531" r:id="rId6"/>
+    <p:sldId id="492" r:id="rId7"/>
+    <p:sldId id="509" r:id="rId8"/>
+    <p:sldId id="532" r:id="rId9"/>
+    <p:sldId id="534" r:id="rId10"/>
+    <p:sldId id="535" r:id="rId11"/>
+    <p:sldId id="536" r:id="rId12"/>
+    <p:sldId id="537" r:id="rId13"/>
+    <p:sldId id="540" r:id="rId14"/>
+    <p:sldId id="539" r:id="rId15"/>
   </p:sldIdLst>
   <p:sldSz cx="9144000" cy="6858000" type="screen4x3"/>
   <p:notesSz cx="6858000" cy="9144000"/>
@@ -46,7 +46,7 @@
         <a:cs typeface="+mn-cs"/>
       </a:defRPr>
     </a:lvl1pPr>
-    <a:lvl2pPr marL="457182" algn="l" rtl="0" eaLnBrk="0" fontAlgn="base" hangingPunct="0">
+    <a:lvl2pPr marL="457200" algn="l" rtl="0" eaLnBrk="0" fontAlgn="base" hangingPunct="0">
       <a:spcBef>
         <a:spcPct val="0"/>
       </a:spcBef>
@@ -62,7 +62,7 @@
         <a:cs typeface="+mn-cs"/>
       </a:defRPr>
     </a:lvl2pPr>
-    <a:lvl3pPr marL="914362" algn="l" rtl="0" eaLnBrk="0" fontAlgn="base" hangingPunct="0">
+    <a:lvl3pPr marL="914400" algn="l" rtl="0" eaLnBrk="0" fontAlgn="base" hangingPunct="0">
       <a:spcBef>
         <a:spcPct val="0"/>
       </a:spcBef>
@@ -78,7 +78,7 @@
         <a:cs typeface="+mn-cs"/>
       </a:defRPr>
     </a:lvl3pPr>
-    <a:lvl4pPr marL="1371544" algn="l" rtl="0" eaLnBrk="0" fontAlgn="base" hangingPunct="0">
+    <a:lvl4pPr marL="1371600" algn="l" rtl="0" eaLnBrk="0" fontAlgn="base" hangingPunct="0">
       <a:spcBef>
         <a:spcPct val="0"/>
       </a:spcBef>
@@ -94,7 +94,7 @@
         <a:cs typeface="+mn-cs"/>
       </a:defRPr>
     </a:lvl4pPr>
-    <a:lvl5pPr marL="1828725" algn="l" rtl="0" eaLnBrk="0" fontAlgn="base" hangingPunct="0">
+    <a:lvl5pPr marL="1828800" algn="l" rtl="0" eaLnBrk="0" fontAlgn="base" hangingPunct="0">
       <a:spcBef>
         <a:spcPct val="0"/>
       </a:spcBef>
@@ -110,7 +110,7 @@
         <a:cs typeface="+mn-cs"/>
       </a:defRPr>
     </a:lvl5pPr>
-    <a:lvl6pPr marL="2285906" algn="l" defTabSz="914362" rtl="0" eaLnBrk="1" latinLnBrk="0" hangingPunct="1">
+    <a:lvl6pPr marL="2286000" algn="l" defTabSz="914400" rtl="0" eaLnBrk="1" latinLnBrk="0" hangingPunct="1">
       <a:defRPr kern="1200">
         <a:solidFill>
           <a:schemeClr val="tx1"/>
@@ -120,7 +120,7 @@
         <a:cs typeface="+mn-cs"/>
       </a:defRPr>
     </a:lvl6pPr>
-    <a:lvl7pPr marL="2743088" algn="l" defTabSz="914362" rtl="0" eaLnBrk="1" latinLnBrk="0" hangingPunct="1">
+    <a:lvl7pPr marL="2743200" algn="l" defTabSz="914400" rtl="0" eaLnBrk="1" latinLnBrk="0" hangingPunct="1">
       <a:defRPr kern="1200">
         <a:solidFill>
           <a:schemeClr val="tx1"/>
@@ -130,7 +130,7 @@
         <a:cs typeface="+mn-cs"/>
       </a:defRPr>
     </a:lvl7pPr>
-    <a:lvl8pPr marL="3200268" algn="l" defTabSz="914362" rtl="0" eaLnBrk="1" latinLnBrk="0" hangingPunct="1">
+    <a:lvl8pPr marL="3200400" algn="l" defTabSz="914400" rtl="0" eaLnBrk="1" latinLnBrk="0" hangingPunct="1">
       <a:defRPr kern="1200">
         <a:solidFill>
           <a:schemeClr val="tx1"/>
@@ -140,7 +140,7 @@
         <a:cs typeface="+mn-cs"/>
       </a:defRPr>
     </a:lvl8pPr>
-    <a:lvl9pPr marL="3657450" algn="l" defTabSz="914362" rtl="0" eaLnBrk="1" latinLnBrk="0" hangingPunct="1">
+    <a:lvl9pPr marL="3657600" algn="l" defTabSz="914400" rtl="0" eaLnBrk="1" latinLnBrk="0" hangingPunct="1">
       <a:defRPr kern="1200">
         <a:solidFill>
           <a:schemeClr val="tx1"/>
@@ -151,22 +151,6 @@
       </a:defRPr>
     </a:lvl9pPr>
   </p:defaultTextStyle>
-  <p:extLst>
-    <p:ext uri="{EFAFB233-063F-42B5-8137-9DF3F51BA10A}">
-      <p15:sldGuideLst xmlns:p15="http://schemas.microsoft.com/office/powerpoint/2012/main">
-        <p15:guide id="1" orient="horz" pos="2160">
-          <p15:clr>
-            <a:srgbClr val="A4A3A4"/>
-          </p15:clr>
-        </p15:guide>
-        <p15:guide id="2" pos="2880">
-          <p15:clr>
-            <a:srgbClr val="A4A3A4"/>
-          </p15:clr>
-        </p15:guide>
-      </p15:sldGuideLst>
-    </p:ext>
-  </p:extLst>
 </p:presentation>
 </file>
 
@@ -279,10 +263,6 @@
             </a:pPr>
             <a:fld id="{A7A476E1-26A7-4374-8E85-622F51A3D903}" type="datetimeFigureOut">
               <a:rPr lang="zh-CN" altLang="en-US"/>
-              <a:pPr>
-                <a:defRPr/>
-              </a:pPr>
-              <a:t>2019/3/19</a:t>
             </a:fld>
             <a:endParaRPr lang="zh-CN" altLang="en-US"/>
           </a:p>
@@ -351,11 +331,7 @@
           </a:prstGeom>
         </p:spPr>
         <p:txBody>
-          <a:bodyPr vert="horz" wrap="square" lIns="91440" tIns="45720" rIns="91440" bIns="45720" numCol="1" anchor="b" anchorCtr="0" compatLnSpc="1">
-            <a:prstTxWarp prst="textNoShape">
-              <a:avLst/>
-            </a:prstTxWarp>
-          </a:bodyPr>
+          <a:bodyPr vert="horz" wrap="square" lIns="91440" tIns="45720" rIns="91440" bIns="45720" numCol="1" anchor="b" anchorCtr="0" compatLnSpc="1"/>
           <a:lstStyle>
             <a:lvl1pPr algn="r" eaLnBrk="1" hangingPunct="1">
               <a:defRPr sz="1200"/>
@@ -367,21 +343,12 @@
             </a:pPr>
             <a:fld id="{19F41E9D-3057-429F-A72C-46641107623D}" type="slidenum">
               <a:rPr lang="zh-CN" altLang="en-US"/>
-              <a:pPr>
-                <a:defRPr/>
-              </a:pPr>
-              <a:t>‹#›</a:t>
             </a:fld>
             <a:endParaRPr lang="zh-CN" altLang="en-US"/>
           </a:p>
         </p:txBody>
       </p:sp>
     </p:spTree>
-    <p:extLst>
-      <p:ext uri="{BB962C8B-B14F-4D97-AF65-F5344CB8AC3E}">
-        <p14:creationId xmlns:p14="http://schemas.microsoft.com/office/powerpoint/2010/main" val="484506826"/>
-      </p:ext>
-    </p:extLst>
   </p:cSld>
   <p:clrMap bg1="lt1" tx1="dk1" bg2="lt2" tx2="dk2" accent1="accent1" accent2="accent2" accent3="accent3" accent4="accent4" accent5="accent5" accent6="accent6" hlink="hlink" folHlink="folHlink"/>
   <p:hf sldNum="0" hdr="0" ftr="0" dt="0"/>
@@ -497,10 +464,6 @@
             </a:pPr>
             <a:fld id="{335B7077-FE34-415F-9DF0-C8A90D96A5FC}" type="datetimeFigureOut">
               <a:rPr lang="zh-CN" altLang="en-US"/>
-              <a:pPr>
-                <a:defRPr/>
-              </a:pPr>
-              <a:t>2019/3/19</a:t>
             </a:fld>
             <a:endParaRPr lang="zh-CN" altLang="en-US"/>
           </a:p>
@@ -568,6 +531,7 @@
               <a:rPr lang="zh-CN" altLang="en-US" noProof="0"/>
               <a:t>单击此处编辑母版文本样式</a:t>
             </a:r>
+            <a:endParaRPr lang="zh-CN" altLang="en-US" noProof="0"/>
           </a:p>
           <a:p>
             <a:pPr lvl="1"/>
@@ -575,6 +539,7 @@
               <a:rPr lang="zh-CN" altLang="en-US" noProof="0"/>
               <a:t>第二级</a:t>
             </a:r>
+            <a:endParaRPr lang="zh-CN" altLang="en-US" noProof="0"/>
           </a:p>
           <a:p>
             <a:pPr lvl="2"/>
@@ -582,6 +547,7 @@
               <a:rPr lang="zh-CN" altLang="en-US" noProof="0"/>
               <a:t>第三级</a:t>
             </a:r>
+            <a:endParaRPr lang="zh-CN" altLang="en-US" noProof="0"/>
           </a:p>
           <a:p>
             <a:pPr lvl="3"/>
@@ -589,6 +555,7 @@
               <a:rPr lang="zh-CN" altLang="en-US" noProof="0"/>
               <a:t>第四级</a:t>
             </a:r>
+            <a:endParaRPr lang="zh-CN" altLang="en-US" noProof="0"/>
           </a:p>
           <a:p>
             <a:pPr lvl="4"/>
@@ -596,6 +563,7 @@
               <a:rPr lang="zh-CN" altLang="en-US" noProof="0"/>
               <a:t>第五级</a:t>
             </a:r>
+            <a:endParaRPr lang="zh-CN" altLang="en-US" noProof="0"/>
           </a:p>
         </p:txBody>
       </p:sp>
@@ -662,11 +630,7 @@
           </a:prstGeom>
         </p:spPr>
         <p:txBody>
-          <a:bodyPr vert="horz" wrap="square" lIns="91440" tIns="45720" rIns="91440" bIns="45720" numCol="1" anchor="b" anchorCtr="0" compatLnSpc="1">
-            <a:prstTxWarp prst="textNoShape">
-              <a:avLst/>
-            </a:prstTxWarp>
-          </a:bodyPr>
+          <a:bodyPr vert="horz" wrap="square" lIns="91440" tIns="45720" rIns="91440" bIns="45720" numCol="1" anchor="b" anchorCtr="0" compatLnSpc="1"/>
           <a:lstStyle>
             <a:lvl1pPr algn="r" eaLnBrk="1" hangingPunct="1">
               <a:defRPr sz="1200"/>
@@ -678,21 +642,12 @@
             </a:pPr>
             <a:fld id="{D3078E79-19C6-4191-81AE-0E25ABA7708C}" type="slidenum">
               <a:rPr lang="zh-CN" altLang="en-US"/>
-              <a:pPr>
-                <a:defRPr/>
-              </a:pPr>
-              <a:t>‹#›</a:t>
             </a:fld>
             <a:endParaRPr lang="zh-CN" altLang="en-US"/>
           </a:p>
         </p:txBody>
       </p:sp>
     </p:spTree>
-    <p:extLst>
-      <p:ext uri="{BB962C8B-B14F-4D97-AF65-F5344CB8AC3E}">
-        <p14:creationId xmlns:p14="http://schemas.microsoft.com/office/powerpoint/2010/main" val="292454729"/>
-      </p:ext>
-    </p:extLst>
   </p:cSld>
   <p:clrMap bg1="lt1" tx1="dk1" bg2="lt2" tx2="dk2" accent1="accent1" accent2="accent2" accent3="accent3" accent4="accent4" accent5="accent5" accent6="accent6" hlink="hlink" folHlink="folHlink"/>
   <p:hf sldNum="0" hdr="0" ftr="0" dt="0"/>
@@ -713,7 +668,7 @@
         <a:cs typeface="+mn-cs"/>
       </a:defRPr>
     </a:lvl1pPr>
-    <a:lvl2pPr marL="457182" algn="l" rtl="0" eaLnBrk="0" fontAlgn="base" hangingPunct="0">
+    <a:lvl2pPr marL="457200" algn="l" rtl="0" eaLnBrk="0" fontAlgn="base" hangingPunct="0">
       <a:spcBef>
         <a:spcPct val="30000"/>
       </a:spcBef>
@@ -729,7 +684,7 @@
         <a:cs typeface="+mn-cs"/>
       </a:defRPr>
     </a:lvl2pPr>
-    <a:lvl3pPr marL="914362" algn="l" rtl="0" eaLnBrk="0" fontAlgn="base" hangingPunct="0">
+    <a:lvl3pPr marL="914400" algn="l" rtl="0" eaLnBrk="0" fontAlgn="base" hangingPunct="0">
       <a:spcBef>
         <a:spcPct val="30000"/>
       </a:spcBef>
@@ -745,7 +700,7 @@
         <a:cs typeface="+mn-cs"/>
       </a:defRPr>
     </a:lvl3pPr>
-    <a:lvl4pPr marL="1371544" algn="l" rtl="0" eaLnBrk="0" fontAlgn="base" hangingPunct="0">
+    <a:lvl4pPr marL="1371600" algn="l" rtl="0" eaLnBrk="0" fontAlgn="base" hangingPunct="0">
       <a:spcBef>
         <a:spcPct val="30000"/>
       </a:spcBef>
@@ -761,7 +716,7 @@
         <a:cs typeface="+mn-cs"/>
       </a:defRPr>
     </a:lvl4pPr>
-    <a:lvl5pPr marL="1828725" algn="l" rtl="0" eaLnBrk="0" fontAlgn="base" hangingPunct="0">
+    <a:lvl5pPr marL="1828800" algn="l" rtl="0" eaLnBrk="0" fontAlgn="base" hangingPunct="0">
       <a:spcBef>
         <a:spcPct val="30000"/>
       </a:spcBef>
@@ -777,7 +732,7 @@
         <a:cs typeface="+mn-cs"/>
       </a:defRPr>
     </a:lvl5pPr>
-    <a:lvl6pPr marL="2285906" algn="l" defTabSz="914362" rtl="0" eaLnBrk="1" latinLnBrk="0" hangingPunct="1">
+    <a:lvl6pPr marL="2286000" algn="l" defTabSz="914400" rtl="0" eaLnBrk="1" latinLnBrk="0" hangingPunct="1">
       <a:defRPr sz="1200" kern="1200">
         <a:solidFill>
           <a:schemeClr val="tx1"/>
@@ -787,7 +742,7 @@
         <a:cs typeface="+mn-cs"/>
       </a:defRPr>
     </a:lvl6pPr>
-    <a:lvl7pPr marL="2743088" algn="l" defTabSz="914362" rtl="0" eaLnBrk="1" latinLnBrk="0" hangingPunct="1">
+    <a:lvl7pPr marL="2743200" algn="l" defTabSz="914400" rtl="0" eaLnBrk="1" latinLnBrk="0" hangingPunct="1">
       <a:defRPr sz="1200" kern="1200">
         <a:solidFill>
           <a:schemeClr val="tx1"/>
@@ -797,7 +752,7 @@
         <a:cs typeface="+mn-cs"/>
       </a:defRPr>
     </a:lvl7pPr>
-    <a:lvl8pPr marL="3200268" algn="l" defTabSz="914362" rtl="0" eaLnBrk="1" latinLnBrk="0" hangingPunct="1">
+    <a:lvl8pPr marL="3200400" algn="l" defTabSz="914400" rtl="0" eaLnBrk="1" latinLnBrk="0" hangingPunct="1">
       <a:defRPr sz="1200" kern="1200">
         <a:solidFill>
           <a:schemeClr val="tx1"/>
@@ -807,7 +762,7 @@
         <a:cs typeface="+mn-cs"/>
       </a:defRPr>
     </a:lvl8pPr>
-    <a:lvl9pPr marL="3657450" algn="l" defTabSz="914362" rtl="0" eaLnBrk="1" latinLnBrk="0" hangingPunct="1">
+    <a:lvl9pPr marL="3657600" algn="l" defTabSz="914400" rtl="0" eaLnBrk="1" latinLnBrk="0" hangingPunct="1">
       <a:defRPr sz="1200" kern="1200">
         <a:solidFill>
           <a:schemeClr val="tx1"/>
@@ -855,18 +810,7 @@
               <a:srgbClr val="000000"/>
             </a:solidFill>
             <a:miter lim="800000"/>
-            <a:headEnd/>
-            <a:tailEnd/>
           </a:ln>
-          <a:extLst>
-            <a:ext uri="{909E8E84-426E-40dd-AFC4-6F175D3DCCD1}">
-              <a14:hiddenFill xmlns:a14="http://schemas.microsoft.com/office/drawing/2010/main" xmlns="">
-                <a:solidFill>
-                  <a:srgbClr val="FFFFFF"/>
-                </a:solidFill>
-              </a14:hiddenFill>
-            </a:ext>
-          </a:extLst>
         </p:spPr>
       </p:sp>
       <p:sp>
@@ -881,32 +825,9 @@
         </p:nvSpPr>
         <p:spPr bwMode="auto">
           <a:noFill/>
-          <a:extLst>
-            <a:ext uri="{909E8E84-426E-40dd-AFC4-6F175D3DCCD1}">
-              <a14:hiddenFill xmlns:a14="http://schemas.microsoft.com/office/drawing/2010/main" xmlns="">
-                <a:solidFill>
-                  <a:srgbClr val="FFFFFF"/>
-                </a:solidFill>
-              </a14:hiddenFill>
-            </a:ext>
-            <a:ext uri="{91240B29-F687-4f45-9708-019B960494DF}">
-              <a14:hiddenLine xmlns:a14="http://schemas.microsoft.com/office/drawing/2010/main" xmlns="" w="9525">
-                <a:solidFill>
-                  <a:srgbClr val="000000"/>
-                </a:solidFill>
-                <a:miter lim="800000"/>
-                <a:headEnd/>
-                <a:tailEnd/>
-              </a14:hiddenLine>
-            </a:ext>
-          </a:extLst>
         </p:spPr>
         <p:txBody>
-          <a:bodyPr wrap="square" numCol="1" anchor="t" anchorCtr="0" compatLnSpc="1">
-            <a:prstTxWarp prst="textNoShape">
-              <a:avLst/>
-            </a:prstTxWarp>
-          </a:bodyPr>
+          <a:bodyPr wrap="square" numCol="1" anchor="t" anchorCtr="0" compatLnSpc="1"/>
           <a:lstStyle/>
           <a:p>
             <a:endParaRPr lang="zh-CN" altLang="en-US" dirty="0"/>
@@ -926,8 +847,6 @@
         <p:spPr bwMode="auto">
           <a:ln>
             <a:miter lim="800000"/>
-            <a:headEnd/>
-            <a:tailEnd/>
           </a:ln>
         </p:spPr>
         <p:txBody>
@@ -1045,8 +964,6 @@
               <a:rPr lang="zh-CN" altLang="en-US">
                 <a:latin typeface="Calibri" panose="020F0502020204030204" pitchFamily="34" charset="0"/>
               </a:rPr>
-              <a:pPr eaLnBrk="1" hangingPunct="1"/>
-              <a:t>2</a:t>
             </a:fld>
             <a:endParaRPr lang="en-US" altLang="zh-CN">
               <a:latin typeface="Calibri" panose="020F0502020204030204" pitchFamily="34" charset="0"/>
@@ -1055,11 +972,6 @@
         </p:txBody>
       </p:sp>
     </p:spTree>
-    <p:extLst>
-      <p:ext uri="{BB962C8B-B14F-4D97-AF65-F5344CB8AC3E}">
-        <p14:creationId xmlns:p14="http://schemas.microsoft.com/office/powerpoint/2010/main" val="1067518200"/>
-      </p:ext>
-    </p:extLst>
   </p:cSld>
   <p:clrMapOvr>
     <a:masterClrMapping/>
@@ -1101,18 +1013,7 @@
               <a:srgbClr val="000000"/>
             </a:solidFill>
             <a:miter lim="800000"/>
-            <a:headEnd/>
-            <a:tailEnd/>
           </a:ln>
-          <a:extLst>
-            <a:ext uri="{909E8E84-426E-40dd-AFC4-6F175D3DCCD1}">
-              <a14:hiddenFill xmlns:a14="http://schemas.microsoft.com/office/drawing/2010/main" xmlns="">
-                <a:solidFill>
-                  <a:srgbClr val="FFFFFF"/>
-                </a:solidFill>
-              </a14:hiddenFill>
-            </a:ext>
-          </a:extLst>
         </p:spPr>
       </p:sp>
       <p:sp>
@@ -1127,32 +1028,9 @@
         </p:nvSpPr>
         <p:spPr bwMode="auto">
           <a:noFill/>
-          <a:extLst>
-            <a:ext uri="{909E8E84-426E-40dd-AFC4-6F175D3DCCD1}">
-              <a14:hiddenFill xmlns:a14="http://schemas.microsoft.com/office/drawing/2010/main" xmlns="">
-                <a:solidFill>
-                  <a:srgbClr val="FFFFFF"/>
-                </a:solidFill>
-              </a14:hiddenFill>
-            </a:ext>
-            <a:ext uri="{91240B29-F687-4f45-9708-019B960494DF}">
-              <a14:hiddenLine xmlns:a14="http://schemas.microsoft.com/office/drawing/2010/main" xmlns="" w="9525">
-                <a:solidFill>
-                  <a:srgbClr val="000000"/>
-                </a:solidFill>
-                <a:miter lim="800000"/>
-                <a:headEnd/>
-                <a:tailEnd/>
-              </a14:hiddenLine>
-            </a:ext>
-          </a:extLst>
         </p:spPr>
         <p:txBody>
-          <a:bodyPr wrap="square" numCol="1" anchor="t" anchorCtr="0" compatLnSpc="1">
-            <a:prstTxWarp prst="textNoShape">
-              <a:avLst/>
-            </a:prstTxWarp>
-          </a:bodyPr>
+          <a:bodyPr wrap="square" numCol="1" anchor="t" anchorCtr="0" compatLnSpc="1"/>
           <a:lstStyle/>
           <a:p>
             <a:endParaRPr lang="zh-CN" altLang="en-US" dirty="0"/>
@@ -1172,8 +1050,6 @@
         <p:spPr bwMode="auto">
           <a:ln>
             <a:miter lim="800000"/>
-            <a:headEnd/>
-            <a:tailEnd/>
           </a:ln>
         </p:spPr>
         <p:txBody>
@@ -1291,8 +1167,6 @@
               <a:rPr lang="zh-CN" altLang="en-US">
                 <a:latin typeface="Calibri" panose="020F0502020204030204" pitchFamily="34" charset="0"/>
               </a:rPr>
-              <a:pPr eaLnBrk="1" hangingPunct="1"/>
-              <a:t>11</a:t>
             </a:fld>
             <a:endParaRPr lang="en-US" altLang="zh-CN">
               <a:latin typeface="Calibri" panose="020F0502020204030204" pitchFamily="34" charset="0"/>
@@ -1301,11 +1175,6 @@
         </p:txBody>
       </p:sp>
     </p:spTree>
-    <p:extLst>
-      <p:ext uri="{BB962C8B-B14F-4D97-AF65-F5344CB8AC3E}">
-        <p14:creationId xmlns:p14="http://schemas.microsoft.com/office/powerpoint/2010/main" val="1022029794"/>
-      </p:ext>
-    </p:extLst>
   </p:cSld>
   <p:clrMapOvr>
     <a:masterClrMapping/>
@@ -1347,18 +1216,7 @@
               <a:srgbClr val="000000"/>
             </a:solidFill>
             <a:miter lim="800000"/>
-            <a:headEnd/>
-            <a:tailEnd/>
           </a:ln>
-          <a:extLst>
-            <a:ext uri="{909E8E84-426E-40dd-AFC4-6F175D3DCCD1}">
-              <a14:hiddenFill xmlns:a14="http://schemas.microsoft.com/office/drawing/2010/main" xmlns="">
-                <a:solidFill>
-                  <a:srgbClr val="FFFFFF"/>
-                </a:solidFill>
-              </a14:hiddenFill>
-            </a:ext>
-          </a:extLst>
         </p:spPr>
       </p:sp>
       <p:sp>
@@ -1373,32 +1231,9 @@
         </p:nvSpPr>
         <p:spPr bwMode="auto">
           <a:noFill/>
-          <a:extLst>
-            <a:ext uri="{909E8E84-426E-40dd-AFC4-6F175D3DCCD1}">
-              <a14:hiddenFill xmlns:a14="http://schemas.microsoft.com/office/drawing/2010/main" xmlns="">
-                <a:solidFill>
-                  <a:srgbClr val="FFFFFF"/>
-                </a:solidFill>
-              </a14:hiddenFill>
-            </a:ext>
-            <a:ext uri="{91240B29-F687-4f45-9708-019B960494DF}">
-              <a14:hiddenLine xmlns:a14="http://schemas.microsoft.com/office/drawing/2010/main" xmlns="" w="9525">
-                <a:solidFill>
-                  <a:srgbClr val="000000"/>
-                </a:solidFill>
-                <a:miter lim="800000"/>
-                <a:headEnd/>
-                <a:tailEnd/>
-              </a14:hiddenLine>
-            </a:ext>
-          </a:extLst>
         </p:spPr>
         <p:txBody>
-          <a:bodyPr wrap="square" numCol="1" anchor="t" anchorCtr="0" compatLnSpc="1">
-            <a:prstTxWarp prst="textNoShape">
-              <a:avLst/>
-            </a:prstTxWarp>
-          </a:bodyPr>
+          <a:bodyPr wrap="square" numCol="1" anchor="t" anchorCtr="0" compatLnSpc="1"/>
           <a:lstStyle/>
           <a:p>
             <a:endParaRPr lang="zh-CN" altLang="en-US" dirty="0"/>
@@ -1418,8 +1253,6 @@
         <p:spPr bwMode="auto">
           <a:ln>
             <a:miter lim="800000"/>
-            <a:headEnd/>
-            <a:tailEnd/>
           </a:ln>
         </p:spPr>
         <p:txBody>
@@ -1537,8 +1370,6 @@
               <a:rPr lang="zh-CN" altLang="en-US">
                 <a:latin typeface="Calibri" panose="020F0502020204030204" pitchFamily="34" charset="0"/>
               </a:rPr>
-              <a:pPr eaLnBrk="1" hangingPunct="1"/>
-              <a:t>12</a:t>
             </a:fld>
             <a:endParaRPr lang="en-US" altLang="zh-CN">
               <a:latin typeface="Calibri" panose="020F0502020204030204" pitchFamily="34" charset="0"/>
@@ -1547,11 +1378,6 @@
         </p:txBody>
       </p:sp>
     </p:spTree>
-    <p:extLst>
-      <p:ext uri="{BB962C8B-B14F-4D97-AF65-F5344CB8AC3E}">
-        <p14:creationId xmlns:p14="http://schemas.microsoft.com/office/powerpoint/2010/main" val="3497717437"/>
-      </p:ext>
-    </p:extLst>
   </p:cSld>
   <p:clrMapOvr>
     <a:masterClrMapping/>
@@ -1593,18 +1419,7 @@
               <a:srgbClr val="000000"/>
             </a:solidFill>
             <a:miter lim="800000"/>
-            <a:headEnd/>
-            <a:tailEnd/>
           </a:ln>
-          <a:extLst>
-            <a:ext uri="{909E8E84-426E-40dd-AFC4-6F175D3DCCD1}">
-              <a14:hiddenFill xmlns:a14="http://schemas.microsoft.com/office/drawing/2010/main" xmlns="">
-                <a:solidFill>
-                  <a:srgbClr val="FFFFFF"/>
-                </a:solidFill>
-              </a14:hiddenFill>
-            </a:ext>
-          </a:extLst>
         </p:spPr>
       </p:sp>
       <p:sp>
@@ -1619,32 +1434,9 @@
         </p:nvSpPr>
         <p:spPr bwMode="auto">
           <a:noFill/>
-          <a:extLst>
-            <a:ext uri="{909E8E84-426E-40dd-AFC4-6F175D3DCCD1}">
-              <a14:hiddenFill xmlns:a14="http://schemas.microsoft.com/office/drawing/2010/main" xmlns="">
-                <a:solidFill>
-                  <a:srgbClr val="FFFFFF"/>
-                </a:solidFill>
-              </a14:hiddenFill>
-            </a:ext>
-            <a:ext uri="{91240B29-F687-4f45-9708-019B960494DF}">
-              <a14:hiddenLine xmlns:a14="http://schemas.microsoft.com/office/drawing/2010/main" xmlns="" w="9525">
-                <a:solidFill>
-                  <a:srgbClr val="000000"/>
-                </a:solidFill>
-                <a:miter lim="800000"/>
-                <a:headEnd/>
-                <a:tailEnd/>
-              </a14:hiddenLine>
-            </a:ext>
-          </a:extLst>
         </p:spPr>
         <p:txBody>
-          <a:bodyPr wrap="square" numCol="1" anchor="t" anchorCtr="0" compatLnSpc="1">
-            <a:prstTxWarp prst="textNoShape">
-              <a:avLst/>
-            </a:prstTxWarp>
-          </a:bodyPr>
+          <a:bodyPr wrap="square" numCol="1" anchor="t" anchorCtr="0" compatLnSpc="1"/>
           <a:lstStyle/>
           <a:p>
             <a:endParaRPr lang="zh-CN" altLang="en-US" dirty="0"/>
@@ -1664,8 +1456,6 @@
         <p:spPr bwMode="auto">
           <a:ln>
             <a:miter lim="800000"/>
-            <a:headEnd/>
-            <a:tailEnd/>
           </a:ln>
         </p:spPr>
         <p:txBody>
@@ -1783,8 +1573,6 @@
               <a:rPr lang="zh-CN" altLang="en-US">
                 <a:latin typeface="Calibri" panose="020F0502020204030204" pitchFamily="34" charset="0"/>
               </a:rPr>
-              <a:pPr eaLnBrk="1" hangingPunct="1"/>
-              <a:t>3</a:t>
             </a:fld>
             <a:endParaRPr lang="en-US" altLang="zh-CN">
               <a:latin typeface="Calibri" panose="020F0502020204030204" pitchFamily="34" charset="0"/>
@@ -1793,11 +1581,6 @@
         </p:txBody>
       </p:sp>
     </p:spTree>
-    <p:extLst>
-      <p:ext uri="{BB962C8B-B14F-4D97-AF65-F5344CB8AC3E}">
-        <p14:creationId xmlns:p14="http://schemas.microsoft.com/office/powerpoint/2010/main" val="4178249618"/>
-      </p:ext>
-    </p:extLst>
   </p:cSld>
   <p:clrMapOvr>
     <a:masterClrMapping/>
@@ -1839,18 +1622,7 @@
               <a:srgbClr val="000000"/>
             </a:solidFill>
             <a:miter lim="800000"/>
-            <a:headEnd/>
-            <a:tailEnd/>
           </a:ln>
-          <a:extLst>
-            <a:ext uri="{909E8E84-426E-40dd-AFC4-6F175D3DCCD1}">
-              <a14:hiddenFill xmlns:a14="http://schemas.microsoft.com/office/drawing/2010/main" xmlns="">
-                <a:solidFill>
-                  <a:srgbClr val="FFFFFF"/>
-                </a:solidFill>
-              </a14:hiddenFill>
-            </a:ext>
-          </a:extLst>
         </p:spPr>
       </p:sp>
       <p:sp>
@@ -1865,32 +1637,9 @@
         </p:nvSpPr>
         <p:spPr bwMode="auto">
           <a:noFill/>
-          <a:extLst>
-            <a:ext uri="{909E8E84-426E-40dd-AFC4-6F175D3DCCD1}">
-              <a14:hiddenFill xmlns:a14="http://schemas.microsoft.com/office/drawing/2010/main" xmlns="">
-                <a:solidFill>
-                  <a:srgbClr val="FFFFFF"/>
-                </a:solidFill>
-              </a14:hiddenFill>
-            </a:ext>
-            <a:ext uri="{91240B29-F687-4f45-9708-019B960494DF}">
-              <a14:hiddenLine xmlns:a14="http://schemas.microsoft.com/office/drawing/2010/main" xmlns="" w="9525">
-                <a:solidFill>
-                  <a:srgbClr val="000000"/>
-                </a:solidFill>
-                <a:miter lim="800000"/>
-                <a:headEnd/>
-                <a:tailEnd/>
-              </a14:hiddenLine>
-            </a:ext>
-          </a:extLst>
         </p:spPr>
         <p:txBody>
-          <a:bodyPr wrap="square" numCol="1" anchor="t" anchorCtr="0" compatLnSpc="1">
-            <a:prstTxWarp prst="textNoShape">
-              <a:avLst/>
-            </a:prstTxWarp>
-          </a:bodyPr>
+          <a:bodyPr wrap="square" numCol="1" anchor="t" anchorCtr="0" compatLnSpc="1"/>
           <a:lstStyle/>
           <a:p>
             <a:endParaRPr lang="zh-CN" altLang="en-US" dirty="0"/>
@@ -1910,8 +1659,6 @@
         <p:spPr bwMode="auto">
           <a:ln>
             <a:miter lim="800000"/>
-            <a:headEnd/>
-            <a:tailEnd/>
           </a:ln>
         </p:spPr>
         <p:txBody>
@@ -2029,8 +1776,6 @@
               <a:rPr lang="zh-CN" altLang="en-US">
                 <a:latin typeface="Calibri" panose="020F0502020204030204" pitchFamily="34" charset="0"/>
               </a:rPr>
-              <a:pPr eaLnBrk="1" hangingPunct="1"/>
-              <a:t>4</a:t>
             </a:fld>
             <a:endParaRPr lang="en-US" altLang="zh-CN">
               <a:latin typeface="Calibri" panose="020F0502020204030204" pitchFamily="34" charset="0"/>
@@ -2039,11 +1784,6 @@
         </p:txBody>
       </p:sp>
     </p:spTree>
-    <p:extLst>
-      <p:ext uri="{BB962C8B-B14F-4D97-AF65-F5344CB8AC3E}">
-        <p14:creationId xmlns:p14="http://schemas.microsoft.com/office/powerpoint/2010/main" val="1541957137"/>
-      </p:ext>
-    </p:extLst>
   </p:cSld>
   <p:clrMapOvr>
     <a:masterClrMapping/>
@@ -2085,18 +1825,7 @@
               <a:srgbClr val="000000"/>
             </a:solidFill>
             <a:miter lim="800000"/>
-            <a:headEnd/>
-            <a:tailEnd/>
           </a:ln>
-          <a:extLst>
-            <a:ext uri="{909E8E84-426E-40dd-AFC4-6F175D3DCCD1}">
-              <a14:hiddenFill xmlns:a14="http://schemas.microsoft.com/office/drawing/2010/main" xmlns="">
-                <a:solidFill>
-                  <a:srgbClr val="FFFFFF"/>
-                </a:solidFill>
-              </a14:hiddenFill>
-            </a:ext>
-          </a:extLst>
         </p:spPr>
       </p:sp>
       <p:sp>
@@ -2111,32 +1840,9 @@
         </p:nvSpPr>
         <p:spPr bwMode="auto">
           <a:noFill/>
-          <a:extLst>
-            <a:ext uri="{909E8E84-426E-40dd-AFC4-6F175D3DCCD1}">
-              <a14:hiddenFill xmlns:a14="http://schemas.microsoft.com/office/drawing/2010/main" xmlns="">
-                <a:solidFill>
-                  <a:srgbClr val="FFFFFF"/>
-                </a:solidFill>
-              </a14:hiddenFill>
-            </a:ext>
-            <a:ext uri="{91240B29-F687-4f45-9708-019B960494DF}">
-              <a14:hiddenLine xmlns:a14="http://schemas.microsoft.com/office/drawing/2010/main" xmlns="" w="9525">
-                <a:solidFill>
-                  <a:srgbClr val="000000"/>
-                </a:solidFill>
-                <a:miter lim="800000"/>
-                <a:headEnd/>
-                <a:tailEnd/>
-              </a14:hiddenLine>
-            </a:ext>
-          </a:extLst>
         </p:spPr>
         <p:txBody>
-          <a:bodyPr wrap="square" numCol="1" anchor="t" anchorCtr="0" compatLnSpc="1">
-            <a:prstTxWarp prst="textNoShape">
-              <a:avLst/>
-            </a:prstTxWarp>
-          </a:bodyPr>
+          <a:bodyPr wrap="square" numCol="1" anchor="t" anchorCtr="0" compatLnSpc="1"/>
           <a:lstStyle/>
           <a:p>
             <a:endParaRPr lang="zh-CN" altLang="en-US" dirty="0"/>
@@ -2156,8 +1862,6 @@
         <p:spPr bwMode="auto">
           <a:ln>
             <a:miter lim="800000"/>
-            <a:headEnd/>
-            <a:tailEnd/>
           </a:ln>
         </p:spPr>
         <p:txBody>
@@ -2275,8 +1979,6 @@
               <a:rPr lang="zh-CN" altLang="en-US">
                 <a:latin typeface="Calibri" panose="020F0502020204030204" pitchFamily="34" charset="0"/>
               </a:rPr>
-              <a:pPr eaLnBrk="1" hangingPunct="1"/>
-              <a:t>5</a:t>
             </a:fld>
             <a:endParaRPr lang="en-US" altLang="zh-CN">
               <a:latin typeface="Calibri" panose="020F0502020204030204" pitchFamily="34" charset="0"/>
@@ -2285,11 +1987,6 @@
         </p:txBody>
       </p:sp>
     </p:spTree>
-    <p:extLst>
-      <p:ext uri="{BB962C8B-B14F-4D97-AF65-F5344CB8AC3E}">
-        <p14:creationId xmlns:p14="http://schemas.microsoft.com/office/powerpoint/2010/main" val="3871266543"/>
-      </p:ext>
-    </p:extLst>
   </p:cSld>
   <p:clrMapOvr>
     <a:masterClrMapping/>
@@ -2331,18 +2028,7 @@
               <a:srgbClr val="000000"/>
             </a:solidFill>
             <a:miter lim="800000"/>
-            <a:headEnd/>
-            <a:tailEnd/>
           </a:ln>
-          <a:extLst>
-            <a:ext uri="{909E8E84-426E-40dd-AFC4-6F175D3DCCD1}">
-              <a14:hiddenFill xmlns:a14="http://schemas.microsoft.com/office/drawing/2010/main" xmlns="">
-                <a:solidFill>
-                  <a:srgbClr val="FFFFFF"/>
-                </a:solidFill>
-              </a14:hiddenFill>
-            </a:ext>
-          </a:extLst>
         </p:spPr>
       </p:sp>
       <p:sp>
@@ -2357,32 +2043,9 @@
         </p:nvSpPr>
         <p:spPr bwMode="auto">
           <a:noFill/>
-          <a:extLst>
-            <a:ext uri="{909E8E84-426E-40dd-AFC4-6F175D3DCCD1}">
-              <a14:hiddenFill xmlns:a14="http://schemas.microsoft.com/office/drawing/2010/main" xmlns="">
-                <a:solidFill>
-                  <a:srgbClr val="FFFFFF"/>
-                </a:solidFill>
-              </a14:hiddenFill>
-            </a:ext>
-            <a:ext uri="{91240B29-F687-4f45-9708-019B960494DF}">
-              <a14:hiddenLine xmlns:a14="http://schemas.microsoft.com/office/drawing/2010/main" xmlns="" w="9525">
-                <a:solidFill>
-                  <a:srgbClr val="000000"/>
-                </a:solidFill>
-                <a:miter lim="800000"/>
-                <a:headEnd/>
-                <a:tailEnd/>
-              </a14:hiddenLine>
-            </a:ext>
-          </a:extLst>
         </p:spPr>
         <p:txBody>
-          <a:bodyPr wrap="square" numCol="1" anchor="t" anchorCtr="0" compatLnSpc="1">
-            <a:prstTxWarp prst="textNoShape">
-              <a:avLst/>
-            </a:prstTxWarp>
-          </a:bodyPr>
+          <a:bodyPr wrap="square" numCol="1" anchor="t" anchorCtr="0" compatLnSpc="1"/>
           <a:lstStyle/>
           <a:p>
             <a:endParaRPr lang="zh-CN" altLang="en-US" dirty="0"/>
@@ -2402,8 +2065,6 @@
         <p:spPr bwMode="auto">
           <a:ln>
             <a:miter lim="800000"/>
-            <a:headEnd/>
-            <a:tailEnd/>
           </a:ln>
         </p:spPr>
         <p:txBody>
@@ -2521,8 +2182,6 @@
               <a:rPr lang="zh-CN" altLang="en-US">
                 <a:latin typeface="Calibri" panose="020F0502020204030204" pitchFamily="34" charset="0"/>
               </a:rPr>
-              <a:pPr eaLnBrk="1" hangingPunct="1"/>
-              <a:t>6</a:t>
             </a:fld>
             <a:endParaRPr lang="en-US" altLang="zh-CN">
               <a:latin typeface="Calibri" panose="020F0502020204030204" pitchFamily="34" charset="0"/>
@@ -2531,11 +2190,6 @@
         </p:txBody>
       </p:sp>
     </p:spTree>
-    <p:extLst>
-      <p:ext uri="{BB962C8B-B14F-4D97-AF65-F5344CB8AC3E}">
-        <p14:creationId xmlns:p14="http://schemas.microsoft.com/office/powerpoint/2010/main" val="2727377773"/>
-      </p:ext>
-    </p:extLst>
   </p:cSld>
   <p:clrMapOvr>
     <a:masterClrMapping/>
@@ -2577,18 +2231,7 @@
               <a:srgbClr val="000000"/>
             </a:solidFill>
             <a:miter lim="800000"/>
-            <a:headEnd/>
-            <a:tailEnd/>
           </a:ln>
-          <a:extLst>
-            <a:ext uri="{909E8E84-426E-40dd-AFC4-6F175D3DCCD1}">
-              <a14:hiddenFill xmlns:a14="http://schemas.microsoft.com/office/drawing/2010/main" xmlns="">
-                <a:solidFill>
-                  <a:srgbClr val="FFFFFF"/>
-                </a:solidFill>
-              </a14:hiddenFill>
-            </a:ext>
-          </a:extLst>
         </p:spPr>
       </p:sp>
       <p:sp>
@@ -2603,32 +2246,9 @@
         </p:nvSpPr>
         <p:spPr bwMode="auto">
           <a:noFill/>
-          <a:extLst>
-            <a:ext uri="{909E8E84-426E-40dd-AFC4-6F175D3DCCD1}">
-              <a14:hiddenFill xmlns:a14="http://schemas.microsoft.com/office/drawing/2010/main" xmlns="">
-                <a:solidFill>
-                  <a:srgbClr val="FFFFFF"/>
-                </a:solidFill>
-              </a14:hiddenFill>
-            </a:ext>
-            <a:ext uri="{91240B29-F687-4f45-9708-019B960494DF}">
-              <a14:hiddenLine xmlns:a14="http://schemas.microsoft.com/office/drawing/2010/main" xmlns="" w="9525">
-                <a:solidFill>
-                  <a:srgbClr val="000000"/>
-                </a:solidFill>
-                <a:miter lim="800000"/>
-                <a:headEnd/>
-                <a:tailEnd/>
-              </a14:hiddenLine>
-            </a:ext>
-          </a:extLst>
         </p:spPr>
         <p:txBody>
-          <a:bodyPr wrap="square" numCol="1" anchor="t" anchorCtr="0" compatLnSpc="1">
-            <a:prstTxWarp prst="textNoShape">
-              <a:avLst/>
-            </a:prstTxWarp>
-          </a:bodyPr>
+          <a:bodyPr wrap="square" numCol="1" anchor="t" anchorCtr="0" compatLnSpc="1"/>
           <a:lstStyle/>
           <a:p>
             <a:endParaRPr lang="zh-CN" altLang="en-US" dirty="0"/>
@@ -2648,8 +2268,6 @@
         <p:spPr bwMode="auto">
           <a:ln>
             <a:miter lim="800000"/>
-            <a:headEnd/>
-            <a:tailEnd/>
           </a:ln>
         </p:spPr>
         <p:txBody>
@@ -2767,8 +2385,6 @@
               <a:rPr lang="zh-CN" altLang="en-US">
                 <a:latin typeface="Calibri" panose="020F0502020204030204" pitchFamily="34" charset="0"/>
               </a:rPr>
-              <a:pPr eaLnBrk="1" hangingPunct="1"/>
-              <a:t>7</a:t>
             </a:fld>
             <a:endParaRPr lang="en-US" altLang="zh-CN">
               <a:latin typeface="Calibri" panose="020F0502020204030204" pitchFamily="34" charset="0"/>
@@ -2777,11 +2393,6 @@
         </p:txBody>
       </p:sp>
     </p:spTree>
-    <p:extLst>
-      <p:ext uri="{BB962C8B-B14F-4D97-AF65-F5344CB8AC3E}">
-        <p14:creationId xmlns:p14="http://schemas.microsoft.com/office/powerpoint/2010/main" val="3395394814"/>
-      </p:ext>
-    </p:extLst>
   </p:cSld>
   <p:clrMapOvr>
     <a:masterClrMapping/>
@@ -2823,18 +2434,7 @@
               <a:srgbClr val="000000"/>
             </a:solidFill>
             <a:miter lim="800000"/>
-            <a:headEnd/>
-            <a:tailEnd/>
           </a:ln>
-          <a:extLst>
-            <a:ext uri="{909E8E84-426E-40dd-AFC4-6F175D3DCCD1}">
-              <a14:hiddenFill xmlns:a14="http://schemas.microsoft.com/office/drawing/2010/main" xmlns="">
-                <a:solidFill>
-                  <a:srgbClr val="FFFFFF"/>
-                </a:solidFill>
-              </a14:hiddenFill>
-            </a:ext>
-          </a:extLst>
         </p:spPr>
       </p:sp>
       <p:sp>
@@ -2849,32 +2449,9 @@
         </p:nvSpPr>
         <p:spPr bwMode="auto">
           <a:noFill/>
-          <a:extLst>
-            <a:ext uri="{909E8E84-426E-40dd-AFC4-6F175D3DCCD1}">
-              <a14:hiddenFill xmlns:a14="http://schemas.microsoft.com/office/drawing/2010/main" xmlns="">
-                <a:solidFill>
-                  <a:srgbClr val="FFFFFF"/>
-                </a:solidFill>
-              </a14:hiddenFill>
-            </a:ext>
-            <a:ext uri="{91240B29-F687-4f45-9708-019B960494DF}">
-              <a14:hiddenLine xmlns:a14="http://schemas.microsoft.com/office/drawing/2010/main" xmlns="" w="9525">
-                <a:solidFill>
-                  <a:srgbClr val="000000"/>
-                </a:solidFill>
-                <a:miter lim="800000"/>
-                <a:headEnd/>
-                <a:tailEnd/>
-              </a14:hiddenLine>
-            </a:ext>
-          </a:extLst>
         </p:spPr>
         <p:txBody>
-          <a:bodyPr wrap="square" numCol="1" anchor="t" anchorCtr="0" compatLnSpc="1">
-            <a:prstTxWarp prst="textNoShape">
-              <a:avLst/>
-            </a:prstTxWarp>
-          </a:bodyPr>
+          <a:bodyPr wrap="square" numCol="1" anchor="t" anchorCtr="0" compatLnSpc="1"/>
           <a:lstStyle/>
           <a:p>
             <a:endParaRPr lang="zh-CN" altLang="en-US" dirty="0"/>
@@ -2894,8 +2471,6 @@
         <p:spPr bwMode="auto">
           <a:ln>
             <a:miter lim="800000"/>
-            <a:headEnd/>
-            <a:tailEnd/>
           </a:ln>
         </p:spPr>
         <p:txBody>
@@ -3013,8 +2588,6 @@
               <a:rPr lang="zh-CN" altLang="en-US">
                 <a:latin typeface="Calibri" panose="020F0502020204030204" pitchFamily="34" charset="0"/>
               </a:rPr>
-              <a:pPr eaLnBrk="1" hangingPunct="1"/>
-              <a:t>8</a:t>
             </a:fld>
             <a:endParaRPr lang="en-US" altLang="zh-CN">
               <a:latin typeface="Calibri" panose="020F0502020204030204" pitchFamily="34" charset="0"/>
@@ -3023,11 +2596,6 @@
         </p:txBody>
       </p:sp>
     </p:spTree>
-    <p:extLst>
-      <p:ext uri="{BB962C8B-B14F-4D97-AF65-F5344CB8AC3E}">
-        <p14:creationId xmlns:p14="http://schemas.microsoft.com/office/powerpoint/2010/main" val="2889585838"/>
-      </p:ext>
-    </p:extLst>
   </p:cSld>
   <p:clrMapOvr>
     <a:masterClrMapping/>
@@ -3069,18 +2637,7 @@
               <a:srgbClr val="000000"/>
             </a:solidFill>
             <a:miter lim="800000"/>
-            <a:headEnd/>
-            <a:tailEnd/>
           </a:ln>
-          <a:extLst>
-            <a:ext uri="{909E8E84-426E-40dd-AFC4-6F175D3DCCD1}">
-              <a14:hiddenFill xmlns:a14="http://schemas.microsoft.com/office/drawing/2010/main" xmlns="">
-                <a:solidFill>
-                  <a:srgbClr val="FFFFFF"/>
-                </a:solidFill>
-              </a14:hiddenFill>
-            </a:ext>
-          </a:extLst>
         </p:spPr>
       </p:sp>
       <p:sp>
@@ -3095,38 +2652,16 @@
         </p:nvSpPr>
         <p:spPr bwMode="auto">
           <a:noFill/>
-          <a:extLst>
-            <a:ext uri="{909E8E84-426E-40dd-AFC4-6F175D3DCCD1}">
-              <a14:hiddenFill xmlns:a14="http://schemas.microsoft.com/office/drawing/2010/main" xmlns="">
-                <a:solidFill>
-                  <a:srgbClr val="FFFFFF"/>
-                </a:solidFill>
-              </a14:hiddenFill>
-            </a:ext>
-            <a:ext uri="{91240B29-F687-4f45-9708-019B960494DF}">
-              <a14:hiddenLine xmlns:a14="http://schemas.microsoft.com/office/drawing/2010/main" xmlns="" w="9525">
-                <a:solidFill>
-                  <a:srgbClr val="000000"/>
-                </a:solidFill>
-                <a:miter lim="800000"/>
-                <a:headEnd/>
-                <a:tailEnd/>
-              </a14:hiddenLine>
-            </a:ext>
-          </a:extLst>
         </p:spPr>
         <p:txBody>
-          <a:bodyPr wrap="square" numCol="1" anchor="t" anchorCtr="0" compatLnSpc="1">
-            <a:prstTxWarp prst="textNoShape">
-              <a:avLst/>
-            </a:prstTxWarp>
-          </a:bodyPr>
+          <a:bodyPr wrap="square" numCol="1" anchor="t" anchorCtr="0" compatLnSpc="1"/>
           <a:lstStyle/>
           <a:p>
             <a:r>
               <a:rPr lang="zh-CN" altLang="en-US" dirty="0"/>
               <a:t>注意：可能的考试内容</a:t>
             </a:r>
+            <a:endParaRPr lang="zh-CN" altLang="en-US" dirty="0"/>
           </a:p>
         </p:txBody>
       </p:sp>
@@ -3143,8 +2678,6 @@
         <p:spPr bwMode="auto">
           <a:ln>
             <a:miter lim="800000"/>
-            <a:headEnd/>
-            <a:tailEnd/>
           </a:ln>
         </p:spPr>
         <p:txBody>
@@ -3262,8 +2795,6 @@
               <a:rPr lang="zh-CN" altLang="en-US">
                 <a:latin typeface="Calibri" panose="020F0502020204030204" pitchFamily="34" charset="0"/>
               </a:rPr>
-              <a:pPr eaLnBrk="1" hangingPunct="1"/>
-              <a:t>9</a:t>
             </a:fld>
             <a:endParaRPr lang="en-US" altLang="zh-CN">
               <a:latin typeface="Calibri" panose="020F0502020204030204" pitchFamily="34" charset="0"/>
@@ -3272,11 +2803,6 @@
         </p:txBody>
       </p:sp>
     </p:spTree>
-    <p:extLst>
-      <p:ext uri="{BB962C8B-B14F-4D97-AF65-F5344CB8AC3E}">
-        <p14:creationId xmlns:p14="http://schemas.microsoft.com/office/powerpoint/2010/main" val="2514069223"/>
-      </p:ext>
-    </p:extLst>
   </p:cSld>
   <p:clrMapOvr>
     <a:masterClrMapping/>
@@ -3318,18 +2844,7 @@
               <a:srgbClr val="000000"/>
             </a:solidFill>
             <a:miter lim="800000"/>
-            <a:headEnd/>
-            <a:tailEnd/>
           </a:ln>
-          <a:extLst>
-            <a:ext uri="{909E8E84-426E-40dd-AFC4-6F175D3DCCD1}">
-              <a14:hiddenFill xmlns:a14="http://schemas.microsoft.com/office/drawing/2010/main" xmlns="">
-                <a:solidFill>
-                  <a:srgbClr val="FFFFFF"/>
-                </a:solidFill>
-              </a14:hiddenFill>
-            </a:ext>
-          </a:extLst>
         </p:spPr>
       </p:sp>
       <p:sp>
@@ -3344,32 +2859,9 @@
         </p:nvSpPr>
         <p:spPr bwMode="auto">
           <a:noFill/>
-          <a:extLst>
-            <a:ext uri="{909E8E84-426E-40dd-AFC4-6F175D3DCCD1}">
-              <a14:hiddenFill xmlns:a14="http://schemas.microsoft.com/office/drawing/2010/main" xmlns="">
-                <a:solidFill>
-                  <a:srgbClr val="FFFFFF"/>
-                </a:solidFill>
-              </a14:hiddenFill>
-            </a:ext>
-            <a:ext uri="{91240B29-F687-4f45-9708-019B960494DF}">
-              <a14:hiddenLine xmlns:a14="http://schemas.microsoft.com/office/drawing/2010/main" xmlns="" w="9525">
-                <a:solidFill>
-                  <a:srgbClr val="000000"/>
-                </a:solidFill>
-                <a:miter lim="800000"/>
-                <a:headEnd/>
-                <a:tailEnd/>
-              </a14:hiddenLine>
-            </a:ext>
-          </a:extLst>
         </p:spPr>
         <p:txBody>
-          <a:bodyPr wrap="square" numCol="1" anchor="t" anchorCtr="0" compatLnSpc="1">
-            <a:prstTxWarp prst="textNoShape">
-              <a:avLst/>
-            </a:prstTxWarp>
-          </a:bodyPr>
+          <a:bodyPr wrap="square" numCol="1" anchor="t" anchorCtr="0" compatLnSpc="1"/>
           <a:lstStyle/>
           <a:p>
             <a:endParaRPr lang="zh-CN" altLang="en-US" dirty="0"/>
@@ -3389,8 +2881,6 @@
         <p:spPr bwMode="auto">
           <a:ln>
             <a:miter lim="800000"/>
-            <a:headEnd/>
-            <a:tailEnd/>
           </a:ln>
         </p:spPr>
         <p:txBody>
@@ -3508,8 +2998,6 @@
               <a:rPr lang="zh-CN" altLang="en-US">
                 <a:latin typeface="Calibri" panose="020F0502020204030204" pitchFamily="34" charset="0"/>
               </a:rPr>
-              <a:pPr eaLnBrk="1" hangingPunct="1"/>
-              <a:t>10</a:t>
             </a:fld>
             <a:endParaRPr lang="en-US" altLang="zh-CN">
               <a:latin typeface="Calibri" panose="020F0502020204030204" pitchFamily="34" charset="0"/>
@@ -3518,11 +3006,6 @@
         </p:txBody>
       </p:sp>
     </p:spTree>
-    <p:extLst>
-      <p:ext uri="{BB962C8B-B14F-4D97-AF65-F5344CB8AC3E}">
-        <p14:creationId xmlns:p14="http://schemas.microsoft.com/office/powerpoint/2010/main" val="798567149"/>
-      </p:ext>
-    </p:extLst>
   </p:cSld>
   <p:clrMapOvr>
     <a:masterClrMapping/>
@@ -3571,6 +3054,7 @@
               <a:rPr lang="zh-CN" altLang="en-US"/>
               <a:t>单击此处编辑母版标题样式</a:t>
             </a:r>
+            <a:endParaRPr lang="zh-CN" altLang="en-US"/>
           </a:p>
         </p:txBody>
       </p:sp>
@@ -3603,7 +3087,7 @@
                 </a:solidFill>
               </a:defRPr>
             </a:lvl1pPr>
-            <a:lvl2pPr marL="457182" indent="0" algn="ctr">
+            <a:lvl2pPr marL="457200" indent="0" algn="ctr">
               <a:buNone/>
               <a:defRPr>
                 <a:solidFill>
@@ -3613,7 +3097,7 @@
                 </a:solidFill>
               </a:defRPr>
             </a:lvl2pPr>
-            <a:lvl3pPr marL="914362" indent="0" algn="ctr">
+            <a:lvl3pPr marL="914400" indent="0" algn="ctr">
               <a:buNone/>
               <a:defRPr>
                 <a:solidFill>
@@ -3623,7 +3107,7 @@
                 </a:solidFill>
               </a:defRPr>
             </a:lvl3pPr>
-            <a:lvl4pPr marL="1371544" indent="0" algn="ctr">
+            <a:lvl4pPr marL="1371600" indent="0" algn="ctr">
               <a:buNone/>
               <a:defRPr>
                 <a:solidFill>
@@ -3633,7 +3117,7 @@
                 </a:solidFill>
               </a:defRPr>
             </a:lvl4pPr>
-            <a:lvl5pPr marL="1828725" indent="0" algn="ctr">
+            <a:lvl5pPr marL="1828800" indent="0" algn="ctr">
               <a:buNone/>
               <a:defRPr>
                 <a:solidFill>
@@ -3643,7 +3127,7 @@
                 </a:solidFill>
               </a:defRPr>
             </a:lvl5pPr>
-            <a:lvl6pPr marL="2285906" indent="0" algn="ctr">
+            <a:lvl6pPr marL="2286000" indent="0" algn="ctr">
               <a:buNone/>
               <a:defRPr>
                 <a:solidFill>
@@ -3653,7 +3137,7 @@
                 </a:solidFill>
               </a:defRPr>
             </a:lvl6pPr>
-            <a:lvl7pPr marL="2743088" indent="0" algn="ctr">
+            <a:lvl7pPr marL="2743200" indent="0" algn="ctr">
               <a:buNone/>
               <a:defRPr>
                 <a:solidFill>
@@ -3663,7 +3147,7 @@
                 </a:solidFill>
               </a:defRPr>
             </a:lvl7pPr>
-            <a:lvl8pPr marL="3200268" indent="0" algn="ctr">
+            <a:lvl8pPr marL="3200400" indent="0" algn="ctr">
               <a:buNone/>
               <a:defRPr>
                 <a:solidFill>
@@ -3673,7 +3157,7 @@
                 </a:solidFill>
               </a:defRPr>
             </a:lvl8pPr>
-            <a:lvl9pPr marL="3657450" indent="0" algn="ctr">
+            <a:lvl9pPr marL="3657600" indent="0" algn="ctr">
               <a:buNone/>
               <a:defRPr>
                 <a:solidFill>
@@ -3689,6 +3173,7 @@
               <a:rPr lang="zh-CN" altLang="en-US"/>
               <a:t>单击此处编辑母版副标题样式</a:t>
             </a:r>
+            <a:endParaRPr lang="zh-CN" altLang="en-US"/>
           </a:p>
         </p:txBody>
       </p:sp>
@@ -3772,21 +3257,12 @@
             </a:pPr>
             <a:fld id="{7F68671A-1028-4918-B52D-F225EDA688D1}" type="slidenum">
               <a:rPr lang="zh-CN" altLang="en-US"/>
-              <a:pPr>
-                <a:defRPr/>
-              </a:pPr>
-              <a:t>‹#›</a:t>
             </a:fld>
             <a:endParaRPr lang="zh-CN" altLang="en-US"/>
           </a:p>
         </p:txBody>
       </p:sp>
     </p:spTree>
-    <p:extLst>
-      <p:ext uri="{BB962C8B-B14F-4D97-AF65-F5344CB8AC3E}">
-        <p14:creationId xmlns:p14="http://schemas.microsoft.com/office/powerpoint/2010/main" val="1103610060"/>
-      </p:ext>
-    </p:extLst>
   </p:cSld>
   <p:clrMapOvr>
     <a:masterClrMapping/>
@@ -3830,6 +3306,7 @@
               <a:rPr lang="zh-CN" altLang="en-US"/>
               <a:t>单击此处编辑母版标题样式</a:t>
             </a:r>
+            <a:endParaRPr lang="zh-CN" altLang="en-US"/>
           </a:p>
         </p:txBody>
       </p:sp>
@@ -3853,6 +3330,7 @@
               <a:rPr lang="zh-CN" altLang="en-US"/>
               <a:t>单击此处编辑母版文本样式</a:t>
             </a:r>
+            <a:endParaRPr lang="zh-CN" altLang="en-US"/>
           </a:p>
           <a:p>
             <a:pPr lvl="1"/>
@@ -3860,6 +3338,7 @@
               <a:rPr lang="zh-CN" altLang="en-US"/>
               <a:t>第二级</a:t>
             </a:r>
+            <a:endParaRPr lang="zh-CN" altLang="en-US"/>
           </a:p>
           <a:p>
             <a:pPr lvl="2"/>
@@ -3867,6 +3346,7 @@
               <a:rPr lang="zh-CN" altLang="en-US"/>
               <a:t>第三级</a:t>
             </a:r>
+            <a:endParaRPr lang="zh-CN" altLang="en-US"/>
           </a:p>
           <a:p>
             <a:pPr lvl="3"/>
@@ -3874,6 +3354,7 @@
               <a:rPr lang="zh-CN" altLang="en-US"/>
               <a:t>第四级</a:t>
             </a:r>
+            <a:endParaRPr lang="zh-CN" altLang="en-US"/>
           </a:p>
           <a:p>
             <a:pPr lvl="4"/>
@@ -3881,6 +3362,7 @@
               <a:rPr lang="zh-CN" altLang="en-US"/>
               <a:t>第五级</a:t>
             </a:r>
+            <a:endParaRPr lang="zh-CN" altLang="en-US"/>
           </a:p>
         </p:txBody>
       </p:sp>
@@ -3964,21 +3446,12 @@
             </a:pPr>
             <a:fld id="{B6AFD8D9-97CE-47AB-99B6-669B4E33450F}" type="slidenum">
               <a:rPr lang="zh-CN" altLang="en-US"/>
-              <a:pPr>
-                <a:defRPr/>
-              </a:pPr>
-              <a:t>‹#›</a:t>
             </a:fld>
             <a:endParaRPr lang="zh-CN" altLang="en-US"/>
           </a:p>
         </p:txBody>
       </p:sp>
     </p:spTree>
-    <p:extLst>
-      <p:ext uri="{BB962C8B-B14F-4D97-AF65-F5344CB8AC3E}">
-        <p14:creationId xmlns:p14="http://schemas.microsoft.com/office/powerpoint/2010/main" val="552366100"/>
-      </p:ext>
-    </p:extLst>
   </p:cSld>
   <p:clrMapOvr>
     <a:masterClrMapping/>
@@ -4027,6 +3500,7 @@
               <a:rPr lang="zh-CN" altLang="en-US"/>
               <a:t>单击此处编辑母版标题样式</a:t>
             </a:r>
+            <a:endParaRPr lang="zh-CN" altLang="en-US"/>
           </a:p>
         </p:txBody>
       </p:sp>
@@ -4055,6 +3529,7 @@
               <a:rPr lang="zh-CN" altLang="en-US"/>
               <a:t>单击此处编辑母版文本样式</a:t>
             </a:r>
+            <a:endParaRPr lang="zh-CN" altLang="en-US"/>
           </a:p>
           <a:p>
             <a:pPr lvl="1"/>
@@ -4062,6 +3537,7 @@
               <a:rPr lang="zh-CN" altLang="en-US"/>
               <a:t>第二级</a:t>
             </a:r>
+            <a:endParaRPr lang="zh-CN" altLang="en-US"/>
           </a:p>
           <a:p>
             <a:pPr lvl="2"/>
@@ -4069,6 +3545,7 @@
               <a:rPr lang="zh-CN" altLang="en-US"/>
               <a:t>第三级</a:t>
             </a:r>
+            <a:endParaRPr lang="zh-CN" altLang="en-US"/>
           </a:p>
           <a:p>
             <a:pPr lvl="3"/>
@@ -4076,6 +3553,7 @@
               <a:rPr lang="zh-CN" altLang="en-US"/>
               <a:t>第四级</a:t>
             </a:r>
+            <a:endParaRPr lang="zh-CN" altLang="en-US"/>
           </a:p>
           <a:p>
             <a:pPr lvl="4"/>
@@ -4083,6 +3561,7 @@
               <a:rPr lang="zh-CN" altLang="en-US"/>
               <a:t>第五级</a:t>
             </a:r>
+            <a:endParaRPr lang="zh-CN" altLang="en-US"/>
           </a:p>
         </p:txBody>
       </p:sp>
@@ -4166,21 +3645,12 @@
             </a:pPr>
             <a:fld id="{14D234CD-C4BF-451E-A810-76886530BD7F}" type="slidenum">
               <a:rPr lang="zh-CN" altLang="en-US"/>
-              <a:pPr>
-                <a:defRPr/>
-              </a:pPr>
-              <a:t>‹#›</a:t>
             </a:fld>
             <a:endParaRPr lang="zh-CN" altLang="en-US"/>
           </a:p>
         </p:txBody>
       </p:sp>
     </p:spTree>
-    <p:extLst>
-      <p:ext uri="{BB962C8B-B14F-4D97-AF65-F5344CB8AC3E}">
-        <p14:creationId xmlns:p14="http://schemas.microsoft.com/office/powerpoint/2010/main" val="324296476"/>
-      </p:ext>
-    </p:extLst>
   </p:cSld>
   <p:clrMapOvr>
     <a:masterClrMapping/>
@@ -4224,6 +3694,7 @@
               <a:rPr lang="zh-CN" altLang="en-US"/>
               <a:t>单击此处编辑母版标题样式</a:t>
             </a:r>
+            <a:endParaRPr lang="zh-CN" altLang="en-US"/>
           </a:p>
         </p:txBody>
       </p:sp>
@@ -4247,6 +3718,7 @@
               <a:rPr lang="zh-CN" altLang="en-US"/>
               <a:t>单击此处编辑母版文本样式</a:t>
             </a:r>
+            <a:endParaRPr lang="zh-CN" altLang="en-US"/>
           </a:p>
           <a:p>
             <a:pPr lvl="1"/>
@@ -4254,6 +3726,7 @@
               <a:rPr lang="zh-CN" altLang="en-US"/>
               <a:t>第二级</a:t>
             </a:r>
+            <a:endParaRPr lang="zh-CN" altLang="en-US"/>
           </a:p>
           <a:p>
             <a:pPr lvl="2"/>
@@ -4261,6 +3734,7 @@
               <a:rPr lang="zh-CN" altLang="en-US"/>
               <a:t>第三级</a:t>
             </a:r>
+            <a:endParaRPr lang="zh-CN" altLang="en-US"/>
           </a:p>
           <a:p>
             <a:pPr lvl="3"/>
@@ -4268,6 +3742,7 @@
               <a:rPr lang="zh-CN" altLang="en-US"/>
               <a:t>第四级</a:t>
             </a:r>
+            <a:endParaRPr lang="zh-CN" altLang="en-US"/>
           </a:p>
           <a:p>
             <a:pPr lvl="4"/>
@@ -4275,6 +3750,7 @@
               <a:rPr lang="zh-CN" altLang="en-US"/>
               <a:t>第五级</a:t>
             </a:r>
+            <a:endParaRPr lang="zh-CN" altLang="en-US"/>
           </a:p>
         </p:txBody>
       </p:sp>
@@ -4358,21 +3834,12 @@
             </a:pPr>
             <a:fld id="{CA40A734-EF3B-425E-9970-80954DDB0807}" type="slidenum">
               <a:rPr lang="zh-CN" altLang="en-US"/>
-              <a:pPr>
-                <a:defRPr/>
-              </a:pPr>
-              <a:t>‹#›</a:t>
             </a:fld>
             <a:endParaRPr lang="zh-CN" altLang="en-US"/>
           </a:p>
         </p:txBody>
       </p:sp>
     </p:spTree>
-    <p:extLst>
-      <p:ext uri="{BB962C8B-B14F-4D97-AF65-F5344CB8AC3E}">
-        <p14:creationId xmlns:p14="http://schemas.microsoft.com/office/powerpoint/2010/main" val="1736697431"/>
-      </p:ext>
-    </p:extLst>
   </p:cSld>
   <p:clrMapOvr>
     <a:masterClrMapping/>
@@ -4425,6 +3892,7 @@
               <a:rPr lang="zh-CN" altLang="en-US"/>
               <a:t>单击此处编辑母版标题样式</a:t>
             </a:r>
+            <a:endParaRPr lang="zh-CN" altLang="en-US"/>
           </a:p>
         </p:txBody>
       </p:sp>
@@ -4457,7 +3925,7 @@
                 </a:solidFill>
               </a:defRPr>
             </a:lvl1pPr>
-            <a:lvl2pPr marL="457182" indent="0">
+            <a:lvl2pPr marL="457200" indent="0">
               <a:buNone/>
               <a:defRPr sz="1800">
                 <a:solidFill>
@@ -4467,7 +3935,7 @@
                 </a:solidFill>
               </a:defRPr>
             </a:lvl2pPr>
-            <a:lvl3pPr marL="914362" indent="0">
+            <a:lvl3pPr marL="914400" indent="0">
               <a:buNone/>
               <a:defRPr sz="1600">
                 <a:solidFill>
@@ -4477,7 +3945,7 @@
                 </a:solidFill>
               </a:defRPr>
             </a:lvl3pPr>
-            <a:lvl4pPr marL="1371544" indent="0">
+            <a:lvl4pPr marL="1371600" indent="0">
               <a:buNone/>
               <a:defRPr sz="1400">
                 <a:solidFill>
@@ -4487,7 +3955,7 @@
                 </a:solidFill>
               </a:defRPr>
             </a:lvl4pPr>
-            <a:lvl5pPr marL="1828725" indent="0">
+            <a:lvl5pPr marL="1828800" indent="0">
               <a:buNone/>
               <a:defRPr sz="1400">
                 <a:solidFill>
@@ -4497,7 +3965,7 @@
                 </a:solidFill>
               </a:defRPr>
             </a:lvl5pPr>
-            <a:lvl6pPr marL="2285906" indent="0">
+            <a:lvl6pPr marL="2286000" indent="0">
               <a:buNone/>
               <a:defRPr sz="1400">
                 <a:solidFill>
@@ -4507,7 +3975,7 @@
                 </a:solidFill>
               </a:defRPr>
             </a:lvl6pPr>
-            <a:lvl7pPr marL="2743088" indent="0">
+            <a:lvl7pPr marL="2743200" indent="0">
               <a:buNone/>
               <a:defRPr sz="1400">
                 <a:solidFill>
@@ -4517,7 +3985,7 @@
                 </a:solidFill>
               </a:defRPr>
             </a:lvl7pPr>
-            <a:lvl8pPr marL="3200268" indent="0">
+            <a:lvl8pPr marL="3200400" indent="0">
               <a:buNone/>
               <a:defRPr sz="1400">
                 <a:solidFill>
@@ -4527,7 +3995,7 @@
                 </a:solidFill>
               </a:defRPr>
             </a:lvl8pPr>
-            <a:lvl9pPr marL="3657450" indent="0">
+            <a:lvl9pPr marL="3657600" indent="0">
               <a:buNone/>
               <a:defRPr sz="1400">
                 <a:solidFill>
@@ -4544,6 +4012,7 @@
               <a:rPr lang="zh-CN" altLang="en-US"/>
               <a:t>单击此处编辑母版文本样式</a:t>
             </a:r>
+            <a:endParaRPr lang="zh-CN" altLang="en-US"/>
           </a:p>
         </p:txBody>
       </p:sp>
@@ -4627,21 +4096,12 @@
             </a:pPr>
             <a:fld id="{91F44B76-BDB5-48DA-9429-18FB768FED70}" type="slidenum">
               <a:rPr lang="zh-CN" altLang="en-US"/>
-              <a:pPr>
-                <a:defRPr/>
-              </a:pPr>
-              <a:t>‹#›</a:t>
             </a:fld>
             <a:endParaRPr lang="zh-CN" altLang="en-US"/>
           </a:p>
         </p:txBody>
       </p:sp>
     </p:spTree>
-    <p:extLst>
-      <p:ext uri="{BB962C8B-B14F-4D97-AF65-F5344CB8AC3E}">
-        <p14:creationId xmlns:p14="http://schemas.microsoft.com/office/powerpoint/2010/main" val="3641668084"/>
-      </p:ext>
-    </p:extLst>
   </p:cSld>
   <p:clrMapOvr>
     <a:masterClrMapping/>
@@ -4685,6 +4145,7 @@
               <a:rPr lang="zh-CN" altLang="en-US"/>
               <a:t>单击此处编辑母版标题样式</a:t>
             </a:r>
+            <a:endParaRPr lang="zh-CN" altLang="en-US"/>
           </a:p>
         </p:txBody>
       </p:sp>
@@ -4741,6 +4202,7 @@
               <a:rPr lang="zh-CN" altLang="en-US"/>
               <a:t>单击此处编辑母版文本样式</a:t>
             </a:r>
+            <a:endParaRPr lang="zh-CN" altLang="en-US"/>
           </a:p>
           <a:p>
             <a:pPr lvl="1"/>
@@ -4748,6 +4210,7 @@
               <a:rPr lang="zh-CN" altLang="en-US"/>
               <a:t>第二级</a:t>
             </a:r>
+            <a:endParaRPr lang="zh-CN" altLang="en-US"/>
           </a:p>
           <a:p>
             <a:pPr lvl="2"/>
@@ -4755,6 +4218,7 @@
               <a:rPr lang="zh-CN" altLang="en-US"/>
               <a:t>第三级</a:t>
             </a:r>
+            <a:endParaRPr lang="zh-CN" altLang="en-US"/>
           </a:p>
           <a:p>
             <a:pPr lvl="3"/>
@@ -4762,6 +4226,7 @@
               <a:rPr lang="zh-CN" altLang="en-US"/>
               <a:t>第四级</a:t>
             </a:r>
+            <a:endParaRPr lang="zh-CN" altLang="en-US"/>
           </a:p>
           <a:p>
             <a:pPr lvl="4"/>
@@ -4769,6 +4234,7 @@
               <a:rPr lang="zh-CN" altLang="en-US"/>
               <a:t>第五级</a:t>
             </a:r>
+            <a:endParaRPr lang="zh-CN" altLang="en-US"/>
           </a:p>
         </p:txBody>
       </p:sp>
@@ -4825,6 +4291,7 @@
               <a:rPr lang="zh-CN" altLang="en-US"/>
               <a:t>单击此处编辑母版文本样式</a:t>
             </a:r>
+            <a:endParaRPr lang="zh-CN" altLang="en-US"/>
           </a:p>
           <a:p>
             <a:pPr lvl="1"/>
@@ -4832,6 +4299,7 @@
               <a:rPr lang="zh-CN" altLang="en-US"/>
               <a:t>第二级</a:t>
             </a:r>
+            <a:endParaRPr lang="zh-CN" altLang="en-US"/>
           </a:p>
           <a:p>
             <a:pPr lvl="2"/>
@@ -4839,6 +4307,7 @@
               <a:rPr lang="zh-CN" altLang="en-US"/>
               <a:t>第三级</a:t>
             </a:r>
+            <a:endParaRPr lang="zh-CN" altLang="en-US"/>
           </a:p>
           <a:p>
             <a:pPr lvl="3"/>
@@ -4846,6 +4315,7 @@
               <a:rPr lang="zh-CN" altLang="en-US"/>
               <a:t>第四级</a:t>
             </a:r>
+            <a:endParaRPr lang="zh-CN" altLang="en-US"/>
           </a:p>
           <a:p>
             <a:pPr lvl="4"/>
@@ -4853,6 +4323,7 @@
               <a:rPr lang="zh-CN" altLang="en-US"/>
               <a:t>第五级</a:t>
             </a:r>
+            <a:endParaRPr lang="zh-CN" altLang="en-US"/>
           </a:p>
         </p:txBody>
       </p:sp>
@@ -4936,21 +4407,12 @@
             </a:pPr>
             <a:fld id="{89D35798-1DC4-447E-97F5-D240AF3B9805}" type="slidenum">
               <a:rPr lang="zh-CN" altLang="en-US"/>
-              <a:pPr>
-                <a:defRPr/>
-              </a:pPr>
-              <a:t>‹#›</a:t>
             </a:fld>
             <a:endParaRPr lang="zh-CN" altLang="en-US"/>
           </a:p>
         </p:txBody>
       </p:sp>
     </p:spTree>
-    <p:extLst>
-      <p:ext uri="{BB962C8B-B14F-4D97-AF65-F5344CB8AC3E}">
-        <p14:creationId xmlns:p14="http://schemas.microsoft.com/office/powerpoint/2010/main" val="2458987140"/>
-      </p:ext>
-    </p:extLst>
   </p:cSld>
   <p:clrMapOvr>
     <a:masterClrMapping/>
@@ -4998,6 +4460,7 @@
               <a:rPr lang="zh-CN" altLang="en-US"/>
               <a:t>单击此处编辑母版标题样式</a:t>
             </a:r>
+            <a:endParaRPr lang="zh-CN" altLang="en-US"/>
           </a:p>
         </p:txBody>
       </p:sp>
@@ -5024,35 +4487,35 @@
               <a:buNone/>
               <a:defRPr sz="2400" b="1"/>
             </a:lvl1pPr>
-            <a:lvl2pPr marL="457182" indent="0">
+            <a:lvl2pPr marL="457200" indent="0">
               <a:buNone/>
               <a:defRPr sz="2000" b="1"/>
             </a:lvl2pPr>
-            <a:lvl3pPr marL="914362" indent="0">
+            <a:lvl3pPr marL="914400" indent="0">
               <a:buNone/>
               <a:defRPr sz="1800" b="1"/>
             </a:lvl3pPr>
-            <a:lvl4pPr marL="1371544" indent="0">
+            <a:lvl4pPr marL="1371600" indent="0">
               <a:buNone/>
               <a:defRPr sz="1600" b="1"/>
             </a:lvl4pPr>
-            <a:lvl5pPr marL="1828725" indent="0">
+            <a:lvl5pPr marL="1828800" indent="0">
               <a:buNone/>
               <a:defRPr sz="1600" b="1"/>
             </a:lvl5pPr>
-            <a:lvl6pPr marL="2285906" indent="0">
+            <a:lvl6pPr marL="2286000" indent="0">
               <a:buNone/>
               <a:defRPr sz="1600" b="1"/>
             </a:lvl6pPr>
-            <a:lvl7pPr marL="2743088" indent="0">
+            <a:lvl7pPr marL="2743200" indent="0">
               <a:buNone/>
               <a:defRPr sz="1600" b="1"/>
             </a:lvl7pPr>
-            <a:lvl8pPr marL="3200268" indent="0">
+            <a:lvl8pPr marL="3200400" indent="0">
               <a:buNone/>
               <a:defRPr sz="1600" b="1"/>
             </a:lvl8pPr>
-            <a:lvl9pPr marL="3657450" indent="0">
+            <a:lvl9pPr marL="3657600" indent="0">
               <a:buNone/>
               <a:defRPr sz="1600" b="1"/>
             </a:lvl9pPr>
@@ -5063,6 +4526,7 @@
               <a:rPr lang="zh-CN" altLang="en-US"/>
               <a:t>单击此处编辑母版文本样式</a:t>
             </a:r>
+            <a:endParaRPr lang="zh-CN" altLang="en-US"/>
           </a:p>
         </p:txBody>
       </p:sp>
@@ -5119,6 +4583,7 @@
               <a:rPr lang="zh-CN" altLang="en-US"/>
               <a:t>单击此处编辑母版文本样式</a:t>
             </a:r>
+            <a:endParaRPr lang="zh-CN" altLang="en-US"/>
           </a:p>
           <a:p>
             <a:pPr lvl="1"/>
@@ -5126,6 +4591,7 @@
               <a:rPr lang="zh-CN" altLang="en-US"/>
               <a:t>第二级</a:t>
             </a:r>
+            <a:endParaRPr lang="zh-CN" altLang="en-US"/>
           </a:p>
           <a:p>
             <a:pPr lvl="2"/>
@@ -5133,6 +4599,7 @@
               <a:rPr lang="zh-CN" altLang="en-US"/>
               <a:t>第三级</a:t>
             </a:r>
+            <a:endParaRPr lang="zh-CN" altLang="en-US"/>
           </a:p>
           <a:p>
             <a:pPr lvl="3"/>
@@ -5140,6 +4607,7 @@
               <a:rPr lang="zh-CN" altLang="en-US"/>
               <a:t>第四级</a:t>
             </a:r>
+            <a:endParaRPr lang="zh-CN" altLang="en-US"/>
           </a:p>
           <a:p>
             <a:pPr lvl="4"/>
@@ -5147,6 +4615,7 @@
               <a:rPr lang="zh-CN" altLang="en-US"/>
               <a:t>第五级</a:t>
             </a:r>
+            <a:endParaRPr lang="zh-CN" altLang="en-US"/>
           </a:p>
         </p:txBody>
       </p:sp>
@@ -5173,35 +4642,35 @@
               <a:buNone/>
               <a:defRPr sz="2400" b="1"/>
             </a:lvl1pPr>
-            <a:lvl2pPr marL="457182" indent="0">
+            <a:lvl2pPr marL="457200" indent="0">
               <a:buNone/>
               <a:defRPr sz="2000" b="1"/>
             </a:lvl2pPr>
-            <a:lvl3pPr marL="914362" indent="0">
+            <a:lvl3pPr marL="914400" indent="0">
               <a:buNone/>
               <a:defRPr sz="1800" b="1"/>
             </a:lvl3pPr>
-            <a:lvl4pPr marL="1371544" indent="0">
+            <a:lvl4pPr marL="1371600" indent="0">
               <a:buNone/>
               <a:defRPr sz="1600" b="1"/>
             </a:lvl4pPr>
-            <a:lvl5pPr marL="1828725" indent="0">
+            <a:lvl5pPr marL="1828800" indent="0">
               <a:buNone/>
               <a:defRPr sz="1600" b="1"/>
             </a:lvl5pPr>
-            <a:lvl6pPr marL="2285906" indent="0">
+            <a:lvl6pPr marL="2286000" indent="0">
               <a:buNone/>
               <a:defRPr sz="1600" b="1"/>
             </a:lvl6pPr>
-            <a:lvl7pPr marL="2743088" indent="0">
+            <a:lvl7pPr marL="2743200" indent="0">
               <a:buNone/>
               <a:defRPr sz="1600" b="1"/>
             </a:lvl7pPr>
-            <a:lvl8pPr marL="3200268" indent="0">
+            <a:lvl8pPr marL="3200400" indent="0">
               <a:buNone/>
               <a:defRPr sz="1600" b="1"/>
             </a:lvl8pPr>
-            <a:lvl9pPr marL="3657450" indent="0">
+            <a:lvl9pPr marL="3657600" indent="0">
               <a:buNone/>
               <a:defRPr sz="1600" b="1"/>
             </a:lvl9pPr>
@@ -5212,6 +4681,7 @@
               <a:rPr lang="zh-CN" altLang="en-US"/>
               <a:t>单击此处编辑母版文本样式</a:t>
             </a:r>
+            <a:endParaRPr lang="zh-CN" altLang="en-US"/>
           </a:p>
         </p:txBody>
       </p:sp>
@@ -5268,6 +4738,7 @@
               <a:rPr lang="zh-CN" altLang="en-US"/>
               <a:t>单击此处编辑母版文本样式</a:t>
             </a:r>
+            <a:endParaRPr lang="zh-CN" altLang="en-US"/>
           </a:p>
           <a:p>
             <a:pPr lvl="1"/>
@@ -5275,6 +4746,7 @@
               <a:rPr lang="zh-CN" altLang="en-US"/>
               <a:t>第二级</a:t>
             </a:r>
+            <a:endParaRPr lang="zh-CN" altLang="en-US"/>
           </a:p>
           <a:p>
             <a:pPr lvl="2"/>
@@ -5282,6 +4754,7 @@
               <a:rPr lang="zh-CN" altLang="en-US"/>
               <a:t>第三级</a:t>
             </a:r>
+            <a:endParaRPr lang="zh-CN" altLang="en-US"/>
           </a:p>
           <a:p>
             <a:pPr lvl="3"/>
@@ -5289,6 +4762,7 @@
               <a:rPr lang="zh-CN" altLang="en-US"/>
               <a:t>第四级</a:t>
             </a:r>
+            <a:endParaRPr lang="zh-CN" altLang="en-US"/>
           </a:p>
           <a:p>
             <a:pPr lvl="4"/>
@@ -5296,6 +4770,7 @@
               <a:rPr lang="zh-CN" altLang="en-US"/>
               <a:t>第五级</a:t>
             </a:r>
+            <a:endParaRPr lang="zh-CN" altLang="en-US"/>
           </a:p>
         </p:txBody>
       </p:sp>
@@ -5379,21 +4854,12 @@
             </a:pPr>
             <a:fld id="{1FFB9FFA-BBF7-4E6B-ACD4-E99548C5776B}" type="slidenum">
               <a:rPr lang="zh-CN" altLang="en-US"/>
-              <a:pPr>
-                <a:defRPr/>
-              </a:pPr>
-              <a:t>‹#›</a:t>
             </a:fld>
             <a:endParaRPr lang="zh-CN" altLang="en-US"/>
           </a:p>
         </p:txBody>
       </p:sp>
     </p:spTree>
-    <p:extLst>
-      <p:ext uri="{BB962C8B-B14F-4D97-AF65-F5344CB8AC3E}">
-        <p14:creationId xmlns:p14="http://schemas.microsoft.com/office/powerpoint/2010/main" val="414232053"/>
-      </p:ext>
-    </p:extLst>
   </p:cSld>
   <p:clrMapOvr>
     <a:masterClrMapping/>
@@ -5437,6 +4903,7 @@
               <a:rPr lang="zh-CN" altLang="en-US"/>
               <a:t>单击此处编辑母版标题样式</a:t>
             </a:r>
+            <a:endParaRPr lang="zh-CN" altLang="en-US"/>
           </a:p>
         </p:txBody>
       </p:sp>
@@ -5520,21 +4987,12 @@
             </a:pPr>
             <a:fld id="{FA78C75F-3921-4200-A546-C4950D0184B6}" type="slidenum">
               <a:rPr lang="zh-CN" altLang="en-US"/>
-              <a:pPr>
-                <a:defRPr/>
-              </a:pPr>
-              <a:t>‹#›</a:t>
             </a:fld>
             <a:endParaRPr lang="zh-CN" altLang="en-US"/>
           </a:p>
         </p:txBody>
       </p:sp>
     </p:spTree>
-    <p:extLst>
-      <p:ext uri="{BB962C8B-B14F-4D97-AF65-F5344CB8AC3E}">
-        <p14:creationId xmlns:p14="http://schemas.microsoft.com/office/powerpoint/2010/main" val="2411579836"/>
-      </p:ext>
-    </p:extLst>
   </p:cSld>
   <p:clrMapOvr>
     <a:masterClrMapping/>
@@ -5639,21 +5097,12 @@
             </a:pPr>
             <a:fld id="{47694E68-0D6D-410C-8C00-3741D352D069}" type="slidenum">
               <a:rPr lang="zh-CN" altLang="en-US"/>
-              <a:pPr>
-                <a:defRPr/>
-              </a:pPr>
-              <a:t>‹#›</a:t>
             </a:fld>
             <a:endParaRPr lang="zh-CN" altLang="en-US"/>
           </a:p>
         </p:txBody>
       </p:sp>
     </p:spTree>
-    <p:extLst>
-      <p:ext uri="{BB962C8B-B14F-4D97-AF65-F5344CB8AC3E}">
-        <p14:creationId xmlns:p14="http://schemas.microsoft.com/office/powerpoint/2010/main" val="4123503613"/>
-      </p:ext>
-    </p:extLst>
   </p:cSld>
   <p:clrMapOvr>
     <a:masterClrMapping/>
@@ -5706,6 +5155,7 @@
               <a:rPr lang="zh-CN" altLang="en-US"/>
               <a:t>单击此处编辑母版标题样式</a:t>
             </a:r>
+            <a:endParaRPr lang="zh-CN" altLang="en-US"/>
           </a:p>
         </p:txBody>
       </p:sp>
@@ -5762,6 +5212,7 @@
               <a:rPr lang="zh-CN" altLang="en-US"/>
               <a:t>单击此处编辑母版文本样式</a:t>
             </a:r>
+            <a:endParaRPr lang="zh-CN" altLang="en-US"/>
           </a:p>
           <a:p>
             <a:pPr lvl="1"/>
@@ -5769,6 +5220,7 @@
               <a:rPr lang="zh-CN" altLang="en-US"/>
               <a:t>第二级</a:t>
             </a:r>
+            <a:endParaRPr lang="zh-CN" altLang="en-US"/>
           </a:p>
           <a:p>
             <a:pPr lvl="2"/>
@@ -5776,6 +5228,7 @@
               <a:rPr lang="zh-CN" altLang="en-US"/>
               <a:t>第三级</a:t>
             </a:r>
+            <a:endParaRPr lang="zh-CN" altLang="en-US"/>
           </a:p>
           <a:p>
             <a:pPr lvl="3"/>
@@ -5783,6 +5236,7 @@
               <a:rPr lang="zh-CN" altLang="en-US"/>
               <a:t>第四级</a:t>
             </a:r>
+            <a:endParaRPr lang="zh-CN" altLang="en-US"/>
           </a:p>
           <a:p>
             <a:pPr lvl="4"/>
@@ -5790,6 +5244,7 @@
               <a:rPr lang="zh-CN" altLang="en-US"/>
               <a:t>第五级</a:t>
             </a:r>
+            <a:endParaRPr lang="zh-CN" altLang="en-US"/>
           </a:p>
         </p:txBody>
       </p:sp>
@@ -5816,35 +5271,35 @@
               <a:buNone/>
               <a:defRPr sz="1400"/>
             </a:lvl1pPr>
-            <a:lvl2pPr marL="457182" indent="0">
+            <a:lvl2pPr marL="457200" indent="0">
               <a:buNone/>
               <a:defRPr sz="1200"/>
             </a:lvl2pPr>
-            <a:lvl3pPr marL="914362" indent="0">
+            <a:lvl3pPr marL="914400" indent="0">
               <a:buNone/>
               <a:defRPr sz="1000"/>
             </a:lvl3pPr>
-            <a:lvl4pPr marL="1371544" indent="0">
+            <a:lvl4pPr marL="1371600" indent="0">
               <a:buNone/>
               <a:defRPr sz="900"/>
             </a:lvl4pPr>
-            <a:lvl5pPr marL="1828725" indent="0">
+            <a:lvl5pPr marL="1828800" indent="0">
               <a:buNone/>
               <a:defRPr sz="900"/>
             </a:lvl5pPr>
-            <a:lvl6pPr marL="2285906" indent="0">
+            <a:lvl6pPr marL="2286000" indent="0">
               <a:buNone/>
               <a:defRPr sz="900"/>
             </a:lvl6pPr>
-            <a:lvl7pPr marL="2743088" indent="0">
+            <a:lvl7pPr marL="2743200" indent="0">
               <a:buNone/>
               <a:defRPr sz="900"/>
             </a:lvl7pPr>
-            <a:lvl8pPr marL="3200268" indent="0">
+            <a:lvl8pPr marL="3200400" indent="0">
               <a:buNone/>
               <a:defRPr sz="900"/>
             </a:lvl8pPr>
-            <a:lvl9pPr marL="3657450" indent="0">
+            <a:lvl9pPr marL="3657600" indent="0">
               <a:buNone/>
               <a:defRPr sz="900"/>
             </a:lvl9pPr>
@@ -5855,6 +5310,7 @@
               <a:rPr lang="zh-CN" altLang="en-US"/>
               <a:t>单击此处编辑母版文本样式</a:t>
             </a:r>
+            <a:endParaRPr lang="zh-CN" altLang="en-US"/>
           </a:p>
         </p:txBody>
       </p:sp>
@@ -5938,21 +5394,12 @@
             </a:pPr>
             <a:fld id="{875CE17F-E7E8-4836-8B19-28E882EF05B9}" type="slidenum">
               <a:rPr lang="zh-CN" altLang="en-US"/>
-              <a:pPr>
-                <a:defRPr/>
-              </a:pPr>
-              <a:t>‹#›</a:t>
             </a:fld>
             <a:endParaRPr lang="zh-CN" altLang="en-US"/>
           </a:p>
         </p:txBody>
       </p:sp>
     </p:spTree>
-    <p:extLst>
-      <p:ext uri="{BB962C8B-B14F-4D97-AF65-F5344CB8AC3E}">
-        <p14:creationId xmlns:p14="http://schemas.microsoft.com/office/powerpoint/2010/main" val="3638579573"/>
-      </p:ext>
-    </p:extLst>
   </p:cSld>
   <p:clrMapOvr>
     <a:masterClrMapping/>
@@ -6005,6 +5452,7 @@
               <a:rPr lang="zh-CN" altLang="en-US"/>
               <a:t>单击此处编辑母版标题样式</a:t>
             </a:r>
+            <a:endParaRPr lang="zh-CN" altLang="en-US"/>
           </a:p>
         </p:txBody>
       </p:sp>
@@ -6033,35 +5481,35 @@
               <a:buNone/>
               <a:defRPr sz="3200"/>
             </a:lvl1pPr>
-            <a:lvl2pPr marL="457182" indent="0">
+            <a:lvl2pPr marL="457200" indent="0">
               <a:buNone/>
               <a:defRPr sz="2800"/>
             </a:lvl2pPr>
-            <a:lvl3pPr marL="914362" indent="0">
+            <a:lvl3pPr marL="914400" indent="0">
               <a:buNone/>
               <a:defRPr sz="2400"/>
             </a:lvl3pPr>
-            <a:lvl4pPr marL="1371544" indent="0">
+            <a:lvl4pPr marL="1371600" indent="0">
               <a:buNone/>
               <a:defRPr sz="2000"/>
             </a:lvl4pPr>
-            <a:lvl5pPr marL="1828725" indent="0">
+            <a:lvl5pPr marL="1828800" indent="0">
               <a:buNone/>
               <a:defRPr sz="2000"/>
             </a:lvl5pPr>
-            <a:lvl6pPr marL="2285906" indent="0">
+            <a:lvl6pPr marL="2286000" indent="0">
               <a:buNone/>
               <a:defRPr sz="2000"/>
             </a:lvl6pPr>
-            <a:lvl7pPr marL="2743088" indent="0">
+            <a:lvl7pPr marL="2743200" indent="0">
               <a:buNone/>
               <a:defRPr sz="2000"/>
             </a:lvl7pPr>
-            <a:lvl8pPr marL="3200268" indent="0">
+            <a:lvl8pPr marL="3200400" indent="0">
               <a:buNone/>
               <a:defRPr sz="2000"/>
             </a:lvl8pPr>
-            <a:lvl9pPr marL="3657450" indent="0">
+            <a:lvl9pPr marL="3657600" indent="0">
               <a:buNone/>
               <a:defRPr sz="2000"/>
             </a:lvl9pPr>
@@ -6095,35 +5543,35 @@
               <a:buNone/>
               <a:defRPr sz="1400"/>
             </a:lvl1pPr>
-            <a:lvl2pPr marL="457182" indent="0">
+            <a:lvl2pPr marL="457200" indent="0">
               <a:buNone/>
               <a:defRPr sz="1200"/>
             </a:lvl2pPr>
-            <a:lvl3pPr marL="914362" indent="0">
+            <a:lvl3pPr marL="914400" indent="0">
               <a:buNone/>
               <a:defRPr sz="1000"/>
             </a:lvl3pPr>
-            <a:lvl4pPr marL="1371544" indent="0">
+            <a:lvl4pPr marL="1371600" indent="0">
               <a:buNone/>
               <a:defRPr sz="900"/>
             </a:lvl4pPr>
-            <a:lvl5pPr marL="1828725" indent="0">
+            <a:lvl5pPr marL="1828800" indent="0">
               <a:buNone/>
               <a:defRPr sz="900"/>
             </a:lvl5pPr>
-            <a:lvl6pPr marL="2285906" indent="0">
+            <a:lvl6pPr marL="2286000" indent="0">
               <a:buNone/>
               <a:defRPr sz="900"/>
             </a:lvl6pPr>
-            <a:lvl7pPr marL="2743088" indent="0">
+            <a:lvl7pPr marL="2743200" indent="0">
               <a:buNone/>
               <a:defRPr sz="900"/>
             </a:lvl7pPr>
-            <a:lvl8pPr marL="3200268" indent="0">
+            <a:lvl8pPr marL="3200400" indent="0">
               <a:buNone/>
               <a:defRPr sz="900"/>
             </a:lvl8pPr>
-            <a:lvl9pPr marL="3657450" indent="0">
+            <a:lvl9pPr marL="3657600" indent="0">
               <a:buNone/>
               <a:defRPr sz="900"/>
             </a:lvl9pPr>
@@ -6134,6 +5582,7 @@
               <a:rPr lang="zh-CN" altLang="en-US"/>
               <a:t>单击此处编辑母版文本样式</a:t>
             </a:r>
+            <a:endParaRPr lang="zh-CN" altLang="en-US"/>
           </a:p>
         </p:txBody>
       </p:sp>
@@ -6217,21 +5666,12 @@
             </a:pPr>
             <a:fld id="{530D8648-5A27-46B1-9DFF-F43427A188ED}" type="slidenum">
               <a:rPr lang="zh-CN" altLang="en-US"/>
-              <a:pPr>
-                <a:defRPr/>
-              </a:pPr>
-              <a:t>‹#›</a:t>
             </a:fld>
             <a:endParaRPr lang="zh-CN" altLang="en-US"/>
           </a:p>
         </p:txBody>
       </p:sp>
     </p:spTree>
-    <p:extLst>
-      <p:ext uri="{BB962C8B-B14F-4D97-AF65-F5344CB8AC3E}">
-        <p14:creationId xmlns:p14="http://schemas.microsoft.com/office/powerpoint/2010/main" val="4292002586"/>
-      </p:ext>
-    </p:extLst>
   </p:cSld>
   <p:clrMapOvr>
     <a:masterClrMapping/>
@@ -6245,7 +5685,7 @@
     <p:bg>
       <p:bgPr>
         <a:blipFill dpi="0" rotWithShape="0">
-          <a:blip r:embed="rId13" cstate="print"/>
+          <a:blip r:embed="rId12" cstate="print"/>
           <a:srcRect/>
           <a:stretch>
             <a:fillRect/>
@@ -6290,32 +5730,9 @@
           <a:ln>
             <a:noFill/>
           </a:ln>
-          <a:extLst>
-            <a:ext uri="{909E8E84-426E-40dd-AFC4-6F175D3DCCD1}">
-              <a14:hiddenFill xmlns:a14="http://schemas.microsoft.com/office/drawing/2010/main" xmlns="">
-                <a:solidFill>
-                  <a:srgbClr val="FFFFFF"/>
-                </a:solidFill>
-              </a14:hiddenFill>
-            </a:ext>
-            <a:ext uri="{91240B29-F687-4f45-9708-019B960494DF}">
-              <a14:hiddenLine xmlns:a14="http://schemas.microsoft.com/office/drawing/2010/main" xmlns="" w="9525">
-                <a:solidFill>
-                  <a:srgbClr val="000000"/>
-                </a:solidFill>
-                <a:miter lim="800000"/>
-                <a:headEnd/>
-                <a:tailEnd/>
-              </a14:hiddenLine>
-            </a:ext>
-          </a:extLst>
         </p:spPr>
         <p:txBody>
-          <a:bodyPr vert="horz" wrap="square" lIns="91436" tIns="45718" rIns="91436" bIns="45718" numCol="1" anchor="ctr" anchorCtr="0" compatLnSpc="1">
-            <a:prstTxWarp prst="textNoShape">
-              <a:avLst/>
-            </a:prstTxWarp>
-          </a:bodyPr>
+          <a:bodyPr vert="horz" wrap="square" lIns="91436" tIns="45718" rIns="91436" bIns="45718" numCol="1" anchor="ctr" anchorCtr="0" compatLnSpc="1"/>
           <a:lstStyle/>
           <a:p>
             <a:pPr lvl="0"/>
@@ -6323,6 +5740,7 @@
               <a:rPr lang="zh-CN" altLang="en-US"/>
               <a:t>单击此处编辑母版标题样式</a:t>
             </a:r>
+            <a:endParaRPr lang="zh-CN" altLang="en-US"/>
           </a:p>
         </p:txBody>
       </p:sp>
@@ -6348,32 +5766,9 @@
           <a:ln>
             <a:noFill/>
           </a:ln>
-          <a:extLst>
-            <a:ext uri="{909E8E84-426E-40dd-AFC4-6F175D3DCCD1}">
-              <a14:hiddenFill xmlns:a14="http://schemas.microsoft.com/office/drawing/2010/main" xmlns="">
-                <a:solidFill>
-                  <a:srgbClr val="FFFFFF"/>
-                </a:solidFill>
-              </a14:hiddenFill>
-            </a:ext>
-            <a:ext uri="{91240B29-F687-4f45-9708-019B960494DF}">
-              <a14:hiddenLine xmlns:a14="http://schemas.microsoft.com/office/drawing/2010/main" xmlns="" w="9525">
-                <a:solidFill>
-                  <a:srgbClr val="000000"/>
-                </a:solidFill>
-                <a:miter lim="800000"/>
-                <a:headEnd/>
-                <a:tailEnd/>
-              </a14:hiddenLine>
-            </a:ext>
-          </a:extLst>
         </p:spPr>
         <p:txBody>
-          <a:bodyPr vert="horz" wrap="square" lIns="91436" tIns="45718" rIns="91436" bIns="45718" numCol="1" anchor="t" anchorCtr="0" compatLnSpc="1">
-            <a:prstTxWarp prst="textNoShape">
-              <a:avLst/>
-            </a:prstTxWarp>
-          </a:bodyPr>
+          <a:bodyPr vert="horz" wrap="square" lIns="91436" tIns="45718" rIns="91436" bIns="45718" numCol="1" anchor="t" anchorCtr="0" compatLnSpc="1"/>
           <a:lstStyle/>
           <a:p>
             <a:pPr lvl="0"/>
@@ -6381,6 +5776,7 @@
               <a:rPr lang="zh-CN" altLang="en-US"/>
               <a:t>单击此处编辑母版文本样式</a:t>
             </a:r>
+            <a:endParaRPr lang="zh-CN" altLang="en-US"/>
           </a:p>
           <a:p>
             <a:pPr lvl="1"/>
@@ -6388,6 +5784,7 @@
               <a:rPr lang="zh-CN" altLang="en-US"/>
               <a:t>第二级</a:t>
             </a:r>
+            <a:endParaRPr lang="zh-CN" altLang="en-US"/>
           </a:p>
           <a:p>
             <a:pPr lvl="2"/>
@@ -6395,6 +5792,7 @@
               <a:rPr lang="zh-CN" altLang="en-US"/>
               <a:t>第三级</a:t>
             </a:r>
+            <a:endParaRPr lang="zh-CN" altLang="en-US"/>
           </a:p>
           <a:p>
             <a:pPr lvl="3"/>
@@ -6402,6 +5800,7 @@
               <a:rPr lang="zh-CN" altLang="en-US"/>
               <a:t>第四级</a:t>
             </a:r>
+            <a:endParaRPr lang="zh-CN" altLang="en-US"/>
           </a:p>
           <a:p>
             <a:pPr lvl="4"/>
@@ -6409,6 +5808,7 @@
               <a:rPr lang="zh-CN" altLang="en-US"/>
               <a:t>第五级</a:t>
             </a:r>
+            <a:endParaRPr lang="zh-CN" altLang="en-US"/>
           </a:p>
         </p:txBody>
       </p:sp>
@@ -6441,7 +5841,7 @@
                     <a:tint val="75000"/>
                   </a:schemeClr>
                 </a:solidFill>
-                <a:ea typeface="宋体" charset="-122"/>
+                <a:ea typeface="宋体" panose="02010600030101010101" pitchFamily="2" charset="-122"/>
               </a:defRPr>
             </a:lvl1pPr>
           </a:lstStyle>
@@ -6486,7 +5886,7 @@
                     <a:tint val="75000"/>
                   </a:schemeClr>
                 </a:solidFill>
-                <a:ea typeface="宋体" charset="-122"/>
+                <a:ea typeface="宋体" panose="02010600030101010101" pitchFamily="2" charset="-122"/>
               </a:defRPr>
             </a:lvl1pPr>
           </a:lstStyle>
@@ -6518,11 +5918,7 @@
           </a:prstGeom>
         </p:spPr>
         <p:txBody>
-          <a:bodyPr vert="horz" wrap="square" lIns="91436" tIns="45718" rIns="91436" bIns="45718" numCol="1" anchor="ctr" anchorCtr="0" compatLnSpc="1">
-            <a:prstTxWarp prst="textNoShape">
-              <a:avLst/>
-            </a:prstTxWarp>
-          </a:bodyPr>
+          <a:bodyPr vert="horz" wrap="square" lIns="91436" tIns="45718" rIns="91436" bIns="45718" numCol="1" anchor="ctr" anchorCtr="0" compatLnSpc="1"/>
           <a:lstStyle>
             <a:lvl1pPr algn="r" eaLnBrk="1" hangingPunct="1">
               <a:defRPr sz="1200">
@@ -6538,10 +5934,6 @@
             </a:pPr>
             <a:fld id="{EB08D79A-444D-4C36-A6F5-FB17350375E2}" type="slidenum">
               <a:rPr lang="zh-CN" altLang="en-US"/>
-              <a:pPr>
-                <a:defRPr/>
-              </a:pPr>
-              <a:t>‹#›</a:t>
             </a:fld>
             <a:endParaRPr lang="zh-CN" altLang="en-US"/>
           </a:p>
@@ -6551,17 +5943,17 @@
   </p:cSld>
   <p:clrMap bg1="lt1" tx1="dk1" bg2="lt2" tx2="dk2" accent1="accent1" accent2="accent2" accent3="accent3" accent4="accent4" accent5="accent5" accent6="accent6" hlink="hlink" folHlink="folHlink"/>
   <p:sldLayoutIdLst>
-    <p:sldLayoutId id="2147483685" r:id="rId1"/>
-    <p:sldLayoutId id="2147483686" r:id="rId2"/>
-    <p:sldLayoutId id="2147483687" r:id="rId3"/>
-    <p:sldLayoutId id="2147483688" r:id="rId4"/>
-    <p:sldLayoutId id="2147483689" r:id="rId5"/>
-    <p:sldLayoutId id="2147483690" r:id="rId6"/>
-    <p:sldLayoutId id="2147483691" r:id="rId7"/>
-    <p:sldLayoutId id="2147483692" r:id="rId8"/>
-    <p:sldLayoutId id="2147483693" r:id="rId9"/>
-    <p:sldLayoutId id="2147483694" r:id="rId10"/>
-    <p:sldLayoutId id="2147483695" r:id="rId11"/>
+    <p:sldLayoutId id="2147483649" r:id="rId1"/>
+    <p:sldLayoutId id="2147483650" r:id="rId2"/>
+    <p:sldLayoutId id="2147483651" r:id="rId3"/>
+    <p:sldLayoutId id="2147483652" r:id="rId4"/>
+    <p:sldLayoutId id="2147483653" r:id="rId5"/>
+    <p:sldLayoutId id="2147483654" r:id="rId6"/>
+    <p:sldLayoutId id="2147483655" r:id="rId7"/>
+    <p:sldLayoutId id="2147483656" r:id="rId8"/>
+    <p:sldLayoutId id="2147483657" r:id="rId9"/>
+    <p:sldLayoutId id="2147483658" r:id="rId10"/>
+    <p:sldLayoutId id="2147483659" r:id="rId11"/>
   </p:sldLayoutIdLst>
   <p:hf hdr="0" ftr="0" dt="0"/>
   <p:txStyles>
@@ -6593,8 +5985,8 @@
           <a:solidFill>
             <a:schemeClr val="tx1"/>
           </a:solidFill>
-          <a:latin typeface="Calibri" pitchFamily="34" charset="0"/>
-          <a:ea typeface="宋体" charset="-122"/>
+          <a:latin typeface="Calibri" panose="020F0502020204030204" pitchFamily="34" charset="0"/>
+          <a:ea typeface="宋体" panose="02010600030101010101" pitchFamily="2" charset="-122"/>
         </a:defRPr>
       </a:lvl2pPr>
       <a:lvl3pPr algn="ctr" rtl="0" eaLnBrk="0" fontAlgn="base" hangingPunct="0">
@@ -6608,8 +6000,8 @@
           <a:solidFill>
             <a:schemeClr val="tx1"/>
           </a:solidFill>
-          <a:latin typeface="Calibri" pitchFamily="34" charset="0"/>
-          <a:ea typeface="宋体" charset="-122"/>
+          <a:latin typeface="Calibri" panose="020F0502020204030204" pitchFamily="34" charset="0"/>
+          <a:ea typeface="宋体" panose="02010600030101010101" pitchFamily="2" charset="-122"/>
         </a:defRPr>
       </a:lvl3pPr>
       <a:lvl4pPr algn="ctr" rtl="0" eaLnBrk="0" fontAlgn="base" hangingPunct="0">
@@ -6623,8 +6015,8 @@
           <a:solidFill>
             <a:schemeClr val="tx1"/>
           </a:solidFill>
-          <a:latin typeface="Calibri" pitchFamily="34" charset="0"/>
-          <a:ea typeface="宋体" charset="-122"/>
+          <a:latin typeface="Calibri" panose="020F0502020204030204" pitchFamily="34" charset="0"/>
+          <a:ea typeface="宋体" panose="02010600030101010101" pitchFamily="2" charset="-122"/>
         </a:defRPr>
       </a:lvl4pPr>
       <a:lvl5pPr algn="ctr" rtl="0" eaLnBrk="0" fontAlgn="base" hangingPunct="0">
@@ -6638,11 +6030,11 @@
           <a:solidFill>
             <a:schemeClr val="tx1"/>
           </a:solidFill>
-          <a:latin typeface="Calibri" pitchFamily="34" charset="0"/>
-          <a:ea typeface="宋体" charset="-122"/>
+          <a:latin typeface="Calibri" panose="020F0502020204030204" pitchFamily="34" charset="0"/>
+          <a:ea typeface="宋体" panose="02010600030101010101" pitchFamily="2" charset="-122"/>
         </a:defRPr>
       </a:lvl5pPr>
-      <a:lvl6pPr marL="457182" algn="ctr" rtl="0" fontAlgn="base">
+      <a:lvl6pPr marL="457200" algn="ctr" rtl="0" fontAlgn="base">
         <a:spcBef>
           <a:spcPct val="0"/>
         </a:spcBef>
@@ -6653,11 +6045,11 @@
           <a:solidFill>
             <a:schemeClr val="tx1"/>
           </a:solidFill>
-          <a:latin typeface="Calibri" pitchFamily="34" charset="0"/>
-          <a:ea typeface="宋体" charset="-122"/>
+          <a:latin typeface="Calibri" panose="020F0502020204030204" pitchFamily="34" charset="0"/>
+          <a:ea typeface="宋体" panose="02010600030101010101" pitchFamily="2" charset="-122"/>
         </a:defRPr>
       </a:lvl6pPr>
-      <a:lvl7pPr marL="914362" algn="ctr" rtl="0" fontAlgn="base">
+      <a:lvl7pPr marL="914400" algn="ctr" rtl="0" fontAlgn="base">
         <a:spcBef>
           <a:spcPct val="0"/>
         </a:spcBef>
@@ -6668,11 +6060,11 @@
           <a:solidFill>
             <a:schemeClr val="tx1"/>
           </a:solidFill>
-          <a:latin typeface="Calibri" pitchFamily="34" charset="0"/>
-          <a:ea typeface="宋体" charset="-122"/>
+          <a:latin typeface="Calibri" panose="020F0502020204030204" pitchFamily="34" charset="0"/>
+          <a:ea typeface="宋体" panose="02010600030101010101" pitchFamily="2" charset="-122"/>
         </a:defRPr>
       </a:lvl7pPr>
-      <a:lvl8pPr marL="1371544" algn="ctr" rtl="0" fontAlgn="base">
+      <a:lvl8pPr marL="1371600" algn="ctr" rtl="0" fontAlgn="base">
         <a:spcBef>
           <a:spcPct val="0"/>
         </a:spcBef>
@@ -6683,11 +6075,11 @@
           <a:solidFill>
             <a:schemeClr val="tx1"/>
           </a:solidFill>
-          <a:latin typeface="Calibri" pitchFamily="34" charset="0"/>
-          <a:ea typeface="宋体" charset="-122"/>
+          <a:latin typeface="Calibri" panose="020F0502020204030204" pitchFamily="34" charset="0"/>
+          <a:ea typeface="宋体" panose="02010600030101010101" pitchFamily="2" charset="-122"/>
         </a:defRPr>
       </a:lvl8pPr>
-      <a:lvl9pPr marL="1828725" algn="ctr" rtl="0" fontAlgn="base">
+      <a:lvl9pPr marL="1828800" algn="ctr" rtl="0" fontAlgn="base">
         <a:spcBef>
           <a:spcPct val="0"/>
         </a:spcBef>
@@ -6698,13 +6090,13 @@
           <a:solidFill>
             <a:schemeClr val="tx1"/>
           </a:solidFill>
-          <a:latin typeface="Calibri" pitchFamily="34" charset="0"/>
-          <a:ea typeface="宋体" charset="-122"/>
+          <a:latin typeface="Calibri" panose="020F0502020204030204" pitchFamily="34" charset="0"/>
+          <a:ea typeface="宋体" panose="02010600030101010101" pitchFamily="2" charset="-122"/>
         </a:defRPr>
       </a:lvl9pPr>
     </p:titleStyle>
     <p:bodyStyle>
-      <a:lvl1pPr marL="342886" indent="-342886" algn="l" rtl="0" eaLnBrk="0" fontAlgn="base" hangingPunct="0">
+      <a:lvl1pPr marL="342900" indent="-342900" algn="l" rtl="0" eaLnBrk="0" fontAlgn="base" hangingPunct="0">
         <a:spcBef>
           <a:spcPct val="20000"/>
         </a:spcBef>
@@ -6722,7 +6114,7 @@
           <a:cs typeface="+mn-cs"/>
         </a:defRPr>
       </a:lvl1pPr>
-      <a:lvl2pPr marL="742920" indent="-285738" algn="l" rtl="0" eaLnBrk="0" fontAlgn="base" hangingPunct="0">
+      <a:lvl2pPr marL="742950" indent="-285750" algn="l" rtl="0" eaLnBrk="0" fontAlgn="base" hangingPunct="0">
         <a:spcBef>
           <a:spcPct val="20000"/>
         </a:spcBef>
@@ -6740,7 +6132,7 @@
           <a:cs typeface="+mn-cs"/>
         </a:defRPr>
       </a:lvl2pPr>
-      <a:lvl3pPr marL="1142953" indent="-228591" algn="l" rtl="0" eaLnBrk="0" fontAlgn="base" hangingPunct="0">
+      <a:lvl3pPr marL="1143000" indent="-228600" algn="l" rtl="0" eaLnBrk="0" fontAlgn="base" hangingPunct="0">
         <a:spcBef>
           <a:spcPct val="20000"/>
         </a:spcBef>
@@ -6758,7 +6150,7 @@
           <a:cs typeface="+mn-cs"/>
         </a:defRPr>
       </a:lvl3pPr>
-      <a:lvl4pPr marL="1600135" indent="-228591" algn="l" rtl="0" eaLnBrk="0" fontAlgn="base" hangingPunct="0">
+      <a:lvl4pPr marL="1600200" indent="-228600" algn="l" rtl="0" eaLnBrk="0" fontAlgn="base" hangingPunct="0">
         <a:spcBef>
           <a:spcPct val="20000"/>
         </a:spcBef>
@@ -6776,7 +6168,7 @@
           <a:cs typeface="+mn-cs"/>
         </a:defRPr>
       </a:lvl4pPr>
-      <a:lvl5pPr marL="2057315" indent="-228591" algn="l" rtl="0" eaLnBrk="0" fontAlgn="base" hangingPunct="0">
+      <a:lvl5pPr marL="2057400" indent="-228600" algn="l" rtl="0" eaLnBrk="0" fontAlgn="base" hangingPunct="0">
         <a:spcBef>
           <a:spcPct val="20000"/>
         </a:spcBef>
@@ -6794,11 +6186,11 @@
           <a:cs typeface="+mn-cs"/>
         </a:defRPr>
       </a:lvl5pPr>
-      <a:lvl6pPr marL="2514497" indent="-228591" algn="l" defTabSz="914362" rtl="0" eaLnBrk="1" latinLnBrk="0" hangingPunct="1">
+      <a:lvl6pPr marL="2514600" indent="-228600" algn="l" defTabSz="914400" rtl="0" eaLnBrk="1" latinLnBrk="0" hangingPunct="1">
         <a:spcBef>
           <a:spcPct val="20000"/>
         </a:spcBef>
-        <a:buFont typeface="Arial" pitchFamily="34" charset="0"/>
+        <a:buFont typeface="Arial" panose="020B0604020202020204" pitchFamily="34" charset="0"/>
         <a:buChar char="•"/>
         <a:defRPr sz="2000" kern="1200">
           <a:solidFill>
@@ -6809,11 +6201,11 @@
           <a:cs typeface="+mn-cs"/>
         </a:defRPr>
       </a:lvl6pPr>
-      <a:lvl7pPr marL="2971678" indent="-228591" algn="l" defTabSz="914362" rtl="0" eaLnBrk="1" latinLnBrk="0" hangingPunct="1">
+      <a:lvl7pPr marL="2971800" indent="-228600" algn="l" defTabSz="914400" rtl="0" eaLnBrk="1" latinLnBrk="0" hangingPunct="1">
         <a:spcBef>
           <a:spcPct val="20000"/>
         </a:spcBef>
-        <a:buFont typeface="Arial" pitchFamily="34" charset="0"/>
+        <a:buFont typeface="Arial" panose="020B0604020202020204" pitchFamily="34" charset="0"/>
         <a:buChar char="•"/>
         <a:defRPr sz="2000" kern="1200">
           <a:solidFill>
@@ -6824,11 +6216,11 @@
           <a:cs typeface="+mn-cs"/>
         </a:defRPr>
       </a:lvl7pPr>
-      <a:lvl8pPr marL="3428859" indent="-228591" algn="l" defTabSz="914362" rtl="0" eaLnBrk="1" latinLnBrk="0" hangingPunct="1">
+      <a:lvl8pPr marL="3429000" indent="-228600" algn="l" defTabSz="914400" rtl="0" eaLnBrk="1" latinLnBrk="0" hangingPunct="1">
         <a:spcBef>
           <a:spcPct val="20000"/>
         </a:spcBef>
-        <a:buFont typeface="Arial" pitchFamily="34" charset="0"/>
+        <a:buFont typeface="Arial" panose="020B0604020202020204" pitchFamily="34" charset="0"/>
         <a:buChar char="•"/>
         <a:defRPr sz="2000" kern="1200">
           <a:solidFill>
@@ -6839,11 +6231,11 @@
           <a:cs typeface="+mn-cs"/>
         </a:defRPr>
       </a:lvl8pPr>
-      <a:lvl9pPr marL="3886041" indent="-228591" algn="l" defTabSz="914362" rtl="0" eaLnBrk="1" latinLnBrk="0" hangingPunct="1">
+      <a:lvl9pPr marL="3886200" indent="-228600" algn="l" defTabSz="914400" rtl="0" eaLnBrk="1" latinLnBrk="0" hangingPunct="1">
         <a:spcBef>
           <a:spcPct val="20000"/>
         </a:spcBef>
-        <a:buFont typeface="Arial" pitchFamily="34" charset="0"/>
+        <a:buFont typeface="Arial" panose="020B0604020202020204" pitchFamily="34" charset="0"/>
         <a:buChar char="•"/>
         <a:defRPr sz="2000" kern="1200">
           <a:solidFill>
@@ -6859,7 +6251,7 @@
       <a:defPPr>
         <a:defRPr lang="zh-CN"/>
       </a:defPPr>
-      <a:lvl1pPr marL="0" algn="l" defTabSz="914362" rtl="0" eaLnBrk="1" latinLnBrk="0" hangingPunct="1">
+      <a:lvl1pPr marL="0" algn="l" defTabSz="914400" rtl="0" eaLnBrk="1" latinLnBrk="0" hangingPunct="1">
         <a:defRPr sz="1800" kern="1200">
           <a:solidFill>
             <a:schemeClr val="tx1"/>
@@ -6869,7 +6261,7 @@
           <a:cs typeface="+mn-cs"/>
         </a:defRPr>
       </a:lvl1pPr>
-      <a:lvl2pPr marL="457182" algn="l" defTabSz="914362" rtl="0" eaLnBrk="1" latinLnBrk="0" hangingPunct="1">
+      <a:lvl2pPr marL="457200" algn="l" defTabSz="914400" rtl="0" eaLnBrk="1" latinLnBrk="0" hangingPunct="1">
         <a:defRPr sz="1800" kern="1200">
           <a:solidFill>
             <a:schemeClr val="tx1"/>
@@ -6879,7 +6271,7 @@
           <a:cs typeface="+mn-cs"/>
         </a:defRPr>
       </a:lvl2pPr>
-      <a:lvl3pPr marL="914362" algn="l" defTabSz="914362" rtl="0" eaLnBrk="1" latinLnBrk="0" hangingPunct="1">
+      <a:lvl3pPr marL="914400" algn="l" defTabSz="914400" rtl="0" eaLnBrk="1" latinLnBrk="0" hangingPunct="1">
         <a:defRPr sz="1800" kern="1200">
           <a:solidFill>
             <a:schemeClr val="tx1"/>
@@ -6889,7 +6281,7 @@
           <a:cs typeface="+mn-cs"/>
         </a:defRPr>
       </a:lvl3pPr>
-      <a:lvl4pPr marL="1371544" algn="l" defTabSz="914362" rtl="0" eaLnBrk="1" latinLnBrk="0" hangingPunct="1">
+      <a:lvl4pPr marL="1371600" algn="l" defTabSz="914400" rtl="0" eaLnBrk="1" latinLnBrk="0" hangingPunct="1">
         <a:defRPr sz="1800" kern="1200">
           <a:solidFill>
             <a:schemeClr val="tx1"/>
@@ -6899,7 +6291,7 @@
           <a:cs typeface="+mn-cs"/>
         </a:defRPr>
       </a:lvl4pPr>
-      <a:lvl5pPr marL="1828725" algn="l" defTabSz="914362" rtl="0" eaLnBrk="1" latinLnBrk="0" hangingPunct="1">
+      <a:lvl5pPr marL="1828800" algn="l" defTabSz="914400" rtl="0" eaLnBrk="1" latinLnBrk="0" hangingPunct="1">
         <a:defRPr sz="1800" kern="1200">
           <a:solidFill>
             <a:schemeClr val="tx1"/>
@@ -6909,7 +6301,7 @@
           <a:cs typeface="+mn-cs"/>
         </a:defRPr>
       </a:lvl5pPr>
-      <a:lvl6pPr marL="2285906" algn="l" defTabSz="914362" rtl="0" eaLnBrk="1" latinLnBrk="0" hangingPunct="1">
+      <a:lvl6pPr marL="2286000" algn="l" defTabSz="914400" rtl="0" eaLnBrk="1" latinLnBrk="0" hangingPunct="1">
         <a:defRPr sz="1800" kern="1200">
           <a:solidFill>
             <a:schemeClr val="tx1"/>
@@ -6919,7 +6311,7 @@
           <a:cs typeface="+mn-cs"/>
         </a:defRPr>
       </a:lvl6pPr>
-      <a:lvl7pPr marL="2743088" algn="l" defTabSz="914362" rtl="0" eaLnBrk="1" latinLnBrk="0" hangingPunct="1">
+      <a:lvl7pPr marL="2743200" algn="l" defTabSz="914400" rtl="0" eaLnBrk="1" latinLnBrk="0" hangingPunct="1">
         <a:defRPr sz="1800" kern="1200">
           <a:solidFill>
             <a:schemeClr val="tx1"/>
@@ -6929,7 +6321,7 @@
           <a:cs typeface="+mn-cs"/>
         </a:defRPr>
       </a:lvl7pPr>
-      <a:lvl8pPr marL="3200268" algn="l" defTabSz="914362" rtl="0" eaLnBrk="1" latinLnBrk="0" hangingPunct="1">
+      <a:lvl8pPr marL="3200400" algn="l" defTabSz="914400" rtl="0" eaLnBrk="1" latinLnBrk="0" hangingPunct="1">
         <a:defRPr sz="1800" kern="1200">
           <a:solidFill>
             <a:schemeClr val="tx1"/>
@@ -6939,7 +6331,7 @@
           <a:cs typeface="+mn-cs"/>
         </a:defRPr>
       </a:lvl8pPr>
-      <a:lvl9pPr marL="3657450" algn="l" defTabSz="914362" rtl="0" eaLnBrk="1" latinLnBrk="0" hangingPunct="1">
+      <a:lvl9pPr marL="3657600" algn="l" defTabSz="914400" rtl="0" eaLnBrk="1" latinLnBrk="0" hangingPunct="1">
         <a:defRPr sz="1800" kern="1200">
           <a:solidFill>
             <a:schemeClr val="tx1"/>
@@ -6960,7 +6352,7 @@
     <p:bg>
       <p:bgPr>
         <a:blipFill dpi="0" rotWithShape="0">
-          <a:blip r:embed="rId2" cstate="print"/>
+          <a:blip r:embed="rId1" cstate="print"/>
           <a:srcRect/>
           <a:stretch>
             <a:fillRect/>
@@ -7003,25 +6395,6 @@
           <a:ln>
             <a:noFill/>
           </a:ln>
-          <a:extLst>
-            <a:ext uri="{909E8E84-426E-40dd-AFC4-6F175D3DCCD1}">
-              <a14:hiddenFill xmlns:a14="http://schemas.microsoft.com/office/drawing/2010/main" xmlns="">
-                <a:solidFill>
-                  <a:srgbClr val="FFFFFF"/>
-                </a:solidFill>
-              </a14:hiddenFill>
-            </a:ext>
-            <a:ext uri="{91240B29-F687-4f45-9708-019B960494DF}">
-              <a14:hiddenLine xmlns:a14="http://schemas.microsoft.com/office/drawing/2010/main" xmlns="" w="9525">
-                <a:solidFill>
-                  <a:srgbClr val="000000"/>
-                </a:solidFill>
-                <a:miter lim="800000"/>
-                <a:headEnd/>
-                <a:tailEnd/>
-              </a14:hiddenLine>
-            </a:ext>
-          </a:extLst>
         </p:spPr>
         <p:txBody>
           <a:bodyPr lIns="91436" tIns="45718" rIns="91436" bIns="45718" anchor="ctr">
@@ -7033,8 +6406,8 @@
                 <a:solidFill>
                   <a:schemeClr val="tx1"/>
                 </a:solidFill>
-                <a:latin typeface="Calibri" pitchFamily="34" charset="0"/>
-                <a:ea typeface="宋体" charset="-122"/>
+                <a:latin typeface="Calibri" panose="020F0502020204030204" pitchFamily="34" charset="0"/>
+                <a:ea typeface="宋体" panose="02010600030101010101" pitchFamily="2" charset="-122"/>
               </a:defRPr>
             </a:lvl1pPr>
             <a:lvl2pPr marL="742950" indent="-285750" eaLnBrk="0" hangingPunct="0">
@@ -7042,8 +6415,8 @@
                 <a:solidFill>
                   <a:schemeClr val="tx1"/>
                 </a:solidFill>
-                <a:latin typeface="Calibri" pitchFamily="34" charset="0"/>
-                <a:ea typeface="宋体" charset="-122"/>
+                <a:latin typeface="Calibri" panose="020F0502020204030204" pitchFamily="34" charset="0"/>
+                <a:ea typeface="宋体" panose="02010600030101010101" pitchFamily="2" charset="-122"/>
               </a:defRPr>
             </a:lvl2pPr>
             <a:lvl3pPr marL="1143000" indent="-228600" eaLnBrk="0" hangingPunct="0">
@@ -7051,8 +6424,8 @@
                 <a:solidFill>
                   <a:schemeClr val="tx1"/>
                 </a:solidFill>
-                <a:latin typeface="Calibri" pitchFamily="34" charset="0"/>
-                <a:ea typeface="宋体" charset="-122"/>
+                <a:latin typeface="Calibri" panose="020F0502020204030204" pitchFamily="34" charset="0"/>
+                <a:ea typeface="宋体" panose="02010600030101010101" pitchFamily="2" charset="-122"/>
               </a:defRPr>
             </a:lvl3pPr>
             <a:lvl4pPr marL="1600200" indent="-228600" eaLnBrk="0" hangingPunct="0">
@@ -7060,8 +6433,8 @@
                 <a:solidFill>
                   <a:schemeClr val="tx1"/>
                 </a:solidFill>
-                <a:latin typeface="Calibri" pitchFamily="34" charset="0"/>
-                <a:ea typeface="宋体" charset="-122"/>
+                <a:latin typeface="Calibri" panose="020F0502020204030204" pitchFamily="34" charset="0"/>
+                <a:ea typeface="宋体" panose="02010600030101010101" pitchFamily="2" charset="-122"/>
               </a:defRPr>
             </a:lvl4pPr>
             <a:lvl5pPr marL="2057400" indent="-228600" eaLnBrk="0" hangingPunct="0">
@@ -7069,8 +6442,8 @@
                 <a:solidFill>
                   <a:schemeClr val="tx1"/>
                 </a:solidFill>
-                <a:latin typeface="Calibri" pitchFamily="34" charset="0"/>
-                <a:ea typeface="宋体" charset="-122"/>
+                <a:latin typeface="Calibri" panose="020F0502020204030204" pitchFamily="34" charset="0"/>
+                <a:ea typeface="宋体" panose="02010600030101010101" pitchFamily="2" charset="-122"/>
               </a:defRPr>
             </a:lvl5pPr>
             <a:lvl6pPr marL="2514600" indent="-228600" eaLnBrk="0" fontAlgn="base" hangingPunct="0">
@@ -7084,8 +6457,8 @@
                 <a:solidFill>
                   <a:schemeClr val="tx1"/>
                 </a:solidFill>
-                <a:latin typeface="Calibri" pitchFamily="34" charset="0"/>
-                <a:ea typeface="宋体" charset="-122"/>
+                <a:latin typeface="Calibri" panose="020F0502020204030204" pitchFamily="34" charset="0"/>
+                <a:ea typeface="宋体" panose="02010600030101010101" pitchFamily="2" charset="-122"/>
               </a:defRPr>
             </a:lvl6pPr>
             <a:lvl7pPr marL="2971800" indent="-228600" eaLnBrk="0" fontAlgn="base" hangingPunct="0">
@@ -7099,8 +6472,8 @@
                 <a:solidFill>
                   <a:schemeClr val="tx1"/>
                 </a:solidFill>
-                <a:latin typeface="Calibri" pitchFamily="34" charset="0"/>
-                <a:ea typeface="宋体" charset="-122"/>
+                <a:latin typeface="Calibri" panose="020F0502020204030204" pitchFamily="34" charset="0"/>
+                <a:ea typeface="宋体" panose="02010600030101010101" pitchFamily="2" charset="-122"/>
               </a:defRPr>
             </a:lvl7pPr>
             <a:lvl8pPr marL="3429000" indent="-228600" eaLnBrk="0" fontAlgn="base" hangingPunct="0">
@@ -7114,8 +6487,8 @@
                 <a:solidFill>
                   <a:schemeClr val="tx1"/>
                 </a:solidFill>
-                <a:latin typeface="Calibri" pitchFamily="34" charset="0"/>
-                <a:ea typeface="宋体" charset="-122"/>
+                <a:latin typeface="Calibri" panose="020F0502020204030204" pitchFamily="34" charset="0"/>
+                <a:ea typeface="宋体" panose="02010600030101010101" pitchFamily="2" charset="-122"/>
               </a:defRPr>
             </a:lvl8pPr>
             <a:lvl9pPr marL="3886200" indent="-228600" eaLnBrk="0" fontAlgn="base" hangingPunct="0">
@@ -7129,8 +6502,8 @@
                 <a:solidFill>
                   <a:schemeClr val="tx1"/>
                 </a:solidFill>
-                <a:latin typeface="Calibri" pitchFamily="34" charset="0"/>
-                <a:ea typeface="宋体" charset="-122"/>
+                <a:latin typeface="Calibri" panose="020F0502020204030204" pitchFamily="34" charset="0"/>
+                <a:ea typeface="宋体" panose="02010600030101010101" pitchFamily="2" charset="-122"/>
               </a:defRPr>
             </a:lvl9pPr>
           </a:lstStyle>
@@ -7146,11 +6519,21 @@
                     <a:lumOff val="35000"/>
                   </a:schemeClr>
                 </a:solidFill>
-                <a:latin typeface="微软雅黑" pitchFamily="34" charset="-122"/>
-                <a:ea typeface="微软雅黑" pitchFamily="34" charset="-122"/>
+                <a:latin typeface="微软雅黑" panose="020B0503020204020204" pitchFamily="34" charset="-122"/>
+                <a:ea typeface="微软雅黑" panose="020B0503020204020204" pitchFamily="34" charset="-122"/>
               </a:rPr>
               <a:t>陈志广</a:t>
             </a:r>
+            <a:endParaRPr lang="zh-CN" altLang="en-US" sz="2800" b="1" dirty="0">
+              <a:solidFill>
+                <a:schemeClr val="tx1">
+                  <a:lumMod val="65000"/>
+                  <a:lumOff val="35000"/>
+                </a:schemeClr>
+              </a:solidFill>
+              <a:latin typeface="微软雅黑" panose="020B0503020204020204" pitchFamily="34" charset="-122"/>
+              <a:ea typeface="微软雅黑" panose="020B0503020204020204" pitchFamily="34" charset="-122"/>
+            </a:endParaRPr>
           </a:p>
         </p:txBody>
       </p:sp>
@@ -7174,25 +6557,6 @@
           <a:ln>
             <a:noFill/>
           </a:ln>
-          <a:extLst>
-            <a:ext uri="{909E8E84-426E-40dd-AFC4-6F175D3DCCD1}">
-              <a14:hiddenFill xmlns:a14="http://schemas.microsoft.com/office/drawing/2010/main" xmlns="">
-                <a:solidFill>
-                  <a:srgbClr val="FFFFFF"/>
-                </a:solidFill>
-              </a14:hiddenFill>
-            </a:ext>
-            <a:ext uri="{91240B29-F687-4f45-9708-019B960494DF}">
-              <a14:hiddenLine xmlns:a14="http://schemas.microsoft.com/office/drawing/2010/main" xmlns="" w="9525">
-                <a:solidFill>
-                  <a:srgbClr val="000000"/>
-                </a:solidFill>
-                <a:miter lim="800000"/>
-                <a:headEnd/>
-                <a:tailEnd/>
-              </a14:hiddenLine>
-            </a:ext>
-          </a:extLst>
         </p:spPr>
         <p:txBody>
           <a:bodyPr lIns="91436" tIns="45718" rIns="91436" bIns="45718" anchor="ctr">
@@ -7204,8 +6568,8 @@
                 <a:solidFill>
                   <a:schemeClr val="tx1"/>
                 </a:solidFill>
-                <a:latin typeface="Calibri" pitchFamily="34" charset="0"/>
-                <a:ea typeface="宋体" charset="-122"/>
+                <a:latin typeface="Calibri" panose="020F0502020204030204" pitchFamily="34" charset="0"/>
+                <a:ea typeface="宋体" panose="02010600030101010101" pitchFamily="2" charset="-122"/>
               </a:defRPr>
             </a:lvl1pPr>
             <a:lvl2pPr marL="742950" indent="-285750" eaLnBrk="0" hangingPunct="0">
@@ -7213,8 +6577,8 @@
                 <a:solidFill>
                   <a:schemeClr val="tx1"/>
                 </a:solidFill>
-                <a:latin typeface="Calibri" pitchFamily="34" charset="0"/>
-                <a:ea typeface="宋体" charset="-122"/>
+                <a:latin typeface="Calibri" panose="020F0502020204030204" pitchFamily="34" charset="0"/>
+                <a:ea typeface="宋体" panose="02010600030101010101" pitchFamily="2" charset="-122"/>
               </a:defRPr>
             </a:lvl2pPr>
             <a:lvl3pPr marL="1143000" indent="-228600" eaLnBrk="0" hangingPunct="0">
@@ -7222,8 +6586,8 @@
                 <a:solidFill>
                   <a:schemeClr val="tx1"/>
                 </a:solidFill>
-                <a:latin typeface="Calibri" pitchFamily="34" charset="0"/>
-                <a:ea typeface="宋体" charset="-122"/>
+                <a:latin typeface="Calibri" panose="020F0502020204030204" pitchFamily="34" charset="0"/>
+                <a:ea typeface="宋体" panose="02010600030101010101" pitchFamily="2" charset="-122"/>
               </a:defRPr>
             </a:lvl3pPr>
             <a:lvl4pPr marL="1600200" indent="-228600" eaLnBrk="0" hangingPunct="0">
@@ -7231,8 +6595,8 @@
                 <a:solidFill>
                   <a:schemeClr val="tx1"/>
                 </a:solidFill>
-                <a:latin typeface="Calibri" pitchFamily="34" charset="0"/>
-                <a:ea typeface="宋体" charset="-122"/>
+                <a:latin typeface="Calibri" panose="020F0502020204030204" pitchFamily="34" charset="0"/>
+                <a:ea typeface="宋体" panose="02010600030101010101" pitchFamily="2" charset="-122"/>
               </a:defRPr>
             </a:lvl4pPr>
             <a:lvl5pPr marL="2057400" indent="-228600" eaLnBrk="0" hangingPunct="0">
@@ -7240,8 +6604,8 @@
                 <a:solidFill>
                   <a:schemeClr val="tx1"/>
                 </a:solidFill>
-                <a:latin typeface="Calibri" pitchFamily="34" charset="0"/>
-                <a:ea typeface="宋体" charset="-122"/>
+                <a:latin typeface="Calibri" panose="020F0502020204030204" pitchFamily="34" charset="0"/>
+                <a:ea typeface="宋体" panose="02010600030101010101" pitchFamily="2" charset="-122"/>
               </a:defRPr>
             </a:lvl5pPr>
             <a:lvl6pPr marL="2514600" indent="-228600" eaLnBrk="0" fontAlgn="base" hangingPunct="0">
@@ -7255,8 +6619,8 @@
                 <a:solidFill>
                   <a:schemeClr val="tx1"/>
                 </a:solidFill>
-                <a:latin typeface="Calibri" pitchFamily="34" charset="0"/>
-                <a:ea typeface="宋体" charset="-122"/>
+                <a:latin typeface="Calibri" panose="020F0502020204030204" pitchFamily="34" charset="0"/>
+                <a:ea typeface="宋体" panose="02010600030101010101" pitchFamily="2" charset="-122"/>
               </a:defRPr>
             </a:lvl6pPr>
             <a:lvl7pPr marL="2971800" indent="-228600" eaLnBrk="0" fontAlgn="base" hangingPunct="0">
@@ -7270,8 +6634,8 @@
                 <a:solidFill>
                   <a:schemeClr val="tx1"/>
                 </a:solidFill>
-                <a:latin typeface="Calibri" pitchFamily="34" charset="0"/>
-                <a:ea typeface="宋体" charset="-122"/>
+                <a:latin typeface="Calibri" panose="020F0502020204030204" pitchFamily="34" charset="0"/>
+                <a:ea typeface="宋体" panose="02010600030101010101" pitchFamily="2" charset="-122"/>
               </a:defRPr>
             </a:lvl7pPr>
             <a:lvl8pPr marL="3429000" indent="-228600" eaLnBrk="0" fontAlgn="base" hangingPunct="0">
@@ -7285,8 +6649,8 @@
                 <a:solidFill>
                   <a:schemeClr val="tx1"/>
                 </a:solidFill>
-                <a:latin typeface="Calibri" pitchFamily="34" charset="0"/>
-                <a:ea typeface="宋体" charset="-122"/>
+                <a:latin typeface="Calibri" panose="020F0502020204030204" pitchFamily="34" charset="0"/>
+                <a:ea typeface="宋体" panose="02010600030101010101" pitchFamily="2" charset="-122"/>
               </a:defRPr>
             </a:lvl8pPr>
             <a:lvl9pPr marL="3886200" indent="-228600" eaLnBrk="0" fontAlgn="base" hangingPunct="0">
@@ -7300,8 +6664,8 @@
                 <a:solidFill>
                   <a:schemeClr val="tx1"/>
                 </a:solidFill>
-                <a:latin typeface="Calibri" pitchFamily="34" charset="0"/>
-                <a:ea typeface="宋体" charset="-122"/>
+                <a:latin typeface="Calibri" panose="020F0502020204030204" pitchFamily="34" charset="0"/>
+                <a:ea typeface="宋体" panose="02010600030101010101" pitchFamily="2" charset="-122"/>
               </a:defRPr>
             </a:lvl9pPr>
           </a:lstStyle>
@@ -7316,8 +6680,8 @@
                     <a:lumMod val="50000"/>
                   </a:schemeClr>
                 </a:solidFill>
-                <a:latin typeface="微软雅黑" pitchFamily="34" charset="-122"/>
-                <a:ea typeface="微软雅黑" pitchFamily="34" charset="-122"/>
+                <a:latin typeface="微软雅黑" panose="020B0503020204020204" pitchFamily="34" charset="-122"/>
+                <a:ea typeface="微软雅黑" panose="020B0503020204020204" pitchFamily="34" charset="-122"/>
                 <a:cs typeface="Arial Unicode MS" pitchFamily="34" charset="-122"/>
               </a:rPr>
               <a:t>www.nscc-gz.cn</a:t>
@@ -7328,8 +6692,8 @@
                   <a:lumMod val="50000"/>
                 </a:schemeClr>
               </a:solidFill>
-              <a:latin typeface="微软雅黑" pitchFamily="34" charset="-122"/>
-              <a:ea typeface="微软雅黑" pitchFamily="34" charset="-122"/>
+              <a:latin typeface="微软雅黑" panose="020B0503020204020204" pitchFamily="34" charset="-122"/>
+              <a:ea typeface="微软雅黑" panose="020B0503020204020204" pitchFamily="34" charset="-122"/>
             </a:endParaRPr>
           </a:p>
         </p:txBody>
@@ -7343,7 +6707,7 @@
           <p:nvPr/>
         </p:nvPicPr>
         <p:blipFill>
-          <a:blip r:embed="rId3">
+          <a:blip r:embed="rId2">
             <a:extLst>
               <a:ext uri="{28A0092B-C50C-407E-A947-70E740481C1C}">
                 <a14:useLocalDpi xmlns:a14="http://schemas.microsoft.com/office/drawing/2010/main" val="0"/>
@@ -7367,25 +6731,6 @@
           <a:ln>
             <a:noFill/>
           </a:ln>
-          <a:extLst>
-            <a:ext uri="{909E8E84-426E-40dd-AFC4-6F175D3DCCD1}">
-              <a14:hiddenFill xmlns:a14="http://schemas.microsoft.com/office/drawing/2010/main" xmlns="">
-                <a:solidFill>
-                  <a:srgbClr val="FFFFFF"/>
-                </a:solidFill>
-              </a14:hiddenFill>
-            </a:ext>
-            <a:ext uri="{91240B29-F687-4f45-9708-019B960494DF}">
-              <a14:hiddenLine xmlns:a14="http://schemas.microsoft.com/office/drawing/2010/main" xmlns="" w="9525">
-                <a:solidFill>
-                  <a:srgbClr val="000000"/>
-                </a:solidFill>
-                <a:miter lim="800000"/>
-                <a:headEnd/>
-                <a:tailEnd/>
-              </a14:hiddenLine>
-            </a:ext>
-          </a:extLst>
         </p:spPr>
       </p:pic>
       <p:pic>
@@ -7397,7 +6742,7 @@
           <p:nvPr/>
         </p:nvPicPr>
         <p:blipFill>
-          <a:blip r:embed="rId4">
+          <a:blip r:embed="rId3">
             <a:extLst>
               <a:ext uri="{28A0092B-C50C-407E-A947-70E740481C1C}">
                 <a14:useLocalDpi xmlns:a14="http://schemas.microsoft.com/office/drawing/2010/main" val="0"/>
@@ -7421,25 +6766,6 @@
           <a:ln>
             <a:noFill/>
           </a:ln>
-          <a:extLst>
-            <a:ext uri="{909E8E84-426E-40dd-AFC4-6F175D3DCCD1}">
-              <a14:hiddenFill xmlns:a14="http://schemas.microsoft.com/office/drawing/2010/main" xmlns="">
-                <a:solidFill>
-                  <a:srgbClr val="FFFFFF"/>
-                </a:solidFill>
-              </a14:hiddenFill>
-            </a:ext>
-            <a:ext uri="{91240B29-F687-4f45-9708-019B960494DF}">
-              <a14:hiddenLine xmlns:a14="http://schemas.microsoft.com/office/drawing/2010/main" xmlns="" w="9525">
-                <a:solidFill>
-                  <a:srgbClr val="000000"/>
-                </a:solidFill>
-                <a:miter lim="800000"/>
-                <a:headEnd/>
-                <a:tailEnd/>
-              </a14:hiddenLine>
-            </a:ext>
-          </a:extLst>
         </p:spPr>
       </p:pic>
       <p:sp>
@@ -7481,6 +6807,15 @@
               </a:rPr>
               <a:t>13316052680</a:t>
             </a:r>
+            <a:endParaRPr lang="en-US" altLang="zh-CN" sz="2000" dirty="0">
+              <a:solidFill>
+                <a:schemeClr val="accent1">
+                  <a:lumMod val="75000"/>
+                </a:schemeClr>
+              </a:solidFill>
+              <a:latin typeface="微软雅黑" panose="020B0503020204020204" pitchFamily="34" charset="-122"/>
+              <a:ea typeface="微软雅黑" panose="020B0503020204020204" pitchFamily="34" charset="-122"/>
+            </a:endParaRPr>
           </a:p>
           <a:p>
             <a:pPr algn="ctr">
@@ -7512,6 +6847,15 @@
               </a:rPr>
               <a:t>410</a:t>
             </a:r>
+            <a:endParaRPr lang="en-US" altLang="zh-CN" sz="2000" dirty="0">
+              <a:solidFill>
+                <a:schemeClr val="accent1">
+                  <a:lumMod val="75000"/>
+                </a:schemeClr>
+              </a:solidFill>
+              <a:latin typeface="微软雅黑" panose="020B0503020204020204" pitchFamily="34" charset="-122"/>
+              <a:ea typeface="微软雅黑" panose="020B0503020204020204" pitchFamily="34" charset="-122"/>
+            </a:endParaRPr>
           </a:p>
           <a:p>
             <a:pPr algn="ctr">
@@ -7528,7 +6872,7 @@
                 </a:solidFill>
                 <a:latin typeface="微软雅黑" panose="020B0503020204020204" pitchFamily="34" charset="-122"/>
                 <a:ea typeface="微软雅黑" panose="020B0503020204020204" pitchFamily="34" charset="-122"/>
-                <a:hlinkClick r:id="rId5"/>
+                <a:hlinkClick r:id="rId4"/>
               </a:rPr>
               <a:t>Zhiguang.chen@nscc-gz.cn</a:t>
             </a:r>
@@ -7546,13 +6890,7 @@
       </p:sp>
       <p:sp>
         <p:nvSpPr>
-          <p:cNvPr id="8" name="TextBox 2">
-            <a:extLst>
-              <a:ext uri="{FF2B5EF4-FFF2-40B4-BE49-F238E27FC236}">
-                <a16:creationId xmlns:a16="http://schemas.microsoft.com/office/drawing/2014/main" id="{E103ED0A-B145-4B88-99D4-2A1FBD48D83D}"/>
-              </a:ext>
-            </a:extLst>
-          </p:cNvPr>
+          <p:cNvPr id="8" name="TextBox 2"/>
           <p:cNvSpPr txBox="1">
             <a:spLocks noChangeArrowheads="1"/>
           </p:cNvSpPr>
@@ -7570,25 +6908,6 @@
           <a:ln>
             <a:noFill/>
           </a:ln>
-          <a:extLst>
-            <a:ext uri="{909E8E84-426E-40dd-AFC4-6F175D3DCCD1}">
-              <a14:hiddenFill xmlns="" xmlns:a14="http://schemas.microsoft.com/office/drawing/2010/main">
-                <a:solidFill>
-                  <a:srgbClr val="FFFFFF"/>
-                </a:solidFill>
-              </a14:hiddenFill>
-            </a:ext>
-            <a:ext uri="{91240B29-F687-4f45-9708-019B960494DF}">
-              <a14:hiddenLine xmlns="" xmlns:a14="http://schemas.microsoft.com/office/drawing/2010/main" w="9525">
-                <a:solidFill>
-                  <a:srgbClr val="000000"/>
-                </a:solidFill>
-                <a:miter lim="800000"/>
-                <a:headEnd/>
-                <a:tailEnd/>
-              </a14:hiddenLine>
-            </a:ext>
-          </a:extLst>
         </p:spPr>
         <p:txBody>
           <a:bodyPr wrap="square" lIns="91436" tIns="45718" rIns="91436" bIns="45718">
@@ -7775,6 +7094,13 @@
               </a:rPr>
               <a:t>讲：全局快照算法</a:t>
             </a:r>
+            <a:endParaRPr lang="zh-CN" altLang="en-US" sz="3600" b="1" dirty="0">
+              <a:solidFill>
+                <a:srgbClr val="0070C0"/>
+              </a:solidFill>
+              <a:latin typeface="微软雅黑" panose="020B0503020204020204" pitchFamily="34" charset="-122"/>
+              <a:ea typeface="微软雅黑" panose="020B0503020204020204" pitchFamily="34" charset="-122"/>
+            </a:endParaRPr>
           </a:p>
         </p:txBody>
       </p:sp>
@@ -7823,25 +7149,6 @@
           <a:ln>
             <a:noFill/>
           </a:ln>
-          <a:extLst>
-            <a:ext uri="{909E8E84-426E-40dd-AFC4-6F175D3DCCD1}">
-              <a14:hiddenFill xmlns:a14="http://schemas.microsoft.com/office/drawing/2010/main" xmlns="">
-                <a:solidFill>
-                  <a:srgbClr val="FFFFFF"/>
-                </a:solidFill>
-              </a14:hiddenFill>
-            </a:ext>
-            <a:ext uri="{91240B29-F687-4f45-9708-019B960494DF}">
-              <a14:hiddenLine xmlns:a14="http://schemas.microsoft.com/office/drawing/2010/main" xmlns="" w="9525">
-                <a:solidFill>
-                  <a:srgbClr val="000000"/>
-                </a:solidFill>
-                <a:miter lim="800000"/>
-                <a:headEnd/>
-                <a:tailEnd/>
-              </a14:hiddenLine>
-            </a:ext>
-          </a:extLst>
         </p:spPr>
         <p:txBody>
           <a:bodyPr wrap="square" lIns="91436" tIns="45718" rIns="91436" bIns="45718">
@@ -8045,6 +7352,13 @@
               </a:rPr>
               <a:t>通道）</a:t>
             </a:r>
+            <a:endParaRPr lang="zh-CN" altLang="en-US" sz="2400" b="1" dirty="0">
+              <a:solidFill>
+                <a:srgbClr val="002060"/>
+              </a:solidFill>
+              <a:latin typeface="微软雅黑" panose="020B0503020204020204" pitchFamily="34" charset="-122"/>
+              <a:ea typeface="微软雅黑" panose="020B0503020204020204" pitchFamily="34" charset="-122"/>
+            </a:endParaRPr>
           </a:p>
         </p:txBody>
       </p:sp>
@@ -8064,25 +7378,6 @@
             <a:ext cx="2133600" cy="365125"/>
           </a:xfrm>
           <a:noFill/>
-          <a:extLst>
-            <a:ext uri="{909E8E84-426E-40dd-AFC4-6F175D3DCCD1}">
-              <a14:hiddenFill xmlns:a14="http://schemas.microsoft.com/office/drawing/2010/main" xmlns="">
-                <a:solidFill>
-                  <a:srgbClr val="FFFFFF"/>
-                </a:solidFill>
-              </a14:hiddenFill>
-            </a:ext>
-            <a:ext uri="{91240B29-F687-4f45-9708-019B960494DF}">
-              <a14:hiddenLine xmlns:a14="http://schemas.microsoft.com/office/drawing/2010/main" xmlns="" w="9525">
-                <a:solidFill>
-                  <a:srgbClr val="000000"/>
-                </a:solidFill>
-                <a:miter lim="800000"/>
-                <a:headEnd/>
-                <a:tailEnd/>
-              </a14:hiddenLine>
-            </a:ext>
-          </a:extLst>
         </p:spPr>
         <p:txBody>
           <a:bodyPr/>
@@ -8101,7 +7396,7 @@
                 <a:ea typeface="宋体" panose="02010600030101010101" pitchFamily="2" charset="-122"/>
               </a:defRPr>
             </a:lvl1pPr>
-            <a:lvl2pPr marL="742920" indent="-285738">
+            <a:lvl2pPr marL="742950" indent="-285750">
               <a:spcBef>
                 <a:spcPct val="20000"/>
               </a:spcBef>
@@ -8115,7 +7410,7 @@
                 <a:ea typeface="宋体" panose="02010600030101010101" pitchFamily="2" charset="-122"/>
               </a:defRPr>
             </a:lvl2pPr>
-            <a:lvl3pPr marL="1142953" indent="-228591">
+            <a:lvl3pPr marL="1143000" indent="-228600">
               <a:spcBef>
                 <a:spcPct val="20000"/>
               </a:spcBef>
@@ -8129,7 +7424,7 @@
                 <a:ea typeface="宋体" panose="02010600030101010101" pitchFamily="2" charset="-122"/>
               </a:defRPr>
             </a:lvl3pPr>
-            <a:lvl4pPr marL="1600135" indent="-228591">
+            <a:lvl4pPr marL="1600200" indent="-228600">
               <a:spcBef>
                 <a:spcPct val="20000"/>
               </a:spcBef>
@@ -8143,7 +7438,7 @@
                 <a:ea typeface="宋体" panose="02010600030101010101" pitchFamily="2" charset="-122"/>
               </a:defRPr>
             </a:lvl4pPr>
-            <a:lvl5pPr marL="2057315" indent="-228591">
+            <a:lvl5pPr marL="2057400" indent="-228600">
               <a:spcBef>
                 <a:spcPct val="20000"/>
               </a:spcBef>
@@ -8157,7 +7452,7 @@
                 <a:ea typeface="宋体" panose="02010600030101010101" pitchFamily="2" charset="-122"/>
               </a:defRPr>
             </a:lvl5pPr>
-            <a:lvl6pPr marL="2514497" indent="-228591" eaLnBrk="0" fontAlgn="base" hangingPunct="0">
+            <a:lvl6pPr marL="2514600" indent="-228600" eaLnBrk="0" fontAlgn="base" hangingPunct="0">
               <a:spcBef>
                 <a:spcPct val="20000"/>
               </a:spcBef>
@@ -8174,7 +7469,7 @@
                 <a:ea typeface="宋体" panose="02010600030101010101" pitchFamily="2" charset="-122"/>
               </a:defRPr>
             </a:lvl6pPr>
-            <a:lvl7pPr marL="2971678" indent="-228591" eaLnBrk="0" fontAlgn="base" hangingPunct="0">
+            <a:lvl7pPr marL="2971800" indent="-228600" eaLnBrk="0" fontAlgn="base" hangingPunct="0">
               <a:spcBef>
                 <a:spcPct val="20000"/>
               </a:spcBef>
@@ -8191,7 +7486,7 @@
                 <a:ea typeface="宋体" panose="02010600030101010101" pitchFamily="2" charset="-122"/>
               </a:defRPr>
             </a:lvl7pPr>
-            <a:lvl8pPr marL="3428859" indent="-228591" eaLnBrk="0" fontAlgn="base" hangingPunct="0">
+            <a:lvl8pPr marL="3429000" indent="-228600" eaLnBrk="0" fontAlgn="base" hangingPunct="0">
               <a:spcBef>
                 <a:spcPct val="20000"/>
               </a:spcBef>
@@ -8208,7 +7503,7 @@
                 <a:ea typeface="宋体" panose="02010600030101010101" pitchFamily="2" charset="-122"/>
               </a:defRPr>
             </a:lvl8pPr>
-            <a:lvl9pPr marL="3886041" indent="-228591" eaLnBrk="0" fontAlgn="base" hangingPunct="0">
+            <a:lvl9pPr marL="3886200" indent="-228600" eaLnBrk="0" fontAlgn="base" hangingPunct="0">
               <a:spcBef>
                 <a:spcPct val="20000"/>
               </a:spcBef>
@@ -8240,14 +7535,6 @@
                   <a:srgbClr val="898989"/>
                 </a:solidFill>
               </a:rPr>
-              <a:pPr>
-                <a:spcBef>
-                  <a:spcPct val="0"/>
-                </a:spcBef>
-                <a:buFontTx/>
-                <a:buNone/>
-              </a:pPr>
-              <a:t>10</a:t>
             </a:fld>
             <a:endParaRPr lang="zh-CN" altLang="en-US" sz="1200" dirty="0">
               <a:solidFill>
@@ -8266,7 +7553,7 @@
           <p:nvPr/>
         </p:nvPicPr>
         <p:blipFill>
-          <a:blip r:embed="rId3" cstate="print">
+          <a:blip r:embed="rId1" cstate="print">
             <a:extLst>
               <a:ext uri="{28A0092B-C50C-407E-A947-70E740481C1C}">
                 <a14:useLocalDpi xmlns:a14="http://schemas.microsoft.com/office/drawing/2010/main" val="0"/>
@@ -8290,44 +7577,17 @@
           <a:ln>
             <a:noFill/>
           </a:ln>
-          <a:extLst>
-            <a:ext uri="{909E8E84-426E-40dd-AFC4-6F175D3DCCD1}">
-              <a14:hiddenFill xmlns:a14="http://schemas.microsoft.com/office/drawing/2010/main" xmlns="">
-                <a:solidFill>
-                  <a:srgbClr val="FFFFFF"/>
-                </a:solidFill>
-              </a14:hiddenFill>
-            </a:ext>
-            <a:ext uri="{91240B29-F687-4f45-9708-019B960494DF}">
-              <a14:hiddenLine xmlns:a14="http://schemas.microsoft.com/office/drawing/2010/main" xmlns="" w="9525">
-                <a:solidFill>
-                  <a:srgbClr val="000000"/>
-                </a:solidFill>
-                <a:miter lim="800000"/>
-                <a:headEnd/>
-                <a:tailEnd/>
-              </a14:hiddenLine>
-            </a:ext>
-          </a:extLst>
         </p:spPr>
       </p:pic>
       <p:sp>
         <p:nvSpPr>
-          <p:cNvPr id="6" name="Subtitle 2">
-            <a:extLst>
-              <a:ext uri="{FF2B5EF4-FFF2-40B4-BE49-F238E27FC236}">
-                <a16:creationId xmlns:a16="http://schemas.microsoft.com/office/drawing/2014/main" id="{5B72932F-F3D6-46BF-9A61-0930A2E33BD6}"/>
-              </a:ext>
-            </a:extLst>
-          </p:cNvPr>
-          <p:cNvSpPr txBox="1">
-            <a:spLocks/>
-          </p:cNvSpPr>
+          <p:cNvPr id="6" name="Subtitle 2"/>
+          <p:cNvSpPr txBox="1"/>
           <p:nvPr/>
         </p:nvSpPr>
         <p:spPr bwMode="auto">
           <a:xfrm>
-            <a:off x="4564" y="764704"/>
+            <a:off x="71874" y="682154"/>
             <a:ext cx="9247956" cy="6039607"/>
           </a:xfrm>
           <a:prstGeom prst="rect">
@@ -8358,11 +7618,7 @@
           </a:extLst>
         </p:spPr>
         <p:txBody>
-          <a:bodyPr vert="horz" wrap="square" lIns="91440" tIns="45720" rIns="91440" bIns="45720" numCol="1" anchor="t" anchorCtr="0" compatLnSpc="1">
-            <a:prstTxWarp prst="textNoShape">
-              <a:avLst/>
-            </a:prstTxWarp>
-          </a:bodyPr>
+          <a:bodyPr vert="horz" wrap="square" lIns="91440" tIns="45720" rIns="91440" bIns="45720" numCol="1" anchor="t" anchorCtr="0" compatLnSpc="1"/>
           <a:lstStyle>
             <a:lvl1pPr marL="342900" indent="-342900" algn="l" rtl="0" eaLnBrk="0" fontAlgn="base" hangingPunct="0">
               <a:spcBef>
@@ -8481,7 +7737,7 @@
                 <a:schemeClr val="tx2"/>
               </a:buClr>
               <a:buSzPct val="70000"/>
-              <a:buFont typeface="Wingdings" pitchFamily="2" charset="2"/>
+              <a:buFont typeface="Wingdings" panose="05000000000000000000" pitchFamily="2" charset="2"/>
               <a:buChar char="¡"/>
               <a:defRPr sz="1600">
                 <a:solidFill>
@@ -8502,7 +7758,7 @@
                 <a:schemeClr val="tx2"/>
               </a:buClr>
               <a:buSzPct val="70000"/>
-              <a:buFont typeface="Wingdings" pitchFamily="2" charset="2"/>
+              <a:buFont typeface="Wingdings" panose="05000000000000000000" pitchFamily="2" charset="2"/>
               <a:buChar char="¡"/>
               <a:defRPr sz="1600">
                 <a:solidFill>
@@ -8523,7 +7779,7 @@
                 <a:schemeClr val="tx2"/>
               </a:buClr>
               <a:buSzPct val="70000"/>
-              <a:buFont typeface="Wingdings" pitchFamily="2" charset="2"/>
+              <a:buFont typeface="Wingdings" panose="05000000000000000000" pitchFamily="2" charset="2"/>
               <a:buChar char="¡"/>
               <a:defRPr sz="1600">
                 <a:solidFill>
@@ -8544,7 +7800,7 @@
                 <a:schemeClr val="tx2"/>
               </a:buClr>
               <a:buSzPct val="70000"/>
-              <a:buFont typeface="Wingdings" pitchFamily="2" charset="2"/>
+              <a:buFont typeface="Wingdings" panose="05000000000000000000" pitchFamily="2" charset="2"/>
               <a:buChar char="¡"/>
               <a:defRPr sz="1600">
                 <a:solidFill>
@@ -8565,12 +7821,12 @@
               <a:defRPr/>
             </a:pPr>
             <a:r>
-              <a:rPr lang="zh-CN" altLang="en-US" kern="0" dirty="0">
+              <a:rPr lang="zh-CN" altLang="en-US" sz="2000" kern="0" dirty="0">
                 <a:solidFill>
                   <a:srgbClr val="003366"/>
                 </a:solidFill>
-                <a:latin typeface="Arial"/>
-                <a:ea typeface="宋体"/>
+                <a:latin typeface="Arial" panose="020B0604020202020204"/>
+                <a:ea typeface="宋体" panose="02010600030101010101" pitchFamily="2" charset="-122"/>
               </a:rPr>
               <a:t>算法原则（续）</a:t>
             </a:r>
@@ -8578,8 +7834,8 @@
               <a:solidFill>
                 <a:srgbClr val="003366"/>
               </a:solidFill>
-              <a:latin typeface="Arial"/>
-              <a:ea typeface="宋体"/>
+              <a:latin typeface="Arial" panose="020B0604020202020204"/>
+              <a:ea typeface="宋体" panose="02010600030101010101" pitchFamily="2" charset="-122"/>
             </a:endParaRPr>
           </a:p>
           <a:p>
@@ -8591,16 +7847,16 @@
               <a:buChar char="ü"/>
             </a:pPr>
             <a:r>
-              <a:rPr lang="zh-CN" altLang="en-US" kern="0" dirty="0">
-                <a:solidFill>
-                  <a:srgbClr val="003366"/>
+              <a:rPr lang="zh-CN" altLang="en-US" sz="1800" kern="0" dirty="0">
+                <a:solidFill>
+                  <a:srgbClr val="FF0000"/>
                 </a:solidFill>
                 <a:latin typeface="仿宋" panose="02010609060101010101" pitchFamily="49" charset="-122"/>
                 <a:ea typeface="仿宋" panose="02010609060101010101" pitchFamily="49" charset="-122"/>
               </a:rPr>
               <a:t>每个白色进程记录它沿着每个通道发送和接收的白色消息</a:t>
             </a:r>
-            <a:endParaRPr lang="en-US" altLang="zh-CN" kern="0" dirty="0">
+            <a:endParaRPr lang="en-US" altLang="zh-CN" sz="1800" kern="0" dirty="0">
               <a:solidFill>
                 <a:srgbClr val="003366"/>
               </a:solidFill>
@@ -8617,7 +7873,7 @@
               <a:buChar char="ü"/>
             </a:pPr>
             <a:r>
-              <a:rPr lang="zh-CN" altLang="en-US" kern="0" dirty="0">
+              <a:rPr lang="zh-CN" altLang="en-US" sz="1800" kern="0" dirty="0">
                 <a:solidFill>
                   <a:srgbClr val="003366"/>
                 </a:solidFill>
@@ -8626,12 +7882,12 @@
               </a:rPr>
               <a:t>通道状态记录：</a:t>
             </a:r>
-            <a:endParaRPr lang="en-US" altLang="zh-CN" kern="0" dirty="0">
+            <a:endParaRPr lang="en-US" altLang="zh-CN" sz="1800" kern="0" dirty="0">
               <a:solidFill>
                 <a:srgbClr val="003366"/>
               </a:solidFill>
-              <a:latin typeface="Arial"/>
-              <a:ea typeface="宋体"/>
+              <a:latin typeface="Arial" panose="020B0604020202020204"/>
+              <a:ea typeface="宋体" panose="02010600030101010101" pitchFamily="2" charset="-122"/>
             </a:endParaRPr>
           </a:p>
           <a:p>
@@ -8647,12 +7903,12 @@
               <a:defRPr/>
             </a:pPr>
             <a:r>
-              <a:rPr lang="zh-CN" altLang="en-US" kern="0" dirty="0">
+              <a:rPr lang="zh-CN" altLang="en-US" sz="2000" kern="0" dirty="0">
                 <a:solidFill>
                   <a:srgbClr val="003366"/>
                 </a:solidFill>
-                <a:latin typeface="Arial"/>
-                <a:ea typeface="宋体"/>
+                <a:latin typeface="Arial" panose="020B0604020202020204"/>
+                <a:ea typeface="宋体" panose="02010600030101010101" pitchFamily="2" charset="-122"/>
               </a:rPr>
               <a:t>总结</a:t>
             </a:r>
@@ -8660,8 +7916,8 @@
               <a:solidFill>
                 <a:srgbClr val="003366"/>
               </a:solidFill>
-              <a:latin typeface="Arial"/>
-              <a:ea typeface="宋体"/>
+              <a:latin typeface="Arial" panose="020B0604020202020204"/>
+              <a:ea typeface="宋体" panose="02010600030101010101" pitchFamily="2" charset="-122"/>
             </a:endParaRPr>
           </a:p>
           <a:p>
@@ -8789,6 +8045,113 @@
               </a:rPr>
               <a:t>截止：在一个通道上收到红色消息，则停止记录该通道的消息</a:t>
             </a:r>
+            <a:endParaRPr lang="zh-CN" altLang="en-US" kern="0" dirty="0">
+              <a:solidFill>
+                <a:srgbClr val="003366"/>
+              </a:solidFill>
+              <a:latin typeface="仿宋" panose="02010609060101010101" pitchFamily="49" charset="-122"/>
+              <a:ea typeface="仿宋" panose="02010609060101010101" pitchFamily="49" charset="-122"/>
+            </a:endParaRPr>
+          </a:p>
+          <a:p>
+            <a:pPr lvl="2" eaLnBrk="1" hangingPunct="1">
+              <a:buClr>
+                <a:srgbClr val="006666"/>
+              </a:buClr>
+              <a:buFont typeface="Wingdings" panose="05000000000000000000" pitchFamily="2" charset="2"/>
+              <a:buChar char="u"/>
+              <a:defRPr/>
+            </a:pPr>
+            <a:r>
+              <a:rPr lang="zh-CN" altLang="en-US" kern="0" dirty="0">
+                <a:solidFill>
+                  <a:srgbClr val="003366"/>
+                </a:solidFill>
+                <a:latin typeface="仿宋" panose="02010609060101010101" pitchFamily="49" charset="-122"/>
+                <a:ea typeface="仿宋" panose="02010609060101010101" pitchFamily="49" charset="-122"/>
+              </a:rPr>
+              <a:t>（</a:t>
+            </a:r>
+            <a:r>
+              <a:rPr lang="zh-CN" altLang="en-US" kern="0" dirty="0">
+                <a:solidFill>
+                  <a:srgbClr val="FF0000"/>
+                </a:solidFill>
+                <a:latin typeface="仿宋" panose="02010609060101010101" pitchFamily="49" charset="-122"/>
+                <a:ea typeface="仿宋" panose="02010609060101010101" pitchFamily="49" charset="-122"/>
+              </a:rPr>
+              <a:t>因为这是非</a:t>
+            </a:r>
+            <a:r>
+              <a:rPr lang="en-US" altLang="zh-CN" kern="0" dirty="0">
+                <a:solidFill>
+                  <a:srgbClr val="FF0000"/>
+                </a:solidFill>
+                <a:latin typeface="仿宋" panose="02010609060101010101" pitchFamily="49" charset="-122"/>
+                <a:ea typeface="仿宋" panose="02010609060101010101" pitchFamily="49" charset="-122"/>
+              </a:rPr>
+              <a:t>FIFO</a:t>
+            </a:r>
+            <a:r>
+              <a:rPr lang="zh-CN" altLang="en-US" kern="0" dirty="0">
+                <a:solidFill>
+                  <a:srgbClr val="FF0000"/>
+                </a:solidFill>
+                <a:latin typeface="仿宋" panose="02010609060101010101" pitchFamily="49" charset="-122"/>
+                <a:ea typeface="仿宋" panose="02010609060101010101" pitchFamily="49" charset="-122"/>
+              </a:rPr>
+              <a:t>通道，所以来自</a:t>
+            </a:r>
+            <a:r>
+              <a:rPr lang="en-US" altLang="zh-CN" kern="0" dirty="0">
+                <a:solidFill>
+                  <a:srgbClr val="FF0000"/>
+                </a:solidFill>
+                <a:latin typeface="仿宋" panose="02010609060101010101" pitchFamily="49" charset="-122"/>
+                <a:ea typeface="仿宋" panose="02010609060101010101" pitchFamily="49" charset="-122"/>
+              </a:rPr>
+              <a:t>j</a:t>
+            </a:r>
+            <a:r>
+              <a:rPr lang="zh-CN" altLang="en-US" kern="0" dirty="0">
+                <a:solidFill>
+                  <a:srgbClr val="FF0000"/>
+                </a:solidFill>
+                <a:latin typeface="仿宋" panose="02010609060101010101" pitchFamily="49" charset="-122"/>
+                <a:ea typeface="仿宋" panose="02010609060101010101" pitchFamily="49" charset="-122"/>
+              </a:rPr>
+              <a:t>的红色进程可能比来自</a:t>
+            </a:r>
+            <a:r>
+              <a:rPr lang="en-US" altLang="zh-CN" kern="0" dirty="0">
+                <a:solidFill>
+                  <a:srgbClr val="FF0000"/>
+                </a:solidFill>
+                <a:latin typeface="仿宋" panose="02010609060101010101" pitchFamily="49" charset="-122"/>
+                <a:ea typeface="仿宋" panose="02010609060101010101" pitchFamily="49" charset="-122"/>
+              </a:rPr>
+              <a:t>j</a:t>
+            </a:r>
+            <a:r>
+              <a:rPr lang="zh-CN" altLang="en-US" kern="0" dirty="0">
+                <a:solidFill>
+                  <a:srgbClr val="FF0000"/>
+                </a:solidFill>
+                <a:latin typeface="仿宋" panose="02010609060101010101" pitchFamily="49" charset="-122"/>
+                <a:ea typeface="仿宋" panose="02010609060101010101" pitchFamily="49" charset="-122"/>
+              </a:rPr>
+              <a:t>的白色进程更早到达，那这个时候停止记录该通道的信息就会使得还未到达的白色信息变成通道状态</a:t>
+            </a:r>
+            <a:r>
+              <a:rPr lang="zh-CN" altLang="en-US" kern="0" dirty="0">
+                <a:solidFill>
+                  <a:srgbClr val="003366"/>
+                </a:solidFill>
+                <a:latin typeface="仿宋" panose="02010609060101010101" pitchFamily="49" charset="-122"/>
+                <a:ea typeface="仿宋" panose="02010609060101010101" pitchFamily="49" charset="-122"/>
+              </a:rPr>
+              <a:t>）</a:t>
+            </a:r>
             <a:endParaRPr lang="en-US" altLang="zh-CN" kern="0" dirty="0">
               <a:solidFill>
                 <a:srgbClr val="003366"/>
@@ -8807,12 +8170,12 @@
               <a:defRPr/>
             </a:pPr>
             <a:r>
-              <a:rPr lang="zh-CN" altLang="en-US" sz="2800" kern="0" dirty="0">
+              <a:rPr lang="zh-CN" altLang="en-US" sz="2000" kern="0" dirty="0">
                 <a:solidFill>
                   <a:srgbClr val="003366"/>
                 </a:solidFill>
-                <a:latin typeface="Arial"/>
-                <a:ea typeface="宋体"/>
+                <a:latin typeface="Arial" panose="020B0604020202020204"/>
+                <a:ea typeface="宋体" panose="02010600030101010101" pitchFamily="2" charset="-122"/>
               </a:rPr>
               <a:t>优缺点</a:t>
             </a:r>
@@ -8820,8 +8183,8 @@
               <a:solidFill>
                 <a:srgbClr val="003366"/>
               </a:solidFill>
-              <a:latin typeface="Arial"/>
-              <a:ea typeface="宋体"/>
+              <a:latin typeface="Arial" panose="020B0604020202020204"/>
+              <a:ea typeface="宋体" panose="02010600030101010101" pitchFamily="2" charset="-122"/>
             </a:endParaRPr>
           </a:p>
           <a:p>
@@ -8834,7 +8197,7 @@
               <a:defRPr/>
             </a:pPr>
             <a:r>
-              <a:rPr lang="zh-CN" altLang="en-US" kern="0" dirty="0">
+              <a:rPr lang="zh-CN" altLang="en-US" sz="2000" kern="0" dirty="0">
                 <a:solidFill>
                   <a:srgbClr val="003366"/>
                 </a:solidFill>
@@ -8927,14 +8290,14 @@
           </a:p>
         </p:txBody>
       </p:sp>
-      <mc:AlternateContent xmlns:mc="http://schemas.openxmlformats.org/markup-compatibility/2006" xmlns:a14="http://schemas.microsoft.com/office/drawing/2010/main">
-        <mc:Choice Requires="a14">
+      <mc:AlternateContent xmlns:mc="http://schemas.openxmlformats.org/markup-compatibility/2006">
+        <mc:Choice xmlns:a14="http://schemas.microsoft.com/office/drawing/2010/main" Requires="a14">
           <p:sp>
             <p:nvSpPr>
               <p:cNvPr id="7" name="矩形 6">
                 <a:extLst>
                   <a:ext uri="{FF2B5EF4-FFF2-40B4-BE49-F238E27FC236}">
-                    <a16:creationId xmlns:a16="http://schemas.microsoft.com/office/drawing/2014/main" id="{86AED189-F62A-4D01-BCA8-68509425A8E7}"/>
+                    <ele attr="{86AED189-F62A-4D01-BCA8-68509425A8E7}"/>
                   </a:ext>
                 </a:extLst>
               </p:cNvPr>
@@ -9148,16 +8511,10 @@
             </p:txBody>
           </p:sp>
         </mc:Choice>
-        <mc:Fallback xmlns="">
+        <mc:Fallback>
           <p:sp>
             <p:nvSpPr>
-              <p:cNvPr id="7" name="矩形 6">
-                <a:extLst>
-                  <a:ext uri="{FF2B5EF4-FFF2-40B4-BE49-F238E27FC236}">
-                    <a16:creationId xmlns:a16="http://schemas.microsoft.com/office/drawing/2014/main" id="{86AED189-F62A-4D01-BCA8-68509425A8E7}"/>
-                  </a:ext>
-                </a:extLst>
-              </p:cNvPr>
+              <p:cNvPr id="7" name="矩形 6"/>
               <p:cNvSpPr>
                 <a:spLocks noRot="1" noChangeAspect="1" noMove="1" noResize="1" noEditPoints="1" noAdjustHandles="1" noChangeArrowheads="1" noChangeShapeType="1" noTextEdit="1"/>
               </p:cNvSpPr>
@@ -9165,14 +8522,14 @@
             </p:nvSpPr>
             <p:spPr>
               <a:xfrm>
-                <a:off x="1794516" y="2204864"/>
+                <a:off x="1351286" y="1761634"/>
                 <a:ext cx="7241534" cy="397225"/>
               </a:xfrm>
               <a:prstGeom prst="rect">
                 <a:avLst/>
               </a:prstGeom>
-              <a:blipFill>
-                <a:blip r:embed="rId4"/>
+              <a:blipFill rotWithShape="1">
+                <a:blip r:embed="rId2"/>
                 <a:stretch>
                   <a:fillRect b="-7692"/>
                 </a:stretch>
@@ -9188,17 +8545,15 @@
                   </a:rPr>
                   <a:t> </a:t>
                 </a:r>
+                <a:endParaRPr lang="zh-CN" altLang="en-US">
+                  <a:noFill/>
+                </a:endParaRPr>
               </a:p>
             </p:txBody>
           </p:sp>
         </mc:Fallback>
       </mc:AlternateContent>
     </p:spTree>
-    <p:extLst>
-      <p:ext uri="{BB962C8B-B14F-4D97-AF65-F5344CB8AC3E}">
-        <p14:creationId xmlns:p14="http://schemas.microsoft.com/office/powerpoint/2010/main" val="1041087521"/>
-      </p:ext>
-    </p:extLst>
   </p:cSld>
   <p:clrMapOvr>
     <a:masterClrMapping/>
@@ -9243,25 +8598,6 @@
           <a:ln>
             <a:noFill/>
           </a:ln>
-          <a:extLst>
-            <a:ext uri="{909E8E84-426E-40dd-AFC4-6F175D3DCCD1}">
-              <a14:hiddenFill xmlns:a14="http://schemas.microsoft.com/office/drawing/2010/main" xmlns="">
-                <a:solidFill>
-                  <a:srgbClr val="FFFFFF"/>
-                </a:solidFill>
-              </a14:hiddenFill>
-            </a:ext>
-            <a:ext uri="{91240B29-F687-4f45-9708-019B960494DF}">
-              <a14:hiddenLine xmlns:a14="http://schemas.microsoft.com/office/drawing/2010/main" xmlns="" w="9525">
-                <a:solidFill>
-                  <a:srgbClr val="000000"/>
-                </a:solidFill>
-                <a:miter lim="800000"/>
-                <a:headEnd/>
-                <a:tailEnd/>
-              </a14:hiddenLine>
-            </a:ext>
-          </a:extLst>
         </p:spPr>
         <p:txBody>
           <a:bodyPr wrap="square" lIns="91436" tIns="45718" rIns="91436" bIns="45718">
@@ -9465,6 +8801,13 @@
               </a:rPr>
               <a:t>算法）</a:t>
             </a:r>
+            <a:endParaRPr lang="zh-CN" altLang="en-US" sz="2400" b="1" dirty="0">
+              <a:solidFill>
+                <a:srgbClr val="002060"/>
+              </a:solidFill>
+              <a:latin typeface="微软雅黑" panose="020B0503020204020204" pitchFamily="34" charset="-122"/>
+              <a:ea typeface="微软雅黑" panose="020B0503020204020204" pitchFamily="34" charset="-122"/>
+            </a:endParaRPr>
           </a:p>
         </p:txBody>
       </p:sp>
@@ -9484,25 +8827,6 @@
             <a:ext cx="2133600" cy="365125"/>
           </a:xfrm>
           <a:noFill/>
-          <a:extLst>
-            <a:ext uri="{909E8E84-426E-40dd-AFC4-6F175D3DCCD1}">
-              <a14:hiddenFill xmlns:a14="http://schemas.microsoft.com/office/drawing/2010/main" xmlns="">
-                <a:solidFill>
-                  <a:srgbClr val="FFFFFF"/>
-                </a:solidFill>
-              </a14:hiddenFill>
-            </a:ext>
-            <a:ext uri="{91240B29-F687-4f45-9708-019B960494DF}">
-              <a14:hiddenLine xmlns:a14="http://schemas.microsoft.com/office/drawing/2010/main" xmlns="" w="9525">
-                <a:solidFill>
-                  <a:srgbClr val="000000"/>
-                </a:solidFill>
-                <a:miter lim="800000"/>
-                <a:headEnd/>
-                <a:tailEnd/>
-              </a14:hiddenLine>
-            </a:ext>
-          </a:extLst>
         </p:spPr>
         <p:txBody>
           <a:bodyPr/>
@@ -9521,7 +8845,7 @@
                 <a:ea typeface="宋体" panose="02010600030101010101" pitchFamily="2" charset="-122"/>
               </a:defRPr>
             </a:lvl1pPr>
-            <a:lvl2pPr marL="742920" indent="-285738">
+            <a:lvl2pPr marL="742950" indent="-285750">
               <a:spcBef>
                 <a:spcPct val="20000"/>
               </a:spcBef>
@@ -9535,7 +8859,7 @@
                 <a:ea typeface="宋体" panose="02010600030101010101" pitchFamily="2" charset="-122"/>
               </a:defRPr>
             </a:lvl2pPr>
-            <a:lvl3pPr marL="1142953" indent="-228591">
+            <a:lvl3pPr marL="1143000" indent="-228600">
               <a:spcBef>
                 <a:spcPct val="20000"/>
               </a:spcBef>
@@ -9549,7 +8873,7 @@
                 <a:ea typeface="宋体" panose="02010600030101010101" pitchFamily="2" charset="-122"/>
               </a:defRPr>
             </a:lvl3pPr>
-            <a:lvl4pPr marL="1600135" indent="-228591">
+            <a:lvl4pPr marL="1600200" indent="-228600">
               <a:spcBef>
                 <a:spcPct val="20000"/>
               </a:spcBef>
@@ -9563,7 +8887,7 @@
                 <a:ea typeface="宋体" panose="02010600030101010101" pitchFamily="2" charset="-122"/>
               </a:defRPr>
             </a:lvl4pPr>
-            <a:lvl5pPr marL="2057315" indent="-228591">
+            <a:lvl5pPr marL="2057400" indent="-228600">
               <a:spcBef>
                 <a:spcPct val="20000"/>
               </a:spcBef>
@@ -9577,7 +8901,7 @@
                 <a:ea typeface="宋体" panose="02010600030101010101" pitchFamily="2" charset="-122"/>
               </a:defRPr>
             </a:lvl5pPr>
-            <a:lvl6pPr marL="2514497" indent="-228591" eaLnBrk="0" fontAlgn="base" hangingPunct="0">
+            <a:lvl6pPr marL="2514600" indent="-228600" eaLnBrk="0" fontAlgn="base" hangingPunct="0">
               <a:spcBef>
                 <a:spcPct val="20000"/>
               </a:spcBef>
@@ -9594,7 +8918,7 @@
                 <a:ea typeface="宋体" panose="02010600030101010101" pitchFamily="2" charset="-122"/>
               </a:defRPr>
             </a:lvl6pPr>
-            <a:lvl7pPr marL="2971678" indent="-228591" eaLnBrk="0" fontAlgn="base" hangingPunct="0">
+            <a:lvl7pPr marL="2971800" indent="-228600" eaLnBrk="0" fontAlgn="base" hangingPunct="0">
               <a:spcBef>
                 <a:spcPct val="20000"/>
               </a:spcBef>
@@ -9611,7 +8935,7 @@
                 <a:ea typeface="宋体" panose="02010600030101010101" pitchFamily="2" charset="-122"/>
               </a:defRPr>
             </a:lvl7pPr>
-            <a:lvl8pPr marL="3428859" indent="-228591" eaLnBrk="0" fontAlgn="base" hangingPunct="0">
+            <a:lvl8pPr marL="3429000" indent="-228600" eaLnBrk="0" fontAlgn="base" hangingPunct="0">
               <a:spcBef>
                 <a:spcPct val="20000"/>
               </a:spcBef>
@@ -9628,7 +8952,7 @@
                 <a:ea typeface="宋体" panose="02010600030101010101" pitchFamily="2" charset="-122"/>
               </a:defRPr>
             </a:lvl8pPr>
-            <a:lvl9pPr marL="3886041" indent="-228591" eaLnBrk="0" fontAlgn="base" hangingPunct="0">
+            <a:lvl9pPr marL="3886200" indent="-228600" eaLnBrk="0" fontAlgn="base" hangingPunct="0">
               <a:spcBef>
                 <a:spcPct val="20000"/>
               </a:spcBef>
@@ -9660,14 +8984,6 @@
                   <a:srgbClr val="898989"/>
                 </a:solidFill>
               </a:rPr>
-              <a:pPr>
-                <a:spcBef>
-                  <a:spcPct val="0"/>
-                </a:spcBef>
-                <a:buFontTx/>
-                <a:buNone/>
-              </a:pPr>
-              <a:t>11</a:t>
             </a:fld>
             <a:endParaRPr lang="zh-CN" altLang="en-US" sz="1200" dirty="0">
               <a:solidFill>
@@ -9686,7 +9002,7 @@
           <p:nvPr/>
         </p:nvPicPr>
         <p:blipFill>
-          <a:blip r:embed="rId3" cstate="print">
+          <a:blip r:embed="rId1" cstate="print">
             <a:extLst>
               <a:ext uri="{28A0092B-C50C-407E-A947-70E740481C1C}">
                 <a14:useLocalDpi xmlns:a14="http://schemas.microsoft.com/office/drawing/2010/main" val="0"/>
@@ -9710,35 +9026,16 @@
           <a:ln>
             <a:noFill/>
           </a:ln>
-          <a:extLst>
-            <a:ext uri="{909E8E84-426E-40dd-AFC4-6F175D3DCCD1}">
-              <a14:hiddenFill xmlns:a14="http://schemas.microsoft.com/office/drawing/2010/main" xmlns="">
-                <a:solidFill>
-                  <a:srgbClr val="FFFFFF"/>
-                </a:solidFill>
-              </a14:hiddenFill>
-            </a:ext>
-            <a:ext uri="{91240B29-F687-4f45-9708-019B960494DF}">
-              <a14:hiddenLine xmlns:a14="http://schemas.microsoft.com/office/drawing/2010/main" xmlns="" w="9525">
-                <a:solidFill>
-                  <a:srgbClr val="000000"/>
-                </a:solidFill>
-                <a:miter lim="800000"/>
-                <a:headEnd/>
-                <a:tailEnd/>
-              </a14:hiddenLine>
-            </a:ext>
-          </a:extLst>
         </p:spPr>
       </p:pic>
-      <mc:AlternateContent xmlns:mc="http://schemas.openxmlformats.org/markup-compatibility/2006" xmlns:a14="http://schemas.microsoft.com/office/drawing/2010/main">
-        <mc:Choice Requires="a14">
+      <mc:AlternateContent xmlns:mc="http://schemas.openxmlformats.org/markup-compatibility/2006">
+        <mc:Choice xmlns:a14="http://schemas.microsoft.com/office/drawing/2010/main" Requires="a14">
           <p:sp>
             <p:nvSpPr>
               <p:cNvPr id="6" name="Subtitle 2">
                 <a:extLst>
                   <a:ext uri="{FF2B5EF4-FFF2-40B4-BE49-F238E27FC236}">
-                    <a16:creationId xmlns:a16="http://schemas.microsoft.com/office/drawing/2014/main" id="{5B72932F-F3D6-46BF-9A61-0930A2E33BD6}"/>
+                    <ele attr="{5B72932F-F3D6-46BF-9A61-0930A2E33BD6}"/>
                   </a:ext>
                 </a:extLst>
               </p:cNvPr>
@@ -10440,16 +9737,10 @@
             </p:txBody>
           </p:sp>
         </mc:Choice>
-        <mc:Fallback xmlns="">
+        <mc:Fallback>
           <p:sp>
             <p:nvSpPr>
-              <p:cNvPr id="6" name="Subtitle 2">
-                <a:extLst>
-                  <a:ext uri="{FF2B5EF4-FFF2-40B4-BE49-F238E27FC236}">
-                    <a16:creationId xmlns:a16="http://schemas.microsoft.com/office/drawing/2014/main" id="{5B72932F-F3D6-46BF-9A61-0930A2E33BD6}"/>
-                  </a:ext>
-                </a:extLst>
-              </p:cNvPr>
+              <p:cNvPr id="6" name="Subtitle 2"/>
               <p:cNvSpPr txBox="1">
                 <a:spLocks noRot="1" noChangeAspect="1" noMove="1" noResize="1" noEditPoints="1" noAdjustHandles="1" noChangeArrowheads="1" noChangeShapeType="1" noTextEdit="1"/>
               </p:cNvSpPr>
@@ -10463,8 +9754,8 @@
               <a:prstGeom prst="rect">
                 <a:avLst/>
               </a:prstGeom>
-              <a:blipFill>
-                <a:blip r:embed="rId4"/>
+              <a:blipFill rotWithShape="1">
+                <a:blip r:embed="rId2"/>
                 <a:stretch>
                   <a:fillRect l="-593" t="-1555" r="-461" b="-478"/>
                 </a:stretch>
@@ -10502,6 +9793,9 @@
                   </a:rPr>
                   <a:t> </a:t>
                 </a:r>
+                <a:endParaRPr lang="zh-CN" altLang="en-US">
+                  <a:noFill/>
+                </a:endParaRPr>
               </a:p>
             </p:txBody>
           </p:sp>
@@ -10509,16 +9803,8 @@
       </mc:AlternateContent>
       <p:cxnSp>
         <p:nvCxnSpPr>
-          <p:cNvPr id="26" name="直接箭头连接符 25">
-            <a:extLst>
-              <a:ext uri="{FF2B5EF4-FFF2-40B4-BE49-F238E27FC236}">
-                <a16:creationId xmlns:a16="http://schemas.microsoft.com/office/drawing/2014/main" id="{D49E886F-6095-4408-B37F-5223C159B12E}"/>
-              </a:ext>
-            </a:extLst>
-          </p:cNvPr>
-          <p:cNvCxnSpPr>
-            <a:cxnSpLocks/>
-          </p:cNvCxnSpPr>
+          <p:cNvPr id="26" name="直接箭头连接符 25"/>
+          <p:cNvCxnSpPr/>
           <p:nvPr/>
         </p:nvCxnSpPr>
         <p:spPr>
@@ -10550,13 +9836,7 @@
       </p:cxnSp>
       <p:sp>
         <p:nvSpPr>
-          <p:cNvPr id="27" name="流程图: 接点 26">
-            <a:extLst>
-              <a:ext uri="{FF2B5EF4-FFF2-40B4-BE49-F238E27FC236}">
-                <a16:creationId xmlns:a16="http://schemas.microsoft.com/office/drawing/2014/main" id="{C7CAC295-D675-47DF-920F-9474C03620E6}"/>
-              </a:ext>
-            </a:extLst>
-          </p:cNvPr>
+          <p:cNvPr id="27" name="流程图: 接点 26"/>
           <p:cNvSpPr/>
           <p:nvPr/>
         </p:nvSpPr>
@@ -10602,14 +9882,14 @@
           </a:p>
         </p:txBody>
       </p:sp>
-      <mc:AlternateContent xmlns:mc="http://schemas.openxmlformats.org/markup-compatibility/2006" xmlns:a14="http://schemas.microsoft.com/office/drawing/2010/main">
-        <mc:Choice Requires="a14">
+      <mc:AlternateContent xmlns:mc="http://schemas.openxmlformats.org/markup-compatibility/2006">
+        <mc:Choice xmlns:a14="http://schemas.microsoft.com/office/drawing/2010/main" Requires="a14">
           <p:sp>
             <p:nvSpPr>
               <p:cNvPr id="28" name="文本框 27">
                 <a:extLst>
                   <a:ext uri="{FF2B5EF4-FFF2-40B4-BE49-F238E27FC236}">
-                    <a16:creationId xmlns:a16="http://schemas.microsoft.com/office/drawing/2014/main" id="{F4D0A82C-7425-474F-871C-C878913B1801}"/>
+                    <ele attr="{F4D0A82C-7425-474F-871C-C878913B1801}"/>
                   </a:ext>
                 </a:extLst>
               </p:cNvPr>
@@ -10672,16 +9952,10 @@
             </p:txBody>
           </p:sp>
         </mc:Choice>
-        <mc:Fallback xmlns="">
+        <mc:Fallback>
           <p:sp>
             <p:nvSpPr>
-              <p:cNvPr id="28" name="文本框 27">
-                <a:extLst>
-                  <a:ext uri="{FF2B5EF4-FFF2-40B4-BE49-F238E27FC236}">
-                    <a16:creationId xmlns:a16="http://schemas.microsoft.com/office/drawing/2014/main" id="{F4D0A82C-7425-474F-871C-C878913B1801}"/>
-                  </a:ext>
-                </a:extLst>
-              </p:cNvPr>
+              <p:cNvPr id="28" name="文本框 27"/>
               <p:cNvSpPr txBox="1">
                 <a:spLocks noRot="1" noChangeAspect="1" noMove="1" noResize="1" noEditPoints="1" noAdjustHandles="1" noChangeArrowheads="1" noChangeShapeType="1" noTextEdit="1"/>
               </p:cNvSpPr>
@@ -10695,8 +9969,8 @@
               <a:prstGeom prst="rect">
                 <a:avLst/>
               </a:prstGeom>
-              <a:blipFill>
-                <a:blip r:embed="rId5"/>
+              <a:blipFill rotWithShape="1">
+                <a:blip r:embed="rId3"/>
                 <a:stretch>
                   <a:fillRect l="-22222" r="-7407" b="-24590"/>
                 </a:stretch>
@@ -10712,6 +9986,9 @@
                   </a:rPr>
                   <a:t> </a:t>
                 </a:r>
+                <a:endParaRPr lang="zh-CN" altLang="en-US">
+                  <a:noFill/>
+                </a:endParaRPr>
               </a:p>
             </p:txBody>
           </p:sp>
@@ -10719,13 +9996,7 @@
       </mc:AlternateContent>
       <p:sp>
         <p:nvSpPr>
-          <p:cNvPr id="29" name="流程图: 接点 28">
-            <a:extLst>
-              <a:ext uri="{FF2B5EF4-FFF2-40B4-BE49-F238E27FC236}">
-                <a16:creationId xmlns:a16="http://schemas.microsoft.com/office/drawing/2014/main" id="{2366F141-0C01-4FD6-994C-FE97069B727F}"/>
-              </a:ext>
-            </a:extLst>
-          </p:cNvPr>
+          <p:cNvPr id="29" name="流程图: 接点 28"/>
           <p:cNvSpPr/>
           <p:nvPr/>
         </p:nvSpPr>
@@ -10773,16 +10044,8 @@
       </p:sp>
       <p:cxnSp>
         <p:nvCxnSpPr>
-          <p:cNvPr id="32" name="直接箭头连接符 31">
-            <a:extLst>
-              <a:ext uri="{FF2B5EF4-FFF2-40B4-BE49-F238E27FC236}">
-                <a16:creationId xmlns:a16="http://schemas.microsoft.com/office/drawing/2014/main" id="{4E33C64E-DE63-4E01-9214-28DEB4678F6A}"/>
-              </a:ext>
-            </a:extLst>
-          </p:cNvPr>
-          <p:cNvCxnSpPr>
-            <a:cxnSpLocks/>
-          </p:cNvCxnSpPr>
+          <p:cNvPr id="32" name="直接箭头连接符 31"/>
+          <p:cNvCxnSpPr/>
           <p:nvPr/>
         </p:nvCxnSpPr>
         <p:spPr>
@@ -10814,13 +10077,7 @@
       </p:cxnSp>
       <p:sp>
         <p:nvSpPr>
-          <p:cNvPr id="33" name="流程图: 接点 32">
-            <a:extLst>
-              <a:ext uri="{FF2B5EF4-FFF2-40B4-BE49-F238E27FC236}">
-                <a16:creationId xmlns:a16="http://schemas.microsoft.com/office/drawing/2014/main" id="{D81E8EB2-B45C-4BFE-9B78-9405FC40F802}"/>
-              </a:ext>
-            </a:extLst>
-          </p:cNvPr>
+          <p:cNvPr id="33" name="流程图: 接点 32"/>
           <p:cNvSpPr/>
           <p:nvPr/>
         </p:nvSpPr>
@@ -10866,14 +10123,14 @@
           </a:p>
         </p:txBody>
       </p:sp>
-      <mc:AlternateContent xmlns:mc="http://schemas.openxmlformats.org/markup-compatibility/2006" xmlns:a14="http://schemas.microsoft.com/office/drawing/2010/main">
-        <mc:Choice Requires="a14">
+      <mc:AlternateContent xmlns:mc="http://schemas.openxmlformats.org/markup-compatibility/2006">
+        <mc:Choice xmlns:a14="http://schemas.microsoft.com/office/drawing/2010/main" Requires="a14">
           <p:sp>
             <p:nvSpPr>
               <p:cNvPr id="34" name="文本框 33">
                 <a:extLst>
                   <a:ext uri="{FF2B5EF4-FFF2-40B4-BE49-F238E27FC236}">
-                    <a16:creationId xmlns:a16="http://schemas.microsoft.com/office/drawing/2014/main" id="{121ED8B7-2A33-4FC3-9A9F-995416067B38}"/>
+                    <ele attr="{121ED8B7-2A33-4FC3-9A9F-995416067B38}"/>
                   </a:ext>
                 </a:extLst>
               </p:cNvPr>
@@ -10936,16 +10193,10 @@
             </p:txBody>
           </p:sp>
         </mc:Choice>
-        <mc:Fallback xmlns="">
+        <mc:Fallback>
           <p:sp>
             <p:nvSpPr>
-              <p:cNvPr id="34" name="文本框 33">
-                <a:extLst>
-                  <a:ext uri="{FF2B5EF4-FFF2-40B4-BE49-F238E27FC236}">
-                    <a16:creationId xmlns:a16="http://schemas.microsoft.com/office/drawing/2014/main" id="{121ED8B7-2A33-4FC3-9A9F-995416067B38}"/>
-                  </a:ext>
-                </a:extLst>
-              </p:cNvPr>
+              <p:cNvPr id="34" name="文本框 33"/>
               <p:cNvSpPr txBox="1">
                 <a:spLocks noRot="1" noChangeAspect="1" noMove="1" noResize="1" noEditPoints="1" noAdjustHandles="1" noChangeArrowheads="1" noChangeShapeType="1" noTextEdit="1"/>
               </p:cNvSpPr>
@@ -10959,8 +10210,8 @@
               <a:prstGeom prst="rect">
                 <a:avLst/>
               </a:prstGeom>
-              <a:blipFill>
-                <a:blip r:embed="rId6"/>
+              <a:blipFill rotWithShape="1">
+                <a:blip r:embed="rId4"/>
                 <a:stretch>
                   <a:fillRect l="-20690" r="-13793" b="-24615"/>
                 </a:stretch>
@@ -10976,6 +10227,9 @@
                   </a:rPr>
                   <a:t> </a:t>
                 </a:r>
+                <a:endParaRPr lang="zh-CN" altLang="en-US">
+                  <a:noFill/>
+                </a:endParaRPr>
               </a:p>
             </p:txBody>
           </p:sp>
@@ -10983,15 +10237,8 @@
       </mc:AlternateContent>
       <p:cxnSp>
         <p:nvCxnSpPr>
-          <p:cNvPr id="36" name="直接箭头连接符 35">
-            <a:extLst>
-              <a:ext uri="{FF2B5EF4-FFF2-40B4-BE49-F238E27FC236}">
-                <a16:creationId xmlns:a16="http://schemas.microsoft.com/office/drawing/2014/main" id="{909A04C4-282C-4B2A-AC81-1F36D26EA353}"/>
-              </a:ext>
-            </a:extLst>
-          </p:cNvPr>
+          <p:cNvPr id="36" name="直接箭头连接符 35"/>
           <p:cNvCxnSpPr>
-            <a:cxnSpLocks/>
             <a:endCxn id="33" idx="1"/>
           </p:cNvCxnSpPr>
           <p:nvPr/>
@@ -11030,13 +10277,7 @@
       </p:cxnSp>
       <p:sp>
         <p:nvSpPr>
-          <p:cNvPr id="37" name="流程图: 接点 36">
-            <a:extLst>
-              <a:ext uri="{FF2B5EF4-FFF2-40B4-BE49-F238E27FC236}">
-                <a16:creationId xmlns:a16="http://schemas.microsoft.com/office/drawing/2014/main" id="{CED1B18E-F476-4509-BCCC-A8555F329FDB}"/>
-              </a:ext>
-            </a:extLst>
-          </p:cNvPr>
+          <p:cNvPr id="37" name="流程图: 接点 36"/>
           <p:cNvSpPr/>
           <p:nvPr/>
         </p:nvSpPr>
@@ -11084,13 +10325,7 @@
       </p:sp>
       <p:sp>
         <p:nvSpPr>
-          <p:cNvPr id="39" name="流程图: 接点 38">
-            <a:extLst>
-              <a:ext uri="{FF2B5EF4-FFF2-40B4-BE49-F238E27FC236}">
-                <a16:creationId xmlns:a16="http://schemas.microsoft.com/office/drawing/2014/main" id="{2620793B-A539-442F-9800-7D485AAC4F71}"/>
-              </a:ext>
-            </a:extLst>
-          </p:cNvPr>
+          <p:cNvPr id="39" name="流程图: 接点 38"/>
           <p:cNvSpPr/>
           <p:nvPr/>
         </p:nvSpPr>
@@ -11138,13 +10373,7 @@
       </p:sp>
       <p:sp>
         <p:nvSpPr>
-          <p:cNvPr id="40" name="流程图: 接点 39">
-            <a:extLst>
-              <a:ext uri="{FF2B5EF4-FFF2-40B4-BE49-F238E27FC236}">
-                <a16:creationId xmlns:a16="http://schemas.microsoft.com/office/drawing/2014/main" id="{6BE6BB67-7D0E-41D6-B2F1-EAB78599FE4B}"/>
-              </a:ext>
-            </a:extLst>
-          </p:cNvPr>
+          <p:cNvPr id="40" name="流程图: 接点 39"/>
           <p:cNvSpPr/>
           <p:nvPr/>
         </p:nvSpPr>
@@ -11192,15 +10421,8 @@
       </p:sp>
       <p:cxnSp>
         <p:nvCxnSpPr>
-          <p:cNvPr id="41" name="直接箭头连接符 40">
-            <a:extLst>
-              <a:ext uri="{FF2B5EF4-FFF2-40B4-BE49-F238E27FC236}">
-                <a16:creationId xmlns:a16="http://schemas.microsoft.com/office/drawing/2014/main" id="{489CB008-B13A-407D-B6E0-133309CA3358}"/>
-              </a:ext>
-            </a:extLst>
-          </p:cNvPr>
+          <p:cNvPr id="41" name="直接箭头连接符 40"/>
           <p:cNvCxnSpPr>
-            <a:cxnSpLocks/>
             <a:endCxn id="40" idx="1"/>
           </p:cNvCxnSpPr>
           <p:nvPr/>
@@ -11239,16 +10461,8 @@
       </p:cxnSp>
       <p:cxnSp>
         <p:nvCxnSpPr>
-          <p:cNvPr id="42" name="直接连接符 41">
-            <a:extLst>
-              <a:ext uri="{FF2B5EF4-FFF2-40B4-BE49-F238E27FC236}">
-                <a16:creationId xmlns:a16="http://schemas.microsoft.com/office/drawing/2014/main" id="{B2A0E43B-5A6B-4786-9E8E-8897C79AA21C}"/>
-              </a:ext>
-            </a:extLst>
-          </p:cNvPr>
-          <p:cNvCxnSpPr>
-            <a:cxnSpLocks/>
-          </p:cNvCxnSpPr>
+          <p:cNvPr id="42" name="直接连接符 41"/>
+          <p:cNvCxnSpPr/>
           <p:nvPr/>
         </p:nvCxnSpPr>
         <p:spPr>
@@ -11286,13 +10500,7 @@
       </p:cxnSp>
       <p:sp>
         <p:nvSpPr>
-          <p:cNvPr id="44" name="矩形 43">
-            <a:extLst>
-              <a:ext uri="{FF2B5EF4-FFF2-40B4-BE49-F238E27FC236}">
-                <a16:creationId xmlns:a16="http://schemas.microsoft.com/office/drawing/2014/main" id="{29ECC776-8595-456F-917A-34BB8D8EE323}"/>
-              </a:ext>
-            </a:extLst>
-          </p:cNvPr>
+          <p:cNvPr id="44" name="矩形 43"/>
           <p:cNvSpPr/>
           <p:nvPr/>
         </p:nvSpPr>
@@ -11318,15 +10526,14 @@
               </a:rPr>
               <a:t>向量时钟</a:t>
             </a:r>
+            <a:endParaRPr lang="zh-CN" altLang="en-US" dirty="0">
+              <a:latin typeface="仿宋" panose="02010609060101010101" pitchFamily="49" charset="-122"/>
+              <a:ea typeface="仿宋" panose="02010609060101010101" pitchFamily="49" charset="-122"/>
+            </a:endParaRPr>
           </a:p>
         </p:txBody>
       </p:sp>
     </p:spTree>
-    <p:extLst>
-      <p:ext uri="{BB962C8B-B14F-4D97-AF65-F5344CB8AC3E}">
-        <p14:creationId xmlns:p14="http://schemas.microsoft.com/office/powerpoint/2010/main" val="3323970587"/>
-      </p:ext>
-    </p:extLst>
   </p:cSld>
   <p:clrMapOvr>
     <a:masterClrMapping/>
@@ -11371,25 +10578,6 @@
           <a:ln>
             <a:noFill/>
           </a:ln>
-          <a:extLst>
-            <a:ext uri="{909E8E84-426E-40dd-AFC4-6F175D3DCCD1}">
-              <a14:hiddenFill xmlns:a14="http://schemas.microsoft.com/office/drawing/2010/main" xmlns="">
-                <a:solidFill>
-                  <a:srgbClr val="FFFFFF"/>
-                </a:solidFill>
-              </a14:hiddenFill>
-            </a:ext>
-            <a:ext uri="{91240B29-F687-4f45-9708-019B960494DF}">
-              <a14:hiddenLine xmlns:a14="http://schemas.microsoft.com/office/drawing/2010/main" xmlns="" w="9525">
-                <a:solidFill>
-                  <a:srgbClr val="000000"/>
-                </a:solidFill>
-                <a:miter lim="800000"/>
-                <a:headEnd/>
-                <a:tailEnd/>
-              </a14:hiddenLine>
-            </a:ext>
-          </a:extLst>
         </p:spPr>
         <p:txBody>
           <a:bodyPr wrap="square" lIns="91436" tIns="45718" rIns="91436" bIns="45718">
@@ -11553,6 +10741,13 @@
               </a:rPr>
               <a:t>全局快照算法</a:t>
             </a:r>
+            <a:endParaRPr lang="zh-CN" altLang="en-US" b="1" dirty="0">
+              <a:solidFill>
+                <a:srgbClr val="002060"/>
+              </a:solidFill>
+              <a:latin typeface="微软雅黑" panose="020B0503020204020204" pitchFamily="34" charset="-122"/>
+              <a:ea typeface="微软雅黑" panose="020B0503020204020204" pitchFamily="34" charset="-122"/>
+            </a:endParaRPr>
           </a:p>
         </p:txBody>
       </p:sp>
@@ -11572,25 +10767,6 @@
             <a:ext cx="2133600" cy="365125"/>
           </a:xfrm>
           <a:noFill/>
-          <a:extLst>
-            <a:ext uri="{909E8E84-426E-40dd-AFC4-6F175D3DCCD1}">
-              <a14:hiddenFill xmlns:a14="http://schemas.microsoft.com/office/drawing/2010/main" xmlns="">
-                <a:solidFill>
-                  <a:srgbClr val="FFFFFF"/>
-                </a:solidFill>
-              </a14:hiddenFill>
-            </a:ext>
-            <a:ext uri="{91240B29-F687-4f45-9708-019B960494DF}">
-              <a14:hiddenLine xmlns:a14="http://schemas.microsoft.com/office/drawing/2010/main" xmlns="" w="9525">
-                <a:solidFill>
-                  <a:srgbClr val="000000"/>
-                </a:solidFill>
-                <a:miter lim="800000"/>
-                <a:headEnd/>
-                <a:tailEnd/>
-              </a14:hiddenLine>
-            </a:ext>
-          </a:extLst>
         </p:spPr>
         <p:txBody>
           <a:bodyPr/>
@@ -11609,7 +10785,7 @@
                 <a:ea typeface="宋体" panose="02010600030101010101" pitchFamily="2" charset="-122"/>
               </a:defRPr>
             </a:lvl1pPr>
-            <a:lvl2pPr marL="742920" indent="-285738">
+            <a:lvl2pPr marL="742950" indent="-285750">
               <a:spcBef>
                 <a:spcPct val="20000"/>
               </a:spcBef>
@@ -11623,7 +10799,7 @@
                 <a:ea typeface="宋体" panose="02010600030101010101" pitchFamily="2" charset="-122"/>
               </a:defRPr>
             </a:lvl2pPr>
-            <a:lvl3pPr marL="1142953" indent="-228591">
+            <a:lvl3pPr marL="1143000" indent="-228600">
               <a:spcBef>
                 <a:spcPct val="20000"/>
               </a:spcBef>
@@ -11637,7 +10813,7 @@
                 <a:ea typeface="宋体" panose="02010600030101010101" pitchFamily="2" charset="-122"/>
               </a:defRPr>
             </a:lvl3pPr>
-            <a:lvl4pPr marL="1600135" indent="-228591">
+            <a:lvl4pPr marL="1600200" indent="-228600">
               <a:spcBef>
                 <a:spcPct val="20000"/>
               </a:spcBef>
@@ -11651,7 +10827,7 @@
                 <a:ea typeface="宋体" panose="02010600030101010101" pitchFamily="2" charset="-122"/>
               </a:defRPr>
             </a:lvl4pPr>
-            <a:lvl5pPr marL="2057315" indent="-228591">
+            <a:lvl5pPr marL="2057400" indent="-228600">
               <a:spcBef>
                 <a:spcPct val="20000"/>
               </a:spcBef>
@@ -11665,7 +10841,7 @@
                 <a:ea typeface="宋体" panose="02010600030101010101" pitchFamily="2" charset="-122"/>
               </a:defRPr>
             </a:lvl5pPr>
-            <a:lvl6pPr marL="2514497" indent="-228591" eaLnBrk="0" fontAlgn="base" hangingPunct="0">
+            <a:lvl6pPr marL="2514600" indent="-228600" eaLnBrk="0" fontAlgn="base" hangingPunct="0">
               <a:spcBef>
                 <a:spcPct val="20000"/>
               </a:spcBef>
@@ -11682,7 +10858,7 @@
                 <a:ea typeface="宋体" panose="02010600030101010101" pitchFamily="2" charset="-122"/>
               </a:defRPr>
             </a:lvl6pPr>
-            <a:lvl7pPr marL="2971678" indent="-228591" eaLnBrk="0" fontAlgn="base" hangingPunct="0">
+            <a:lvl7pPr marL="2971800" indent="-228600" eaLnBrk="0" fontAlgn="base" hangingPunct="0">
               <a:spcBef>
                 <a:spcPct val="20000"/>
               </a:spcBef>
@@ -11699,7 +10875,7 @@
                 <a:ea typeface="宋体" panose="02010600030101010101" pitchFamily="2" charset="-122"/>
               </a:defRPr>
             </a:lvl7pPr>
-            <a:lvl8pPr marL="3428859" indent="-228591" eaLnBrk="0" fontAlgn="base" hangingPunct="0">
+            <a:lvl8pPr marL="3429000" indent="-228600" eaLnBrk="0" fontAlgn="base" hangingPunct="0">
               <a:spcBef>
                 <a:spcPct val="20000"/>
               </a:spcBef>
@@ -11716,7 +10892,7 @@
                 <a:ea typeface="宋体" panose="02010600030101010101" pitchFamily="2" charset="-122"/>
               </a:defRPr>
             </a:lvl8pPr>
-            <a:lvl9pPr marL="3886041" indent="-228591" eaLnBrk="0" fontAlgn="base" hangingPunct="0">
+            <a:lvl9pPr marL="3886200" indent="-228600" eaLnBrk="0" fontAlgn="base" hangingPunct="0">
               <a:spcBef>
                 <a:spcPct val="20000"/>
               </a:spcBef>
@@ -11748,14 +10924,6 @@
                   <a:srgbClr val="898989"/>
                 </a:solidFill>
               </a:rPr>
-              <a:pPr>
-                <a:spcBef>
-                  <a:spcPct val="0"/>
-                </a:spcBef>
-                <a:buFontTx/>
-                <a:buNone/>
-              </a:pPr>
-              <a:t>12</a:t>
             </a:fld>
             <a:endParaRPr lang="zh-CN" altLang="en-US" sz="1200" dirty="0">
               <a:solidFill>
@@ -11774,7 +10942,7 @@
           <p:nvPr/>
         </p:nvPicPr>
         <p:blipFill>
-          <a:blip r:embed="rId3" cstate="print">
+          <a:blip r:embed="rId1" cstate="print">
             <a:extLst>
               <a:ext uri="{28A0092B-C50C-407E-A947-70E740481C1C}">
                 <a14:useLocalDpi xmlns:a14="http://schemas.microsoft.com/office/drawing/2010/main" val="0"/>
@@ -11798,39 +10966,12 @@
           <a:ln>
             <a:noFill/>
           </a:ln>
-          <a:extLst>
-            <a:ext uri="{909E8E84-426E-40dd-AFC4-6F175D3DCCD1}">
-              <a14:hiddenFill xmlns:a14="http://schemas.microsoft.com/office/drawing/2010/main" xmlns="">
-                <a:solidFill>
-                  <a:srgbClr val="FFFFFF"/>
-                </a:solidFill>
-              </a14:hiddenFill>
-            </a:ext>
-            <a:ext uri="{91240B29-F687-4f45-9708-019B960494DF}">
-              <a14:hiddenLine xmlns:a14="http://schemas.microsoft.com/office/drawing/2010/main" xmlns="" w="9525">
-                <a:solidFill>
-                  <a:srgbClr val="000000"/>
-                </a:solidFill>
-                <a:miter lim="800000"/>
-                <a:headEnd/>
-                <a:tailEnd/>
-              </a14:hiddenLine>
-            </a:ext>
-          </a:extLst>
         </p:spPr>
       </p:pic>
       <p:sp>
         <p:nvSpPr>
-          <p:cNvPr id="6" name="Subtitle 2">
-            <a:extLst>
-              <a:ext uri="{FF2B5EF4-FFF2-40B4-BE49-F238E27FC236}">
-                <a16:creationId xmlns:a16="http://schemas.microsoft.com/office/drawing/2014/main" id="{5B72932F-F3D6-46BF-9A61-0930A2E33BD6}"/>
-              </a:ext>
-            </a:extLst>
-          </p:cNvPr>
-          <p:cNvSpPr txBox="1">
-            <a:spLocks/>
-          </p:cNvSpPr>
+          <p:cNvPr id="6" name="Subtitle 2"/>
+          <p:cNvSpPr txBox="1"/>
           <p:nvPr/>
         </p:nvSpPr>
         <p:spPr bwMode="auto">
@@ -11866,11 +11007,7 @@
           </a:extLst>
         </p:spPr>
         <p:txBody>
-          <a:bodyPr vert="horz" wrap="square" lIns="91440" tIns="45720" rIns="91440" bIns="45720" numCol="1" anchor="t" anchorCtr="0" compatLnSpc="1">
-            <a:prstTxWarp prst="textNoShape">
-              <a:avLst/>
-            </a:prstTxWarp>
-          </a:bodyPr>
+          <a:bodyPr vert="horz" wrap="square" lIns="91440" tIns="45720" rIns="91440" bIns="45720" numCol="1" anchor="t" anchorCtr="0" compatLnSpc="1"/>
           <a:lstStyle>
             <a:lvl1pPr marL="342900" indent="-342900" algn="l" rtl="0" eaLnBrk="0" fontAlgn="base" hangingPunct="0">
               <a:spcBef>
@@ -11989,7 +11126,7 @@
                 <a:schemeClr val="tx2"/>
               </a:buClr>
               <a:buSzPct val="70000"/>
-              <a:buFont typeface="Wingdings" pitchFamily="2" charset="2"/>
+              <a:buFont typeface="Wingdings" panose="05000000000000000000" pitchFamily="2" charset="2"/>
               <a:buChar char="¡"/>
               <a:defRPr sz="1600">
                 <a:solidFill>
@@ -12010,7 +11147,7 @@
                 <a:schemeClr val="tx2"/>
               </a:buClr>
               <a:buSzPct val="70000"/>
-              <a:buFont typeface="Wingdings" pitchFamily="2" charset="2"/>
+              <a:buFont typeface="Wingdings" panose="05000000000000000000" pitchFamily="2" charset="2"/>
               <a:buChar char="¡"/>
               <a:defRPr sz="1600">
                 <a:solidFill>
@@ -12031,7 +11168,7 @@
                 <a:schemeClr val="tx2"/>
               </a:buClr>
               <a:buSzPct val="70000"/>
-              <a:buFont typeface="Wingdings" pitchFamily="2" charset="2"/>
+              <a:buFont typeface="Wingdings" panose="05000000000000000000" pitchFamily="2" charset="2"/>
               <a:buChar char="¡"/>
               <a:defRPr sz="1600">
                 <a:solidFill>
@@ -12052,7 +11189,7 @@
                 <a:schemeClr val="tx2"/>
               </a:buClr>
               <a:buSzPct val="70000"/>
-              <a:buFont typeface="Wingdings" pitchFamily="2" charset="2"/>
+              <a:buFont typeface="Wingdings" panose="05000000000000000000" pitchFamily="2" charset="2"/>
               <a:buChar char="¡"/>
               <a:defRPr sz="1600">
                 <a:solidFill>
@@ -12080,7 +11217,6 @@
               <a:buSzPct val="70000"/>
               <a:buFont typeface="Wingdings" panose="05000000000000000000" pitchFamily="2" charset="2"/>
               <a:buChar char="n"/>
-              <a:tabLst/>
               <a:defRPr/>
             </a:pPr>
             <a:r>
@@ -12094,8 +11230,8 @@
                 <a:effectLst/>
                 <a:uLnTx/>
                 <a:uFillTx/>
-                <a:latin typeface="Arial"/>
-                <a:ea typeface="宋体"/>
+                <a:latin typeface="Arial" panose="020B0604020202020204"/>
+                <a:ea typeface="宋体" panose="02010600030101010101" pitchFamily="2" charset="-122"/>
                 <a:cs typeface="+mn-cs"/>
               </a:rPr>
               <a:t>主要内容</a:t>
@@ -12110,8 +11246,8 @@
               <a:effectLst/>
               <a:uLnTx/>
               <a:uFillTx/>
-              <a:latin typeface="Arial"/>
-              <a:ea typeface="宋体"/>
+              <a:latin typeface="Arial" panose="020B0604020202020204"/>
+              <a:ea typeface="宋体" panose="02010600030101010101" pitchFamily="2" charset="-122"/>
               <a:cs typeface="+mn-cs"/>
             </a:endParaRPr>
           </a:p>
@@ -12268,11 +11404,6 @@
         </p:txBody>
       </p:sp>
     </p:spTree>
-    <p:extLst>
-      <p:ext uri="{BB962C8B-B14F-4D97-AF65-F5344CB8AC3E}">
-        <p14:creationId xmlns:p14="http://schemas.microsoft.com/office/powerpoint/2010/main" val="3703663357"/>
-      </p:ext>
-    </p:extLst>
   </p:cSld>
   <p:clrMapOvr>
     <a:masterClrMapping/>
@@ -12317,25 +11448,6 @@
           <a:ln>
             <a:noFill/>
           </a:ln>
-          <a:extLst>
-            <a:ext uri="{909E8E84-426E-40dd-AFC4-6F175D3DCCD1}">
-              <a14:hiddenFill xmlns:a14="http://schemas.microsoft.com/office/drawing/2010/main" xmlns="">
-                <a:solidFill>
-                  <a:srgbClr val="FFFFFF"/>
-                </a:solidFill>
-              </a14:hiddenFill>
-            </a:ext>
-            <a:ext uri="{91240B29-F687-4f45-9708-019B960494DF}">
-              <a14:hiddenLine xmlns:a14="http://schemas.microsoft.com/office/drawing/2010/main" xmlns="" w="9525">
-                <a:solidFill>
-                  <a:srgbClr val="000000"/>
-                </a:solidFill>
-                <a:miter lim="800000"/>
-                <a:headEnd/>
-                <a:tailEnd/>
-              </a14:hiddenLine>
-            </a:ext>
-          </a:extLst>
         </p:spPr>
         <p:txBody>
           <a:bodyPr wrap="square" lIns="91436" tIns="45718" rIns="91436" bIns="45718">
@@ -12499,6 +11611,13 @@
               </a:rPr>
               <a:t>全局快照算法</a:t>
             </a:r>
+            <a:endParaRPr lang="zh-CN" altLang="en-US" b="1" dirty="0">
+              <a:solidFill>
+                <a:srgbClr val="002060"/>
+              </a:solidFill>
+              <a:latin typeface="微软雅黑" panose="020B0503020204020204" pitchFamily="34" charset="-122"/>
+              <a:ea typeface="微软雅黑" panose="020B0503020204020204" pitchFamily="34" charset="-122"/>
+            </a:endParaRPr>
           </a:p>
         </p:txBody>
       </p:sp>
@@ -12518,25 +11637,6 @@
             <a:ext cx="2133600" cy="365125"/>
           </a:xfrm>
           <a:noFill/>
-          <a:extLst>
-            <a:ext uri="{909E8E84-426E-40dd-AFC4-6F175D3DCCD1}">
-              <a14:hiddenFill xmlns:a14="http://schemas.microsoft.com/office/drawing/2010/main" xmlns="">
-                <a:solidFill>
-                  <a:srgbClr val="FFFFFF"/>
-                </a:solidFill>
-              </a14:hiddenFill>
-            </a:ext>
-            <a:ext uri="{91240B29-F687-4f45-9708-019B960494DF}">
-              <a14:hiddenLine xmlns:a14="http://schemas.microsoft.com/office/drawing/2010/main" xmlns="" w="9525">
-                <a:solidFill>
-                  <a:srgbClr val="000000"/>
-                </a:solidFill>
-                <a:miter lim="800000"/>
-                <a:headEnd/>
-                <a:tailEnd/>
-              </a14:hiddenLine>
-            </a:ext>
-          </a:extLst>
         </p:spPr>
         <p:txBody>
           <a:bodyPr/>
@@ -12555,7 +11655,7 @@
                 <a:ea typeface="宋体" panose="02010600030101010101" pitchFamily="2" charset="-122"/>
               </a:defRPr>
             </a:lvl1pPr>
-            <a:lvl2pPr marL="742920" indent="-285738">
+            <a:lvl2pPr marL="742950" indent="-285750">
               <a:spcBef>
                 <a:spcPct val="20000"/>
               </a:spcBef>
@@ -12569,7 +11669,7 @@
                 <a:ea typeface="宋体" panose="02010600030101010101" pitchFamily="2" charset="-122"/>
               </a:defRPr>
             </a:lvl2pPr>
-            <a:lvl3pPr marL="1142953" indent="-228591">
+            <a:lvl3pPr marL="1143000" indent="-228600">
               <a:spcBef>
                 <a:spcPct val="20000"/>
               </a:spcBef>
@@ -12583,7 +11683,7 @@
                 <a:ea typeface="宋体" panose="02010600030101010101" pitchFamily="2" charset="-122"/>
               </a:defRPr>
             </a:lvl3pPr>
-            <a:lvl4pPr marL="1600135" indent="-228591">
+            <a:lvl4pPr marL="1600200" indent="-228600">
               <a:spcBef>
                 <a:spcPct val="20000"/>
               </a:spcBef>
@@ -12597,7 +11697,7 @@
                 <a:ea typeface="宋体" panose="02010600030101010101" pitchFamily="2" charset="-122"/>
               </a:defRPr>
             </a:lvl4pPr>
-            <a:lvl5pPr marL="2057315" indent="-228591">
+            <a:lvl5pPr marL="2057400" indent="-228600">
               <a:spcBef>
                 <a:spcPct val="20000"/>
               </a:spcBef>
@@ -12611,7 +11711,7 @@
                 <a:ea typeface="宋体" panose="02010600030101010101" pitchFamily="2" charset="-122"/>
               </a:defRPr>
             </a:lvl5pPr>
-            <a:lvl6pPr marL="2514497" indent="-228591" eaLnBrk="0" fontAlgn="base" hangingPunct="0">
+            <a:lvl6pPr marL="2514600" indent="-228600" eaLnBrk="0" fontAlgn="base" hangingPunct="0">
               <a:spcBef>
                 <a:spcPct val="20000"/>
               </a:spcBef>
@@ -12628,7 +11728,7 @@
                 <a:ea typeface="宋体" panose="02010600030101010101" pitchFamily="2" charset="-122"/>
               </a:defRPr>
             </a:lvl6pPr>
-            <a:lvl7pPr marL="2971678" indent="-228591" eaLnBrk="0" fontAlgn="base" hangingPunct="0">
+            <a:lvl7pPr marL="2971800" indent="-228600" eaLnBrk="0" fontAlgn="base" hangingPunct="0">
               <a:spcBef>
                 <a:spcPct val="20000"/>
               </a:spcBef>
@@ -12645,7 +11745,7 @@
                 <a:ea typeface="宋体" panose="02010600030101010101" pitchFamily="2" charset="-122"/>
               </a:defRPr>
             </a:lvl7pPr>
-            <a:lvl8pPr marL="3428859" indent="-228591" eaLnBrk="0" fontAlgn="base" hangingPunct="0">
+            <a:lvl8pPr marL="3429000" indent="-228600" eaLnBrk="0" fontAlgn="base" hangingPunct="0">
               <a:spcBef>
                 <a:spcPct val="20000"/>
               </a:spcBef>
@@ -12662,7 +11762,7 @@
                 <a:ea typeface="宋体" panose="02010600030101010101" pitchFamily="2" charset="-122"/>
               </a:defRPr>
             </a:lvl8pPr>
-            <a:lvl9pPr marL="3886041" indent="-228591" eaLnBrk="0" fontAlgn="base" hangingPunct="0">
+            <a:lvl9pPr marL="3886200" indent="-228600" eaLnBrk="0" fontAlgn="base" hangingPunct="0">
               <a:spcBef>
                 <a:spcPct val="20000"/>
               </a:spcBef>
@@ -12694,14 +11794,6 @@
                   <a:srgbClr val="898989"/>
                 </a:solidFill>
               </a:rPr>
-              <a:pPr>
-                <a:spcBef>
-                  <a:spcPct val="0"/>
-                </a:spcBef>
-                <a:buFontTx/>
-                <a:buNone/>
-              </a:pPr>
-              <a:t>2</a:t>
             </a:fld>
             <a:endParaRPr lang="zh-CN" altLang="en-US" sz="1200" dirty="0">
               <a:solidFill>
@@ -12720,7 +11812,7 @@
           <p:nvPr/>
         </p:nvPicPr>
         <p:blipFill>
-          <a:blip r:embed="rId3" cstate="print">
+          <a:blip r:embed="rId1" cstate="print">
             <a:extLst>
               <a:ext uri="{28A0092B-C50C-407E-A947-70E740481C1C}">
                 <a14:useLocalDpi xmlns:a14="http://schemas.microsoft.com/office/drawing/2010/main" val="0"/>
@@ -12744,39 +11836,12 @@
           <a:ln>
             <a:noFill/>
           </a:ln>
-          <a:extLst>
-            <a:ext uri="{909E8E84-426E-40dd-AFC4-6F175D3DCCD1}">
-              <a14:hiddenFill xmlns:a14="http://schemas.microsoft.com/office/drawing/2010/main" xmlns="">
-                <a:solidFill>
-                  <a:srgbClr val="FFFFFF"/>
-                </a:solidFill>
-              </a14:hiddenFill>
-            </a:ext>
-            <a:ext uri="{91240B29-F687-4f45-9708-019B960494DF}">
-              <a14:hiddenLine xmlns:a14="http://schemas.microsoft.com/office/drawing/2010/main" xmlns="" w="9525">
-                <a:solidFill>
-                  <a:srgbClr val="000000"/>
-                </a:solidFill>
-                <a:miter lim="800000"/>
-                <a:headEnd/>
-                <a:tailEnd/>
-              </a14:hiddenLine>
-            </a:ext>
-          </a:extLst>
         </p:spPr>
       </p:pic>
       <p:sp>
         <p:nvSpPr>
-          <p:cNvPr id="6" name="Subtitle 2">
-            <a:extLst>
-              <a:ext uri="{FF2B5EF4-FFF2-40B4-BE49-F238E27FC236}">
-                <a16:creationId xmlns:a16="http://schemas.microsoft.com/office/drawing/2014/main" id="{5B72932F-F3D6-46BF-9A61-0930A2E33BD6}"/>
-              </a:ext>
-            </a:extLst>
-          </p:cNvPr>
-          <p:cNvSpPr txBox="1">
-            <a:spLocks/>
-          </p:cNvSpPr>
+          <p:cNvPr id="6" name="Subtitle 2"/>
+          <p:cNvSpPr txBox="1"/>
           <p:nvPr/>
         </p:nvSpPr>
         <p:spPr bwMode="auto">
@@ -12812,11 +11877,7 @@
           </a:extLst>
         </p:spPr>
         <p:txBody>
-          <a:bodyPr vert="horz" wrap="square" lIns="91440" tIns="45720" rIns="91440" bIns="45720" numCol="1" anchor="t" anchorCtr="0" compatLnSpc="1">
-            <a:prstTxWarp prst="textNoShape">
-              <a:avLst/>
-            </a:prstTxWarp>
-          </a:bodyPr>
+          <a:bodyPr vert="horz" wrap="square" lIns="91440" tIns="45720" rIns="91440" bIns="45720" numCol="1" anchor="t" anchorCtr="0" compatLnSpc="1"/>
           <a:lstStyle>
             <a:lvl1pPr marL="342900" indent="-342900" algn="l" rtl="0" eaLnBrk="0" fontAlgn="base" hangingPunct="0">
               <a:spcBef>
@@ -12935,7 +11996,7 @@
                 <a:schemeClr val="tx2"/>
               </a:buClr>
               <a:buSzPct val="70000"/>
-              <a:buFont typeface="Wingdings" pitchFamily="2" charset="2"/>
+              <a:buFont typeface="Wingdings" panose="05000000000000000000" pitchFamily="2" charset="2"/>
               <a:buChar char="¡"/>
               <a:defRPr sz="1600">
                 <a:solidFill>
@@ -12956,7 +12017,7 @@
                 <a:schemeClr val="tx2"/>
               </a:buClr>
               <a:buSzPct val="70000"/>
-              <a:buFont typeface="Wingdings" pitchFamily="2" charset="2"/>
+              <a:buFont typeface="Wingdings" panose="05000000000000000000" pitchFamily="2" charset="2"/>
               <a:buChar char="¡"/>
               <a:defRPr sz="1600">
                 <a:solidFill>
@@ -12977,7 +12038,7 @@
                 <a:schemeClr val="tx2"/>
               </a:buClr>
               <a:buSzPct val="70000"/>
-              <a:buFont typeface="Wingdings" pitchFamily="2" charset="2"/>
+              <a:buFont typeface="Wingdings" panose="05000000000000000000" pitchFamily="2" charset="2"/>
               <a:buChar char="¡"/>
               <a:defRPr sz="1600">
                 <a:solidFill>
@@ -12998,7 +12059,7 @@
                 <a:schemeClr val="tx2"/>
               </a:buClr>
               <a:buSzPct val="70000"/>
-              <a:buFont typeface="Wingdings" pitchFamily="2" charset="2"/>
+              <a:buFont typeface="Wingdings" panose="05000000000000000000" pitchFamily="2" charset="2"/>
               <a:buChar char="¡"/>
               <a:defRPr sz="1600">
                 <a:solidFill>
@@ -13026,7 +12087,6 @@
               <a:buSzPct val="70000"/>
               <a:buFont typeface="Wingdings" panose="05000000000000000000" pitchFamily="2" charset="2"/>
               <a:buChar char="n"/>
-              <a:tabLst/>
               <a:defRPr/>
             </a:pPr>
             <a:r>
@@ -13040,8 +12100,8 @@
                 <a:effectLst/>
                 <a:uLnTx/>
                 <a:uFillTx/>
-                <a:latin typeface="Arial"/>
-                <a:ea typeface="宋体"/>
+                <a:latin typeface="Arial" panose="020B0604020202020204"/>
+                <a:ea typeface="宋体" panose="02010600030101010101" pitchFamily="2" charset="-122"/>
                 <a:cs typeface="+mn-cs"/>
               </a:rPr>
               <a:t>主要内容</a:t>
@@ -13056,8 +12116,8 @@
               <a:effectLst/>
               <a:uLnTx/>
               <a:uFillTx/>
-              <a:latin typeface="Arial"/>
-              <a:ea typeface="宋体"/>
+              <a:latin typeface="Arial" panose="020B0604020202020204"/>
+              <a:ea typeface="宋体" panose="02010600030101010101" pitchFamily="2" charset="-122"/>
               <a:cs typeface="+mn-cs"/>
             </a:endParaRPr>
           </a:p>
@@ -13214,11 +12274,6 @@
         </p:txBody>
       </p:sp>
     </p:spTree>
-    <p:extLst>
-      <p:ext uri="{BB962C8B-B14F-4D97-AF65-F5344CB8AC3E}">
-        <p14:creationId xmlns:p14="http://schemas.microsoft.com/office/powerpoint/2010/main" val="971337701"/>
-      </p:ext>
-    </p:extLst>
   </p:cSld>
   <p:clrMapOvr>
     <a:masterClrMapping/>
@@ -13263,25 +12318,6 @@
           <a:ln>
             <a:noFill/>
           </a:ln>
-          <a:extLst>
-            <a:ext uri="{909E8E84-426E-40dd-AFC4-6F175D3DCCD1}">
-              <a14:hiddenFill xmlns:a14="http://schemas.microsoft.com/office/drawing/2010/main" xmlns="">
-                <a:solidFill>
-                  <a:srgbClr val="FFFFFF"/>
-                </a:solidFill>
-              </a14:hiddenFill>
-            </a:ext>
-            <a:ext uri="{91240B29-F687-4f45-9708-019B960494DF}">
-              <a14:hiddenLine xmlns:a14="http://schemas.microsoft.com/office/drawing/2010/main" xmlns="" w="9525">
-                <a:solidFill>
-                  <a:srgbClr val="000000"/>
-                </a:solidFill>
-                <a:miter lim="800000"/>
-                <a:headEnd/>
-                <a:tailEnd/>
-              </a14:hiddenLine>
-            </a:ext>
-          </a:extLst>
         </p:spPr>
         <p:txBody>
           <a:bodyPr lIns="91436" tIns="45718" rIns="91436" bIns="45718">
@@ -13445,6 +12481,13 @@
               </a:rPr>
               <a:t>全局状态的应用场景</a:t>
             </a:r>
+            <a:endParaRPr lang="zh-CN" altLang="en-US" b="1" dirty="0">
+              <a:solidFill>
+                <a:srgbClr val="002060"/>
+              </a:solidFill>
+              <a:latin typeface="微软雅黑" panose="020B0503020204020204" pitchFamily="34" charset="-122"/>
+              <a:ea typeface="微软雅黑" panose="020B0503020204020204" pitchFamily="34" charset="-122"/>
+            </a:endParaRPr>
           </a:p>
         </p:txBody>
       </p:sp>
@@ -13464,25 +12507,6 @@
             <a:ext cx="2133600" cy="365125"/>
           </a:xfrm>
           <a:noFill/>
-          <a:extLst>
-            <a:ext uri="{909E8E84-426E-40dd-AFC4-6F175D3DCCD1}">
-              <a14:hiddenFill xmlns:a14="http://schemas.microsoft.com/office/drawing/2010/main" xmlns="">
-                <a:solidFill>
-                  <a:srgbClr val="FFFFFF"/>
-                </a:solidFill>
-              </a14:hiddenFill>
-            </a:ext>
-            <a:ext uri="{91240B29-F687-4f45-9708-019B960494DF}">
-              <a14:hiddenLine xmlns:a14="http://schemas.microsoft.com/office/drawing/2010/main" xmlns="" w="9525">
-                <a:solidFill>
-                  <a:srgbClr val="000000"/>
-                </a:solidFill>
-                <a:miter lim="800000"/>
-                <a:headEnd/>
-                <a:tailEnd/>
-              </a14:hiddenLine>
-            </a:ext>
-          </a:extLst>
         </p:spPr>
         <p:txBody>
           <a:bodyPr/>
@@ -13501,7 +12525,7 @@
                 <a:ea typeface="宋体" panose="02010600030101010101" pitchFamily="2" charset="-122"/>
               </a:defRPr>
             </a:lvl1pPr>
-            <a:lvl2pPr marL="742920" indent="-285738">
+            <a:lvl2pPr marL="742950" indent="-285750">
               <a:spcBef>
                 <a:spcPct val="20000"/>
               </a:spcBef>
@@ -13515,7 +12539,7 @@
                 <a:ea typeface="宋体" panose="02010600030101010101" pitchFamily="2" charset="-122"/>
               </a:defRPr>
             </a:lvl2pPr>
-            <a:lvl3pPr marL="1142953" indent="-228591">
+            <a:lvl3pPr marL="1143000" indent="-228600">
               <a:spcBef>
                 <a:spcPct val="20000"/>
               </a:spcBef>
@@ -13529,7 +12553,7 @@
                 <a:ea typeface="宋体" panose="02010600030101010101" pitchFamily="2" charset="-122"/>
               </a:defRPr>
             </a:lvl3pPr>
-            <a:lvl4pPr marL="1600135" indent="-228591">
+            <a:lvl4pPr marL="1600200" indent="-228600">
               <a:spcBef>
                 <a:spcPct val="20000"/>
               </a:spcBef>
@@ -13543,7 +12567,7 @@
                 <a:ea typeface="宋体" panose="02010600030101010101" pitchFamily="2" charset="-122"/>
               </a:defRPr>
             </a:lvl4pPr>
-            <a:lvl5pPr marL="2057315" indent="-228591">
+            <a:lvl5pPr marL="2057400" indent="-228600">
               <a:spcBef>
                 <a:spcPct val="20000"/>
               </a:spcBef>
@@ -13557,7 +12581,7 @@
                 <a:ea typeface="宋体" panose="02010600030101010101" pitchFamily="2" charset="-122"/>
               </a:defRPr>
             </a:lvl5pPr>
-            <a:lvl6pPr marL="2514497" indent="-228591" eaLnBrk="0" fontAlgn="base" hangingPunct="0">
+            <a:lvl6pPr marL="2514600" indent="-228600" eaLnBrk="0" fontAlgn="base" hangingPunct="0">
               <a:spcBef>
                 <a:spcPct val="20000"/>
               </a:spcBef>
@@ -13574,7 +12598,7 @@
                 <a:ea typeface="宋体" panose="02010600030101010101" pitchFamily="2" charset="-122"/>
               </a:defRPr>
             </a:lvl6pPr>
-            <a:lvl7pPr marL="2971678" indent="-228591" eaLnBrk="0" fontAlgn="base" hangingPunct="0">
+            <a:lvl7pPr marL="2971800" indent="-228600" eaLnBrk="0" fontAlgn="base" hangingPunct="0">
               <a:spcBef>
                 <a:spcPct val="20000"/>
               </a:spcBef>
@@ -13591,7 +12615,7 @@
                 <a:ea typeface="宋体" panose="02010600030101010101" pitchFamily="2" charset="-122"/>
               </a:defRPr>
             </a:lvl7pPr>
-            <a:lvl8pPr marL="3428859" indent="-228591" eaLnBrk="0" fontAlgn="base" hangingPunct="0">
+            <a:lvl8pPr marL="3429000" indent="-228600" eaLnBrk="0" fontAlgn="base" hangingPunct="0">
               <a:spcBef>
                 <a:spcPct val="20000"/>
               </a:spcBef>
@@ -13608,7 +12632,7 @@
                 <a:ea typeface="宋体" panose="02010600030101010101" pitchFamily="2" charset="-122"/>
               </a:defRPr>
             </a:lvl8pPr>
-            <a:lvl9pPr marL="3886041" indent="-228591" eaLnBrk="0" fontAlgn="base" hangingPunct="0">
+            <a:lvl9pPr marL="3886200" indent="-228600" eaLnBrk="0" fontAlgn="base" hangingPunct="0">
               <a:spcBef>
                 <a:spcPct val="20000"/>
               </a:spcBef>
@@ -13640,14 +12664,6 @@
                   <a:srgbClr val="898989"/>
                 </a:solidFill>
               </a:rPr>
-              <a:pPr>
-                <a:spcBef>
-                  <a:spcPct val="0"/>
-                </a:spcBef>
-                <a:buFontTx/>
-                <a:buNone/>
-              </a:pPr>
-              <a:t>3</a:t>
             </a:fld>
             <a:endParaRPr lang="zh-CN" altLang="en-US" sz="1200" dirty="0">
               <a:solidFill>
@@ -13666,7 +12682,7 @@
           <p:nvPr/>
         </p:nvPicPr>
         <p:blipFill>
-          <a:blip r:embed="rId3" cstate="print">
+          <a:blip r:embed="rId1" cstate="print">
             <a:extLst>
               <a:ext uri="{28A0092B-C50C-407E-A947-70E740481C1C}">
                 <a14:useLocalDpi xmlns:a14="http://schemas.microsoft.com/office/drawing/2010/main" val="0"/>
@@ -13690,39 +12706,12 @@
           <a:ln>
             <a:noFill/>
           </a:ln>
-          <a:extLst>
-            <a:ext uri="{909E8E84-426E-40dd-AFC4-6F175D3DCCD1}">
-              <a14:hiddenFill xmlns:a14="http://schemas.microsoft.com/office/drawing/2010/main" xmlns="">
-                <a:solidFill>
-                  <a:srgbClr val="FFFFFF"/>
-                </a:solidFill>
-              </a14:hiddenFill>
-            </a:ext>
-            <a:ext uri="{91240B29-F687-4f45-9708-019B960494DF}">
-              <a14:hiddenLine xmlns:a14="http://schemas.microsoft.com/office/drawing/2010/main" xmlns="" w="9525">
-                <a:solidFill>
-                  <a:srgbClr val="000000"/>
-                </a:solidFill>
-                <a:miter lim="800000"/>
-                <a:headEnd/>
-                <a:tailEnd/>
-              </a14:hiddenLine>
-            </a:ext>
-          </a:extLst>
         </p:spPr>
       </p:pic>
       <p:sp>
         <p:nvSpPr>
-          <p:cNvPr id="6" name="Subtitle 2">
-            <a:extLst>
-              <a:ext uri="{FF2B5EF4-FFF2-40B4-BE49-F238E27FC236}">
-                <a16:creationId xmlns:a16="http://schemas.microsoft.com/office/drawing/2014/main" id="{5B72932F-F3D6-46BF-9A61-0930A2E33BD6}"/>
-              </a:ext>
-            </a:extLst>
-          </p:cNvPr>
-          <p:cNvSpPr txBox="1">
-            <a:spLocks/>
-          </p:cNvSpPr>
+          <p:cNvPr id="6" name="Subtitle 2"/>
+          <p:cNvSpPr txBox="1"/>
           <p:nvPr/>
         </p:nvSpPr>
         <p:spPr bwMode="auto">
@@ -13758,11 +12747,7 @@
           </a:extLst>
         </p:spPr>
         <p:txBody>
-          <a:bodyPr vert="horz" wrap="square" lIns="91440" tIns="45720" rIns="91440" bIns="45720" numCol="1" anchor="t" anchorCtr="0" compatLnSpc="1">
-            <a:prstTxWarp prst="textNoShape">
-              <a:avLst/>
-            </a:prstTxWarp>
-          </a:bodyPr>
+          <a:bodyPr vert="horz" wrap="square" lIns="91440" tIns="45720" rIns="91440" bIns="45720" numCol="1" anchor="t" anchorCtr="0" compatLnSpc="1"/>
           <a:lstStyle>
             <a:lvl1pPr marL="342900" indent="-342900" algn="l" rtl="0" eaLnBrk="0" fontAlgn="base" hangingPunct="0">
               <a:spcBef>
@@ -13881,7 +12866,7 @@
                 <a:schemeClr val="tx2"/>
               </a:buClr>
               <a:buSzPct val="70000"/>
-              <a:buFont typeface="Wingdings" pitchFamily="2" charset="2"/>
+              <a:buFont typeface="Wingdings" panose="05000000000000000000" pitchFamily="2" charset="2"/>
               <a:buChar char="¡"/>
               <a:defRPr sz="1600">
                 <a:solidFill>
@@ -13902,7 +12887,7 @@
                 <a:schemeClr val="tx2"/>
               </a:buClr>
               <a:buSzPct val="70000"/>
-              <a:buFont typeface="Wingdings" pitchFamily="2" charset="2"/>
+              <a:buFont typeface="Wingdings" panose="05000000000000000000" pitchFamily="2" charset="2"/>
               <a:buChar char="¡"/>
               <a:defRPr sz="1600">
                 <a:solidFill>
@@ -13923,7 +12908,7 @@
                 <a:schemeClr val="tx2"/>
               </a:buClr>
               <a:buSzPct val="70000"/>
-              <a:buFont typeface="Wingdings" pitchFamily="2" charset="2"/>
+              <a:buFont typeface="Wingdings" panose="05000000000000000000" pitchFamily="2" charset="2"/>
               <a:buChar char="¡"/>
               <a:defRPr sz="1600">
                 <a:solidFill>
@@ -13944,7 +12929,7 @@
                 <a:schemeClr val="tx2"/>
               </a:buClr>
               <a:buSzPct val="70000"/>
-              <a:buFont typeface="Wingdings" pitchFamily="2" charset="2"/>
+              <a:buFont typeface="Wingdings" panose="05000000000000000000" pitchFamily="2" charset="2"/>
               <a:buChar char="¡"/>
               <a:defRPr sz="1600">
                 <a:solidFill>
@@ -13972,7 +12957,6 @@
               <a:buSzPct val="70000"/>
               <a:buFont typeface="Wingdings" panose="05000000000000000000" pitchFamily="2" charset="2"/>
               <a:buChar char="n"/>
-              <a:tabLst/>
               <a:defRPr/>
             </a:pPr>
             <a:r>
@@ -13986,8 +12970,8 @@
                 <a:effectLst/>
                 <a:uLnTx/>
                 <a:uFillTx/>
-                <a:latin typeface="Arial"/>
-                <a:ea typeface="宋体"/>
+                <a:latin typeface="Arial" panose="020B0604020202020204"/>
+                <a:ea typeface="宋体" panose="02010600030101010101" pitchFamily="2" charset="-122"/>
                 <a:cs typeface="+mn-cs"/>
               </a:rPr>
               <a:t>故障恢复</a:t>
@@ -14002,8 +12986,8 @@
               <a:effectLst/>
               <a:uLnTx/>
               <a:uFillTx/>
-              <a:latin typeface="Arial"/>
-              <a:ea typeface="宋体"/>
+              <a:latin typeface="Arial" panose="020B0604020202020204"/>
+              <a:ea typeface="宋体" panose="02010600030101010101" pitchFamily="2" charset="-122"/>
               <a:cs typeface="+mn-cs"/>
             </a:endParaRPr>
           </a:p>
@@ -14073,8 +13057,8 @@
                 <a:solidFill>
                   <a:srgbClr val="003366"/>
                 </a:solidFill>
-                <a:latin typeface="Arial"/>
-                <a:ea typeface="宋体"/>
+                <a:latin typeface="Arial" panose="020B0604020202020204"/>
+                <a:ea typeface="宋体" panose="02010600030101010101" pitchFamily="2" charset="-122"/>
               </a:rPr>
               <a:t>分布式调试的断点设置</a:t>
             </a:r>
@@ -14082,8 +13066,8 @@
               <a:solidFill>
                 <a:srgbClr val="003366"/>
               </a:solidFill>
-              <a:latin typeface="Arial"/>
-              <a:ea typeface="宋体"/>
+              <a:latin typeface="Arial" panose="020B0604020202020204"/>
+              <a:ea typeface="宋体" panose="02010600030101010101" pitchFamily="2" charset="-122"/>
             </a:endParaRPr>
           </a:p>
           <a:p>
@@ -14102,7 +13086,7 @@
                 <a:latin typeface="仿宋" panose="02010609060101010101" pitchFamily="49" charset="-122"/>
                 <a:ea typeface="仿宋" panose="02010609060101010101" pitchFamily="49" charset="-122"/>
               </a:rPr>
-              <a:t>调试分布式程序时，可在一个一致的全局状态出设置断点</a:t>
+              <a:t>调试分布式程序时，可在一个一致的全局状态处设置断点</a:t>
             </a:r>
             <a:endParaRPr lang="en-US" altLang="zh-CN" kern="0" dirty="0">
               <a:solidFill>
@@ -14126,8 +13110,8 @@
                 <a:solidFill>
                   <a:srgbClr val="003366"/>
                 </a:solidFill>
-                <a:latin typeface="Arial"/>
-                <a:ea typeface="宋体"/>
+                <a:latin typeface="Arial" panose="020B0604020202020204"/>
+                <a:ea typeface="宋体" panose="02010600030101010101" pitchFamily="2" charset="-122"/>
               </a:rPr>
               <a:t>死锁检测</a:t>
             </a:r>
@@ -14135,8 +13119,8 @@
               <a:solidFill>
                 <a:srgbClr val="003366"/>
               </a:solidFill>
-              <a:latin typeface="Arial"/>
-              <a:ea typeface="宋体"/>
+              <a:latin typeface="Arial" panose="020B0604020202020204"/>
+              <a:ea typeface="宋体" panose="02010600030101010101" pitchFamily="2" charset="-122"/>
             </a:endParaRPr>
           </a:p>
           <a:p>
@@ -14168,11 +13152,6 @@
         </p:txBody>
       </p:sp>
     </p:spTree>
-    <p:extLst>
-      <p:ext uri="{BB962C8B-B14F-4D97-AF65-F5344CB8AC3E}">
-        <p14:creationId xmlns:p14="http://schemas.microsoft.com/office/powerpoint/2010/main" val="2415979266"/>
-      </p:ext>
-    </p:extLst>
   </p:cSld>
   <p:clrMapOvr>
     <a:masterClrMapping/>
@@ -14217,25 +13196,6 @@
           <a:ln>
             <a:noFill/>
           </a:ln>
-          <a:extLst>
-            <a:ext uri="{909E8E84-426E-40dd-AFC4-6F175D3DCCD1}">
-              <a14:hiddenFill xmlns:a14="http://schemas.microsoft.com/office/drawing/2010/main" xmlns="">
-                <a:solidFill>
-                  <a:srgbClr val="FFFFFF"/>
-                </a:solidFill>
-              </a14:hiddenFill>
-            </a:ext>
-            <a:ext uri="{91240B29-F687-4f45-9708-019B960494DF}">
-              <a14:hiddenLine xmlns:a14="http://schemas.microsoft.com/office/drawing/2010/main" xmlns="" w="9525">
-                <a:solidFill>
-                  <a:srgbClr val="000000"/>
-                </a:solidFill>
-                <a:miter lim="800000"/>
-                <a:headEnd/>
-                <a:tailEnd/>
-              </a14:hiddenLine>
-            </a:ext>
-          </a:extLst>
         </p:spPr>
         <p:txBody>
           <a:bodyPr wrap="square" lIns="91436" tIns="45718" rIns="91436" bIns="45718">
@@ -14399,6 +13359,13 @@
               </a:rPr>
               <a:t>一致的全局状态</a:t>
             </a:r>
+            <a:endParaRPr lang="zh-CN" altLang="en-US" b="1" dirty="0">
+              <a:solidFill>
+                <a:srgbClr val="002060"/>
+              </a:solidFill>
+              <a:latin typeface="微软雅黑" panose="020B0503020204020204" pitchFamily="34" charset="-122"/>
+              <a:ea typeface="微软雅黑" panose="020B0503020204020204" pitchFamily="34" charset="-122"/>
+            </a:endParaRPr>
           </a:p>
         </p:txBody>
       </p:sp>
@@ -14418,25 +13385,6 @@
             <a:ext cx="2133600" cy="365125"/>
           </a:xfrm>
           <a:noFill/>
-          <a:extLst>
-            <a:ext uri="{909E8E84-426E-40dd-AFC4-6F175D3DCCD1}">
-              <a14:hiddenFill xmlns:a14="http://schemas.microsoft.com/office/drawing/2010/main" xmlns="">
-                <a:solidFill>
-                  <a:srgbClr val="FFFFFF"/>
-                </a:solidFill>
-              </a14:hiddenFill>
-            </a:ext>
-            <a:ext uri="{91240B29-F687-4f45-9708-019B960494DF}">
-              <a14:hiddenLine xmlns:a14="http://schemas.microsoft.com/office/drawing/2010/main" xmlns="" w="9525">
-                <a:solidFill>
-                  <a:srgbClr val="000000"/>
-                </a:solidFill>
-                <a:miter lim="800000"/>
-                <a:headEnd/>
-                <a:tailEnd/>
-              </a14:hiddenLine>
-            </a:ext>
-          </a:extLst>
         </p:spPr>
         <p:txBody>
           <a:bodyPr/>
@@ -14455,7 +13403,7 @@
                 <a:ea typeface="宋体" panose="02010600030101010101" pitchFamily="2" charset="-122"/>
               </a:defRPr>
             </a:lvl1pPr>
-            <a:lvl2pPr marL="742920" indent="-285738">
+            <a:lvl2pPr marL="742950" indent="-285750">
               <a:spcBef>
                 <a:spcPct val="20000"/>
               </a:spcBef>
@@ -14469,7 +13417,7 @@
                 <a:ea typeface="宋体" panose="02010600030101010101" pitchFamily="2" charset="-122"/>
               </a:defRPr>
             </a:lvl2pPr>
-            <a:lvl3pPr marL="1142953" indent="-228591">
+            <a:lvl3pPr marL="1143000" indent="-228600">
               <a:spcBef>
                 <a:spcPct val="20000"/>
               </a:spcBef>
@@ -14483,7 +13431,7 @@
                 <a:ea typeface="宋体" panose="02010600030101010101" pitchFamily="2" charset="-122"/>
               </a:defRPr>
             </a:lvl3pPr>
-            <a:lvl4pPr marL="1600135" indent="-228591">
+            <a:lvl4pPr marL="1600200" indent="-228600">
               <a:spcBef>
                 <a:spcPct val="20000"/>
               </a:spcBef>
@@ -14497,7 +13445,7 @@
                 <a:ea typeface="宋体" panose="02010600030101010101" pitchFamily="2" charset="-122"/>
               </a:defRPr>
             </a:lvl4pPr>
-            <a:lvl5pPr marL="2057315" indent="-228591">
+            <a:lvl5pPr marL="2057400" indent="-228600">
               <a:spcBef>
                 <a:spcPct val="20000"/>
               </a:spcBef>
@@ -14511,7 +13459,7 @@
                 <a:ea typeface="宋体" panose="02010600030101010101" pitchFamily="2" charset="-122"/>
               </a:defRPr>
             </a:lvl5pPr>
-            <a:lvl6pPr marL="2514497" indent="-228591" eaLnBrk="0" fontAlgn="base" hangingPunct="0">
+            <a:lvl6pPr marL="2514600" indent="-228600" eaLnBrk="0" fontAlgn="base" hangingPunct="0">
               <a:spcBef>
                 <a:spcPct val="20000"/>
               </a:spcBef>
@@ -14528,7 +13476,7 @@
                 <a:ea typeface="宋体" panose="02010600030101010101" pitchFamily="2" charset="-122"/>
               </a:defRPr>
             </a:lvl6pPr>
-            <a:lvl7pPr marL="2971678" indent="-228591" eaLnBrk="0" fontAlgn="base" hangingPunct="0">
+            <a:lvl7pPr marL="2971800" indent="-228600" eaLnBrk="0" fontAlgn="base" hangingPunct="0">
               <a:spcBef>
                 <a:spcPct val="20000"/>
               </a:spcBef>
@@ -14545,7 +13493,7 @@
                 <a:ea typeface="宋体" panose="02010600030101010101" pitchFamily="2" charset="-122"/>
               </a:defRPr>
             </a:lvl7pPr>
-            <a:lvl8pPr marL="3428859" indent="-228591" eaLnBrk="0" fontAlgn="base" hangingPunct="0">
+            <a:lvl8pPr marL="3429000" indent="-228600" eaLnBrk="0" fontAlgn="base" hangingPunct="0">
               <a:spcBef>
                 <a:spcPct val="20000"/>
               </a:spcBef>
@@ -14562,7 +13510,7 @@
                 <a:ea typeface="宋体" panose="02010600030101010101" pitchFamily="2" charset="-122"/>
               </a:defRPr>
             </a:lvl8pPr>
-            <a:lvl9pPr marL="3886041" indent="-228591" eaLnBrk="0" fontAlgn="base" hangingPunct="0">
+            <a:lvl9pPr marL="3886200" indent="-228600" eaLnBrk="0" fontAlgn="base" hangingPunct="0">
               <a:spcBef>
                 <a:spcPct val="20000"/>
               </a:spcBef>
@@ -14594,14 +13542,6 @@
                   <a:srgbClr val="898989"/>
                 </a:solidFill>
               </a:rPr>
-              <a:pPr>
-                <a:spcBef>
-                  <a:spcPct val="0"/>
-                </a:spcBef>
-                <a:buFontTx/>
-                <a:buNone/>
-              </a:pPr>
-              <a:t>4</a:t>
             </a:fld>
             <a:endParaRPr lang="zh-CN" altLang="en-US" sz="1200" dirty="0">
               <a:solidFill>
@@ -14620,7 +13560,7 @@
           <p:nvPr/>
         </p:nvPicPr>
         <p:blipFill>
-          <a:blip r:embed="rId3" cstate="print">
+          <a:blip r:embed="rId1" cstate="print">
             <a:extLst>
               <a:ext uri="{28A0092B-C50C-407E-A947-70E740481C1C}">
                 <a14:useLocalDpi xmlns:a14="http://schemas.microsoft.com/office/drawing/2010/main" val="0"/>
@@ -14644,35 +13584,16 @@
           <a:ln>
             <a:noFill/>
           </a:ln>
-          <a:extLst>
-            <a:ext uri="{909E8E84-426E-40dd-AFC4-6F175D3DCCD1}">
-              <a14:hiddenFill xmlns:a14="http://schemas.microsoft.com/office/drawing/2010/main" xmlns="">
-                <a:solidFill>
-                  <a:srgbClr val="FFFFFF"/>
-                </a:solidFill>
-              </a14:hiddenFill>
-            </a:ext>
-            <a:ext uri="{91240B29-F687-4f45-9708-019B960494DF}">
-              <a14:hiddenLine xmlns:a14="http://schemas.microsoft.com/office/drawing/2010/main" xmlns="" w="9525">
-                <a:solidFill>
-                  <a:srgbClr val="000000"/>
-                </a:solidFill>
-                <a:miter lim="800000"/>
-                <a:headEnd/>
-                <a:tailEnd/>
-              </a14:hiddenLine>
-            </a:ext>
-          </a:extLst>
         </p:spPr>
       </p:pic>
-      <mc:AlternateContent xmlns:mc="http://schemas.openxmlformats.org/markup-compatibility/2006" xmlns:a14="http://schemas.microsoft.com/office/drawing/2010/main">
-        <mc:Choice Requires="a14">
+      <mc:AlternateContent xmlns:mc="http://schemas.openxmlformats.org/markup-compatibility/2006">
+        <mc:Choice xmlns:a14="http://schemas.microsoft.com/office/drawing/2010/main" Requires="a14">
           <p:sp>
             <p:nvSpPr>
               <p:cNvPr id="22" name="Subtitle 2">
                 <a:extLst>
                   <a:ext uri="{FF2B5EF4-FFF2-40B4-BE49-F238E27FC236}">
-                    <a16:creationId xmlns:a16="http://schemas.microsoft.com/office/drawing/2014/main" id="{56C0887D-8E51-4FA7-808C-D6F73FC5F593}"/>
+                    <ele attr="{56C0887D-8E51-4FA7-808C-D6F73FC5F593}"/>
                   </a:ext>
                 </a:extLst>
               </p:cNvPr>
@@ -15264,16 +14185,10 @@
             </p:txBody>
           </p:sp>
         </mc:Choice>
-        <mc:Fallback xmlns="">
+        <mc:Fallback>
           <p:sp>
             <p:nvSpPr>
-              <p:cNvPr id="22" name="Subtitle 2">
-                <a:extLst>
-                  <a:ext uri="{FF2B5EF4-FFF2-40B4-BE49-F238E27FC236}">
-                    <a16:creationId xmlns:a16="http://schemas.microsoft.com/office/drawing/2014/main" id="{56C0887D-8E51-4FA7-808C-D6F73FC5F593}"/>
-                  </a:ext>
-                </a:extLst>
-              </p:cNvPr>
+              <p:cNvPr id="22" name="Subtitle 2"/>
               <p:cNvSpPr txBox="1">
                 <a:spLocks noRot="1" noChangeAspect="1" noMove="1" noResize="1" noEditPoints="1" noAdjustHandles="1" noChangeArrowheads="1" noChangeShapeType="1" noTextEdit="1"/>
               </p:cNvSpPr>
@@ -15287,8 +14202,8 @@
               <a:prstGeom prst="rect">
                 <a:avLst/>
               </a:prstGeom>
-              <a:blipFill>
-                <a:blip r:embed="rId4"/>
+              <a:blipFill rotWithShape="1">
+                <a:blip r:embed="rId2"/>
                 <a:stretch>
                   <a:fillRect l="-602"/>
                 </a:stretch>
@@ -15326,19 +14241,22 @@
                   </a:rPr>
                   <a:t> </a:t>
                 </a:r>
+                <a:endParaRPr lang="zh-CN" altLang="en-US">
+                  <a:noFill/>
+                </a:endParaRPr>
               </a:p>
             </p:txBody>
           </p:sp>
         </mc:Fallback>
       </mc:AlternateContent>
-      <mc:AlternateContent xmlns:mc="http://schemas.openxmlformats.org/markup-compatibility/2006" xmlns:a14="http://schemas.microsoft.com/office/drawing/2010/main">
-        <mc:Choice Requires="a14">
+      <mc:AlternateContent xmlns:mc="http://schemas.openxmlformats.org/markup-compatibility/2006">
+        <mc:Choice xmlns:a14="http://schemas.microsoft.com/office/drawing/2010/main" Requires="a14">
           <p:sp>
             <p:nvSpPr>
               <p:cNvPr id="7" name="文本框 6">
                 <a:extLst>
                   <a:ext uri="{FF2B5EF4-FFF2-40B4-BE49-F238E27FC236}">
-                    <a16:creationId xmlns:a16="http://schemas.microsoft.com/office/drawing/2014/main" id="{72F75328-A75B-4C70-9529-C5B5C02CB2D3}"/>
+                    <ele attr="{72F75328-A75B-4C70-9529-C5B5C02CB2D3}"/>
                   </a:ext>
                 </a:extLst>
               </p:cNvPr>
@@ -15793,16 +14711,10 @@
             </p:txBody>
           </p:sp>
         </mc:Choice>
-        <mc:Fallback xmlns="">
+        <mc:Fallback>
           <p:sp>
             <p:nvSpPr>
-              <p:cNvPr id="7" name="文本框 6">
-                <a:extLst>
-                  <a:ext uri="{FF2B5EF4-FFF2-40B4-BE49-F238E27FC236}">
-                    <a16:creationId xmlns:a16="http://schemas.microsoft.com/office/drawing/2014/main" id="{72F75328-A75B-4C70-9529-C5B5C02CB2D3}"/>
-                  </a:ext>
-                </a:extLst>
-              </p:cNvPr>
+              <p:cNvPr id="7" name="文本框 6"/>
               <p:cNvSpPr txBox="1">
                 <a:spLocks noRot="1" noChangeAspect="1" noMove="1" noResize="1" noEditPoints="1" noAdjustHandles="1" noChangeArrowheads="1" noChangeShapeType="1" noTextEdit="1"/>
               </p:cNvSpPr>
@@ -15816,8 +14728,8 @@
               <a:prstGeom prst="rect">
                 <a:avLst/>
               </a:prstGeom>
-              <a:blipFill>
-                <a:blip r:embed="rId5"/>
+              <a:blipFill rotWithShape="1">
+                <a:blip r:embed="rId2"/>
                 <a:stretch>
                   <a:fillRect/>
                 </a:stretch>
@@ -15833,6 +14745,9 @@
                   </a:rPr>
                   <a:t> </a:t>
                 </a:r>
+                <a:endParaRPr lang="zh-CN" altLang="en-US">
+                  <a:noFill/>
+                </a:endParaRPr>
               </a:p>
             </p:txBody>
           </p:sp>
@@ -15840,13 +14755,7 @@
       </mc:AlternateContent>
       <p:sp>
         <p:nvSpPr>
-          <p:cNvPr id="8" name="矩形 7">
-            <a:extLst>
-              <a:ext uri="{FF2B5EF4-FFF2-40B4-BE49-F238E27FC236}">
-                <a16:creationId xmlns:a16="http://schemas.microsoft.com/office/drawing/2014/main" id="{B484EC11-31AB-4B84-8114-1EA482D8F162}"/>
-              </a:ext>
-            </a:extLst>
-          </p:cNvPr>
+          <p:cNvPr id="8" name="矩形 7"/>
           <p:cNvSpPr/>
           <p:nvPr/>
         </p:nvSpPr>
@@ -15888,7 +14797,7 @@
             </a:endParaRPr>
           </a:p>
           <a:p>
-            <a:pPr marL="800082" lvl="1" indent="-342900">
+            <a:pPr marL="800100" lvl="1" indent="-342900">
               <a:buFont typeface="Wingdings" panose="05000000000000000000" pitchFamily="2" charset="2"/>
               <a:buChar char="ü"/>
             </a:pPr>
@@ -15902,25 +14811,26 @@
               </a:rPr>
               <a:t>上式说明，一个进程在记录自己的状态之后发送的消息，不能纳入全局状态包含的信道状态；该消息的接收操作，也不能纳入目标进程的本地状态。否则就会不一致，因为全局状态中记录了未来事件产生的效果</a:t>
             </a:r>
+            <a:endParaRPr lang="zh-CN" altLang="en-US" sz="2400" b="1" kern="0" dirty="0">
+              <a:solidFill>
+                <a:srgbClr val="7030A0"/>
+              </a:solidFill>
+              <a:latin typeface="仿宋" panose="02010609060101010101" pitchFamily="49" charset="-122"/>
+              <a:ea typeface="仿宋" panose="02010609060101010101" pitchFamily="49" charset="-122"/>
+            </a:endParaRPr>
           </a:p>
         </p:txBody>
       </p:sp>
       <p:pic>
         <p:nvPicPr>
-          <p:cNvPr id="2" name="图片 1">
-            <a:extLst>
-              <a:ext uri="{FF2B5EF4-FFF2-40B4-BE49-F238E27FC236}">
-                <a16:creationId xmlns:a16="http://schemas.microsoft.com/office/drawing/2014/main" id="{10E839B8-FCE3-4734-A581-31D52A2C4DF5}"/>
-              </a:ext>
-            </a:extLst>
-          </p:cNvPr>
+          <p:cNvPr id="2" name="图片 1"/>
           <p:cNvPicPr>
             <a:picLocks noChangeAspect="1"/>
           </p:cNvPicPr>
           <p:nvPr/>
         </p:nvPicPr>
         <p:blipFill>
-          <a:blip r:embed="rId6"/>
+          <a:blip r:embed="rId3"/>
           <a:stretch>
             <a:fillRect/>
           </a:stretch>
@@ -15935,14 +14845,14 @@
           </a:prstGeom>
         </p:spPr>
       </p:pic>
-      <mc:AlternateContent xmlns:mc="http://schemas.openxmlformats.org/markup-compatibility/2006" xmlns:a14="http://schemas.microsoft.com/office/drawing/2010/main">
-        <mc:Choice Requires="a14">
+      <mc:AlternateContent xmlns:mc="http://schemas.openxmlformats.org/markup-compatibility/2006">
+        <mc:Choice xmlns:a14="http://schemas.microsoft.com/office/drawing/2010/main" Requires="a14">
           <p:sp>
             <p:nvSpPr>
               <p:cNvPr id="9" name="Subtitle 2">
                 <a:extLst>
                   <a:ext uri="{FF2B5EF4-FFF2-40B4-BE49-F238E27FC236}">
-                    <a16:creationId xmlns:a16="http://schemas.microsoft.com/office/drawing/2014/main" id="{D00BFFAB-1798-4CCD-801D-27FC235794AE}"/>
+                    <ele attr="{D00BFFAB-1798-4CCD-801D-27FC235794AE}"/>
                   </a:ext>
                 </a:extLst>
               </p:cNvPr>
@@ -16802,16 +15712,10 @@
             </p:txBody>
           </p:sp>
         </mc:Choice>
-        <mc:Fallback xmlns="">
+        <mc:Fallback>
           <p:sp>
             <p:nvSpPr>
-              <p:cNvPr id="9" name="Subtitle 2">
-                <a:extLst>
-                  <a:ext uri="{FF2B5EF4-FFF2-40B4-BE49-F238E27FC236}">
-                    <a16:creationId xmlns:a16="http://schemas.microsoft.com/office/drawing/2014/main" id="{D00BFFAB-1798-4CCD-801D-27FC235794AE}"/>
-                  </a:ext>
-                </a:extLst>
-              </p:cNvPr>
+              <p:cNvPr id="9" name="Subtitle 2"/>
               <p:cNvSpPr txBox="1">
                 <a:spLocks noRot="1" noChangeAspect="1" noMove="1" noResize="1" noEditPoints="1" noAdjustHandles="1" noChangeArrowheads="1" noChangeShapeType="1" noTextEdit="1"/>
               </p:cNvSpPr>
@@ -16825,8 +15729,8 @@
               <a:prstGeom prst="rect">
                 <a:avLst/>
               </a:prstGeom>
-              <a:blipFill>
-                <a:blip r:embed="rId7"/>
+              <a:blipFill rotWithShape="1">
+                <a:blip r:embed="rId2"/>
                 <a:stretch>
                   <a:fillRect l="-994" t="-2947"/>
                 </a:stretch>
@@ -16864,17 +15768,15 @@
                   </a:rPr>
                   <a:t> </a:t>
                 </a:r>
+                <a:endParaRPr lang="zh-CN" altLang="en-US">
+                  <a:noFill/>
+                </a:endParaRPr>
               </a:p>
             </p:txBody>
           </p:sp>
         </mc:Fallback>
       </mc:AlternateContent>
     </p:spTree>
-    <p:extLst>
-      <p:ext uri="{BB962C8B-B14F-4D97-AF65-F5344CB8AC3E}">
-        <p14:creationId xmlns:p14="http://schemas.microsoft.com/office/powerpoint/2010/main" val="4038494524"/>
-      </p:ext>
-    </p:extLst>
   </p:cSld>
   <p:clrMapOvr>
     <a:masterClrMapping/>
@@ -16919,25 +15821,6 @@
           <a:ln>
             <a:noFill/>
           </a:ln>
-          <a:extLst>
-            <a:ext uri="{909E8E84-426E-40dd-AFC4-6F175D3DCCD1}">
-              <a14:hiddenFill xmlns:a14="http://schemas.microsoft.com/office/drawing/2010/main" xmlns="">
-                <a:solidFill>
-                  <a:srgbClr val="FFFFFF"/>
-                </a:solidFill>
-              </a14:hiddenFill>
-            </a:ext>
-            <a:ext uri="{91240B29-F687-4f45-9708-019B960494DF}">
-              <a14:hiddenLine xmlns:a14="http://schemas.microsoft.com/office/drawing/2010/main" xmlns="" w="9525">
-                <a:solidFill>
-                  <a:srgbClr val="000000"/>
-                </a:solidFill>
-                <a:miter lim="800000"/>
-                <a:headEnd/>
-                <a:tailEnd/>
-              </a14:hiddenLine>
-            </a:ext>
-          </a:extLst>
         </p:spPr>
         <p:txBody>
           <a:bodyPr wrap="square" lIns="91436" tIns="45718" rIns="91436" bIns="45718">
@@ -17101,6 +15984,13 @@
               </a:rPr>
               <a:t>通信的顺序模型</a:t>
             </a:r>
+            <a:endParaRPr lang="zh-CN" altLang="en-US" b="1" dirty="0">
+              <a:solidFill>
+                <a:srgbClr val="002060"/>
+              </a:solidFill>
+              <a:latin typeface="微软雅黑" panose="020B0503020204020204" pitchFamily="34" charset="-122"/>
+              <a:ea typeface="微软雅黑" panose="020B0503020204020204" pitchFamily="34" charset="-122"/>
+            </a:endParaRPr>
           </a:p>
         </p:txBody>
       </p:sp>
@@ -17120,25 +16010,6 @@
             <a:ext cx="2133600" cy="365125"/>
           </a:xfrm>
           <a:noFill/>
-          <a:extLst>
-            <a:ext uri="{909E8E84-426E-40dd-AFC4-6F175D3DCCD1}">
-              <a14:hiddenFill xmlns:a14="http://schemas.microsoft.com/office/drawing/2010/main" xmlns="">
-                <a:solidFill>
-                  <a:srgbClr val="FFFFFF"/>
-                </a:solidFill>
-              </a14:hiddenFill>
-            </a:ext>
-            <a:ext uri="{91240B29-F687-4f45-9708-019B960494DF}">
-              <a14:hiddenLine xmlns:a14="http://schemas.microsoft.com/office/drawing/2010/main" xmlns="" w="9525">
-                <a:solidFill>
-                  <a:srgbClr val="000000"/>
-                </a:solidFill>
-                <a:miter lim="800000"/>
-                <a:headEnd/>
-                <a:tailEnd/>
-              </a14:hiddenLine>
-            </a:ext>
-          </a:extLst>
         </p:spPr>
         <p:txBody>
           <a:bodyPr/>
@@ -17157,7 +16028,7 @@
                 <a:ea typeface="宋体" panose="02010600030101010101" pitchFamily="2" charset="-122"/>
               </a:defRPr>
             </a:lvl1pPr>
-            <a:lvl2pPr marL="742920" indent="-285738">
+            <a:lvl2pPr marL="742950" indent="-285750">
               <a:spcBef>
                 <a:spcPct val="20000"/>
               </a:spcBef>
@@ -17171,7 +16042,7 @@
                 <a:ea typeface="宋体" panose="02010600030101010101" pitchFamily="2" charset="-122"/>
               </a:defRPr>
             </a:lvl2pPr>
-            <a:lvl3pPr marL="1142953" indent="-228591">
+            <a:lvl3pPr marL="1143000" indent="-228600">
               <a:spcBef>
                 <a:spcPct val="20000"/>
               </a:spcBef>
@@ -17185,7 +16056,7 @@
                 <a:ea typeface="宋体" panose="02010600030101010101" pitchFamily="2" charset="-122"/>
               </a:defRPr>
             </a:lvl3pPr>
-            <a:lvl4pPr marL="1600135" indent="-228591">
+            <a:lvl4pPr marL="1600200" indent="-228600">
               <a:spcBef>
                 <a:spcPct val="20000"/>
               </a:spcBef>
@@ -17199,7 +16070,7 @@
                 <a:ea typeface="宋体" panose="02010600030101010101" pitchFamily="2" charset="-122"/>
               </a:defRPr>
             </a:lvl4pPr>
-            <a:lvl5pPr marL="2057315" indent="-228591">
+            <a:lvl5pPr marL="2057400" indent="-228600">
               <a:spcBef>
                 <a:spcPct val="20000"/>
               </a:spcBef>
@@ -17213,7 +16084,7 @@
                 <a:ea typeface="宋体" panose="02010600030101010101" pitchFamily="2" charset="-122"/>
               </a:defRPr>
             </a:lvl5pPr>
-            <a:lvl6pPr marL="2514497" indent="-228591" eaLnBrk="0" fontAlgn="base" hangingPunct="0">
+            <a:lvl6pPr marL="2514600" indent="-228600" eaLnBrk="0" fontAlgn="base" hangingPunct="0">
               <a:spcBef>
                 <a:spcPct val="20000"/>
               </a:spcBef>
@@ -17230,7 +16101,7 @@
                 <a:ea typeface="宋体" panose="02010600030101010101" pitchFamily="2" charset="-122"/>
               </a:defRPr>
             </a:lvl6pPr>
-            <a:lvl7pPr marL="2971678" indent="-228591" eaLnBrk="0" fontAlgn="base" hangingPunct="0">
+            <a:lvl7pPr marL="2971800" indent="-228600" eaLnBrk="0" fontAlgn="base" hangingPunct="0">
               <a:spcBef>
                 <a:spcPct val="20000"/>
               </a:spcBef>
@@ -17247,7 +16118,7 @@
                 <a:ea typeface="宋体" panose="02010600030101010101" pitchFamily="2" charset="-122"/>
               </a:defRPr>
             </a:lvl7pPr>
-            <a:lvl8pPr marL="3428859" indent="-228591" eaLnBrk="0" fontAlgn="base" hangingPunct="0">
+            <a:lvl8pPr marL="3429000" indent="-228600" eaLnBrk="0" fontAlgn="base" hangingPunct="0">
               <a:spcBef>
                 <a:spcPct val="20000"/>
               </a:spcBef>
@@ -17264,7 +16135,7 @@
                 <a:ea typeface="宋体" panose="02010600030101010101" pitchFamily="2" charset="-122"/>
               </a:defRPr>
             </a:lvl8pPr>
-            <a:lvl9pPr marL="3886041" indent="-228591" eaLnBrk="0" fontAlgn="base" hangingPunct="0">
+            <a:lvl9pPr marL="3886200" indent="-228600" eaLnBrk="0" fontAlgn="base" hangingPunct="0">
               <a:spcBef>
                 <a:spcPct val="20000"/>
               </a:spcBef>
@@ -17296,14 +16167,6 @@
                   <a:srgbClr val="898989"/>
                 </a:solidFill>
               </a:rPr>
-              <a:pPr>
-                <a:spcBef>
-                  <a:spcPct val="0"/>
-                </a:spcBef>
-                <a:buFontTx/>
-                <a:buNone/>
-              </a:pPr>
-              <a:t>5</a:t>
             </a:fld>
             <a:endParaRPr lang="zh-CN" altLang="en-US" sz="1200" dirty="0">
               <a:solidFill>
@@ -17322,7 +16185,7 @@
           <p:nvPr/>
         </p:nvPicPr>
         <p:blipFill>
-          <a:blip r:embed="rId3" cstate="print">
+          <a:blip r:embed="rId1" cstate="print">
             <a:extLst>
               <a:ext uri="{28A0092B-C50C-407E-A947-70E740481C1C}">
                 <a14:useLocalDpi xmlns:a14="http://schemas.microsoft.com/office/drawing/2010/main" val="0"/>
@@ -17346,35 +16209,16 @@
           <a:ln>
             <a:noFill/>
           </a:ln>
-          <a:extLst>
-            <a:ext uri="{909E8E84-426E-40dd-AFC4-6F175D3DCCD1}">
-              <a14:hiddenFill xmlns:a14="http://schemas.microsoft.com/office/drawing/2010/main" xmlns="">
-                <a:solidFill>
-                  <a:srgbClr val="FFFFFF"/>
-                </a:solidFill>
-              </a14:hiddenFill>
-            </a:ext>
-            <a:ext uri="{91240B29-F687-4f45-9708-019B960494DF}">
-              <a14:hiddenLine xmlns:a14="http://schemas.microsoft.com/office/drawing/2010/main" xmlns="" w="9525">
-                <a:solidFill>
-                  <a:srgbClr val="000000"/>
-                </a:solidFill>
-                <a:miter lim="800000"/>
-                <a:headEnd/>
-                <a:tailEnd/>
-              </a14:hiddenLine>
-            </a:ext>
-          </a:extLst>
         </p:spPr>
       </p:pic>
-      <mc:AlternateContent xmlns:mc="http://schemas.openxmlformats.org/markup-compatibility/2006" xmlns:a14="http://schemas.microsoft.com/office/drawing/2010/main">
-        <mc:Choice Requires="a14">
+      <mc:AlternateContent xmlns:mc="http://schemas.openxmlformats.org/markup-compatibility/2006">
+        <mc:Choice xmlns:a14="http://schemas.microsoft.com/office/drawing/2010/main" Requires="a14">
           <p:sp>
             <p:nvSpPr>
               <p:cNvPr id="6" name="Subtitle 2">
                 <a:extLst>
                   <a:ext uri="{FF2B5EF4-FFF2-40B4-BE49-F238E27FC236}">
-                    <a16:creationId xmlns:a16="http://schemas.microsoft.com/office/drawing/2014/main" id="{14C3602A-D7BF-4EEF-BE6F-827C56FBC56D}"/>
+                    <ele attr="{14C3602A-D7BF-4EEF-BE6F-827C56FBC56D}"/>
                   </a:ext>
                 </a:extLst>
               </p:cNvPr>
@@ -18274,16 +17118,10 @@
             </p:txBody>
           </p:sp>
         </mc:Choice>
-        <mc:Fallback xmlns="">
+        <mc:Fallback>
           <p:sp>
             <p:nvSpPr>
-              <p:cNvPr id="6" name="Subtitle 2">
-                <a:extLst>
-                  <a:ext uri="{FF2B5EF4-FFF2-40B4-BE49-F238E27FC236}">
-                    <a16:creationId xmlns:a16="http://schemas.microsoft.com/office/drawing/2014/main" id="{14C3602A-D7BF-4EEF-BE6F-827C56FBC56D}"/>
-                  </a:ext>
-                </a:extLst>
-              </p:cNvPr>
+              <p:cNvPr id="6" name="Subtitle 2"/>
               <p:cNvSpPr txBox="1">
                 <a:spLocks noRot="1" noChangeAspect="1" noMove="1" noResize="1" noEditPoints="1" noAdjustHandles="1" noChangeArrowheads="1" noChangeShapeType="1" noTextEdit="1"/>
               </p:cNvSpPr>
@@ -18297,8 +17135,8 @@
               <a:prstGeom prst="rect">
                 <a:avLst/>
               </a:prstGeom>
-              <a:blipFill>
-                <a:blip r:embed="rId4"/>
+              <a:blipFill rotWithShape="1">
+                <a:blip r:embed="rId2"/>
                 <a:stretch>
                   <a:fillRect l="-602" t="-1475"/>
                 </a:stretch>
@@ -18336,17 +17174,15 @@
                   </a:rPr>
                   <a:t> </a:t>
                 </a:r>
+                <a:endParaRPr lang="zh-CN" altLang="en-US">
+                  <a:noFill/>
+                </a:endParaRPr>
               </a:p>
             </p:txBody>
           </p:sp>
         </mc:Fallback>
       </mc:AlternateContent>
     </p:spTree>
-    <p:extLst>
-      <p:ext uri="{BB962C8B-B14F-4D97-AF65-F5344CB8AC3E}">
-        <p14:creationId xmlns:p14="http://schemas.microsoft.com/office/powerpoint/2010/main" val="3286138118"/>
-      </p:ext>
-    </p:extLst>
   </p:cSld>
   <p:clrMapOvr>
     <a:masterClrMapping/>
@@ -18391,25 +17227,6 @@
           <a:ln>
             <a:noFill/>
           </a:ln>
-          <a:extLst>
-            <a:ext uri="{909E8E84-426E-40dd-AFC4-6F175D3DCCD1}">
-              <a14:hiddenFill xmlns:a14="http://schemas.microsoft.com/office/drawing/2010/main" xmlns="">
-                <a:solidFill>
-                  <a:srgbClr val="FFFFFF"/>
-                </a:solidFill>
-              </a14:hiddenFill>
-            </a:ext>
-            <a:ext uri="{91240B29-F687-4f45-9708-019B960494DF}">
-              <a14:hiddenLine xmlns:a14="http://schemas.microsoft.com/office/drawing/2010/main" xmlns="" w="9525">
-                <a:solidFill>
-                  <a:srgbClr val="000000"/>
-                </a:solidFill>
-                <a:miter lim="800000"/>
-                <a:headEnd/>
-                <a:tailEnd/>
-              </a14:hiddenLine>
-            </a:ext>
-          </a:extLst>
         </p:spPr>
         <p:txBody>
           <a:bodyPr wrap="square" lIns="91436" tIns="45718" rIns="91436" bIns="45718">
@@ -18613,6 +17430,13 @@
               </a:rPr>
               <a:t>通道）</a:t>
             </a:r>
+            <a:endParaRPr lang="zh-CN" altLang="en-US" sz="2400" b="1" dirty="0">
+              <a:solidFill>
+                <a:srgbClr val="002060"/>
+              </a:solidFill>
+              <a:latin typeface="微软雅黑" panose="020B0503020204020204" pitchFamily="34" charset="-122"/>
+              <a:ea typeface="微软雅黑" panose="020B0503020204020204" pitchFamily="34" charset="-122"/>
+            </a:endParaRPr>
           </a:p>
         </p:txBody>
       </p:sp>
@@ -18632,25 +17456,6 @@
             <a:ext cx="2133600" cy="365125"/>
           </a:xfrm>
           <a:noFill/>
-          <a:extLst>
-            <a:ext uri="{909E8E84-426E-40dd-AFC4-6F175D3DCCD1}">
-              <a14:hiddenFill xmlns:a14="http://schemas.microsoft.com/office/drawing/2010/main" xmlns="">
-                <a:solidFill>
-                  <a:srgbClr val="FFFFFF"/>
-                </a:solidFill>
-              </a14:hiddenFill>
-            </a:ext>
-            <a:ext uri="{91240B29-F687-4f45-9708-019B960494DF}">
-              <a14:hiddenLine xmlns:a14="http://schemas.microsoft.com/office/drawing/2010/main" xmlns="" w="9525">
-                <a:solidFill>
-                  <a:srgbClr val="000000"/>
-                </a:solidFill>
-                <a:miter lim="800000"/>
-                <a:headEnd/>
-                <a:tailEnd/>
-              </a14:hiddenLine>
-            </a:ext>
-          </a:extLst>
         </p:spPr>
         <p:txBody>
           <a:bodyPr/>
@@ -18669,7 +17474,7 @@
                 <a:ea typeface="宋体" panose="02010600030101010101" pitchFamily="2" charset="-122"/>
               </a:defRPr>
             </a:lvl1pPr>
-            <a:lvl2pPr marL="742920" indent="-285738">
+            <a:lvl2pPr marL="742950" indent="-285750">
               <a:spcBef>
                 <a:spcPct val="20000"/>
               </a:spcBef>
@@ -18683,7 +17488,7 @@
                 <a:ea typeface="宋体" panose="02010600030101010101" pitchFamily="2" charset="-122"/>
               </a:defRPr>
             </a:lvl2pPr>
-            <a:lvl3pPr marL="1142953" indent="-228591">
+            <a:lvl3pPr marL="1143000" indent="-228600">
               <a:spcBef>
                 <a:spcPct val="20000"/>
               </a:spcBef>
@@ -18697,7 +17502,7 @@
                 <a:ea typeface="宋体" panose="02010600030101010101" pitchFamily="2" charset="-122"/>
               </a:defRPr>
             </a:lvl3pPr>
-            <a:lvl4pPr marL="1600135" indent="-228591">
+            <a:lvl4pPr marL="1600200" indent="-228600">
               <a:spcBef>
                 <a:spcPct val="20000"/>
               </a:spcBef>
@@ -18711,7 +17516,7 @@
                 <a:ea typeface="宋体" panose="02010600030101010101" pitchFamily="2" charset="-122"/>
               </a:defRPr>
             </a:lvl4pPr>
-            <a:lvl5pPr marL="2057315" indent="-228591">
+            <a:lvl5pPr marL="2057400" indent="-228600">
               <a:spcBef>
                 <a:spcPct val="20000"/>
               </a:spcBef>
@@ -18725,7 +17530,7 @@
                 <a:ea typeface="宋体" panose="02010600030101010101" pitchFamily="2" charset="-122"/>
               </a:defRPr>
             </a:lvl5pPr>
-            <a:lvl6pPr marL="2514497" indent="-228591" eaLnBrk="0" fontAlgn="base" hangingPunct="0">
+            <a:lvl6pPr marL="2514600" indent="-228600" eaLnBrk="0" fontAlgn="base" hangingPunct="0">
               <a:spcBef>
                 <a:spcPct val="20000"/>
               </a:spcBef>
@@ -18742,7 +17547,7 @@
                 <a:ea typeface="宋体" panose="02010600030101010101" pitchFamily="2" charset="-122"/>
               </a:defRPr>
             </a:lvl6pPr>
-            <a:lvl7pPr marL="2971678" indent="-228591" eaLnBrk="0" fontAlgn="base" hangingPunct="0">
+            <a:lvl7pPr marL="2971800" indent="-228600" eaLnBrk="0" fontAlgn="base" hangingPunct="0">
               <a:spcBef>
                 <a:spcPct val="20000"/>
               </a:spcBef>
@@ -18759,7 +17564,7 @@
                 <a:ea typeface="宋体" panose="02010600030101010101" pitchFamily="2" charset="-122"/>
               </a:defRPr>
             </a:lvl7pPr>
-            <a:lvl8pPr marL="3428859" indent="-228591" eaLnBrk="0" fontAlgn="base" hangingPunct="0">
+            <a:lvl8pPr marL="3429000" indent="-228600" eaLnBrk="0" fontAlgn="base" hangingPunct="0">
               <a:spcBef>
                 <a:spcPct val="20000"/>
               </a:spcBef>
@@ -18776,7 +17581,7 @@
                 <a:ea typeface="宋体" panose="02010600030101010101" pitchFamily="2" charset="-122"/>
               </a:defRPr>
             </a:lvl8pPr>
-            <a:lvl9pPr marL="3886041" indent="-228591" eaLnBrk="0" fontAlgn="base" hangingPunct="0">
+            <a:lvl9pPr marL="3886200" indent="-228600" eaLnBrk="0" fontAlgn="base" hangingPunct="0">
               <a:spcBef>
                 <a:spcPct val="20000"/>
               </a:spcBef>
@@ -18808,14 +17613,6 @@
                   <a:srgbClr val="898989"/>
                 </a:solidFill>
               </a:rPr>
-              <a:pPr>
-                <a:spcBef>
-                  <a:spcPct val="0"/>
-                </a:spcBef>
-                <a:buFontTx/>
-                <a:buNone/>
-              </a:pPr>
-              <a:t>6</a:t>
             </a:fld>
             <a:endParaRPr lang="zh-CN" altLang="en-US" sz="1200" dirty="0">
               <a:solidFill>
@@ -18834,7 +17631,7 @@
           <p:nvPr/>
         </p:nvPicPr>
         <p:blipFill>
-          <a:blip r:embed="rId3" cstate="print">
+          <a:blip r:embed="rId1" cstate="print">
             <a:extLst>
               <a:ext uri="{28A0092B-C50C-407E-A947-70E740481C1C}">
                 <a14:useLocalDpi xmlns:a14="http://schemas.microsoft.com/office/drawing/2010/main" val="0"/>
@@ -18858,35 +17655,16 @@
           <a:ln>
             <a:noFill/>
           </a:ln>
-          <a:extLst>
-            <a:ext uri="{909E8E84-426E-40dd-AFC4-6F175D3DCCD1}">
-              <a14:hiddenFill xmlns:a14="http://schemas.microsoft.com/office/drawing/2010/main" xmlns="">
-                <a:solidFill>
-                  <a:srgbClr val="FFFFFF"/>
-                </a:solidFill>
-              </a14:hiddenFill>
-            </a:ext>
-            <a:ext uri="{91240B29-F687-4f45-9708-019B960494DF}">
-              <a14:hiddenLine xmlns:a14="http://schemas.microsoft.com/office/drawing/2010/main" xmlns="" w="9525">
-                <a:solidFill>
-                  <a:srgbClr val="000000"/>
-                </a:solidFill>
-                <a:miter lim="800000"/>
-                <a:headEnd/>
-                <a:tailEnd/>
-              </a14:hiddenLine>
-            </a:ext>
-          </a:extLst>
         </p:spPr>
       </p:pic>
-      <mc:AlternateContent xmlns:mc="http://schemas.openxmlformats.org/markup-compatibility/2006" xmlns:a14="http://schemas.microsoft.com/office/drawing/2010/main">
-        <mc:Choice Requires="a14">
+      <mc:AlternateContent xmlns:mc="http://schemas.openxmlformats.org/markup-compatibility/2006">
+        <mc:Choice xmlns:a14="http://schemas.microsoft.com/office/drawing/2010/main" Requires="a14">
           <p:sp>
             <p:nvSpPr>
               <p:cNvPr id="6" name="Subtitle 2">
                 <a:extLst>
                   <a:ext uri="{FF2B5EF4-FFF2-40B4-BE49-F238E27FC236}">
-                    <a16:creationId xmlns:a16="http://schemas.microsoft.com/office/drawing/2014/main" id="{5B72932F-F3D6-46BF-9A61-0930A2E33BD6}"/>
+                    <ele attr="{5B72932F-F3D6-46BF-9A61-0930A2E33BD6}"/>
                   </a:ext>
                 </a:extLst>
               </p:cNvPr>
@@ -19508,16 +18286,10 @@
             </p:txBody>
           </p:sp>
         </mc:Choice>
-        <mc:Fallback xmlns="">
+        <mc:Fallback>
           <p:sp>
             <p:nvSpPr>
-              <p:cNvPr id="6" name="Subtitle 2">
-                <a:extLst>
-                  <a:ext uri="{FF2B5EF4-FFF2-40B4-BE49-F238E27FC236}">
-                    <a16:creationId xmlns:a16="http://schemas.microsoft.com/office/drawing/2014/main" id="{5B72932F-F3D6-46BF-9A61-0930A2E33BD6}"/>
-                  </a:ext>
-                </a:extLst>
-              </p:cNvPr>
+              <p:cNvPr id="6" name="Subtitle 2"/>
               <p:cNvSpPr txBox="1">
                 <a:spLocks noRot="1" noChangeAspect="1" noMove="1" noResize="1" noEditPoints="1" noAdjustHandles="1" noChangeArrowheads="1" noChangeShapeType="1" noTextEdit="1"/>
               </p:cNvSpPr>
@@ -19531,8 +18303,8 @@
               <a:prstGeom prst="rect">
                 <a:avLst/>
               </a:prstGeom>
-              <a:blipFill>
-                <a:blip r:embed="rId4"/>
+              <a:blipFill rotWithShape="1">
+                <a:blip r:embed="rId2"/>
                 <a:stretch>
                   <a:fillRect l="-593" t="-1347" r="-198"/>
                 </a:stretch>
@@ -19570,6 +18342,9 @@
                   </a:rPr>
                   <a:t> </a:t>
                 </a:r>
+                <a:endParaRPr lang="zh-CN" altLang="en-US">
+                  <a:noFill/>
+                </a:endParaRPr>
               </a:p>
             </p:txBody>
           </p:sp>
@@ -19577,16 +18352,8 @@
       </mc:AlternateContent>
       <p:cxnSp>
         <p:nvCxnSpPr>
-          <p:cNvPr id="7" name="直接箭头连接符 6">
-            <a:extLst>
-              <a:ext uri="{FF2B5EF4-FFF2-40B4-BE49-F238E27FC236}">
-                <a16:creationId xmlns:a16="http://schemas.microsoft.com/office/drawing/2014/main" id="{4938712A-7D38-40CF-863A-91DBE3EB5A2E}"/>
-              </a:ext>
-            </a:extLst>
-          </p:cNvPr>
-          <p:cNvCxnSpPr>
-            <a:cxnSpLocks/>
-          </p:cNvCxnSpPr>
+          <p:cNvPr id="7" name="直接箭头连接符 6"/>
+          <p:cNvCxnSpPr/>
           <p:nvPr/>
         </p:nvCxnSpPr>
         <p:spPr>
@@ -19618,13 +18385,7 @@
       </p:cxnSp>
       <p:sp>
         <p:nvSpPr>
-          <p:cNvPr id="8" name="流程图: 接点 7">
-            <a:extLst>
-              <a:ext uri="{FF2B5EF4-FFF2-40B4-BE49-F238E27FC236}">
-                <a16:creationId xmlns:a16="http://schemas.microsoft.com/office/drawing/2014/main" id="{F7038EAA-6ABB-4E7A-BA19-AC943101C95A}"/>
-              </a:ext>
-            </a:extLst>
-          </p:cNvPr>
+          <p:cNvPr id="8" name="流程图: 接点 7"/>
           <p:cNvSpPr/>
           <p:nvPr/>
         </p:nvSpPr>
@@ -19672,13 +18433,7 @@
       </p:sp>
       <p:sp>
         <p:nvSpPr>
-          <p:cNvPr id="9" name="流程图: 接点 8">
-            <a:extLst>
-              <a:ext uri="{FF2B5EF4-FFF2-40B4-BE49-F238E27FC236}">
-                <a16:creationId xmlns:a16="http://schemas.microsoft.com/office/drawing/2014/main" id="{F1FD2103-67FA-4697-B1D1-DE8653E11CE8}"/>
-              </a:ext>
-            </a:extLst>
-          </p:cNvPr>
+          <p:cNvPr id="9" name="流程图: 接点 8"/>
           <p:cNvSpPr/>
           <p:nvPr/>
         </p:nvSpPr>
@@ -19724,14 +18479,14 @@
           </a:p>
         </p:txBody>
       </p:sp>
-      <mc:AlternateContent xmlns:mc="http://schemas.openxmlformats.org/markup-compatibility/2006" xmlns:a14="http://schemas.microsoft.com/office/drawing/2010/main">
-        <mc:Choice Requires="a14">
+      <mc:AlternateContent xmlns:mc="http://schemas.openxmlformats.org/markup-compatibility/2006">
+        <mc:Choice xmlns:a14="http://schemas.microsoft.com/office/drawing/2010/main" Requires="a14">
           <p:sp>
             <p:nvSpPr>
               <p:cNvPr id="10" name="文本框 9">
                 <a:extLst>
                   <a:ext uri="{FF2B5EF4-FFF2-40B4-BE49-F238E27FC236}">
-                    <a16:creationId xmlns:a16="http://schemas.microsoft.com/office/drawing/2014/main" id="{E9141234-A9B0-4EB7-B43F-4AABA2A3F10A}"/>
+                    <ele attr="{E9141234-A9B0-4EB7-B43F-4AABA2A3F10A}"/>
                   </a:ext>
                 </a:extLst>
               </p:cNvPr>
@@ -19794,16 +18549,10 @@
             </p:txBody>
           </p:sp>
         </mc:Choice>
-        <mc:Fallback xmlns="">
+        <mc:Fallback>
           <p:sp>
             <p:nvSpPr>
-              <p:cNvPr id="10" name="文本框 9">
-                <a:extLst>
-                  <a:ext uri="{FF2B5EF4-FFF2-40B4-BE49-F238E27FC236}">
-                    <a16:creationId xmlns:a16="http://schemas.microsoft.com/office/drawing/2014/main" id="{E9141234-A9B0-4EB7-B43F-4AABA2A3F10A}"/>
-                  </a:ext>
-                </a:extLst>
-              </p:cNvPr>
+              <p:cNvPr id="10" name="文本框 9"/>
               <p:cNvSpPr txBox="1">
                 <a:spLocks noRot="1" noChangeAspect="1" noMove="1" noResize="1" noEditPoints="1" noAdjustHandles="1" noChangeArrowheads="1" noChangeShapeType="1" noTextEdit="1"/>
               </p:cNvSpPr>
@@ -19817,8 +18566,8 @@
               <a:prstGeom prst="rect">
                 <a:avLst/>
               </a:prstGeom>
-              <a:blipFill>
-                <a:blip r:embed="rId5"/>
+              <a:blipFill rotWithShape="1">
+                <a:blip r:embed="rId3"/>
                 <a:stretch>
                   <a:fillRect l="-22222" r="-7407" b="-26667"/>
                 </a:stretch>
@@ -19834,6 +18583,9 @@
                   </a:rPr>
                   <a:t> </a:t>
                 </a:r>
+                <a:endParaRPr lang="zh-CN" altLang="en-US">
+                  <a:noFill/>
+                </a:endParaRPr>
               </a:p>
             </p:txBody>
           </p:sp>
@@ -19841,13 +18593,7 @@
       </mc:AlternateContent>
       <p:sp>
         <p:nvSpPr>
-          <p:cNvPr id="13" name="流程图: 接点 12">
-            <a:extLst>
-              <a:ext uri="{FF2B5EF4-FFF2-40B4-BE49-F238E27FC236}">
-                <a16:creationId xmlns:a16="http://schemas.microsoft.com/office/drawing/2014/main" id="{83F417E3-414B-45B2-98C0-A0F793FDAAFC}"/>
-              </a:ext>
-            </a:extLst>
-          </p:cNvPr>
+          <p:cNvPr id="13" name="流程图: 接点 12"/>
           <p:cNvSpPr/>
           <p:nvPr/>
         </p:nvSpPr>
@@ -19886,9 +18632,6 @@
         </p:style>
         <p:txBody>
           <a:bodyPr rot="0" spcFirstLastPara="0" vertOverflow="overflow" horzOverflow="overflow" vert="horz" wrap="square" lIns="91440" tIns="45720" rIns="91440" bIns="45720" numCol="1" spcCol="0" rtlCol="0" fromWordArt="0" anchor="ctr" anchorCtr="0" forceAA="0" compatLnSpc="1">
-            <a:prstTxWarp prst="textNoShape">
-              <a:avLst/>
-            </a:prstTxWarp>
             <a:noAutofit/>
           </a:bodyPr>
           <a:lstStyle/>
@@ -19898,14 +18641,14 @@
           </a:p>
         </p:txBody>
       </p:sp>
-      <mc:AlternateContent xmlns:mc="http://schemas.openxmlformats.org/markup-compatibility/2006" xmlns:a14="http://schemas.microsoft.com/office/drawing/2010/main">
-        <mc:Choice Requires="a14">
+      <mc:AlternateContent xmlns:mc="http://schemas.openxmlformats.org/markup-compatibility/2006">
+        <mc:Choice xmlns:a14="http://schemas.microsoft.com/office/drawing/2010/main" Requires="a14">
           <p:sp>
             <p:nvSpPr>
               <p:cNvPr id="14" name="矩形 13">
                 <a:extLst>
                   <a:ext uri="{FF2B5EF4-FFF2-40B4-BE49-F238E27FC236}">
-                    <a16:creationId xmlns:a16="http://schemas.microsoft.com/office/drawing/2014/main" id="{8FFDB82E-17DF-4C4D-8F6C-14E8245FE32D}"/>
+                    <ele attr="{8FFDB82E-17DF-4C4D-8F6C-14E8245FE32D}"/>
                   </a:ext>
                 </a:extLst>
               </p:cNvPr>
@@ -19982,16 +18725,10 @@
             </p:txBody>
           </p:sp>
         </mc:Choice>
-        <mc:Fallback xmlns="">
+        <mc:Fallback>
           <p:sp>
             <p:nvSpPr>
-              <p:cNvPr id="14" name="矩形 13">
-                <a:extLst>
-                  <a:ext uri="{FF2B5EF4-FFF2-40B4-BE49-F238E27FC236}">
-                    <a16:creationId xmlns:a16="http://schemas.microsoft.com/office/drawing/2014/main" id="{8FFDB82E-17DF-4C4D-8F6C-14E8245FE32D}"/>
-                  </a:ext>
-                </a:extLst>
-              </p:cNvPr>
+              <p:cNvPr id="14" name="矩形 13"/>
               <p:cNvSpPr>
                 <a:spLocks noRot="1" noChangeAspect="1" noMove="1" noResize="1" noEditPoints="1" noAdjustHandles="1" noChangeArrowheads="1" noChangeShapeType="1" noTextEdit="1"/>
               </p:cNvSpPr>
@@ -20005,8 +18742,8 @@
               <a:prstGeom prst="rect">
                 <a:avLst/>
               </a:prstGeom>
-              <a:blipFill>
-                <a:blip r:embed="rId6"/>
+              <a:blipFill rotWithShape="1">
+                <a:blip r:embed="rId4"/>
                 <a:stretch>
                   <a:fillRect b="-13333"/>
                 </a:stretch>
@@ -20022,19 +18759,22 @@
                   </a:rPr>
                   <a:t> </a:t>
                 </a:r>
+                <a:endParaRPr lang="zh-CN" altLang="en-US">
+                  <a:noFill/>
+                </a:endParaRPr>
               </a:p>
             </p:txBody>
           </p:sp>
         </mc:Fallback>
       </mc:AlternateContent>
-      <mc:AlternateContent xmlns:mc="http://schemas.openxmlformats.org/markup-compatibility/2006" xmlns:a14="http://schemas.microsoft.com/office/drawing/2010/main">
-        <mc:Choice Requires="a14">
+      <mc:AlternateContent xmlns:mc="http://schemas.openxmlformats.org/markup-compatibility/2006">
+        <mc:Choice xmlns:a14="http://schemas.microsoft.com/office/drawing/2010/main" Requires="a14">
           <p:sp>
             <p:nvSpPr>
               <p:cNvPr id="15" name="矩形 14">
                 <a:extLst>
                   <a:ext uri="{FF2B5EF4-FFF2-40B4-BE49-F238E27FC236}">
-                    <a16:creationId xmlns:a16="http://schemas.microsoft.com/office/drawing/2014/main" id="{CD4CCA73-F25E-4614-8E9D-C18E58F58460}"/>
+                    <ele attr="{CD4CCA73-F25E-4614-8E9D-C18E58F58460}"/>
                   </a:ext>
                 </a:extLst>
               </p:cNvPr>
@@ -20120,16 +18860,10 @@
             </p:txBody>
           </p:sp>
         </mc:Choice>
-        <mc:Fallback xmlns="">
+        <mc:Fallback>
           <p:sp>
             <p:nvSpPr>
-              <p:cNvPr id="15" name="矩形 14">
-                <a:extLst>
-                  <a:ext uri="{FF2B5EF4-FFF2-40B4-BE49-F238E27FC236}">
-                    <a16:creationId xmlns:a16="http://schemas.microsoft.com/office/drawing/2014/main" id="{CD4CCA73-F25E-4614-8E9D-C18E58F58460}"/>
-                  </a:ext>
-                </a:extLst>
-              </p:cNvPr>
+              <p:cNvPr id="15" name="矩形 14"/>
               <p:cNvSpPr>
                 <a:spLocks noRot="1" noChangeAspect="1" noMove="1" noResize="1" noEditPoints="1" noAdjustHandles="1" noChangeArrowheads="1" noChangeShapeType="1" noTextEdit="1"/>
               </p:cNvSpPr>
@@ -20143,8 +18877,8 @@
               <a:prstGeom prst="rect">
                 <a:avLst/>
               </a:prstGeom>
-              <a:blipFill>
-                <a:blip r:embed="rId7"/>
+              <a:blipFill rotWithShape="1">
+                <a:blip r:embed="rId5"/>
                 <a:stretch>
                   <a:fillRect b="-3279"/>
                 </a:stretch>
@@ -20160,19 +18894,22 @@
                   </a:rPr>
                   <a:t> </a:t>
                 </a:r>
+                <a:endParaRPr lang="zh-CN" altLang="en-US">
+                  <a:noFill/>
+                </a:endParaRPr>
               </a:p>
             </p:txBody>
           </p:sp>
         </mc:Fallback>
       </mc:AlternateContent>
-      <mc:AlternateContent xmlns:mc="http://schemas.openxmlformats.org/markup-compatibility/2006" xmlns:a14="http://schemas.microsoft.com/office/drawing/2010/main">
-        <mc:Choice Requires="a14">
+      <mc:AlternateContent xmlns:mc="http://schemas.openxmlformats.org/markup-compatibility/2006">
+        <mc:Choice xmlns:a14="http://schemas.microsoft.com/office/drawing/2010/main" Requires="a14">
           <p:sp>
             <p:nvSpPr>
               <p:cNvPr id="16" name="矩形 15">
                 <a:extLst>
                   <a:ext uri="{FF2B5EF4-FFF2-40B4-BE49-F238E27FC236}">
-                    <a16:creationId xmlns:a16="http://schemas.microsoft.com/office/drawing/2014/main" id="{AAB2962B-A225-4C2C-8ED7-1C37A1EF6880}"/>
+                    <ele attr="{AAB2962B-A225-4C2C-8ED7-1C37A1EF6880}"/>
                   </a:ext>
                 </a:extLst>
               </p:cNvPr>
@@ -20249,16 +18986,10 @@
             </p:txBody>
           </p:sp>
         </mc:Choice>
-        <mc:Fallback xmlns="">
+        <mc:Fallback>
           <p:sp>
             <p:nvSpPr>
-              <p:cNvPr id="16" name="矩形 15">
-                <a:extLst>
-                  <a:ext uri="{FF2B5EF4-FFF2-40B4-BE49-F238E27FC236}">
-                    <a16:creationId xmlns:a16="http://schemas.microsoft.com/office/drawing/2014/main" id="{AAB2962B-A225-4C2C-8ED7-1C37A1EF6880}"/>
-                  </a:ext>
-                </a:extLst>
-              </p:cNvPr>
+              <p:cNvPr id="16" name="矩形 15"/>
               <p:cNvSpPr>
                 <a:spLocks noRot="1" noChangeAspect="1" noMove="1" noResize="1" noEditPoints="1" noAdjustHandles="1" noChangeArrowheads="1" noChangeShapeType="1" noTextEdit="1"/>
               </p:cNvSpPr>
@@ -20272,8 +19003,8 @@
               <a:prstGeom prst="rect">
                 <a:avLst/>
               </a:prstGeom>
-              <a:blipFill>
-                <a:blip r:embed="rId8"/>
+              <a:blipFill rotWithShape="1">
+                <a:blip r:embed="rId6"/>
                 <a:stretch>
                   <a:fillRect b="-13333"/>
                 </a:stretch>
@@ -20289,6 +19020,9 @@
                   </a:rPr>
                   <a:t> </a:t>
                 </a:r>
+                <a:endParaRPr lang="zh-CN" altLang="en-US">
+                  <a:noFill/>
+                </a:endParaRPr>
               </a:p>
             </p:txBody>
           </p:sp>
@@ -20296,16 +19030,8 @@
       </mc:AlternateContent>
       <p:cxnSp>
         <p:nvCxnSpPr>
-          <p:cNvPr id="17" name="直接箭头连接符 16">
-            <a:extLst>
-              <a:ext uri="{FF2B5EF4-FFF2-40B4-BE49-F238E27FC236}">
-                <a16:creationId xmlns:a16="http://schemas.microsoft.com/office/drawing/2014/main" id="{FF10EAF1-80AD-47BE-AF14-729D52E2E721}"/>
-              </a:ext>
-            </a:extLst>
-          </p:cNvPr>
-          <p:cNvCxnSpPr>
-            <a:cxnSpLocks/>
-          </p:cNvCxnSpPr>
+          <p:cNvPr id="17" name="直接箭头连接符 16"/>
+          <p:cNvCxnSpPr/>
           <p:nvPr/>
         </p:nvCxnSpPr>
         <p:spPr>
@@ -20337,13 +19063,7 @@
       </p:cxnSp>
       <p:sp>
         <p:nvSpPr>
-          <p:cNvPr id="21" name="流程图: 接点 20">
-            <a:extLst>
-              <a:ext uri="{FF2B5EF4-FFF2-40B4-BE49-F238E27FC236}">
-                <a16:creationId xmlns:a16="http://schemas.microsoft.com/office/drawing/2014/main" id="{B109A482-B7FC-4358-B3A9-B81AE94781C5}"/>
-              </a:ext>
-            </a:extLst>
-          </p:cNvPr>
+          <p:cNvPr id="21" name="流程图: 接点 20"/>
           <p:cNvSpPr/>
           <p:nvPr/>
         </p:nvSpPr>
@@ -20382,9 +19102,6 @@
         </p:style>
         <p:txBody>
           <a:bodyPr rot="0" spcFirstLastPara="0" vertOverflow="overflow" horzOverflow="overflow" vert="horz" wrap="square" lIns="91440" tIns="45720" rIns="91440" bIns="45720" numCol="1" spcCol="0" rtlCol="0" fromWordArt="0" anchor="ctr" anchorCtr="0" forceAA="0" compatLnSpc="1">
-            <a:prstTxWarp prst="textNoShape">
-              <a:avLst/>
-            </a:prstTxWarp>
             <a:noAutofit/>
           </a:bodyPr>
           <a:lstStyle/>
@@ -20396,13 +19113,7 @@
       </p:sp>
       <p:sp>
         <p:nvSpPr>
-          <p:cNvPr id="22" name="流程图: 接点 21">
-            <a:extLst>
-              <a:ext uri="{FF2B5EF4-FFF2-40B4-BE49-F238E27FC236}">
-                <a16:creationId xmlns:a16="http://schemas.microsoft.com/office/drawing/2014/main" id="{AAD94F82-0C79-4667-9E6A-188097C21AA5}"/>
-              </a:ext>
-            </a:extLst>
-          </p:cNvPr>
+          <p:cNvPr id="22" name="流程图: 接点 21"/>
           <p:cNvSpPr/>
           <p:nvPr/>
         </p:nvSpPr>
@@ -20448,14 +19159,14 @@
           </a:p>
         </p:txBody>
       </p:sp>
-      <mc:AlternateContent xmlns:mc="http://schemas.openxmlformats.org/markup-compatibility/2006" xmlns:a14="http://schemas.microsoft.com/office/drawing/2010/main">
-        <mc:Choice Requires="a14">
+      <mc:AlternateContent xmlns:mc="http://schemas.openxmlformats.org/markup-compatibility/2006">
+        <mc:Choice xmlns:a14="http://schemas.microsoft.com/office/drawing/2010/main" Requires="a14">
           <p:sp>
             <p:nvSpPr>
               <p:cNvPr id="23" name="文本框 22">
                 <a:extLst>
                   <a:ext uri="{FF2B5EF4-FFF2-40B4-BE49-F238E27FC236}">
-                    <a16:creationId xmlns:a16="http://schemas.microsoft.com/office/drawing/2014/main" id="{A325DD1A-9AE9-472E-B093-DE01DC8A253C}"/>
+                    <ele attr="{A325DD1A-9AE9-472E-B093-DE01DC8A253C}"/>
                   </a:ext>
                 </a:extLst>
               </p:cNvPr>
@@ -20518,16 +19229,10 @@
             </p:txBody>
           </p:sp>
         </mc:Choice>
-        <mc:Fallback xmlns="">
+        <mc:Fallback>
           <p:sp>
             <p:nvSpPr>
-              <p:cNvPr id="23" name="文本框 22">
-                <a:extLst>
-                  <a:ext uri="{FF2B5EF4-FFF2-40B4-BE49-F238E27FC236}">
-                    <a16:creationId xmlns:a16="http://schemas.microsoft.com/office/drawing/2014/main" id="{A325DD1A-9AE9-472E-B093-DE01DC8A253C}"/>
-                  </a:ext>
-                </a:extLst>
-              </p:cNvPr>
+              <p:cNvPr id="23" name="文本框 22"/>
               <p:cNvSpPr txBox="1">
                 <a:spLocks noRot="1" noChangeAspect="1" noMove="1" noResize="1" noEditPoints="1" noAdjustHandles="1" noChangeArrowheads="1" noChangeShapeType="1" noTextEdit="1"/>
               </p:cNvSpPr>
@@ -20541,8 +19246,8 @@
               <a:prstGeom prst="rect">
                 <a:avLst/>
               </a:prstGeom>
-              <a:blipFill>
-                <a:blip r:embed="rId9"/>
+              <a:blipFill rotWithShape="1">
+                <a:blip r:embed="rId7"/>
                 <a:stretch>
                   <a:fillRect l="-20690" r="-12069" b="-24615"/>
                 </a:stretch>
@@ -20558,19 +19263,22 @@
                   </a:rPr>
                   <a:t> </a:t>
                 </a:r>
+                <a:endParaRPr lang="zh-CN" altLang="en-US">
+                  <a:noFill/>
+                </a:endParaRPr>
               </a:p>
             </p:txBody>
           </p:sp>
         </mc:Fallback>
       </mc:AlternateContent>
-      <mc:AlternateContent xmlns:mc="http://schemas.openxmlformats.org/markup-compatibility/2006" xmlns:a14="http://schemas.microsoft.com/office/drawing/2010/main">
-        <mc:Choice Requires="a14">
+      <mc:AlternateContent xmlns:mc="http://schemas.openxmlformats.org/markup-compatibility/2006">
+        <mc:Choice xmlns:a14="http://schemas.microsoft.com/office/drawing/2010/main" Requires="a14">
           <p:sp>
             <p:nvSpPr>
               <p:cNvPr id="27" name="矩形 26">
                 <a:extLst>
                   <a:ext uri="{FF2B5EF4-FFF2-40B4-BE49-F238E27FC236}">
-                    <a16:creationId xmlns:a16="http://schemas.microsoft.com/office/drawing/2014/main" id="{0A8D7E44-5932-4667-8910-B95B0E7054DA}"/>
+                    <ele attr="{0A8D7E44-5932-4667-8910-B95B0E7054DA}"/>
                   </a:ext>
                 </a:extLst>
               </p:cNvPr>
@@ -20647,16 +19355,10 @@
             </p:txBody>
           </p:sp>
         </mc:Choice>
-        <mc:Fallback xmlns="">
+        <mc:Fallback>
           <p:sp>
             <p:nvSpPr>
-              <p:cNvPr id="27" name="矩形 26">
-                <a:extLst>
-                  <a:ext uri="{FF2B5EF4-FFF2-40B4-BE49-F238E27FC236}">
-                    <a16:creationId xmlns:a16="http://schemas.microsoft.com/office/drawing/2014/main" id="{0A8D7E44-5932-4667-8910-B95B0E7054DA}"/>
-                  </a:ext>
-                </a:extLst>
-              </p:cNvPr>
+              <p:cNvPr id="27" name="矩形 26"/>
               <p:cNvSpPr>
                 <a:spLocks noRot="1" noChangeAspect="1" noMove="1" noResize="1" noEditPoints="1" noAdjustHandles="1" noChangeArrowheads="1" noChangeShapeType="1" noTextEdit="1"/>
               </p:cNvSpPr>
@@ -20670,8 +19372,8 @@
               <a:prstGeom prst="rect">
                 <a:avLst/>
               </a:prstGeom>
-              <a:blipFill>
-                <a:blip r:embed="rId10"/>
+              <a:blipFill rotWithShape="1">
+                <a:blip r:embed="rId8"/>
                 <a:stretch>
                   <a:fillRect b="-13115"/>
                 </a:stretch>
@@ -20687,19 +19389,22 @@
                   </a:rPr>
                   <a:t> </a:t>
                 </a:r>
+                <a:endParaRPr lang="zh-CN" altLang="en-US">
+                  <a:noFill/>
+                </a:endParaRPr>
               </a:p>
             </p:txBody>
           </p:sp>
         </mc:Fallback>
       </mc:AlternateContent>
-      <mc:AlternateContent xmlns:mc="http://schemas.openxmlformats.org/markup-compatibility/2006" xmlns:a14="http://schemas.microsoft.com/office/drawing/2010/main">
-        <mc:Choice Requires="a14">
+      <mc:AlternateContent xmlns:mc="http://schemas.openxmlformats.org/markup-compatibility/2006">
+        <mc:Choice xmlns:a14="http://schemas.microsoft.com/office/drawing/2010/main" Requires="a14">
           <p:sp>
             <p:nvSpPr>
               <p:cNvPr id="28" name="矩形 27">
                 <a:extLst>
                   <a:ext uri="{FF2B5EF4-FFF2-40B4-BE49-F238E27FC236}">
-                    <a16:creationId xmlns:a16="http://schemas.microsoft.com/office/drawing/2014/main" id="{57FF0A96-B677-4854-954D-6D44864C0B26}"/>
+                    <ele attr="{57FF0A96-B677-4854-954D-6D44864C0B26}"/>
                   </a:ext>
                 </a:extLst>
               </p:cNvPr>
@@ -20776,16 +19481,10 @@
             </p:txBody>
           </p:sp>
         </mc:Choice>
-        <mc:Fallback xmlns="">
+        <mc:Fallback>
           <p:sp>
             <p:nvSpPr>
-              <p:cNvPr id="28" name="矩形 27">
-                <a:extLst>
-                  <a:ext uri="{FF2B5EF4-FFF2-40B4-BE49-F238E27FC236}">
-                    <a16:creationId xmlns:a16="http://schemas.microsoft.com/office/drawing/2014/main" id="{57FF0A96-B677-4854-954D-6D44864C0B26}"/>
-                  </a:ext>
-                </a:extLst>
-              </p:cNvPr>
+              <p:cNvPr id="28" name="矩形 27"/>
               <p:cNvSpPr>
                 <a:spLocks noRot="1" noChangeAspect="1" noMove="1" noResize="1" noEditPoints="1" noAdjustHandles="1" noChangeArrowheads="1" noChangeShapeType="1" noTextEdit="1"/>
               </p:cNvSpPr>
@@ -20799,8 +19498,8 @@
               <a:prstGeom prst="rect">
                 <a:avLst/>
               </a:prstGeom>
-              <a:blipFill>
-                <a:blip r:embed="rId11"/>
+              <a:blipFill rotWithShape="1">
+                <a:blip r:embed="rId9"/>
                 <a:stretch>
                   <a:fillRect b="-13333"/>
                 </a:stretch>
@@ -20816,6 +19515,9 @@
                   </a:rPr>
                   <a:t> </a:t>
                 </a:r>
+                <a:endParaRPr lang="zh-CN" altLang="en-US">
+                  <a:noFill/>
+                </a:endParaRPr>
               </a:p>
             </p:txBody>
           </p:sp>
@@ -20823,16 +19525,8 @@
       </mc:AlternateContent>
       <p:cxnSp>
         <p:nvCxnSpPr>
-          <p:cNvPr id="29" name="直接箭头连接符 28">
-            <a:extLst>
-              <a:ext uri="{FF2B5EF4-FFF2-40B4-BE49-F238E27FC236}">
-                <a16:creationId xmlns:a16="http://schemas.microsoft.com/office/drawing/2014/main" id="{1461D94A-BC7E-4A9C-BF19-28980A0F326D}"/>
-              </a:ext>
-            </a:extLst>
-          </p:cNvPr>
-          <p:cNvCxnSpPr>
-            <a:cxnSpLocks/>
-          </p:cNvCxnSpPr>
+          <p:cNvPr id="29" name="直接箭头连接符 28"/>
+          <p:cNvCxnSpPr/>
           <p:nvPr/>
         </p:nvCxnSpPr>
         <p:spPr>
@@ -20869,16 +19563,8 @@
       </p:cxnSp>
       <p:cxnSp>
         <p:nvCxnSpPr>
-          <p:cNvPr id="30" name="直接箭头连接符 29">
-            <a:extLst>
-              <a:ext uri="{FF2B5EF4-FFF2-40B4-BE49-F238E27FC236}">
-                <a16:creationId xmlns:a16="http://schemas.microsoft.com/office/drawing/2014/main" id="{4855B4F5-AA18-46AA-9BC2-8B26CC0EAD35}"/>
-              </a:ext>
-            </a:extLst>
-          </p:cNvPr>
-          <p:cNvCxnSpPr>
-            <a:cxnSpLocks/>
-          </p:cNvCxnSpPr>
+          <p:cNvPr id="30" name="直接箭头连接符 29"/>
+          <p:cNvCxnSpPr/>
           <p:nvPr/>
         </p:nvCxnSpPr>
         <p:spPr>
@@ -20914,11 +19600,6 @@
         </p:style>
       </p:cxnSp>
     </p:spTree>
-    <p:extLst>
-      <p:ext uri="{BB962C8B-B14F-4D97-AF65-F5344CB8AC3E}">
-        <p14:creationId xmlns:p14="http://schemas.microsoft.com/office/powerpoint/2010/main" val="1045903200"/>
-      </p:ext>
-    </p:extLst>
   </p:cSld>
   <p:clrMapOvr>
     <a:masterClrMapping/>
@@ -20963,25 +19644,6 @@
           <a:ln>
             <a:noFill/>
           </a:ln>
-          <a:extLst>
-            <a:ext uri="{909E8E84-426E-40dd-AFC4-6F175D3DCCD1}">
-              <a14:hiddenFill xmlns:a14="http://schemas.microsoft.com/office/drawing/2010/main" xmlns="">
-                <a:solidFill>
-                  <a:srgbClr val="FFFFFF"/>
-                </a:solidFill>
-              </a14:hiddenFill>
-            </a:ext>
-            <a:ext uri="{91240B29-F687-4f45-9708-019B960494DF}">
-              <a14:hiddenLine xmlns:a14="http://schemas.microsoft.com/office/drawing/2010/main" xmlns="" w="9525">
-                <a:solidFill>
-                  <a:srgbClr val="000000"/>
-                </a:solidFill>
-                <a:miter lim="800000"/>
-                <a:headEnd/>
-                <a:tailEnd/>
-              </a14:hiddenLine>
-            </a:ext>
-          </a:extLst>
         </p:spPr>
         <p:txBody>
           <a:bodyPr wrap="square" lIns="91436" tIns="45718" rIns="91436" bIns="45718">
@@ -21185,6 +19847,13 @@
               </a:rPr>
               <a:t>通道）</a:t>
             </a:r>
+            <a:endParaRPr lang="zh-CN" altLang="en-US" sz="2400" b="1" dirty="0">
+              <a:solidFill>
+                <a:srgbClr val="002060"/>
+              </a:solidFill>
+              <a:latin typeface="微软雅黑" panose="020B0503020204020204" pitchFamily="34" charset="-122"/>
+              <a:ea typeface="微软雅黑" panose="020B0503020204020204" pitchFamily="34" charset="-122"/>
+            </a:endParaRPr>
           </a:p>
         </p:txBody>
       </p:sp>
@@ -21204,25 +19873,6 @@
             <a:ext cx="2133600" cy="365125"/>
           </a:xfrm>
           <a:noFill/>
-          <a:extLst>
-            <a:ext uri="{909E8E84-426E-40dd-AFC4-6F175D3DCCD1}">
-              <a14:hiddenFill xmlns:a14="http://schemas.microsoft.com/office/drawing/2010/main" xmlns="">
-                <a:solidFill>
-                  <a:srgbClr val="FFFFFF"/>
-                </a:solidFill>
-              </a14:hiddenFill>
-            </a:ext>
-            <a:ext uri="{91240B29-F687-4f45-9708-019B960494DF}">
-              <a14:hiddenLine xmlns:a14="http://schemas.microsoft.com/office/drawing/2010/main" xmlns="" w="9525">
-                <a:solidFill>
-                  <a:srgbClr val="000000"/>
-                </a:solidFill>
-                <a:miter lim="800000"/>
-                <a:headEnd/>
-                <a:tailEnd/>
-              </a14:hiddenLine>
-            </a:ext>
-          </a:extLst>
         </p:spPr>
         <p:txBody>
           <a:bodyPr/>
@@ -21241,7 +19891,7 @@
                 <a:ea typeface="宋体" panose="02010600030101010101" pitchFamily="2" charset="-122"/>
               </a:defRPr>
             </a:lvl1pPr>
-            <a:lvl2pPr marL="742920" indent="-285738">
+            <a:lvl2pPr marL="742950" indent="-285750">
               <a:spcBef>
                 <a:spcPct val="20000"/>
               </a:spcBef>
@@ -21255,7 +19905,7 @@
                 <a:ea typeface="宋体" panose="02010600030101010101" pitchFamily="2" charset="-122"/>
               </a:defRPr>
             </a:lvl2pPr>
-            <a:lvl3pPr marL="1142953" indent="-228591">
+            <a:lvl3pPr marL="1143000" indent="-228600">
               <a:spcBef>
                 <a:spcPct val="20000"/>
               </a:spcBef>
@@ -21269,7 +19919,7 @@
                 <a:ea typeface="宋体" panose="02010600030101010101" pitchFamily="2" charset="-122"/>
               </a:defRPr>
             </a:lvl3pPr>
-            <a:lvl4pPr marL="1600135" indent="-228591">
+            <a:lvl4pPr marL="1600200" indent="-228600">
               <a:spcBef>
                 <a:spcPct val="20000"/>
               </a:spcBef>
@@ -21283,7 +19933,7 @@
                 <a:ea typeface="宋体" panose="02010600030101010101" pitchFamily="2" charset="-122"/>
               </a:defRPr>
             </a:lvl4pPr>
-            <a:lvl5pPr marL="2057315" indent="-228591">
+            <a:lvl5pPr marL="2057400" indent="-228600">
               <a:spcBef>
                 <a:spcPct val="20000"/>
               </a:spcBef>
@@ -21297,7 +19947,7 @@
                 <a:ea typeface="宋体" panose="02010600030101010101" pitchFamily="2" charset="-122"/>
               </a:defRPr>
             </a:lvl5pPr>
-            <a:lvl6pPr marL="2514497" indent="-228591" eaLnBrk="0" fontAlgn="base" hangingPunct="0">
+            <a:lvl6pPr marL="2514600" indent="-228600" eaLnBrk="0" fontAlgn="base" hangingPunct="0">
               <a:spcBef>
                 <a:spcPct val="20000"/>
               </a:spcBef>
@@ -21314,7 +19964,7 @@
                 <a:ea typeface="宋体" panose="02010600030101010101" pitchFamily="2" charset="-122"/>
               </a:defRPr>
             </a:lvl6pPr>
-            <a:lvl7pPr marL="2971678" indent="-228591" eaLnBrk="0" fontAlgn="base" hangingPunct="0">
+            <a:lvl7pPr marL="2971800" indent="-228600" eaLnBrk="0" fontAlgn="base" hangingPunct="0">
               <a:spcBef>
                 <a:spcPct val="20000"/>
               </a:spcBef>
@@ -21331,7 +19981,7 @@
                 <a:ea typeface="宋体" panose="02010600030101010101" pitchFamily="2" charset="-122"/>
               </a:defRPr>
             </a:lvl7pPr>
-            <a:lvl8pPr marL="3428859" indent="-228591" eaLnBrk="0" fontAlgn="base" hangingPunct="0">
+            <a:lvl8pPr marL="3429000" indent="-228600" eaLnBrk="0" fontAlgn="base" hangingPunct="0">
               <a:spcBef>
                 <a:spcPct val="20000"/>
               </a:spcBef>
@@ -21348,7 +19998,7 @@
                 <a:ea typeface="宋体" panose="02010600030101010101" pitchFamily="2" charset="-122"/>
               </a:defRPr>
             </a:lvl8pPr>
-            <a:lvl9pPr marL="3886041" indent="-228591" eaLnBrk="0" fontAlgn="base" hangingPunct="0">
+            <a:lvl9pPr marL="3886200" indent="-228600" eaLnBrk="0" fontAlgn="base" hangingPunct="0">
               <a:spcBef>
                 <a:spcPct val="20000"/>
               </a:spcBef>
@@ -21380,14 +20030,6 @@
                   <a:srgbClr val="898989"/>
                 </a:solidFill>
               </a:rPr>
-              <a:pPr>
-                <a:spcBef>
-                  <a:spcPct val="0"/>
-                </a:spcBef>
-                <a:buFontTx/>
-                <a:buNone/>
-              </a:pPr>
-              <a:t>7</a:t>
             </a:fld>
             <a:endParaRPr lang="zh-CN" altLang="en-US" sz="1200" dirty="0">
               <a:solidFill>
@@ -21406,7 +20048,7 @@
           <p:nvPr/>
         </p:nvPicPr>
         <p:blipFill>
-          <a:blip r:embed="rId3" cstate="print">
+          <a:blip r:embed="rId1" cstate="print">
             <a:extLst>
               <a:ext uri="{28A0092B-C50C-407E-A947-70E740481C1C}">
                 <a14:useLocalDpi xmlns:a14="http://schemas.microsoft.com/office/drawing/2010/main" val="0"/>
@@ -21430,35 +20072,16 @@
           <a:ln>
             <a:noFill/>
           </a:ln>
-          <a:extLst>
-            <a:ext uri="{909E8E84-426E-40dd-AFC4-6F175D3DCCD1}">
-              <a14:hiddenFill xmlns:a14="http://schemas.microsoft.com/office/drawing/2010/main" xmlns="">
-                <a:solidFill>
-                  <a:srgbClr val="FFFFFF"/>
-                </a:solidFill>
-              </a14:hiddenFill>
-            </a:ext>
-            <a:ext uri="{91240B29-F687-4f45-9708-019B960494DF}">
-              <a14:hiddenLine xmlns:a14="http://schemas.microsoft.com/office/drawing/2010/main" xmlns="" w="9525">
-                <a:solidFill>
-                  <a:srgbClr val="000000"/>
-                </a:solidFill>
-                <a:miter lim="800000"/>
-                <a:headEnd/>
-                <a:tailEnd/>
-              </a14:hiddenLine>
-            </a:ext>
-          </a:extLst>
         </p:spPr>
       </p:pic>
-      <mc:AlternateContent xmlns:mc="http://schemas.openxmlformats.org/markup-compatibility/2006" xmlns:a14="http://schemas.microsoft.com/office/drawing/2010/main">
-        <mc:Choice Requires="a14">
+      <mc:AlternateContent xmlns:mc="http://schemas.openxmlformats.org/markup-compatibility/2006">
+        <mc:Choice xmlns:a14="http://schemas.microsoft.com/office/drawing/2010/main" Requires="a14">
           <p:sp>
             <p:nvSpPr>
               <p:cNvPr id="6" name="Subtitle 2">
                 <a:extLst>
                   <a:ext uri="{FF2B5EF4-FFF2-40B4-BE49-F238E27FC236}">
-                    <a16:creationId xmlns:a16="http://schemas.microsoft.com/office/drawing/2014/main" id="{5B72932F-F3D6-46BF-9A61-0930A2E33BD6}"/>
+                    <ele attr="{5B72932F-F3D6-46BF-9A61-0930A2E33BD6}"/>
                   </a:ext>
                 </a:extLst>
               </p:cNvPr>
@@ -22209,16 +20832,10 @@
             </p:txBody>
           </p:sp>
         </mc:Choice>
-        <mc:Fallback xmlns="">
+        <mc:Fallback>
           <p:sp>
             <p:nvSpPr>
-              <p:cNvPr id="6" name="Subtitle 2">
-                <a:extLst>
-                  <a:ext uri="{FF2B5EF4-FFF2-40B4-BE49-F238E27FC236}">
-                    <a16:creationId xmlns:a16="http://schemas.microsoft.com/office/drawing/2014/main" id="{5B72932F-F3D6-46BF-9A61-0930A2E33BD6}"/>
-                  </a:ext>
-                </a:extLst>
-              </p:cNvPr>
+              <p:cNvPr id="6" name="Subtitle 2"/>
               <p:cNvSpPr txBox="1">
                 <a:spLocks noRot="1" noChangeAspect="1" noMove="1" noResize="1" noEditPoints="1" noAdjustHandles="1" noChangeArrowheads="1" noChangeShapeType="1" noTextEdit="1"/>
               </p:cNvSpPr>
@@ -22232,8 +20849,8 @@
               <a:prstGeom prst="rect">
                 <a:avLst/>
               </a:prstGeom>
-              <a:blipFill>
-                <a:blip r:embed="rId4"/>
+              <a:blipFill rotWithShape="1">
+                <a:blip r:embed="rId2"/>
                 <a:stretch>
                   <a:fillRect l="-593" t="-2145" r="-330"/>
                 </a:stretch>
@@ -22271,6 +20888,9 @@
                   </a:rPr>
                   <a:t> </a:t>
                 </a:r>
+                <a:endParaRPr lang="zh-CN" altLang="en-US">
+                  <a:noFill/>
+                </a:endParaRPr>
               </a:p>
             </p:txBody>
           </p:sp>
@@ -22278,16 +20898,8 @@
       </mc:AlternateContent>
       <p:cxnSp>
         <p:nvCxnSpPr>
-          <p:cNvPr id="7" name="直接箭头连接符 6">
-            <a:extLst>
-              <a:ext uri="{FF2B5EF4-FFF2-40B4-BE49-F238E27FC236}">
-                <a16:creationId xmlns:a16="http://schemas.microsoft.com/office/drawing/2014/main" id="{4938712A-7D38-40CF-863A-91DBE3EB5A2E}"/>
-              </a:ext>
-            </a:extLst>
-          </p:cNvPr>
-          <p:cNvCxnSpPr>
-            <a:cxnSpLocks/>
-          </p:cNvCxnSpPr>
+          <p:cNvPr id="7" name="直接箭头连接符 6"/>
+          <p:cNvCxnSpPr/>
           <p:nvPr/>
         </p:nvCxnSpPr>
         <p:spPr>
@@ -22319,13 +20931,7 @@
       </p:cxnSp>
       <p:sp>
         <p:nvSpPr>
-          <p:cNvPr id="9" name="流程图: 接点 8">
-            <a:extLst>
-              <a:ext uri="{FF2B5EF4-FFF2-40B4-BE49-F238E27FC236}">
-                <a16:creationId xmlns:a16="http://schemas.microsoft.com/office/drawing/2014/main" id="{F1FD2103-67FA-4697-B1D1-DE8653E11CE8}"/>
-              </a:ext>
-            </a:extLst>
-          </p:cNvPr>
+          <p:cNvPr id="9" name="流程图: 接点 8"/>
           <p:cNvSpPr/>
           <p:nvPr/>
         </p:nvSpPr>
@@ -22371,14 +20977,14 @@
           </a:p>
         </p:txBody>
       </p:sp>
-      <mc:AlternateContent xmlns:mc="http://schemas.openxmlformats.org/markup-compatibility/2006" xmlns:a14="http://schemas.microsoft.com/office/drawing/2010/main">
-        <mc:Choice Requires="a14">
+      <mc:AlternateContent xmlns:mc="http://schemas.openxmlformats.org/markup-compatibility/2006">
+        <mc:Choice xmlns:a14="http://schemas.microsoft.com/office/drawing/2010/main" Requires="a14">
           <p:sp>
             <p:nvSpPr>
               <p:cNvPr id="10" name="文本框 9">
                 <a:extLst>
                   <a:ext uri="{FF2B5EF4-FFF2-40B4-BE49-F238E27FC236}">
-                    <a16:creationId xmlns:a16="http://schemas.microsoft.com/office/drawing/2014/main" id="{E9141234-A9B0-4EB7-B43F-4AABA2A3F10A}"/>
+                    <ele attr="{E9141234-A9B0-4EB7-B43F-4AABA2A3F10A}"/>
                   </a:ext>
                 </a:extLst>
               </p:cNvPr>
@@ -22441,16 +21047,10 @@
             </p:txBody>
           </p:sp>
         </mc:Choice>
-        <mc:Fallback xmlns="">
+        <mc:Fallback>
           <p:sp>
             <p:nvSpPr>
-              <p:cNvPr id="10" name="文本框 9">
-                <a:extLst>
-                  <a:ext uri="{FF2B5EF4-FFF2-40B4-BE49-F238E27FC236}">
-                    <a16:creationId xmlns:a16="http://schemas.microsoft.com/office/drawing/2014/main" id="{E9141234-A9B0-4EB7-B43F-4AABA2A3F10A}"/>
-                  </a:ext>
-                </a:extLst>
-              </p:cNvPr>
+              <p:cNvPr id="10" name="文本框 9"/>
               <p:cNvSpPr txBox="1">
                 <a:spLocks noRot="1" noChangeAspect="1" noMove="1" noResize="1" noEditPoints="1" noAdjustHandles="1" noChangeArrowheads="1" noChangeShapeType="1" noTextEdit="1"/>
               </p:cNvSpPr>
@@ -22464,8 +21064,8 @@
               <a:prstGeom prst="rect">
                 <a:avLst/>
               </a:prstGeom>
-              <a:blipFill>
-                <a:blip r:embed="rId5"/>
+              <a:blipFill rotWithShape="1">
+                <a:blip r:embed="rId3"/>
                 <a:stretch>
                   <a:fillRect l="-22222" r="-7407" b="-26667"/>
                 </a:stretch>
@@ -22481,6 +21081,9 @@
                   </a:rPr>
                   <a:t> </a:t>
                 </a:r>
+                <a:endParaRPr lang="zh-CN" altLang="en-US">
+                  <a:noFill/>
+                </a:endParaRPr>
               </a:p>
             </p:txBody>
           </p:sp>
@@ -22488,13 +21091,7 @@
       </mc:AlternateContent>
       <p:sp>
         <p:nvSpPr>
-          <p:cNvPr id="13" name="流程图: 接点 12">
-            <a:extLst>
-              <a:ext uri="{FF2B5EF4-FFF2-40B4-BE49-F238E27FC236}">
-                <a16:creationId xmlns:a16="http://schemas.microsoft.com/office/drawing/2014/main" id="{83F417E3-414B-45B2-98C0-A0F793FDAAFC}"/>
-              </a:ext>
-            </a:extLst>
-          </p:cNvPr>
+          <p:cNvPr id="13" name="流程图: 接点 12"/>
           <p:cNvSpPr/>
           <p:nvPr/>
         </p:nvSpPr>
@@ -22540,14 +21137,14 @@
           </a:p>
         </p:txBody>
       </p:sp>
-      <mc:AlternateContent xmlns:mc="http://schemas.openxmlformats.org/markup-compatibility/2006" xmlns:a14="http://schemas.microsoft.com/office/drawing/2010/main">
-        <mc:Choice Requires="a14">
+      <mc:AlternateContent xmlns:mc="http://schemas.openxmlformats.org/markup-compatibility/2006">
+        <mc:Choice xmlns:a14="http://schemas.microsoft.com/office/drawing/2010/main" Requires="a14">
           <p:sp>
             <p:nvSpPr>
               <p:cNvPr id="14" name="矩形 13">
                 <a:extLst>
                   <a:ext uri="{FF2B5EF4-FFF2-40B4-BE49-F238E27FC236}">
-                    <a16:creationId xmlns:a16="http://schemas.microsoft.com/office/drawing/2014/main" id="{8FFDB82E-17DF-4C4D-8F6C-14E8245FE32D}"/>
+                    <ele attr="{8FFDB82E-17DF-4C4D-8F6C-14E8245FE32D}"/>
                   </a:ext>
                 </a:extLst>
               </p:cNvPr>
@@ -22624,16 +21221,10 @@
             </p:txBody>
           </p:sp>
         </mc:Choice>
-        <mc:Fallback xmlns="">
+        <mc:Fallback>
           <p:sp>
             <p:nvSpPr>
-              <p:cNvPr id="14" name="矩形 13">
-                <a:extLst>
-                  <a:ext uri="{FF2B5EF4-FFF2-40B4-BE49-F238E27FC236}">
-                    <a16:creationId xmlns:a16="http://schemas.microsoft.com/office/drawing/2014/main" id="{8FFDB82E-17DF-4C4D-8F6C-14E8245FE32D}"/>
-                  </a:ext>
-                </a:extLst>
-              </p:cNvPr>
+              <p:cNvPr id="14" name="矩形 13"/>
               <p:cNvSpPr>
                 <a:spLocks noRot="1" noChangeAspect="1" noMove="1" noResize="1" noEditPoints="1" noAdjustHandles="1" noChangeArrowheads="1" noChangeShapeType="1" noTextEdit="1"/>
               </p:cNvSpPr>
@@ -22647,8 +21238,8 @@
               <a:prstGeom prst="rect">
                 <a:avLst/>
               </a:prstGeom>
-              <a:blipFill>
-                <a:blip r:embed="rId6"/>
+              <a:blipFill rotWithShape="1">
+                <a:blip r:embed="rId4"/>
                 <a:stretch>
                   <a:fillRect b="-13333"/>
                 </a:stretch>
@@ -22664,19 +21255,22 @@
                   </a:rPr>
                   <a:t> </a:t>
                 </a:r>
+                <a:endParaRPr lang="zh-CN" altLang="en-US">
+                  <a:noFill/>
+                </a:endParaRPr>
               </a:p>
             </p:txBody>
           </p:sp>
         </mc:Fallback>
       </mc:AlternateContent>
-      <mc:AlternateContent xmlns:mc="http://schemas.openxmlformats.org/markup-compatibility/2006" xmlns:a14="http://schemas.microsoft.com/office/drawing/2010/main">
-        <mc:Choice Requires="a14">
+      <mc:AlternateContent xmlns:mc="http://schemas.openxmlformats.org/markup-compatibility/2006">
+        <mc:Choice xmlns:a14="http://schemas.microsoft.com/office/drawing/2010/main" Requires="a14">
           <p:sp>
             <p:nvSpPr>
               <p:cNvPr id="15" name="矩形 14">
                 <a:extLst>
                   <a:ext uri="{FF2B5EF4-FFF2-40B4-BE49-F238E27FC236}">
-                    <a16:creationId xmlns:a16="http://schemas.microsoft.com/office/drawing/2014/main" id="{CD4CCA73-F25E-4614-8E9D-C18E58F58460}"/>
+                    <ele attr="{CD4CCA73-F25E-4614-8E9D-C18E58F58460}"/>
                   </a:ext>
                 </a:extLst>
               </p:cNvPr>
@@ -22762,16 +21356,10 @@
             </p:txBody>
           </p:sp>
         </mc:Choice>
-        <mc:Fallback xmlns="">
+        <mc:Fallback>
           <p:sp>
             <p:nvSpPr>
-              <p:cNvPr id="15" name="矩形 14">
-                <a:extLst>
-                  <a:ext uri="{FF2B5EF4-FFF2-40B4-BE49-F238E27FC236}">
-                    <a16:creationId xmlns:a16="http://schemas.microsoft.com/office/drawing/2014/main" id="{CD4CCA73-F25E-4614-8E9D-C18E58F58460}"/>
-                  </a:ext>
-                </a:extLst>
-              </p:cNvPr>
+              <p:cNvPr id="15" name="矩形 14"/>
               <p:cNvSpPr>
                 <a:spLocks noRot="1" noChangeAspect="1" noMove="1" noResize="1" noEditPoints="1" noAdjustHandles="1" noChangeArrowheads="1" noChangeShapeType="1" noTextEdit="1"/>
               </p:cNvSpPr>
@@ -22785,8 +21373,8 @@
               <a:prstGeom prst="rect">
                 <a:avLst/>
               </a:prstGeom>
-              <a:blipFill>
-                <a:blip r:embed="rId7"/>
+              <a:blipFill rotWithShape="1">
+                <a:blip r:embed="rId5"/>
                 <a:stretch>
                   <a:fillRect b="-3279"/>
                 </a:stretch>
@@ -22802,6 +21390,9 @@
                   </a:rPr>
                   <a:t> </a:t>
                 </a:r>
+                <a:endParaRPr lang="zh-CN" altLang="en-US">
+                  <a:noFill/>
+                </a:endParaRPr>
               </a:p>
             </p:txBody>
           </p:sp>
@@ -22809,16 +21400,8 @@
       </mc:AlternateContent>
       <p:cxnSp>
         <p:nvCxnSpPr>
-          <p:cNvPr id="17" name="直接箭头连接符 16">
-            <a:extLst>
-              <a:ext uri="{FF2B5EF4-FFF2-40B4-BE49-F238E27FC236}">
-                <a16:creationId xmlns:a16="http://schemas.microsoft.com/office/drawing/2014/main" id="{FF10EAF1-80AD-47BE-AF14-729D52E2E721}"/>
-              </a:ext>
-            </a:extLst>
-          </p:cNvPr>
-          <p:cNvCxnSpPr>
-            <a:cxnSpLocks/>
-          </p:cNvCxnSpPr>
+          <p:cNvPr id="17" name="直接箭头连接符 16"/>
+          <p:cNvCxnSpPr/>
           <p:nvPr/>
         </p:nvCxnSpPr>
         <p:spPr>
@@ -22850,13 +21433,7 @@
       </p:cxnSp>
       <p:sp>
         <p:nvSpPr>
-          <p:cNvPr id="22" name="流程图: 接点 21">
-            <a:extLst>
-              <a:ext uri="{FF2B5EF4-FFF2-40B4-BE49-F238E27FC236}">
-                <a16:creationId xmlns:a16="http://schemas.microsoft.com/office/drawing/2014/main" id="{AAD94F82-0C79-4667-9E6A-188097C21AA5}"/>
-              </a:ext>
-            </a:extLst>
-          </p:cNvPr>
+          <p:cNvPr id="22" name="流程图: 接点 21"/>
           <p:cNvSpPr/>
           <p:nvPr/>
         </p:nvSpPr>
@@ -22902,14 +21479,14 @@
           </a:p>
         </p:txBody>
       </p:sp>
-      <mc:AlternateContent xmlns:mc="http://schemas.openxmlformats.org/markup-compatibility/2006" xmlns:a14="http://schemas.microsoft.com/office/drawing/2010/main">
-        <mc:Choice Requires="a14">
+      <mc:AlternateContent xmlns:mc="http://schemas.openxmlformats.org/markup-compatibility/2006">
+        <mc:Choice xmlns:a14="http://schemas.microsoft.com/office/drawing/2010/main" Requires="a14">
           <p:sp>
             <p:nvSpPr>
               <p:cNvPr id="23" name="文本框 22">
                 <a:extLst>
                   <a:ext uri="{FF2B5EF4-FFF2-40B4-BE49-F238E27FC236}">
-                    <a16:creationId xmlns:a16="http://schemas.microsoft.com/office/drawing/2014/main" id="{A325DD1A-9AE9-472E-B093-DE01DC8A253C}"/>
+                    <ele attr="{A325DD1A-9AE9-472E-B093-DE01DC8A253C}"/>
                   </a:ext>
                 </a:extLst>
               </p:cNvPr>
@@ -22972,16 +21549,10 @@
             </p:txBody>
           </p:sp>
         </mc:Choice>
-        <mc:Fallback xmlns="">
+        <mc:Fallback>
           <p:sp>
             <p:nvSpPr>
-              <p:cNvPr id="23" name="文本框 22">
-                <a:extLst>
-                  <a:ext uri="{FF2B5EF4-FFF2-40B4-BE49-F238E27FC236}">
-                    <a16:creationId xmlns:a16="http://schemas.microsoft.com/office/drawing/2014/main" id="{A325DD1A-9AE9-472E-B093-DE01DC8A253C}"/>
-                  </a:ext>
-                </a:extLst>
-              </p:cNvPr>
+              <p:cNvPr id="23" name="文本框 22"/>
               <p:cNvSpPr txBox="1">
                 <a:spLocks noRot="1" noChangeAspect="1" noMove="1" noResize="1" noEditPoints="1" noAdjustHandles="1" noChangeArrowheads="1" noChangeShapeType="1" noTextEdit="1"/>
               </p:cNvSpPr>
@@ -22995,8 +21566,8 @@
               <a:prstGeom prst="rect">
                 <a:avLst/>
               </a:prstGeom>
-              <a:blipFill>
-                <a:blip r:embed="rId8"/>
+              <a:blipFill rotWithShape="1">
+                <a:blip r:embed="rId6"/>
                 <a:stretch>
                   <a:fillRect l="-20690" r="-12069" b="-24615"/>
                 </a:stretch>
@@ -23012,19 +21583,22 @@
                   </a:rPr>
                   <a:t> </a:t>
                 </a:r>
+                <a:endParaRPr lang="zh-CN" altLang="en-US">
+                  <a:noFill/>
+                </a:endParaRPr>
               </a:p>
             </p:txBody>
           </p:sp>
         </mc:Fallback>
       </mc:AlternateContent>
-      <mc:AlternateContent xmlns:mc="http://schemas.openxmlformats.org/markup-compatibility/2006" xmlns:a14="http://schemas.microsoft.com/office/drawing/2010/main">
-        <mc:Choice Requires="a14">
+      <mc:AlternateContent xmlns:mc="http://schemas.openxmlformats.org/markup-compatibility/2006">
+        <mc:Choice xmlns:a14="http://schemas.microsoft.com/office/drawing/2010/main" Requires="a14">
           <p:sp>
             <p:nvSpPr>
               <p:cNvPr id="27" name="矩形 26">
                 <a:extLst>
                   <a:ext uri="{FF2B5EF4-FFF2-40B4-BE49-F238E27FC236}">
-                    <a16:creationId xmlns:a16="http://schemas.microsoft.com/office/drawing/2014/main" id="{0A8D7E44-5932-4667-8910-B95B0E7054DA}"/>
+                    <ele attr="{0A8D7E44-5932-4667-8910-B95B0E7054DA}"/>
                   </a:ext>
                 </a:extLst>
               </p:cNvPr>
@@ -23101,16 +21675,10 @@
             </p:txBody>
           </p:sp>
         </mc:Choice>
-        <mc:Fallback xmlns="">
+        <mc:Fallback>
           <p:sp>
             <p:nvSpPr>
-              <p:cNvPr id="27" name="矩形 26">
-                <a:extLst>
-                  <a:ext uri="{FF2B5EF4-FFF2-40B4-BE49-F238E27FC236}">
-                    <a16:creationId xmlns:a16="http://schemas.microsoft.com/office/drawing/2014/main" id="{0A8D7E44-5932-4667-8910-B95B0E7054DA}"/>
-                  </a:ext>
-                </a:extLst>
-              </p:cNvPr>
+              <p:cNvPr id="27" name="矩形 26"/>
               <p:cNvSpPr>
                 <a:spLocks noRot="1" noChangeAspect="1" noMove="1" noResize="1" noEditPoints="1" noAdjustHandles="1" noChangeArrowheads="1" noChangeShapeType="1" noTextEdit="1"/>
               </p:cNvSpPr>
@@ -23124,8 +21692,8 @@
               <a:prstGeom prst="rect">
                 <a:avLst/>
               </a:prstGeom>
-              <a:blipFill>
-                <a:blip r:embed="rId9"/>
+              <a:blipFill rotWithShape="1">
+                <a:blip r:embed="rId7"/>
                 <a:stretch>
                   <a:fillRect b="-13115"/>
                 </a:stretch>
@@ -23141,6 +21709,9 @@
                   </a:rPr>
                   <a:t> </a:t>
                 </a:r>
+                <a:endParaRPr lang="zh-CN" altLang="en-US">
+                  <a:noFill/>
+                </a:endParaRPr>
               </a:p>
             </p:txBody>
           </p:sp>
@@ -23148,16 +21719,8 @@
       </mc:AlternateContent>
       <p:cxnSp>
         <p:nvCxnSpPr>
-          <p:cNvPr id="30" name="直接箭头连接符 29">
-            <a:extLst>
-              <a:ext uri="{FF2B5EF4-FFF2-40B4-BE49-F238E27FC236}">
-                <a16:creationId xmlns:a16="http://schemas.microsoft.com/office/drawing/2014/main" id="{4855B4F5-AA18-46AA-9BC2-8B26CC0EAD35}"/>
-              </a:ext>
-            </a:extLst>
-          </p:cNvPr>
-          <p:cNvCxnSpPr>
-            <a:cxnSpLocks/>
-          </p:cNvCxnSpPr>
+          <p:cNvPr id="30" name="直接箭头连接符 29"/>
+          <p:cNvCxnSpPr/>
           <p:nvPr/>
         </p:nvCxnSpPr>
         <p:spPr>
@@ -23194,16 +21757,8 @@
       </p:cxnSp>
       <p:cxnSp>
         <p:nvCxnSpPr>
-          <p:cNvPr id="25" name="直接箭头连接符 24">
-            <a:extLst>
-              <a:ext uri="{FF2B5EF4-FFF2-40B4-BE49-F238E27FC236}">
-                <a16:creationId xmlns:a16="http://schemas.microsoft.com/office/drawing/2014/main" id="{E3C193BF-8AAA-4152-8550-A7479C7D50BE}"/>
-              </a:ext>
-            </a:extLst>
-          </p:cNvPr>
-          <p:cNvCxnSpPr>
-            <a:cxnSpLocks/>
-          </p:cNvCxnSpPr>
+          <p:cNvPr id="25" name="直接箭头连接符 24"/>
+          <p:cNvCxnSpPr/>
           <p:nvPr/>
         </p:nvCxnSpPr>
         <p:spPr>
@@ -23235,13 +21790,7 @@
       </p:cxnSp>
       <p:sp>
         <p:nvSpPr>
-          <p:cNvPr id="26" name="流程图: 接点 25">
-            <a:extLst>
-              <a:ext uri="{FF2B5EF4-FFF2-40B4-BE49-F238E27FC236}">
-                <a16:creationId xmlns:a16="http://schemas.microsoft.com/office/drawing/2014/main" id="{59B310D9-0AEB-4E0C-A4D2-CDD5F0512979}"/>
-              </a:ext>
-            </a:extLst>
-          </p:cNvPr>
+          <p:cNvPr id="26" name="流程图: 接点 25"/>
           <p:cNvSpPr/>
           <p:nvPr/>
         </p:nvSpPr>
@@ -23287,14 +21836,14 @@
           </a:p>
         </p:txBody>
       </p:sp>
-      <mc:AlternateContent xmlns:mc="http://schemas.openxmlformats.org/markup-compatibility/2006" xmlns:a14="http://schemas.microsoft.com/office/drawing/2010/main">
-        <mc:Choice Requires="a14">
+      <mc:AlternateContent xmlns:mc="http://schemas.openxmlformats.org/markup-compatibility/2006">
+        <mc:Choice xmlns:a14="http://schemas.microsoft.com/office/drawing/2010/main" Requires="a14">
           <p:sp>
             <p:nvSpPr>
               <p:cNvPr id="31" name="文本框 30">
                 <a:extLst>
                   <a:ext uri="{FF2B5EF4-FFF2-40B4-BE49-F238E27FC236}">
-                    <a16:creationId xmlns:a16="http://schemas.microsoft.com/office/drawing/2014/main" id="{D5299307-E066-458C-81F6-D040A46C13AC}"/>
+                    <ele attr="{D5299307-E066-458C-81F6-D040A46C13AC}"/>
                   </a:ext>
                 </a:extLst>
               </p:cNvPr>
@@ -23357,16 +21906,10 @@
             </p:txBody>
           </p:sp>
         </mc:Choice>
-        <mc:Fallback xmlns="">
+        <mc:Fallback>
           <p:sp>
             <p:nvSpPr>
-              <p:cNvPr id="31" name="文本框 30">
-                <a:extLst>
-                  <a:ext uri="{FF2B5EF4-FFF2-40B4-BE49-F238E27FC236}">
-                    <a16:creationId xmlns:a16="http://schemas.microsoft.com/office/drawing/2014/main" id="{D5299307-E066-458C-81F6-D040A46C13AC}"/>
-                  </a:ext>
-                </a:extLst>
-              </p:cNvPr>
+              <p:cNvPr id="31" name="文本框 30"/>
               <p:cNvSpPr txBox="1">
                 <a:spLocks noRot="1" noChangeAspect="1" noMove="1" noResize="1" noEditPoints="1" noAdjustHandles="1" noChangeArrowheads="1" noChangeShapeType="1" noTextEdit="1"/>
               </p:cNvSpPr>
@@ -23380,8 +21923,8 @@
               <a:prstGeom prst="rect">
                 <a:avLst/>
               </a:prstGeom>
-              <a:blipFill>
-                <a:blip r:embed="rId10"/>
+              <a:blipFill rotWithShape="1">
+                <a:blip r:embed="rId8"/>
                 <a:stretch>
                   <a:fillRect l="-22222" r="-7407" b="-26667"/>
                 </a:stretch>
@@ -23397,6 +21940,9 @@
                   </a:rPr>
                   <a:t> </a:t>
                 </a:r>
+                <a:endParaRPr lang="zh-CN" altLang="en-US">
+                  <a:noFill/>
+                </a:endParaRPr>
               </a:p>
             </p:txBody>
           </p:sp>
@@ -23404,13 +21950,7 @@
       </mc:AlternateContent>
       <p:sp>
         <p:nvSpPr>
-          <p:cNvPr id="32" name="流程图: 接点 31">
-            <a:extLst>
-              <a:ext uri="{FF2B5EF4-FFF2-40B4-BE49-F238E27FC236}">
-                <a16:creationId xmlns:a16="http://schemas.microsoft.com/office/drawing/2014/main" id="{AEDD426A-614C-4A61-896A-33B3D2CB172C}"/>
-              </a:ext>
-            </a:extLst>
-          </p:cNvPr>
+          <p:cNvPr id="32" name="流程图: 接点 31"/>
           <p:cNvSpPr/>
           <p:nvPr/>
         </p:nvSpPr>
@@ -23456,14 +21996,14 @@
           </a:p>
         </p:txBody>
       </p:sp>
-      <mc:AlternateContent xmlns:mc="http://schemas.openxmlformats.org/markup-compatibility/2006" xmlns:a14="http://schemas.microsoft.com/office/drawing/2010/main">
-        <mc:Choice Requires="a14">
+      <mc:AlternateContent xmlns:mc="http://schemas.openxmlformats.org/markup-compatibility/2006">
+        <mc:Choice xmlns:a14="http://schemas.microsoft.com/office/drawing/2010/main" Requires="a14">
           <p:sp>
             <p:nvSpPr>
               <p:cNvPr id="33" name="矩形 32">
                 <a:extLst>
                   <a:ext uri="{FF2B5EF4-FFF2-40B4-BE49-F238E27FC236}">
-                    <a16:creationId xmlns:a16="http://schemas.microsoft.com/office/drawing/2014/main" id="{81091986-C7F9-4FFB-8A13-8EC24AEC1349}"/>
+                    <ele attr="{81091986-C7F9-4FFB-8A13-8EC24AEC1349}"/>
                   </a:ext>
                 </a:extLst>
               </p:cNvPr>
@@ -23540,16 +22080,10 @@
             </p:txBody>
           </p:sp>
         </mc:Choice>
-        <mc:Fallback xmlns="">
+        <mc:Fallback>
           <p:sp>
             <p:nvSpPr>
-              <p:cNvPr id="33" name="矩形 32">
-                <a:extLst>
-                  <a:ext uri="{FF2B5EF4-FFF2-40B4-BE49-F238E27FC236}">
-                    <a16:creationId xmlns:a16="http://schemas.microsoft.com/office/drawing/2014/main" id="{81091986-C7F9-4FFB-8A13-8EC24AEC1349}"/>
-                  </a:ext>
-                </a:extLst>
-              </p:cNvPr>
+              <p:cNvPr id="33" name="矩形 32"/>
               <p:cNvSpPr>
                 <a:spLocks noRot="1" noChangeAspect="1" noMove="1" noResize="1" noEditPoints="1" noAdjustHandles="1" noChangeArrowheads="1" noChangeShapeType="1" noTextEdit="1"/>
               </p:cNvSpPr>
@@ -23563,8 +22097,8 @@
               <a:prstGeom prst="rect">
                 <a:avLst/>
               </a:prstGeom>
-              <a:blipFill>
-                <a:blip r:embed="rId11"/>
+              <a:blipFill rotWithShape="1">
+                <a:blip r:embed="rId9"/>
                 <a:stretch>
                   <a:fillRect b="-13333"/>
                 </a:stretch>
@@ -23580,19 +22114,22 @@
                   </a:rPr>
                   <a:t> </a:t>
                 </a:r>
+                <a:endParaRPr lang="zh-CN" altLang="en-US">
+                  <a:noFill/>
+                </a:endParaRPr>
               </a:p>
             </p:txBody>
           </p:sp>
         </mc:Fallback>
       </mc:AlternateContent>
-      <mc:AlternateContent xmlns:mc="http://schemas.openxmlformats.org/markup-compatibility/2006" xmlns:a14="http://schemas.microsoft.com/office/drawing/2010/main">
-        <mc:Choice Requires="a14">
+      <mc:AlternateContent xmlns:mc="http://schemas.openxmlformats.org/markup-compatibility/2006">
+        <mc:Choice xmlns:a14="http://schemas.microsoft.com/office/drawing/2010/main" Requires="a14">
           <p:sp>
             <p:nvSpPr>
               <p:cNvPr id="34" name="矩形 33">
                 <a:extLst>
                   <a:ext uri="{FF2B5EF4-FFF2-40B4-BE49-F238E27FC236}">
-                    <a16:creationId xmlns:a16="http://schemas.microsoft.com/office/drawing/2014/main" id="{500FFE09-2906-4C36-BE04-D2A90CAC35CF}"/>
+                    <ele attr="{500FFE09-2906-4C36-BE04-D2A90CAC35CF}"/>
                   </a:ext>
                 </a:extLst>
               </p:cNvPr>
@@ -23678,16 +22215,10 @@
             </p:txBody>
           </p:sp>
         </mc:Choice>
-        <mc:Fallback xmlns="">
+        <mc:Fallback>
           <p:sp>
             <p:nvSpPr>
-              <p:cNvPr id="34" name="矩形 33">
-                <a:extLst>
-                  <a:ext uri="{FF2B5EF4-FFF2-40B4-BE49-F238E27FC236}">
-                    <a16:creationId xmlns:a16="http://schemas.microsoft.com/office/drawing/2014/main" id="{500FFE09-2906-4C36-BE04-D2A90CAC35CF}"/>
-                  </a:ext>
-                </a:extLst>
-              </p:cNvPr>
+              <p:cNvPr id="34" name="矩形 33"/>
               <p:cNvSpPr>
                 <a:spLocks noRot="1" noChangeAspect="1" noMove="1" noResize="1" noEditPoints="1" noAdjustHandles="1" noChangeArrowheads="1" noChangeShapeType="1" noTextEdit="1"/>
               </p:cNvSpPr>
@@ -23701,8 +22232,8 @@
               <a:prstGeom prst="rect">
                 <a:avLst/>
               </a:prstGeom>
-              <a:blipFill>
-                <a:blip r:embed="rId12"/>
+              <a:blipFill rotWithShape="1">
+                <a:blip r:embed="rId10"/>
                 <a:stretch>
                   <a:fillRect b="-3279"/>
                 </a:stretch>
@@ -23718,6 +22249,9 @@
                   </a:rPr>
                   <a:t> </a:t>
                 </a:r>
+                <a:endParaRPr lang="zh-CN" altLang="en-US">
+                  <a:noFill/>
+                </a:endParaRPr>
               </a:p>
             </p:txBody>
           </p:sp>
@@ -23725,16 +22259,8 @@
       </mc:AlternateContent>
       <p:cxnSp>
         <p:nvCxnSpPr>
-          <p:cNvPr id="35" name="直接箭头连接符 34">
-            <a:extLst>
-              <a:ext uri="{FF2B5EF4-FFF2-40B4-BE49-F238E27FC236}">
-                <a16:creationId xmlns:a16="http://schemas.microsoft.com/office/drawing/2014/main" id="{B2978DA7-1156-4CDA-B6AD-7AF09613BF73}"/>
-              </a:ext>
-            </a:extLst>
-          </p:cNvPr>
-          <p:cNvCxnSpPr>
-            <a:cxnSpLocks/>
-          </p:cNvCxnSpPr>
+          <p:cNvPr id="35" name="直接箭头连接符 34"/>
+          <p:cNvCxnSpPr/>
           <p:nvPr/>
         </p:nvCxnSpPr>
         <p:spPr>
@@ -23766,13 +22292,7 @@
       </p:cxnSp>
       <p:sp>
         <p:nvSpPr>
-          <p:cNvPr id="36" name="流程图: 接点 35">
-            <a:extLst>
-              <a:ext uri="{FF2B5EF4-FFF2-40B4-BE49-F238E27FC236}">
-                <a16:creationId xmlns:a16="http://schemas.microsoft.com/office/drawing/2014/main" id="{9594F967-4E24-4771-AFD2-DD9E81442995}"/>
-              </a:ext>
-            </a:extLst>
-          </p:cNvPr>
+          <p:cNvPr id="36" name="流程图: 接点 35"/>
           <p:cNvSpPr/>
           <p:nvPr/>
         </p:nvSpPr>
@@ -23818,14 +22338,14 @@
           </a:p>
         </p:txBody>
       </p:sp>
-      <mc:AlternateContent xmlns:mc="http://schemas.openxmlformats.org/markup-compatibility/2006" xmlns:a14="http://schemas.microsoft.com/office/drawing/2010/main">
-        <mc:Choice Requires="a14">
+      <mc:AlternateContent xmlns:mc="http://schemas.openxmlformats.org/markup-compatibility/2006">
+        <mc:Choice xmlns:a14="http://schemas.microsoft.com/office/drawing/2010/main" Requires="a14">
           <p:sp>
             <p:nvSpPr>
               <p:cNvPr id="37" name="文本框 36">
                 <a:extLst>
                   <a:ext uri="{FF2B5EF4-FFF2-40B4-BE49-F238E27FC236}">
-                    <a16:creationId xmlns:a16="http://schemas.microsoft.com/office/drawing/2014/main" id="{6B5F000B-9FAE-4CA9-A515-92765C99398F}"/>
+                    <ele attr="{6B5F000B-9FAE-4CA9-A515-92765C99398F}"/>
                   </a:ext>
                 </a:extLst>
               </p:cNvPr>
@@ -23888,16 +22408,10 @@
             </p:txBody>
           </p:sp>
         </mc:Choice>
-        <mc:Fallback xmlns="">
+        <mc:Fallback>
           <p:sp>
             <p:nvSpPr>
-              <p:cNvPr id="37" name="文本框 36">
-                <a:extLst>
-                  <a:ext uri="{FF2B5EF4-FFF2-40B4-BE49-F238E27FC236}">
-                    <a16:creationId xmlns:a16="http://schemas.microsoft.com/office/drawing/2014/main" id="{6B5F000B-9FAE-4CA9-A515-92765C99398F}"/>
-                  </a:ext>
-                </a:extLst>
-              </p:cNvPr>
+              <p:cNvPr id="37" name="文本框 36"/>
               <p:cNvSpPr txBox="1">
                 <a:spLocks noRot="1" noChangeAspect="1" noMove="1" noResize="1" noEditPoints="1" noAdjustHandles="1" noChangeArrowheads="1" noChangeShapeType="1" noTextEdit="1"/>
               </p:cNvSpPr>
@@ -23911,8 +22425,8 @@
               <a:prstGeom prst="rect">
                 <a:avLst/>
               </a:prstGeom>
-              <a:blipFill>
-                <a:blip r:embed="rId13"/>
+              <a:blipFill rotWithShape="1">
+                <a:blip r:embed="rId11"/>
                 <a:stretch>
                   <a:fillRect l="-20690" r="-13793" b="-24615"/>
                 </a:stretch>
@@ -23928,19 +22442,22 @@
                   </a:rPr>
                   <a:t> </a:t>
                 </a:r>
+                <a:endParaRPr lang="zh-CN" altLang="en-US">
+                  <a:noFill/>
+                </a:endParaRPr>
               </a:p>
             </p:txBody>
           </p:sp>
         </mc:Fallback>
       </mc:AlternateContent>
-      <mc:AlternateContent xmlns:mc="http://schemas.openxmlformats.org/markup-compatibility/2006" xmlns:a14="http://schemas.microsoft.com/office/drawing/2010/main">
-        <mc:Choice Requires="a14">
+      <mc:AlternateContent xmlns:mc="http://schemas.openxmlformats.org/markup-compatibility/2006">
+        <mc:Choice xmlns:a14="http://schemas.microsoft.com/office/drawing/2010/main" Requires="a14">
           <p:sp>
             <p:nvSpPr>
               <p:cNvPr id="38" name="矩形 37">
                 <a:extLst>
                   <a:ext uri="{FF2B5EF4-FFF2-40B4-BE49-F238E27FC236}">
-                    <a16:creationId xmlns:a16="http://schemas.microsoft.com/office/drawing/2014/main" id="{4A3B054F-875A-4364-A300-4883B5DA82B1}"/>
+                    <ele attr="{4A3B054F-875A-4364-A300-4883B5DA82B1}"/>
                   </a:ext>
                 </a:extLst>
               </p:cNvPr>
@@ -24017,16 +22534,10 @@
             </p:txBody>
           </p:sp>
         </mc:Choice>
-        <mc:Fallback xmlns="">
+        <mc:Fallback>
           <p:sp>
             <p:nvSpPr>
-              <p:cNvPr id="38" name="矩形 37">
-                <a:extLst>
-                  <a:ext uri="{FF2B5EF4-FFF2-40B4-BE49-F238E27FC236}">
-                    <a16:creationId xmlns:a16="http://schemas.microsoft.com/office/drawing/2014/main" id="{4A3B054F-875A-4364-A300-4883B5DA82B1}"/>
-                  </a:ext>
-                </a:extLst>
-              </p:cNvPr>
+              <p:cNvPr id="38" name="矩形 37"/>
               <p:cNvSpPr>
                 <a:spLocks noRot="1" noChangeAspect="1" noMove="1" noResize="1" noEditPoints="1" noAdjustHandles="1" noChangeArrowheads="1" noChangeShapeType="1" noTextEdit="1"/>
               </p:cNvSpPr>
@@ -24040,8 +22551,8 @@
               <a:prstGeom prst="rect">
                 <a:avLst/>
               </a:prstGeom>
-              <a:blipFill>
-                <a:blip r:embed="rId14"/>
+              <a:blipFill rotWithShape="1">
+                <a:blip r:embed="rId12"/>
                 <a:stretch>
                   <a:fillRect b="-13115"/>
                 </a:stretch>
@@ -24057,6 +22568,9 @@
                   </a:rPr>
                   <a:t> </a:t>
                 </a:r>
+                <a:endParaRPr lang="zh-CN" altLang="en-US">
+                  <a:noFill/>
+                </a:endParaRPr>
               </a:p>
             </p:txBody>
           </p:sp>
@@ -24064,16 +22578,8 @@
       </mc:AlternateContent>
       <p:cxnSp>
         <p:nvCxnSpPr>
-          <p:cNvPr id="39" name="直接箭头连接符 38">
-            <a:extLst>
-              <a:ext uri="{FF2B5EF4-FFF2-40B4-BE49-F238E27FC236}">
-                <a16:creationId xmlns:a16="http://schemas.microsoft.com/office/drawing/2014/main" id="{306F020E-C031-4E2F-8A11-12D76F8852C9}"/>
-              </a:ext>
-            </a:extLst>
-          </p:cNvPr>
-          <p:cNvCxnSpPr>
-            <a:cxnSpLocks/>
-          </p:cNvCxnSpPr>
+          <p:cNvPr id="39" name="直接箭头连接符 38"/>
+          <p:cNvCxnSpPr/>
           <p:nvPr/>
         </p:nvCxnSpPr>
         <p:spPr>
@@ -24110,13 +22616,7 @@
       </p:cxnSp>
       <p:sp>
         <p:nvSpPr>
-          <p:cNvPr id="40" name="流程图: 接点 39">
-            <a:extLst>
-              <a:ext uri="{FF2B5EF4-FFF2-40B4-BE49-F238E27FC236}">
-                <a16:creationId xmlns:a16="http://schemas.microsoft.com/office/drawing/2014/main" id="{2B927EAB-4579-4F85-BFC8-1CCE06F2A2F9}"/>
-              </a:ext>
-            </a:extLst>
-          </p:cNvPr>
+          <p:cNvPr id="40" name="流程图: 接点 39"/>
           <p:cNvSpPr/>
           <p:nvPr/>
         </p:nvSpPr>
@@ -24164,13 +22664,7 @@
       </p:sp>
       <p:sp>
         <p:nvSpPr>
-          <p:cNvPr id="41" name="流程图: 接点 40">
-            <a:extLst>
-              <a:ext uri="{FF2B5EF4-FFF2-40B4-BE49-F238E27FC236}">
-                <a16:creationId xmlns:a16="http://schemas.microsoft.com/office/drawing/2014/main" id="{2074009A-2DBA-4CB9-9F14-273CC703D708}"/>
-              </a:ext>
-            </a:extLst>
-          </p:cNvPr>
+          <p:cNvPr id="41" name="流程图: 接点 40"/>
           <p:cNvSpPr/>
           <p:nvPr/>
         </p:nvSpPr>
@@ -24218,16 +22712,8 @@
       </p:sp>
       <p:cxnSp>
         <p:nvCxnSpPr>
-          <p:cNvPr id="42" name="直接箭头连接符 41">
-            <a:extLst>
-              <a:ext uri="{FF2B5EF4-FFF2-40B4-BE49-F238E27FC236}">
-                <a16:creationId xmlns:a16="http://schemas.microsoft.com/office/drawing/2014/main" id="{27B72666-BA64-4CF2-B786-742EA614425C}"/>
-              </a:ext>
-            </a:extLst>
-          </p:cNvPr>
-          <p:cNvCxnSpPr>
-            <a:cxnSpLocks/>
-          </p:cNvCxnSpPr>
+          <p:cNvPr id="42" name="直接箭头连接符 41"/>
+          <p:cNvCxnSpPr/>
           <p:nvPr/>
         </p:nvCxnSpPr>
         <p:spPr>
@@ -24264,13 +22750,7 @@
       </p:cxnSp>
       <p:sp>
         <p:nvSpPr>
-          <p:cNvPr id="43" name="流程图: 接点 42">
-            <a:extLst>
-              <a:ext uri="{FF2B5EF4-FFF2-40B4-BE49-F238E27FC236}">
-                <a16:creationId xmlns:a16="http://schemas.microsoft.com/office/drawing/2014/main" id="{2AC76601-DC1D-4A2E-8E29-20999427C183}"/>
-              </a:ext>
-            </a:extLst>
-          </p:cNvPr>
+          <p:cNvPr id="43" name="流程图: 接点 42"/>
           <p:cNvSpPr/>
           <p:nvPr/>
         </p:nvSpPr>
@@ -24316,14 +22796,14 @@
           </a:p>
         </p:txBody>
       </p:sp>
-      <mc:AlternateContent xmlns:mc="http://schemas.openxmlformats.org/markup-compatibility/2006" xmlns:a14="http://schemas.microsoft.com/office/drawing/2010/main">
-        <mc:Choice Requires="a14">
+      <mc:AlternateContent xmlns:mc="http://schemas.openxmlformats.org/markup-compatibility/2006">
+        <mc:Choice xmlns:a14="http://schemas.microsoft.com/office/drawing/2010/main" Requires="a14">
           <p:sp>
             <p:nvSpPr>
               <p:cNvPr id="44" name="矩形 43">
                 <a:extLst>
                   <a:ext uri="{FF2B5EF4-FFF2-40B4-BE49-F238E27FC236}">
-                    <a16:creationId xmlns:a16="http://schemas.microsoft.com/office/drawing/2014/main" id="{92E9D5F1-DC6A-4493-AF75-B3A80E39158D}"/>
+                    <ele attr="{92E9D5F1-DC6A-4493-AF75-B3A80E39158D}"/>
                   </a:ext>
                 </a:extLst>
               </p:cNvPr>
@@ -24409,16 +22889,10 @@
             </p:txBody>
           </p:sp>
         </mc:Choice>
-        <mc:Fallback xmlns="">
+        <mc:Fallback>
           <p:sp>
             <p:nvSpPr>
-              <p:cNvPr id="44" name="矩形 43">
-                <a:extLst>
-                  <a:ext uri="{FF2B5EF4-FFF2-40B4-BE49-F238E27FC236}">
-                    <a16:creationId xmlns:a16="http://schemas.microsoft.com/office/drawing/2014/main" id="{92E9D5F1-DC6A-4493-AF75-B3A80E39158D}"/>
-                  </a:ext>
-                </a:extLst>
-              </p:cNvPr>
+              <p:cNvPr id="44" name="矩形 43"/>
               <p:cNvSpPr>
                 <a:spLocks noRot="1" noChangeAspect="1" noMove="1" noResize="1" noEditPoints="1" noAdjustHandles="1" noChangeArrowheads="1" noChangeShapeType="1" noTextEdit="1"/>
               </p:cNvSpPr>
@@ -24432,8 +22906,8 @@
               <a:prstGeom prst="rect">
                 <a:avLst/>
               </a:prstGeom>
-              <a:blipFill>
-                <a:blip r:embed="rId15"/>
+              <a:blipFill rotWithShape="1">
+                <a:blip r:embed="rId13"/>
                 <a:stretch>
                   <a:fillRect b="-5634"/>
                 </a:stretch>
@@ -24449,6 +22923,9 @@
                   </a:rPr>
                   <a:t> </a:t>
                 </a:r>
+                <a:endParaRPr lang="zh-CN" altLang="en-US">
+                  <a:noFill/>
+                </a:endParaRPr>
               </a:p>
             </p:txBody>
           </p:sp>
@@ -24456,13 +22933,7 @@
       </mc:AlternateContent>
       <p:sp>
         <p:nvSpPr>
-          <p:cNvPr id="45" name="流程图: 接点 44">
-            <a:extLst>
-              <a:ext uri="{FF2B5EF4-FFF2-40B4-BE49-F238E27FC236}">
-                <a16:creationId xmlns:a16="http://schemas.microsoft.com/office/drawing/2014/main" id="{AFC5014D-A481-4BA5-B985-3B34D51A8045}"/>
-              </a:ext>
-            </a:extLst>
-          </p:cNvPr>
+          <p:cNvPr id="45" name="流程图: 接点 44"/>
           <p:cNvSpPr/>
           <p:nvPr/>
         </p:nvSpPr>
@@ -24510,13 +22981,7 @@
       </p:sp>
       <p:sp>
         <p:nvSpPr>
-          <p:cNvPr id="46" name="流程图: 接点 45">
-            <a:extLst>
-              <a:ext uri="{FF2B5EF4-FFF2-40B4-BE49-F238E27FC236}">
-                <a16:creationId xmlns:a16="http://schemas.microsoft.com/office/drawing/2014/main" id="{F89F9396-0D22-4F98-BE32-55E377E3649A}"/>
-              </a:ext>
-            </a:extLst>
-          </p:cNvPr>
+          <p:cNvPr id="46" name="流程图: 接点 45"/>
           <p:cNvSpPr/>
           <p:nvPr/>
         </p:nvSpPr>
@@ -24564,16 +23029,8 @@
       </p:sp>
       <p:cxnSp>
         <p:nvCxnSpPr>
-          <p:cNvPr id="47" name="直接箭头连接符 46">
-            <a:extLst>
-              <a:ext uri="{FF2B5EF4-FFF2-40B4-BE49-F238E27FC236}">
-                <a16:creationId xmlns:a16="http://schemas.microsoft.com/office/drawing/2014/main" id="{3E154760-086B-4509-A673-45C8F7016740}"/>
-              </a:ext>
-            </a:extLst>
-          </p:cNvPr>
-          <p:cNvCxnSpPr>
-            <a:cxnSpLocks/>
-          </p:cNvCxnSpPr>
+          <p:cNvPr id="47" name="直接箭头连接符 46"/>
+          <p:cNvCxnSpPr/>
           <p:nvPr/>
         </p:nvCxnSpPr>
         <p:spPr>
@@ -24609,11 +23066,6 @@
         </p:style>
       </p:cxnSp>
     </p:spTree>
-    <p:extLst>
-      <p:ext uri="{BB962C8B-B14F-4D97-AF65-F5344CB8AC3E}">
-        <p14:creationId xmlns:p14="http://schemas.microsoft.com/office/powerpoint/2010/main" val="3081091244"/>
-      </p:ext>
-    </p:extLst>
   </p:cSld>
   <p:clrMapOvr>
     <a:masterClrMapping/>
@@ -24658,25 +23110,6 @@
           <a:ln>
             <a:noFill/>
           </a:ln>
-          <a:extLst>
-            <a:ext uri="{909E8E84-426E-40dd-AFC4-6F175D3DCCD1}">
-              <a14:hiddenFill xmlns:a14="http://schemas.microsoft.com/office/drawing/2010/main" xmlns="">
-                <a:solidFill>
-                  <a:srgbClr val="FFFFFF"/>
-                </a:solidFill>
-              </a14:hiddenFill>
-            </a:ext>
-            <a:ext uri="{91240B29-F687-4f45-9708-019B960494DF}">
-              <a14:hiddenLine xmlns:a14="http://schemas.microsoft.com/office/drawing/2010/main" xmlns="" w="9525">
-                <a:solidFill>
-                  <a:srgbClr val="000000"/>
-                </a:solidFill>
-                <a:miter lim="800000"/>
-                <a:headEnd/>
-                <a:tailEnd/>
-              </a14:hiddenLine>
-            </a:ext>
-          </a:extLst>
         </p:spPr>
         <p:txBody>
           <a:bodyPr wrap="square" lIns="91436" tIns="45718" rIns="91436" bIns="45718">
@@ -24880,6 +23313,13 @@
               </a:rPr>
               <a:t>通道）</a:t>
             </a:r>
+            <a:endParaRPr lang="zh-CN" altLang="en-US" sz="2400" b="1" dirty="0">
+              <a:solidFill>
+                <a:srgbClr val="002060"/>
+              </a:solidFill>
+              <a:latin typeface="微软雅黑" panose="020B0503020204020204" pitchFamily="34" charset="-122"/>
+              <a:ea typeface="微软雅黑" panose="020B0503020204020204" pitchFamily="34" charset="-122"/>
+            </a:endParaRPr>
           </a:p>
         </p:txBody>
       </p:sp>
@@ -24899,25 +23339,6 @@
             <a:ext cx="2133600" cy="365125"/>
           </a:xfrm>
           <a:noFill/>
-          <a:extLst>
-            <a:ext uri="{909E8E84-426E-40dd-AFC4-6F175D3DCCD1}">
-              <a14:hiddenFill xmlns:a14="http://schemas.microsoft.com/office/drawing/2010/main" xmlns="">
-                <a:solidFill>
-                  <a:srgbClr val="FFFFFF"/>
-                </a:solidFill>
-              </a14:hiddenFill>
-            </a:ext>
-            <a:ext uri="{91240B29-F687-4f45-9708-019B960494DF}">
-              <a14:hiddenLine xmlns:a14="http://schemas.microsoft.com/office/drawing/2010/main" xmlns="" w="9525">
-                <a:solidFill>
-                  <a:srgbClr val="000000"/>
-                </a:solidFill>
-                <a:miter lim="800000"/>
-                <a:headEnd/>
-                <a:tailEnd/>
-              </a14:hiddenLine>
-            </a:ext>
-          </a:extLst>
         </p:spPr>
         <p:txBody>
           <a:bodyPr/>
@@ -24936,7 +23357,7 @@
                 <a:ea typeface="宋体" panose="02010600030101010101" pitchFamily="2" charset="-122"/>
               </a:defRPr>
             </a:lvl1pPr>
-            <a:lvl2pPr marL="742920" indent="-285738">
+            <a:lvl2pPr marL="742950" indent="-285750">
               <a:spcBef>
                 <a:spcPct val="20000"/>
               </a:spcBef>
@@ -24950,7 +23371,7 @@
                 <a:ea typeface="宋体" panose="02010600030101010101" pitchFamily="2" charset="-122"/>
               </a:defRPr>
             </a:lvl2pPr>
-            <a:lvl3pPr marL="1142953" indent="-228591">
+            <a:lvl3pPr marL="1143000" indent="-228600">
               <a:spcBef>
                 <a:spcPct val="20000"/>
               </a:spcBef>
@@ -24964,7 +23385,7 @@
                 <a:ea typeface="宋体" panose="02010600030101010101" pitchFamily="2" charset="-122"/>
               </a:defRPr>
             </a:lvl3pPr>
-            <a:lvl4pPr marL="1600135" indent="-228591">
+            <a:lvl4pPr marL="1600200" indent="-228600">
               <a:spcBef>
                 <a:spcPct val="20000"/>
               </a:spcBef>
@@ -24978,7 +23399,7 @@
                 <a:ea typeface="宋体" panose="02010600030101010101" pitchFamily="2" charset="-122"/>
               </a:defRPr>
             </a:lvl4pPr>
-            <a:lvl5pPr marL="2057315" indent="-228591">
+            <a:lvl5pPr marL="2057400" indent="-228600">
               <a:spcBef>
                 <a:spcPct val="20000"/>
               </a:spcBef>
@@ -24992,7 +23413,7 @@
                 <a:ea typeface="宋体" panose="02010600030101010101" pitchFamily="2" charset="-122"/>
               </a:defRPr>
             </a:lvl5pPr>
-            <a:lvl6pPr marL="2514497" indent="-228591" eaLnBrk="0" fontAlgn="base" hangingPunct="0">
+            <a:lvl6pPr marL="2514600" indent="-228600" eaLnBrk="0" fontAlgn="base" hangingPunct="0">
               <a:spcBef>
                 <a:spcPct val="20000"/>
               </a:spcBef>
@@ -25009,7 +23430,7 @@
                 <a:ea typeface="宋体" panose="02010600030101010101" pitchFamily="2" charset="-122"/>
               </a:defRPr>
             </a:lvl6pPr>
-            <a:lvl7pPr marL="2971678" indent="-228591" eaLnBrk="0" fontAlgn="base" hangingPunct="0">
+            <a:lvl7pPr marL="2971800" indent="-228600" eaLnBrk="0" fontAlgn="base" hangingPunct="0">
               <a:spcBef>
                 <a:spcPct val="20000"/>
               </a:spcBef>
@@ -25026,7 +23447,7 @@
                 <a:ea typeface="宋体" panose="02010600030101010101" pitchFamily="2" charset="-122"/>
               </a:defRPr>
             </a:lvl7pPr>
-            <a:lvl8pPr marL="3428859" indent="-228591" eaLnBrk="0" fontAlgn="base" hangingPunct="0">
+            <a:lvl8pPr marL="3429000" indent="-228600" eaLnBrk="0" fontAlgn="base" hangingPunct="0">
               <a:spcBef>
                 <a:spcPct val="20000"/>
               </a:spcBef>
@@ -25043,7 +23464,7 @@
                 <a:ea typeface="宋体" panose="02010600030101010101" pitchFamily="2" charset="-122"/>
               </a:defRPr>
             </a:lvl8pPr>
-            <a:lvl9pPr marL="3886041" indent="-228591" eaLnBrk="0" fontAlgn="base" hangingPunct="0">
+            <a:lvl9pPr marL="3886200" indent="-228600" eaLnBrk="0" fontAlgn="base" hangingPunct="0">
               <a:spcBef>
                 <a:spcPct val="20000"/>
               </a:spcBef>
@@ -25075,14 +23496,6 @@
                   <a:srgbClr val="898989"/>
                 </a:solidFill>
               </a:rPr>
-              <a:pPr>
-                <a:spcBef>
-                  <a:spcPct val="0"/>
-                </a:spcBef>
-                <a:buFontTx/>
-                <a:buNone/>
-              </a:pPr>
-              <a:t>8</a:t>
             </a:fld>
             <a:endParaRPr lang="zh-CN" altLang="en-US" sz="1200" dirty="0">
               <a:solidFill>
@@ -25101,7 +23514,7 @@
           <p:nvPr/>
         </p:nvPicPr>
         <p:blipFill>
-          <a:blip r:embed="rId3" cstate="print">
+          <a:blip r:embed="rId1" cstate="print">
             <a:extLst>
               <a:ext uri="{28A0092B-C50C-407E-A947-70E740481C1C}">
                 <a14:useLocalDpi xmlns:a14="http://schemas.microsoft.com/office/drawing/2010/main" val="0"/>
@@ -25125,25 +23538,6 @@
           <a:ln>
             <a:noFill/>
           </a:ln>
-          <a:extLst>
-            <a:ext uri="{909E8E84-426E-40dd-AFC4-6F175D3DCCD1}">
-              <a14:hiddenFill xmlns:a14="http://schemas.microsoft.com/office/drawing/2010/main" xmlns="">
-                <a:solidFill>
-                  <a:srgbClr val="FFFFFF"/>
-                </a:solidFill>
-              </a14:hiddenFill>
-            </a:ext>
-            <a:ext uri="{91240B29-F687-4f45-9708-019B960494DF}">
-              <a14:hiddenLine xmlns:a14="http://schemas.microsoft.com/office/drawing/2010/main" xmlns="" w="9525">
-                <a:solidFill>
-                  <a:srgbClr val="000000"/>
-                </a:solidFill>
-                <a:miter lim="800000"/>
-                <a:headEnd/>
-                <a:tailEnd/>
-              </a14:hiddenLine>
-            </a:ext>
-          </a:extLst>
         </p:spPr>
       </p:pic>
       <mc:AlternateContent xmlns:mc="http://schemas.openxmlformats.org/markup-compatibility/2006">
@@ -25153,7 +23547,7 @@
               <p:cNvPr id="6" name="Subtitle 2">
                 <a:extLst>
                   <a:ext uri="{FF2B5EF4-FFF2-40B4-BE49-F238E27FC236}">
-                    <a16:creationId xmlns:a16="http://schemas.microsoft.com/office/drawing/2014/main" id="{5B72932F-F3D6-46BF-9A61-0930A2E33BD6}"/>
+                    <ele attr="{5B72932F-F3D6-46BF-9A61-0930A2E33BD6}"/>
                   </a:ext>
                 </a:extLst>
               </p:cNvPr>
@@ -25793,13 +24187,7 @@
         <mc:Fallback>
           <p:sp>
             <p:nvSpPr>
-              <p:cNvPr id="6" name="Subtitle 2">
-                <a:extLst>
-                  <a:ext uri="{FF2B5EF4-FFF2-40B4-BE49-F238E27FC236}">
-                    <a16:creationId xmlns:a16="http://schemas.microsoft.com/office/drawing/2014/main" id="{5B72932F-F3D6-46BF-9A61-0930A2E33BD6}"/>
-                  </a:ext>
-                </a:extLst>
-              </p:cNvPr>
+              <p:cNvPr id="6" name="Subtitle 2"/>
               <p:cNvSpPr txBox="1">
                 <a:spLocks noRot="1" noChangeAspect="1" noMove="1" noResize="1" noEditPoints="1" noAdjustHandles="1" noChangeArrowheads="1" noChangeShapeType="1" noTextEdit="1"/>
               </p:cNvSpPr>
@@ -25813,8 +24201,8 @@
               <a:prstGeom prst="rect">
                 <a:avLst/>
               </a:prstGeom>
-              <a:blipFill>
-                <a:blip r:embed="rId4"/>
+              <a:blipFill rotWithShape="1">
+                <a:blip r:embed="rId2"/>
                 <a:stretch>
                   <a:fillRect l="-608" t="-1876" r="-4389" b="-1443"/>
                 </a:stretch>
@@ -25852,6 +24240,9 @@
                   </a:rPr>
                   <a:t> </a:t>
                 </a:r>
+                <a:endParaRPr lang="zh-CN" altLang="en-US">
+                  <a:noFill/>
+                </a:endParaRPr>
               </a:p>
             </p:txBody>
           </p:sp>
@@ -25859,16 +24250,8 @@
       </mc:AlternateContent>
       <p:cxnSp>
         <p:nvCxnSpPr>
-          <p:cNvPr id="25" name="直接箭头连接符 24">
-            <a:extLst>
-              <a:ext uri="{FF2B5EF4-FFF2-40B4-BE49-F238E27FC236}">
-                <a16:creationId xmlns:a16="http://schemas.microsoft.com/office/drawing/2014/main" id="{E3C193BF-8AAA-4152-8550-A7479C7D50BE}"/>
-              </a:ext>
-            </a:extLst>
-          </p:cNvPr>
-          <p:cNvCxnSpPr>
-            <a:cxnSpLocks/>
-          </p:cNvCxnSpPr>
+          <p:cNvPr id="25" name="直接箭头连接符 24"/>
+          <p:cNvCxnSpPr/>
           <p:nvPr/>
         </p:nvCxnSpPr>
         <p:spPr>
@@ -25900,13 +24283,7 @@
       </p:cxnSp>
       <p:sp>
         <p:nvSpPr>
-          <p:cNvPr id="26" name="流程图: 接点 25">
-            <a:extLst>
-              <a:ext uri="{FF2B5EF4-FFF2-40B4-BE49-F238E27FC236}">
-                <a16:creationId xmlns:a16="http://schemas.microsoft.com/office/drawing/2014/main" id="{59B310D9-0AEB-4E0C-A4D2-CDD5F0512979}"/>
-              </a:ext>
-            </a:extLst>
-          </p:cNvPr>
+          <p:cNvPr id="26" name="流程图: 接点 25"/>
           <p:cNvSpPr/>
           <p:nvPr/>
         </p:nvSpPr>
@@ -25952,14 +24329,14 @@
           </a:p>
         </p:txBody>
       </p:sp>
-      <mc:AlternateContent xmlns:mc="http://schemas.openxmlformats.org/markup-compatibility/2006" xmlns:a14="http://schemas.microsoft.com/office/drawing/2010/main">
-        <mc:Choice Requires="a14">
+      <mc:AlternateContent xmlns:mc="http://schemas.openxmlformats.org/markup-compatibility/2006">
+        <mc:Choice xmlns:a14="http://schemas.microsoft.com/office/drawing/2010/main" Requires="a14">
           <p:sp>
             <p:nvSpPr>
               <p:cNvPr id="31" name="文本框 30">
                 <a:extLst>
                   <a:ext uri="{FF2B5EF4-FFF2-40B4-BE49-F238E27FC236}">
-                    <a16:creationId xmlns:a16="http://schemas.microsoft.com/office/drawing/2014/main" id="{D5299307-E066-458C-81F6-D040A46C13AC}"/>
+                    <ele attr="{D5299307-E066-458C-81F6-D040A46C13AC}"/>
                   </a:ext>
                 </a:extLst>
               </p:cNvPr>
@@ -26022,16 +24399,10 @@
             </p:txBody>
           </p:sp>
         </mc:Choice>
-        <mc:Fallback xmlns="">
+        <mc:Fallback>
           <p:sp>
             <p:nvSpPr>
-              <p:cNvPr id="31" name="文本框 30">
-                <a:extLst>
-                  <a:ext uri="{FF2B5EF4-FFF2-40B4-BE49-F238E27FC236}">
-                    <a16:creationId xmlns:a16="http://schemas.microsoft.com/office/drawing/2014/main" id="{D5299307-E066-458C-81F6-D040A46C13AC}"/>
-                  </a:ext>
-                </a:extLst>
-              </p:cNvPr>
+              <p:cNvPr id="31" name="文本框 30"/>
               <p:cNvSpPr txBox="1">
                 <a:spLocks noRot="1" noChangeAspect="1" noMove="1" noResize="1" noEditPoints="1" noAdjustHandles="1" noChangeArrowheads="1" noChangeShapeType="1" noTextEdit="1"/>
               </p:cNvSpPr>
@@ -26045,8 +24416,8 @@
               <a:prstGeom prst="rect">
                 <a:avLst/>
               </a:prstGeom>
-              <a:blipFill>
-                <a:blip r:embed="rId5"/>
+              <a:blipFill rotWithShape="1">
+                <a:blip r:embed="rId3"/>
                 <a:stretch>
                   <a:fillRect l="-22222" r="-7407" b="-26667"/>
                 </a:stretch>
@@ -26062,6 +24433,9 @@
                   </a:rPr>
                   <a:t> </a:t>
                 </a:r>
+                <a:endParaRPr lang="zh-CN" altLang="en-US">
+                  <a:noFill/>
+                </a:endParaRPr>
               </a:p>
             </p:txBody>
           </p:sp>
@@ -26069,13 +24443,7 @@
       </mc:AlternateContent>
       <p:sp>
         <p:nvSpPr>
-          <p:cNvPr id="32" name="流程图: 接点 31">
-            <a:extLst>
-              <a:ext uri="{FF2B5EF4-FFF2-40B4-BE49-F238E27FC236}">
-                <a16:creationId xmlns:a16="http://schemas.microsoft.com/office/drawing/2014/main" id="{AEDD426A-614C-4A61-896A-33B3D2CB172C}"/>
-              </a:ext>
-            </a:extLst>
-          </p:cNvPr>
+          <p:cNvPr id="32" name="流程图: 接点 31"/>
           <p:cNvSpPr/>
           <p:nvPr/>
         </p:nvSpPr>
@@ -26121,14 +24489,14 @@
           </a:p>
         </p:txBody>
       </p:sp>
-      <mc:AlternateContent xmlns:mc="http://schemas.openxmlformats.org/markup-compatibility/2006" xmlns:a14="http://schemas.microsoft.com/office/drawing/2010/main">
-        <mc:Choice Requires="a14">
+      <mc:AlternateContent xmlns:mc="http://schemas.openxmlformats.org/markup-compatibility/2006">
+        <mc:Choice xmlns:a14="http://schemas.microsoft.com/office/drawing/2010/main" Requires="a14">
           <p:sp>
             <p:nvSpPr>
               <p:cNvPr id="33" name="矩形 32">
                 <a:extLst>
                   <a:ext uri="{FF2B5EF4-FFF2-40B4-BE49-F238E27FC236}">
-                    <a16:creationId xmlns:a16="http://schemas.microsoft.com/office/drawing/2014/main" id="{81091986-C7F9-4FFB-8A13-8EC24AEC1349}"/>
+                    <ele attr="{81091986-C7F9-4FFB-8A13-8EC24AEC1349}"/>
                   </a:ext>
                 </a:extLst>
               </p:cNvPr>
@@ -26205,16 +24573,10 @@
             </p:txBody>
           </p:sp>
         </mc:Choice>
-        <mc:Fallback xmlns="">
+        <mc:Fallback>
           <p:sp>
             <p:nvSpPr>
-              <p:cNvPr id="33" name="矩形 32">
-                <a:extLst>
-                  <a:ext uri="{FF2B5EF4-FFF2-40B4-BE49-F238E27FC236}">
-                    <a16:creationId xmlns:a16="http://schemas.microsoft.com/office/drawing/2014/main" id="{81091986-C7F9-4FFB-8A13-8EC24AEC1349}"/>
-                  </a:ext>
-                </a:extLst>
-              </p:cNvPr>
+              <p:cNvPr id="33" name="矩形 32"/>
               <p:cNvSpPr>
                 <a:spLocks noRot="1" noChangeAspect="1" noMove="1" noResize="1" noEditPoints="1" noAdjustHandles="1" noChangeArrowheads="1" noChangeShapeType="1" noTextEdit="1"/>
               </p:cNvSpPr>
@@ -26228,8 +24590,8 @@
               <a:prstGeom prst="rect">
                 <a:avLst/>
               </a:prstGeom>
-              <a:blipFill>
-                <a:blip r:embed="rId6"/>
+              <a:blipFill rotWithShape="1">
+                <a:blip r:embed="rId4"/>
                 <a:stretch>
                   <a:fillRect b="-13333"/>
                 </a:stretch>
@@ -26245,19 +24607,22 @@
                   </a:rPr>
                   <a:t> </a:t>
                 </a:r>
+                <a:endParaRPr lang="zh-CN" altLang="en-US">
+                  <a:noFill/>
+                </a:endParaRPr>
               </a:p>
             </p:txBody>
           </p:sp>
         </mc:Fallback>
       </mc:AlternateContent>
-      <mc:AlternateContent xmlns:mc="http://schemas.openxmlformats.org/markup-compatibility/2006" xmlns:a14="http://schemas.microsoft.com/office/drawing/2010/main">
-        <mc:Choice Requires="a14">
+      <mc:AlternateContent xmlns:mc="http://schemas.openxmlformats.org/markup-compatibility/2006">
+        <mc:Choice xmlns:a14="http://schemas.microsoft.com/office/drawing/2010/main" Requires="a14">
           <p:sp>
             <p:nvSpPr>
               <p:cNvPr id="34" name="矩形 33">
                 <a:extLst>
                   <a:ext uri="{FF2B5EF4-FFF2-40B4-BE49-F238E27FC236}">
-                    <a16:creationId xmlns:a16="http://schemas.microsoft.com/office/drawing/2014/main" id="{500FFE09-2906-4C36-BE04-D2A90CAC35CF}"/>
+                    <ele attr="{500FFE09-2906-4C36-BE04-D2A90CAC35CF}"/>
                   </a:ext>
                 </a:extLst>
               </p:cNvPr>
@@ -26343,16 +24708,10 @@
             </p:txBody>
           </p:sp>
         </mc:Choice>
-        <mc:Fallback xmlns="">
+        <mc:Fallback>
           <p:sp>
             <p:nvSpPr>
-              <p:cNvPr id="34" name="矩形 33">
-                <a:extLst>
-                  <a:ext uri="{FF2B5EF4-FFF2-40B4-BE49-F238E27FC236}">
-                    <a16:creationId xmlns:a16="http://schemas.microsoft.com/office/drawing/2014/main" id="{500FFE09-2906-4C36-BE04-D2A90CAC35CF}"/>
-                  </a:ext>
-                </a:extLst>
-              </p:cNvPr>
+              <p:cNvPr id="34" name="矩形 33"/>
               <p:cNvSpPr>
                 <a:spLocks noRot="1" noChangeAspect="1" noMove="1" noResize="1" noEditPoints="1" noAdjustHandles="1" noChangeArrowheads="1" noChangeShapeType="1" noTextEdit="1"/>
               </p:cNvSpPr>
@@ -26366,8 +24725,8 @@
               <a:prstGeom prst="rect">
                 <a:avLst/>
               </a:prstGeom>
-              <a:blipFill>
-                <a:blip r:embed="rId7"/>
+              <a:blipFill rotWithShape="1">
+                <a:blip r:embed="rId5"/>
                 <a:stretch>
                   <a:fillRect b="-3279"/>
                 </a:stretch>
@@ -26383,6 +24742,9 @@
                   </a:rPr>
                   <a:t> </a:t>
                 </a:r>
+                <a:endParaRPr lang="zh-CN" altLang="en-US">
+                  <a:noFill/>
+                </a:endParaRPr>
               </a:p>
             </p:txBody>
           </p:sp>
@@ -26390,16 +24752,8 @@
       </mc:AlternateContent>
       <p:cxnSp>
         <p:nvCxnSpPr>
-          <p:cNvPr id="35" name="直接箭头连接符 34">
-            <a:extLst>
-              <a:ext uri="{FF2B5EF4-FFF2-40B4-BE49-F238E27FC236}">
-                <a16:creationId xmlns:a16="http://schemas.microsoft.com/office/drawing/2014/main" id="{B2978DA7-1156-4CDA-B6AD-7AF09613BF73}"/>
-              </a:ext>
-            </a:extLst>
-          </p:cNvPr>
-          <p:cNvCxnSpPr>
-            <a:cxnSpLocks/>
-          </p:cNvCxnSpPr>
+          <p:cNvPr id="35" name="直接箭头连接符 34"/>
+          <p:cNvCxnSpPr/>
           <p:nvPr/>
         </p:nvCxnSpPr>
         <p:spPr>
@@ -26431,13 +24785,7 @@
       </p:cxnSp>
       <p:sp>
         <p:nvSpPr>
-          <p:cNvPr id="36" name="流程图: 接点 35">
-            <a:extLst>
-              <a:ext uri="{FF2B5EF4-FFF2-40B4-BE49-F238E27FC236}">
-                <a16:creationId xmlns:a16="http://schemas.microsoft.com/office/drawing/2014/main" id="{9594F967-4E24-4771-AFD2-DD9E81442995}"/>
-              </a:ext>
-            </a:extLst>
-          </p:cNvPr>
+          <p:cNvPr id="36" name="流程图: 接点 35"/>
           <p:cNvSpPr/>
           <p:nvPr/>
         </p:nvSpPr>
@@ -26483,14 +24831,14 @@
           </a:p>
         </p:txBody>
       </p:sp>
-      <mc:AlternateContent xmlns:mc="http://schemas.openxmlformats.org/markup-compatibility/2006" xmlns:a14="http://schemas.microsoft.com/office/drawing/2010/main">
-        <mc:Choice Requires="a14">
+      <mc:AlternateContent xmlns:mc="http://schemas.openxmlformats.org/markup-compatibility/2006">
+        <mc:Choice xmlns:a14="http://schemas.microsoft.com/office/drawing/2010/main" Requires="a14">
           <p:sp>
             <p:nvSpPr>
               <p:cNvPr id="37" name="文本框 36">
                 <a:extLst>
                   <a:ext uri="{FF2B5EF4-FFF2-40B4-BE49-F238E27FC236}">
-                    <a16:creationId xmlns:a16="http://schemas.microsoft.com/office/drawing/2014/main" id="{6B5F000B-9FAE-4CA9-A515-92765C99398F}"/>
+                    <ele attr="{6B5F000B-9FAE-4CA9-A515-92765C99398F}"/>
                   </a:ext>
                 </a:extLst>
               </p:cNvPr>
@@ -26553,16 +24901,10 @@
             </p:txBody>
           </p:sp>
         </mc:Choice>
-        <mc:Fallback xmlns="">
+        <mc:Fallback>
           <p:sp>
             <p:nvSpPr>
-              <p:cNvPr id="37" name="文本框 36">
-                <a:extLst>
-                  <a:ext uri="{FF2B5EF4-FFF2-40B4-BE49-F238E27FC236}">
-                    <a16:creationId xmlns:a16="http://schemas.microsoft.com/office/drawing/2014/main" id="{6B5F000B-9FAE-4CA9-A515-92765C99398F}"/>
-                  </a:ext>
-                </a:extLst>
-              </p:cNvPr>
+              <p:cNvPr id="37" name="文本框 36"/>
               <p:cNvSpPr txBox="1">
                 <a:spLocks noRot="1" noChangeAspect="1" noMove="1" noResize="1" noEditPoints="1" noAdjustHandles="1" noChangeArrowheads="1" noChangeShapeType="1" noTextEdit="1"/>
               </p:cNvSpPr>
@@ -26576,8 +24918,8 @@
               <a:prstGeom prst="rect">
                 <a:avLst/>
               </a:prstGeom>
-              <a:blipFill>
-                <a:blip r:embed="rId8"/>
+              <a:blipFill rotWithShape="1">
+                <a:blip r:embed="rId6"/>
                 <a:stretch>
                   <a:fillRect l="-20690" r="-13793" b="-24242"/>
                 </a:stretch>
@@ -26593,19 +24935,22 @@
                   </a:rPr>
                   <a:t> </a:t>
                 </a:r>
+                <a:endParaRPr lang="zh-CN" altLang="en-US">
+                  <a:noFill/>
+                </a:endParaRPr>
               </a:p>
             </p:txBody>
           </p:sp>
         </mc:Fallback>
       </mc:AlternateContent>
-      <mc:AlternateContent xmlns:mc="http://schemas.openxmlformats.org/markup-compatibility/2006" xmlns:a14="http://schemas.microsoft.com/office/drawing/2010/main">
-        <mc:Choice Requires="a14">
+      <mc:AlternateContent xmlns:mc="http://schemas.openxmlformats.org/markup-compatibility/2006">
+        <mc:Choice xmlns:a14="http://schemas.microsoft.com/office/drawing/2010/main" Requires="a14">
           <p:sp>
             <p:nvSpPr>
               <p:cNvPr id="38" name="矩形 37">
                 <a:extLst>
                   <a:ext uri="{FF2B5EF4-FFF2-40B4-BE49-F238E27FC236}">
-                    <a16:creationId xmlns:a16="http://schemas.microsoft.com/office/drawing/2014/main" id="{4A3B054F-875A-4364-A300-4883B5DA82B1}"/>
+                    <ele attr="{4A3B054F-875A-4364-A300-4883B5DA82B1}"/>
                   </a:ext>
                 </a:extLst>
               </p:cNvPr>
@@ -26682,16 +25027,10 @@
             </p:txBody>
           </p:sp>
         </mc:Choice>
-        <mc:Fallback xmlns="">
+        <mc:Fallback>
           <p:sp>
             <p:nvSpPr>
-              <p:cNvPr id="38" name="矩形 37">
-                <a:extLst>
-                  <a:ext uri="{FF2B5EF4-FFF2-40B4-BE49-F238E27FC236}">
-                    <a16:creationId xmlns:a16="http://schemas.microsoft.com/office/drawing/2014/main" id="{4A3B054F-875A-4364-A300-4883B5DA82B1}"/>
-                  </a:ext>
-                </a:extLst>
-              </p:cNvPr>
+              <p:cNvPr id="38" name="矩形 37"/>
               <p:cNvSpPr>
                 <a:spLocks noRot="1" noChangeAspect="1" noMove="1" noResize="1" noEditPoints="1" noAdjustHandles="1" noChangeArrowheads="1" noChangeShapeType="1" noTextEdit="1"/>
               </p:cNvSpPr>
@@ -26705,8 +25044,8 @@
               <a:prstGeom prst="rect">
                 <a:avLst/>
               </a:prstGeom>
-              <a:blipFill>
-                <a:blip r:embed="rId9"/>
+              <a:blipFill rotWithShape="1">
+                <a:blip r:embed="rId7"/>
                 <a:stretch>
                   <a:fillRect b="-13333"/>
                 </a:stretch>
@@ -26722,6 +25061,9 @@
                   </a:rPr>
                   <a:t> </a:t>
                 </a:r>
+                <a:endParaRPr lang="zh-CN" altLang="en-US">
+                  <a:noFill/>
+                </a:endParaRPr>
               </a:p>
             </p:txBody>
           </p:sp>
@@ -26729,16 +25071,8 @@
       </mc:AlternateContent>
       <p:cxnSp>
         <p:nvCxnSpPr>
-          <p:cNvPr id="39" name="直接箭头连接符 38">
-            <a:extLst>
-              <a:ext uri="{FF2B5EF4-FFF2-40B4-BE49-F238E27FC236}">
-                <a16:creationId xmlns:a16="http://schemas.microsoft.com/office/drawing/2014/main" id="{306F020E-C031-4E2F-8A11-12D76F8852C9}"/>
-              </a:ext>
-            </a:extLst>
-          </p:cNvPr>
-          <p:cNvCxnSpPr>
-            <a:cxnSpLocks/>
-          </p:cNvCxnSpPr>
+          <p:cNvPr id="39" name="直接箭头连接符 38"/>
+          <p:cNvCxnSpPr/>
           <p:nvPr/>
         </p:nvCxnSpPr>
         <p:spPr>
@@ -26775,13 +25109,7 @@
       </p:cxnSp>
       <p:sp>
         <p:nvSpPr>
-          <p:cNvPr id="43" name="流程图: 接点 42">
-            <a:extLst>
-              <a:ext uri="{FF2B5EF4-FFF2-40B4-BE49-F238E27FC236}">
-                <a16:creationId xmlns:a16="http://schemas.microsoft.com/office/drawing/2014/main" id="{2AC76601-DC1D-4A2E-8E29-20999427C183}"/>
-              </a:ext>
-            </a:extLst>
-          </p:cNvPr>
+          <p:cNvPr id="43" name="流程图: 接点 42"/>
           <p:cNvSpPr/>
           <p:nvPr/>
         </p:nvSpPr>
@@ -26827,14 +25155,14 @@
           </a:p>
         </p:txBody>
       </p:sp>
-      <mc:AlternateContent xmlns:mc="http://schemas.openxmlformats.org/markup-compatibility/2006" xmlns:a14="http://schemas.microsoft.com/office/drawing/2010/main">
-        <mc:Choice Requires="a14">
+      <mc:AlternateContent xmlns:mc="http://schemas.openxmlformats.org/markup-compatibility/2006">
+        <mc:Choice xmlns:a14="http://schemas.microsoft.com/office/drawing/2010/main" Requires="a14">
           <p:sp>
             <p:nvSpPr>
               <p:cNvPr id="44" name="矩形 43">
                 <a:extLst>
                   <a:ext uri="{FF2B5EF4-FFF2-40B4-BE49-F238E27FC236}">
-                    <a16:creationId xmlns:a16="http://schemas.microsoft.com/office/drawing/2014/main" id="{92E9D5F1-DC6A-4493-AF75-B3A80E39158D}"/>
+                    <ele attr="{92E9D5F1-DC6A-4493-AF75-B3A80E39158D}"/>
                   </a:ext>
                 </a:extLst>
               </p:cNvPr>
@@ -26920,16 +25248,10 @@
             </p:txBody>
           </p:sp>
         </mc:Choice>
-        <mc:Fallback xmlns="">
+        <mc:Fallback>
           <p:sp>
             <p:nvSpPr>
-              <p:cNvPr id="44" name="矩形 43">
-                <a:extLst>
-                  <a:ext uri="{FF2B5EF4-FFF2-40B4-BE49-F238E27FC236}">
-                    <a16:creationId xmlns:a16="http://schemas.microsoft.com/office/drawing/2014/main" id="{92E9D5F1-DC6A-4493-AF75-B3A80E39158D}"/>
-                  </a:ext>
-                </a:extLst>
-              </p:cNvPr>
+              <p:cNvPr id="44" name="矩形 43"/>
               <p:cNvSpPr>
                 <a:spLocks noRot="1" noChangeAspect="1" noMove="1" noResize="1" noEditPoints="1" noAdjustHandles="1" noChangeArrowheads="1" noChangeShapeType="1" noTextEdit="1"/>
               </p:cNvSpPr>
@@ -26943,8 +25265,8 @@
               <a:prstGeom prst="rect">
                 <a:avLst/>
               </a:prstGeom>
-              <a:blipFill>
-                <a:blip r:embed="rId10"/>
+              <a:blipFill rotWithShape="1">
+                <a:blip r:embed="rId8"/>
                 <a:stretch>
                   <a:fillRect b="-5634"/>
                 </a:stretch>
@@ -26960,6 +25282,9 @@
                   </a:rPr>
                   <a:t> </a:t>
                 </a:r>
+                <a:endParaRPr lang="zh-CN" altLang="en-US">
+                  <a:noFill/>
+                </a:endParaRPr>
               </a:p>
             </p:txBody>
           </p:sp>
@@ -26967,13 +25292,7 @@
       </mc:AlternateContent>
       <p:sp>
         <p:nvSpPr>
-          <p:cNvPr id="45" name="流程图: 接点 44">
-            <a:extLst>
-              <a:ext uri="{FF2B5EF4-FFF2-40B4-BE49-F238E27FC236}">
-                <a16:creationId xmlns:a16="http://schemas.microsoft.com/office/drawing/2014/main" id="{AFC5014D-A481-4BA5-B985-3B34D51A8045}"/>
-              </a:ext>
-            </a:extLst>
-          </p:cNvPr>
+          <p:cNvPr id="45" name="流程图: 接点 44"/>
           <p:cNvSpPr/>
           <p:nvPr/>
         </p:nvSpPr>
@@ -27021,13 +25340,7 @@
       </p:sp>
       <p:sp>
         <p:nvSpPr>
-          <p:cNvPr id="46" name="流程图: 接点 45">
-            <a:extLst>
-              <a:ext uri="{FF2B5EF4-FFF2-40B4-BE49-F238E27FC236}">
-                <a16:creationId xmlns:a16="http://schemas.microsoft.com/office/drawing/2014/main" id="{F89F9396-0D22-4F98-BE32-55E377E3649A}"/>
-              </a:ext>
-            </a:extLst>
-          </p:cNvPr>
+          <p:cNvPr id="46" name="流程图: 接点 45"/>
           <p:cNvSpPr/>
           <p:nvPr/>
         </p:nvSpPr>
@@ -27075,16 +25388,8 @@
       </p:sp>
       <p:cxnSp>
         <p:nvCxnSpPr>
-          <p:cNvPr id="47" name="直接箭头连接符 46">
-            <a:extLst>
-              <a:ext uri="{FF2B5EF4-FFF2-40B4-BE49-F238E27FC236}">
-                <a16:creationId xmlns:a16="http://schemas.microsoft.com/office/drawing/2014/main" id="{3E154760-086B-4509-A673-45C8F7016740}"/>
-              </a:ext>
-            </a:extLst>
-          </p:cNvPr>
-          <p:cNvCxnSpPr>
-            <a:cxnSpLocks/>
-          </p:cNvCxnSpPr>
+          <p:cNvPr id="47" name="直接箭头连接符 46"/>
+          <p:cNvCxnSpPr/>
           <p:nvPr/>
         </p:nvCxnSpPr>
         <p:spPr>
@@ -27120,11 +25425,6 @@
         </p:style>
       </p:cxnSp>
     </p:spTree>
-    <p:extLst>
-      <p:ext uri="{BB962C8B-B14F-4D97-AF65-F5344CB8AC3E}">
-        <p14:creationId xmlns:p14="http://schemas.microsoft.com/office/powerpoint/2010/main" val="411114768"/>
-      </p:ext>
-    </p:extLst>
   </p:cSld>
   <p:clrMapOvr>
     <a:masterClrMapping/>
@@ -27169,25 +25469,6 @@
           <a:ln>
             <a:noFill/>
           </a:ln>
-          <a:extLst>
-            <a:ext uri="{909E8E84-426E-40dd-AFC4-6F175D3DCCD1}">
-              <a14:hiddenFill xmlns:a14="http://schemas.microsoft.com/office/drawing/2010/main" xmlns="">
-                <a:solidFill>
-                  <a:srgbClr val="FFFFFF"/>
-                </a:solidFill>
-              </a14:hiddenFill>
-            </a:ext>
-            <a:ext uri="{91240B29-F687-4f45-9708-019B960494DF}">
-              <a14:hiddenLine xmlns:a14="http://schemas.microsoft.com/office/drawing/2010/main" xmlns="" w="9525">
-                <a:solidFill>
-                  <a:srgbClr val="000000"/>
-                </a:solidFill>
-                <a:miter lim="800000"/>
-                <a:headEnd/>
-                <a:tailEnd/>
-              </a14:hiddenLine>
-            </a:ext>
-          </a:extLst>
         </p:spPr>
         <p:txBody>
           <a:bodyPr wrap="square" lIns="91436" tIns="45718" rIns="91436" bIns="45718">
@@ -27391,6 +25672,13 @@
               </a:rPr>
               <a:t>通道）</a:t>
             </a:r>
+            <a:endParaRPr lang="zh-CN" altLang="en-US" sz="2400" b="1" dirty="0">
+              <a:solidFill>
+                <a:srgbClr val="002060"/>
+              </a:solidFill>
+              <a:latin typeface="微软雅黑" panose="020B0503020204020204" pitchFamily="34" charset="-122"/>
+              <a:ea typeface="微软雅黑" panose="020B0503020204020204" pitchFamily="34" charset="-122"/>
+            </a:endParaRPr>
           </a:p>
         </p:txBody>
       </p:sp>
@@ -27410,25 +25698,6 @@
             <a:ext cx="2133600" cy="365125"/>
           </a:xfrm>
           <a:noFill/>
-          <a:extLst>
-            <a:ext uri="{909E8E84-426E-40dd-AFC4-6F175D3DCCD1}">
-              <a14:hiddenFill xmlns:a14="http://schemas.microsoft.com/office/drawing/2010/main" xmlns="">
-                <a:solidFill>
-                  <a:srgbClr val="FFFFFF"/>
-                </a:solidFill>
-              </a14:hiddenFill>
-            </a:ext>
-            <a:ext uri="{91240B29-F687-4f45-9708-019B960494DF}">
-              <a14:hiddenLine xmlns:a14="http://schemas.microsoft.com/office/drawing/2010/main" xmlns="" w="9525">
-                <a:solidFill>
-                  <a:srgbClr val="000000"/>
-                </a:solidFill>
-                <a:miter lim="800000"/>
-                <a:headEnd/>
-                <a:tailEnd/>
-              </a14:hiddenLine>
-            </a:ext>
-          </a:extLst>
         </p:spPr>
         <p:txBody>
           <a:bodyPr/>
@@ -27447,7 +25716,7 @@
                 <a:ea typeface="宋体" panose="02010600030101010101" pitchFamily="2" charset="-122"/>
               </a:defRPr>
             </a:lvl1pPr>
-            <a:lvl2pPr marL="742920" indent="-285738">
+            <a:lvl2pPr marL="742950" indent="-285750">
               <a:spcBef>
                 <a:spcPct val="20000"/>
               </a:spcBef>
@@ -27461,7 +25730,7 @@
                 <a:ea typeface="宋体" panose="02010600030101010101" pitchFamily="2" charset="-122"/>
               </a:defRPr>
             </a:lvl2pPr>
-            <a:lvl3pPr marL="1142953" indent="-228591">
+            <a:lvl3pPr marL="1143000" indent="-228600">
               <a:spcBef>
                 <a:spcPct val="20000"/>
               </a:spcBef>
@@ -27475,7 +25744,7 @@
                 <a:ea typeface="宋体" panose="02010600030101010101" pitchFamily="2" charset="-122"/>
               </a:defRPr>
             </a:lvl3pPr>
-            <a:lvl4pPr marL="1600135" indent="-228591">
+            <a:lvl4pPr marL="1600200" indent="-228600">
               <a:spcBef>
                 <a:spcPct val="20000"/>
               </a:spcBef>
@@ -27489,7 +25758,7 @@
                 <a:ea typeface="宋体" panose="02010600030101010101" pitchFamily="2" charset="-122"/>
               </a:defRPr>
             </a:lvl4pPr>
-            <a:lvl5pPr marL="2057315" indent="-228591">
+            <a:lvl5pPr marL="2057400" indent="-228600">
               <a:spcBef>
                 <a:spcPct val="20000"/>
               </a:spcBef>
@@ -27503,7 +25772,7 @@
                 <a:ea typeface="宋体" panose="02010600030101010101" pitchFamily="2" charset="-122"/>
               </a:defRPr>
             </a:lvl5pPr>
-            <a:lvl6pPr marL="2514497" indent="-228591" eaLnBrk="0" fontAlgn="base" hangingPunct="0">
+            <a:lvl6pPr marL="2514600" indent="-228600" eaLnBrk="0" fontAlgn="base" hangingPunct="0">
               <a:spcBef>
                 <a:spcPct val="20000"/>
               </a:spcBef>
@@ -27520,7 +25789,7 @@
                 <a:ea typeface="宋体" panose="02010600030101010101" pitchFamily="2" charset="-122"/>
               </a:defRPr>
             </a:lvl6pPr>
-            <a:lvl7pPr marL="2971678" indent="-228591" eaLnBrk="0" fontAlgn="base" hangingPunct="0">
+            <a:lvl7pPr marL="2971800" indent="-228600" eaLnBrk="0" fontAlgn="base" hangingPunct="0">
               <a:spcBef>
                 <a:spcPct val="20000"/>
               </a:spcBef>
@@ -27537,7 +25806,7 @@
                 <a:ea typeface="宋体" panose="02010600030101010101" pitchFamily="2" charset="-122"/>
               </a:defRPr>
             </a:lvl7pPr>
-            <a:lvl8pPr marL="3428859" indent="-228591" eaLnBrk="0" fontAlgn="base" hangingPunct="0">
+            <a:lvl8pPr marL="3429000" indent="-228600" eaLnBrk="0" fontAlgn="base" hangingPunct="0">
               <a:spcBef>
                 <a:spcPct val="20000"/>
               </a:spcBef>
@@ -27554,7 +25823,7 @@
                 <a:ea typeface="宋体" panose="02010600030101010101" pitchFamily="2" charset="-122"/>
               </a:defRPr>
             </a:lvl8pPr>
-            <a:lvl9pPr marL="3886041" indent="-228591" eaLnBrk="0" fontAlgn="base" hangingPunct="0">
+            <a:lvl9pPr marL="3886200" indent="-228600" eaLnBrk="0" fontAlgn="base" hangingPunct="0">
               <a:spcBef>
                 <a:spcPct val="20000"/>
               </a:spcBef>
@@ -27586,14 +25855,6 @@
                   <a:srgbClr val="898989"/>
                 </a:solidFill>
               </a:rPr>
-              <a:pPr>
-                <a:spcBef>
-                  <a:spcPct val="0"/>
-                </a:spcBef>
-                <a:buFontTx/>
-                <a:buNone/>
-              </a:pPr>
-              <a:t>9</a:t>
             </a:fld>
             <a:endParaRPr lang="zh-CN" altLang="en-US" sz="1200" dirty="0">
               <a:solidFill>
@@ -27612,7 +25873,7 @@
           <p:nvPr/>
         </p:nvPicPr>
         <p:blipFill>
-          <a:blip r:embed="rId3" cstate="print">
+          <a:blip r:embed="rId1" cstate="print">
             <a:extLst>
               <a:ext uri="{28A0092B-C50C-407E-A947-70E740481C1C}">
                 <a14:useLocalDpi xmlns:a14="http://schemas.microsoft.com/office/drawing/2010/main" val="0"/>
@@ -27636,39 +25897,12 @@
           <a:ln>
             <a:noFill/>
           </a:ln>
-          <a:extLst>
-            <a:ext uri="{909E8E84-426E-40dd-AFC4-6F175D3DCCD1}">
-              <a14:hiddenFill xmlns:a14="http://schemas.microsoft.com/office/drawing/2010/main" xmlns="">
-                <a:solidFill>
-                  <a:srgbClr val="FFFFFF"/>
-                </a:solidFill>
-              </a14:hiddenFill>
-            </a:ext>
-            <a:ext uri="{91240B29-F687-4f45-9708-019B960494DF}">
-              <a14:hiddenLine xmlns:a14="http://schemas.microsoft.com/office/drawing/2010/main" xmlns="" w="9525">
-                <a:solidFill>
-                  <a:srgbClr val="000000"/>
-                </a:solidFill>
-                <a:miter lim="800000"/>
-                <a:headEnd/>
-                <a:tailEnd/>
-              </a14:hiddenLine>
-            </a:ext>
-          </a:extLst>
         </p:spPr>
       </p:pic>
       <p:sp>
         <p:nvSpPr>
-          <p:cNvPr id="6" name="Subtitle 2">
-            <a:extLst>
-              <a:ext uri="{FF2B5EF4-FFF2-40B4-BE49-F238E27FC236}">
-                <a16:creationId xmlns:a16="http://schemas.microsoft.com/office/drawing/2014/main" id="{5B72932F-F3D6-46BF-9A61-0930A2E33BD6}"/>
-              </a:ext>
-            </a:extLst>
-          </p:cNvPr>
-          <p:cNvSpPr txBox="1">
-            <a:spLocks/>
-          </p:cNvSpPr>
+          <p:cNvPr id="6" name="Subtitle 2"/>
+          <p:cNvSpPr txBox="1"/>
           <p:nvPr/>
         </p:nvSpPr>
         <p:spPr bwMode="auto">
@@ -27704,11 +25938,7 @@
           </a:extLst>
         </p:spPr>
         <p:txBody>
-          <a:bodyPr vert="horz" wrap="square" lIns="91440" tIns="45720" rIns="91440" bIns="45720" numCol="1" anchor="t" anchorCtr="0" compatLnSpc="1">
-            <a:prstTxWarp prst="textNoShape">
-              <a:avLst/>
-            </a:prstTxWarp>
-          </a:bodyPr>
+          <a:bodyPr vert="horz" wrap="square" lIns="91440" tIns="45720" rIns="91440" bIns="45720" numCol="1" anchor="t" anchorCtr="0" compatLnSpc="1"/>
           <a:lstStyle>
             <a:lvl1pPr marL="342900" indent="-342900" algn="l" rtl="0" eaLnBrk="0" fontAlgn="base" hangingPunct="0">
               <a:spcBef>
@@ -27827,7 +26057,7 @@
                 <a:schemeClr val="tx2"/>
               </a:buClr>
               <a:buSzPct val="70000"/>
-              <a:buFont typeface="Wingdings" pitchFamily="2" charset="2"/>
+              <a:buFont typeface="Wingdings" panose="05000000000000000000" pitchFamily="2" charset="2"/>
               <a:buChar char="¡"/>
               <a:defRPr sz="1600">
                 <a:solidFill>
@@ -27848,7 +26078,7 @@
                 <a:schemeClr val="tx2"/>
               </a:buClr>
               <a:buSzPct val="70000"/>
-              <a:buFont typeface="Wingdings" pitchFamily="2" charset="2"/>
+              <a:buFont typeface="Wingdings" panose="05000000000000000000" pitchFamily="2" charset="2"/>
               <a:buChar char="¡"/>
               <a:defRPr sz="1600">
                 <a:solidFill>
@@ -27869,7 +26099,7 @@
                 <a:schemeClr val="tx2"/>
               </a:buClr>
               <a:buSzPct val="70000"/>
-              <a:buFont typeface="Wingdings" pitchFamily="2" charset="2"/>
+              <a:buFont typeface="Wingdings" panose="05000000000000000000" pitchFamily="2" charset="2"/>
               <a:buChar char="¡"/>
               <a:defRPr sz="1600">
                 <a:solidFill>
@@ -27890,7 +26120,7 @@
                 <a:schemeClr val="tx2"/>
               </a:buClr>
               <a:buSzPct val="70000"/>
-              <a:buFont typeface="Wingdings" pitchFamily="2" charset="2"/>
+              <a:buFont typeface="Wingdings" panose="05000000000000000000" pitchFamily="2" charset="2"/>
               <a:buChar char="¡"/>
               <a:defRPr sz="1600">
                 <a:solidFill>
@@ -27915,8 +26145,8 @@
                 <a:solidFill>
                   <a:srgbClr val="003366"/>
                 </a:solidFill>
-                <a:latin typeface="Arial"/>
-                <a:ea typeface="宋体"/>
+                <a:latin typeface="Arial" panose="020B0604020202020204"/>
+                <a:ea typeface="宋体" panose="02010600030101010101" pitchFamily="2" charset="-122"/>
               </a:rPr>
               <a:t>非</a:t>
             </a:r>
@@ -27925,8 +26155,8 @@
                 <a:solidFill>
                   <a:srgbClr val="003366"/>
                 </a:solidFill>
-                <a:latin typeface="Arial"/>
-                <a:ea typeface="宋体"/>
+                <a:latin typeface="Arial" panose="020B0604020202020204"/>
+                <a:ea typeface="宋体" panose="02010600030101010101" pitchFamily="2" charset="-122"/>
               </a:rPr>
               <a:t>FIFO</a:t>
             </a:r>
@@ -27935,8 +26165,8 @@
                 <a:solidFill>
                   <a:srgbClr val="003366"/>
                 </a:solidFill>
-                <a:latin typeface="Arial"/>
-                <a:ea typeface="宋体"/>
+                <a:latin typeface="Arial" panose="020B0604020202020204"/>
+                <a:ea typeface="宋体" panose="02010600030101010101" pitchFamily="2" charset="-122"/>
               </a:rPr>
               <a:t>通道的挑战</a:t>
             </a:r>
@@ -27944,8 +26174,8 @@
               <a:solidFill>
                 <a:srgbClr val="003366"/>
               </a:solidFill>
-              <a:latin typeface="Arial"/>
-              <a:ea typeface="宋体"/>
+              <a:latin typeface="Arial" panose="020B0604020202020204"/>
+              <a:ea typeface="宋体" panose="02010600030101010101" pitchFamily="2" charset="-122"/>
             </a:endParaRPr>
           </a:p>
           <a:p>
@@ -27958,9 +26188,9 @@
               <a:defRPr/>
             </a:pPr>
             <a:r>
-              <a:rPr lang="zh-CN" altLang="en-US" kern="0" dirty="0">
-                <a:solidFill>
-                  <a:srgbClr val="003366"/>
+              <a:rPr lang="zh-CN" altLang="en-US" b="1" kern="0" dirty="0">
+                <a:solidFill>
+                  <a:srgbClr val="7030A0"/>
                 </a:solidFill>
                 <a:latin typeface="仿宋" panose="02010609060101010101" pitchFamily="49" charset="-122"/>
                 <a:ea typeface="仿宋" panose="02010609060101010101" pitchFamily="49" charset="-122"/>
@@ -27968,9 +26198,9 @@
               <a:t>先于</a:t>
             </a:r>
             <a:r>
-              <a:rPr lang="en-US" altLang="zh-CN" kern="0" dirty="0">
-                <a:solidFill>
-                  <a:srgbClr val="003366"/>
+              <a:rPr lang="en-US" altLang="zh-CN" b="1" kern="0" dirty="0">
+                <a:solidFill>
+                  <a:srgbClr val="7030A0"/>
                 </a:solidFill>
                 <a:latin typeface="仿宋" panose="02010609060101010101" pitchFamily="49" charset="-122"/>
                 <a:ea typeface="仿宋" panose="02010609060101010101" pitchFamily="49" charset="-122"/>
@@ -27978,9 +26208,9 @@
               <a:t>Marker</a:t>
             </a:r>
             <a:r>
-              <a:rPr lang="zh-CN" altLang="en-US" kern="0" dirty="0">
-                <a:solidFill>
-                  <a:srgbClr val="003366"/>
+              <a:rPr lang="zh-CN" altLang="en-US" b="1" kern="0" dirty="0">
+                <a:solidFill>
+                  <a:srgbClr val="7030A0"/>
                 </a:solidFill>
                 <a:latin typeface="仿宋" panose="02010609060101010101" pitchFamily="49" charset="-122"/>
                 <a:ea typeface="仿宋" panose="02010609060101010101" pitchFamily="49" charset="-122"/>
@@ -27988,9 +26218,9 @@
               <a:t>标志发送的消息，有可能后于</a:t>
             </a:r>
             <a:r>
-              <a:rPr lang="en-US" altLang="zh-CN" kern="0" dirty="0">
-                <a:solidFill>
-                  <a:srgbClr val="003366"/>
+              <a:rPr lang="en-US" altLang="zh-CN" b="1" kern="0" dirty="0">
+                <a:solidFill>
+                  <a:srgbClr val="7030A0"/>
                 </a:solidFill>
                 <a:latin typeface="仿宋" panose="02010609060101010101" pitchFamily="49" charset="-122"/>
                 <a:ea typeface="仿宋" panose="02010609060101010101" pitchFamily="49" charset="-122"/>
@@ -27998,18 +26228,18 @@
               <a:t>Marker</a:t>
             </a:r>
             <a:r>
-              <a:rPr lang="zh-CN" altLang="en-US" kern="0" dirty="0">
-                <a:solidFill>
-                  <a:srgbClr val="003366"/>
+              <a:rPr lang="zh-CN" altLang="en-US" b="1" kern="0" dirty="0">
+                <a:solidFill>
+                  <a:srgbClr val="7030A0"/>
                 </a:solidFill>
                 <a:latin typeface="仿宋" panose="02010609060101010101" pitchFamily="49" charset="-122"/>
                 <a:ea typeface="仿宋" panose="02010609060101010101" pitchFamily="49" charset="-122"/>
               </a:rPr>
               <a:t>标志到达</a:t>
             </a:r>
-            <a:endParaRPr lang="en-US" altLang="zh-CN" kern="0" dirty="0">
+            <a:endParaRPr lang="en-US" altLang="zh-CN" b="1" kern="0" dirty="0">
               <a:solidFill>
-                <a:srgbClr val="003366"/>
+                <a:srgbClr val="7030A0"/>
               </a:solidFill>
               <a:latin typeface="仿宋" panose="02010609060101010101" pitchFamily="49" charset="-122"/>
               <a:ea typeface="仿宋" panose="02010609060101010101" pitchFamily="49" charset="-122"/>
@@ -28025,9 +26255,9 @@
               <a:defRPr/>
             </a:pPr>
             <a:r>
-              <a:rPr lang="zh-CN" altLang="en-US" kern="0" dirty="0">
-                <a:solidFill>
-                  <a:srgbClr val="003366"/>
+              <a:rPr lang="zh-CN" altLang="en-US" b="1" kern="0" dirty="0">
+                <a:solidFill>
+                  <a:srgbClr val="7030A0"/>
                 </a:solidFill>
                 <a:latin typeface="仿宋" panose="02010609060101010101" pitchFamily="49" charset="-122"/>
                 <a:ea typeface="仿宋" panose="02010609060101010101" pitchFamily="49" charset="-122"/>
@@ -28035,9 +26265,9 @@
               <a:t>解决办法：明确地将</a:t>
             </a:r>
             <a:r>
-              <a:rPr lang="en-US" altLang="zh-CN" kern="0" dirty="0">
-                <a:solidFill>
-                  <a:srgbClr val="003366"/>
+              <a:rPr lang="en-US" altLang="zh-CN" b="1" kern="0" dirty="0">
+                <a:solidFill>
+                  <a:srgbClr val="7030A0"/>
                 </a:solidFill>
                 <a:latin typeface="仿宋" panose="02010609060101010101" pitchFamily="49" charset="-122"/>
                 <a:ea typeface="仿宋" panose="02010609060101010101" pitchFamily="49" charset="-122"/>
@@ -28045,9 +26275,9 @@
               <a:t>PAST</a:t>
             </a:r>
             <a:r>
-              <a:rPr lang="zh-CN" altLang="en-US" kern="0" dirty="0">
-                <a:solidFill>
-                  <a:srgbClr val="003366"/>
+              <a:rPr lang="zh-CN" altLang="en-US" b="1" kern="0" dirty="0">
+                <a:solidFill>
+                  <a:srgbClr val="7030A0"/>
                 </a:solidFill>
                 <a:latin typeface="仿宋" panose="02010609060101010101" pitchFamily="49" charset="-122"/>
                 <a:ea typeface="仿宋" panose="02010609060101010101" pitchFamily="49" charset="-122"/>
@@ -28055,9 +26285,9 @@
               <a:t>消息和</a:t>
             </a:r>
             <a:r>
-              <a:rPr lang="en-US" altLang="zh-CN" kern="0" dirty="0">
-                <a:solidFill>
-                  <a:srgbClr val="003366"/>
+              <a:rPr lang="en-US" altLang="zh-CN" b="1" kern="0" dirty="0">
+                <a:solidFill>
+                  <a:srgbClr val="7030A0"/>
                 </a:solidFill>
                 <a:latin typeface="仿宋" panose="02010609060101010101" pitchFamily="49" charset="-122"/>
                 <a:ea typeface="仿宋" panose="02010609060101010101" pitchFamily="49" charset="-122"/>
@@ -28065,18 +26295,18 @@
               <a:t>FUTURE</a:t>
             </a:r>
             <a:r>
-              <a:rPr lang="zh-CN" altLang="en-US" kern="0" dirty="0">
-                <a:solidFill>
-                  <a:srgbClr val="003366"/>
+              <a:rPr lang="zh-CN" altLang="en-US" b="1" kern="0" dirty="0">
+                <a:solidFill>
+                  <a:srgbClr val="7030A0"/>
                 </a:solidFill>
                 <a:latin typeface="仿宋" panose="02010609060101010101" pitchFamily="49" charset="-122"/>
                 <a:ea typeface="仿宋" panose="02010609060101010101" pitchFamily="49" charset="-122"/>
               </a:rPr>
               <a:t>消息分成两类</a:t>
             </a:r>
-            <a:endParaRPr lang="en-US" altLang="zh-CN" kern="0" dirty="0">
+            <a:endParaRPr lang="en-US" altLang="zh-CN" b="1" kern="0" dirty="0">
               <a:solidFill>
-                <a:srgbClr val="003366"/>
+                <a:srgbClr val="7030A0"/>
               </a:solidFill>
               <a:latin typeface="仿宋" panose="02010609060101010101" pitchFamily="49" charset="-122"/>
               <a:ea typeface="仿宋" panose="02010609060101010101" pitchFamily="49" charset="-122"/>
@@ -28096,8 +26326,8 @@
                 <a:solidFill>
                   <a:srgbClr val="003366"/>
                 </a:solidFill>
-                <a:latin typeface="Arial"/>
-                <a:ea typeface="宋体"/>
+                <a:latin typeface="Arial" panose="020B0604020202020204"/>
+                <a:ea typeface="宋体" panose="02010600030101010101" pitchFamily="2" charset="-122"/>
               </a:rPr>
               <a:t>算法原则</a:t>
             </a:r>
@@ -28105,8 +26335,8 @@
               <a:solidFill>
                 <a:srgbClr val="003366"/>
               </a:solidFill>
-              <a:latin typeface="Arial"/>
-              <a:ea typeface="宋体"/>
+              <a:latin typeface="Arial" panose="020B0604020202020204"/>
+              <a:ea typeface="宋体" panose="02010600030101010101" pitchFamily="2" charset="-122"/>
             </a:endParaRPr>
           </a:p>
           <a:p>
@@ -28125,7 +26355,27 @@
                 <a:latin typeface="仿宋" panose="02010609060101010101" pitchFamily="49" charset="-122"/>
                 <a:ea typeface="仿宋" panose="02010609060101010101" pitchFamily="49" charset="-122"/>
               </a:rPr>
-              <a:t>每个进程开始是白色，记录快照时变成红色，进程变红时执行标记发送规则，促使其它进程也变红</a:t>
+              <a:t>每个进程开始是白色，记录快照时变成红色，</a:t>
+            </a:r>
+            <a:r>
+              <a:rPr lang="zh-CN" altLang="en-US" b="1" kern="0" dirty="0">
+                <a:solidFill>
+                  <a:srgbClr val="7030A0"/>
+                </a:solidFill>
+                <a:latin typeface="仿宋" panose="02010609060101010101" pitchFamily="49" charset="-122"/>
+                <a:ea typeface="仿宋" panose="02010609060101010101" pitchFamily="49" charset="-122"/>
+              </a:rPr>
+              <a:t>进程变红时执行标记发送规则</a:t>
+            </a:r>
+            <a:r>
+              <a:rPr lang="zh-CN" altLang="en-US" kern="0" dirty="0">
+                <a:solidFill>
+                  <a:srgbClr val="003366"/>
+                </a:solidFill>
+                <a:latin typeface="仿宋" panose="02010609060101010101" pitchFamily="49" charset="-122"/>
+                <a:ea typeface="仿宋" panose="02010609060101010101" pitchFamily="49" charset="-122"/>
+              </a:rPr>
+              <a:t>，促使其它进程也变红</a:t>
             </a:r>
             <a:endParaRPr lang="en-US" altLang="zh-CN" kern="0" dirty="0">
               <a:solidFill>
@@ -28226,7 +26476,7 @@
             <a:r>
               <a:rPr lang="zh-CN" altLang="en-US" kern="0" dirty="0">
                 <a:solidFill>
-                  <a:srgbClr val="003366"/>
+                  <a:srgbClr val="FF0000"/>
                 </a:solidFill>
                 <a:latin typeface="仿宋" panose="02010609060101010101" pitchFamily="49" charset="-122"/>
                 <a:ea typeface="仿宋" panose="02010609060101010101" pitchFamily="49" charset="-122"/>
@@ -28261,16 +26511,8 @@
       </p:sp>
       <p:cxnSp>
         <p:nvCxnSpPr>
-          <p:cNvPr id="7" name="直接箭头连接符 6">
-            <a:extLst>
-              <a:ext uri="{FF2B5EF4-FFF2-40B4-BE49-F238E27FC236}">
-                <a16:creationId xmlns:a16="http://schemas.microsoft.com/office/drawing/2014/main" id="{0DFF5581-D184-43EE-80D5-50483AE60417}"/>
-              </a:ext>
-            </a:extLst>
-          </p:cNvPr>
-          <p:cNvCxnSpPr>
-            <a:cxnSpLocks/>
-          </p:cNvCxnSpPr>
+          <p:cNvPr id="7" name="直接箭头连接符 6"/>
+          <p:cNvCxnSpPr/>
           <p:nvPr/>
         </p:nvCxnSpPr>
         <p:spPr>
@@ -28302,13 +26544,7 @@
       </p:cxnSp>
       <p:sp>
         <p:nvSpPr>
-          <p:cNvPr id="8" name="流程图: 接点 7">
-            <a:extLst>
-              <a:ext uri="{FF2B5EF4-FFF2-40B4-BE49-F238E27FC236}">
-                <a16:creationId xmlns:a16="http://schemas.microsoft.com/office/drawing/2014/main" id="{069E3D83-70C1-43CB-BA43-3833351F661D}"/>
-              </a:ext>
-            </a:extLst>
-          </p:cNvPr>
+          <p:cNvPr id="8" name="流程图: 接点 7"/>
           <p:cNvSpPr/>
           <p:nvPr/>
         </p:nvSpPr>
@@ -28354,14 +26590,14 @@
           </a:p>
         </p:txBody>
       </p:sp>
-      <mc:AlternateContent xmlns:mc="http://schemas.openxmlformats.org/markup-compatibility/2006" xmlns:a14="http://schemas.microsoft.com/office/drawing/2010/main">
-        <mc:Choice Requires="a14">
+      <mc:AlternateContent xmlns:mc="http://schemas.openxmlformats.org/markup-compatibility/2006">
+        <mc:Choice xmlns:a14="http://schemas.microsoft.com/office/drawing/2010/main" Requires="a14">
           <p:sp>
             <p:nvSpPr>
               <p:cNvPr id="9" name="文本框 8">
                 <a:extLst>
                   <a:ext uri="{FF2B5EF4-FFF2-40B4-BE49-F238E27FC236}">
-                    <a16:creationId xmlns:a16="http://schemas.microsoft.com/office/drawing/2014/main" id="{A1EEE14E-C5BF-4C86-AA63-DFBC06DA9963}"/>
+                    <ele attr="{A1EEE14E-C5BF-4C86-AA63-DFBC06DA9963}"/>
                   </a:ext>
                 </a:extLst>
               </p:cNvPr>
@@ -28424,16 +26660,10 @@
             </p:txBody>
           </p:sp>
         </mc:Choice>
-        <mc:Fallback xmlns="">
+        <mc:Fallback>
           <p:sp>
             <p:nvSpPr>
-              <p:cNvPr id="9" name="文本框 8">
-                <a:extLst>
-                  <a:ext uri="{FF2B5EF4-FFF2-40B4-BE49-F238E27FC236}">
-                    <a16:creationId xmlns:a16="http://schemas.microsoft.com/office/drawing/2014/main" id="{A1EEE14E-C5BF-4C86-AA63-DFBC06DA9963}"/>
-                  </a:ext>
-                </a:extLst>
-              </p:cNvPr>
+              <p:cNvPr id="9" name="文本框 8"/>
               <p:cNvSpPr txBox="1">
                 <a:spLocks noRot="1" noChangeAspect="1" noMove="1" noResize="1" noEditPoints="1" noAdjustHandles="1" noChangeArrowheads="1" noChangeShapeType="1" noTextEdit="1"/>
               </p:cNvSpPr>
@@ -28447,8 +26677,8 @@
               <a:prstGeom prst="rect">
                 <a:avLst/>
               </a:prstGeom>
-              <a:blipFill>
-                <a:blip r:embed="rId4"/>
+              <a:blipFill rotWithShape="1">
+                <a:blip r:embed="rId2"/>
                 <a:stretch>
                   <a:fillRect l="-22222" r="-7407" b="-26667"/>
                 </a:stretch>
@@ -28464,6 +26694,9 @@
                   </a:rPr>
                   <a:t> </a:t>
                 </a:r>
+                <a:endParaRPr lang="zh-CN" altLang="en-US">
+                  <a:noFill/>
+                </a:endParaRPr>
               </a:p>
             </p:txBody>
           </p:sp>
@@ -28471,13 +26704,7 @@
       </mc:AlternateContent>
       <p:sp>
         <p:nvSpPr>
-          <p:cNvPr id="10" name="流程图: 接点 9">
-            <a:extLst>
-              <a:ext uri="{FF2B5EF4-FFF2-40B4-BE49-F238E27FC236}">
-                <a16:creationId xmlns:a16="http://schemas.microsoft.com/office/drawing/2014/main" id="{E0991EF4-BD68-4BBF-8995-0C2A3F9D0888}"/>
-              </a:ext>
-            </a:extLst>
-          </p:cNvPr>
+          <p:cNvPr id="10" name="流程图: 接点 9"/>
           <p:cNvSpPr/>
           <p:nvPr/>
         </p:nvSpPr>
@@ -28523,14 +26750,14 @@
           </a:p>
         </p:txBody>
       </p:sp>
-      <mc:AlternateContent xmlns:mc="http://schemas.openxmlformats.org/markup-compatibility/2006" xmlns:a14="http://schemas.microsoft.com/office/drawing/2010/main">
-        <mc:Choice Requires="a14">
+      <mc:AlternateContent xmlns:mc="http://schemas.openxmlformats.org/markup-compatibility/2006">
+        <mc:Choice xmlns:a14="http://schemas.microsoft.com/office/drawing/2010/main" Requires="a14">
           <p:sp>
             <p:nvSpPr>
               <p:cNvPr id="11" name="矩形 10">
                 <a:extLst>
                   <a:ext uri="{FF2B5EF4-FFF2-40B4-BE49-F238E27FC236}">
-                    <a16:creationId xmlns:a16="http://schemas.microsoft.com/office/drawing/2014/main" id="{28AD3F5F-636C-41F6-A910-5DBD7270D1C5}"/>
+                    <ele attr="{28AD3F5F-636C-41F6-A910-5DBD7270D1C5}"/>
                   </a:ext>
                 </a:extLst>
               </p:cNvPr>
@@ -28607,16 +26834,10 @@
             </p:txBody>
           </p:sp>
         </mc:Choice>
-        <mc:Fallback xmlns="">
+        <mc:Fallback>
           <p:sp>
             <p:nvSpPr>
-              <p:cNvPr id="11" name="矩形 10">
-                <a:extLst>
-                  <a:ext uri="{FF2B5EF4-FFF2-40B4-BE49-F238E27FC236}">
-                    <a16:creationId xmlns:a16="http://schemas.microsoft.com/office/drawing/2014/main" id="{28AD3F5F-636C-41F6-A910-5DBD7270D1C5}"/>
-                  </a:ext>
-                </a:extLst>
-              </p:cNvPr>
+              <p:cNvPr id="11" name="矩形 10"/>
               <p:cNvSpPr>
                 <a:spLocks noRot="1" noChangeAspect="1" noMove="1" noResize="1" noEditPoints="1" noAdjustHandles="1" noChangeArrowheads="1" noChangeShapeType="1" noTextEdit="1"/>
               </p:cNvSpPr>
@@ -28630,8 +26851,8 @@
               <a:prstGeom prst="rect">
                 <a:avLst/>
               </a:prstGeom>
-              <a:blipFill>
-                <a:blip r:embed="rId5"/>
+              <a:blipFill rotWithShape="1">
+                <a:blip r:embed="rId3"/>
                 <a:stretch>
                   <a:fillRect b="-13333"/>
                 </a:stretch>
@@ -28647,19 +26868,22 @@
                   </a:rPr>
                   <a:t> </a:t>
                 </a:r>
+                <a:endParaRPr lang="zh-CN" altLang="en-US">
+                  <a:noFill/>
+                </a:endParaRPr>
               </a:p>
             </p:txBody>
           </p:sp>
         </mc:Fallback>
       </mc:AlternateContent>
-      <mc:AlternateContent xmlns:mc="http://schemas.openxmlformats.org/markup-compatibility/2006" xmlns:a14="http://schemas.microsoft.com/office/drawing/2010/main">
-        <mc:Choice Requires="a14">
+      <mc:AlternateContent xmlns:mc="http://schemas.openxmlformats.org/markup-compatibility/2006">
+        <mc:Choice xmlns:a14="http://schemas.microsoft.com/office/drawing/2010/main" Requires="a14">
           <p:sp>
             <p:nvSpPr>
               <p:cNvPr id="12" name="矩形 11">
                 <a:extLst>
                   <a:ext uri="{FF2B5EF4-FFF2-40B4-BE49-F238E27FC236}">
-                    <a16:creationId xmlns:a16="http://schemas.microsoft.com/office/drawing/2014/main" id="{BDD8B0C7-A4A2-410F-99A9-E683098E542D}"/>
+                    <ele attr="{BDD8B0C7-A4A2-410F-99A9-E683098E542D}"/>
                   </a:ext>
                 </a:extLst>
               </p:cNvPr>
@@ -28745,16 +26969,10 @@
             </p:txBody>
           </p:sp>
         </mc:Choice>
-        <mc:Fallback xmlns="">
+        <mc:Fallback>
           <p:sp>
             <p:nvSpPr>
-              <p:cNvPr id="12" name="矩形 11">
-                <a:extLst>
-                  <a:ext uri="{FF2B5EF4-FFF2-40B4-BE49-F238E27FC236}">
-                    <a16:creationId xmlns:a16="http://schemas.microsoft.com/office/drawing/2014/main" id="{BDD8B0C7-A4A2-410F-99A9-E683098E542D}"/>
-                  </a:ext>
-                </a:extLst>
-              </p:cNvPr>
+              <p:cNvPr id="12" name="矩形 11"/>
               <p:cNvSpPr>
                 <a:spLocks noRot="1" noChangeAspect="1" noMove="1" noResize="1" noEditPoints="1" noAdjustHandles="1" noChangeArrowheads="1" noChangeShapeType="1" noTextEdit="1"/>
               </p:cNvSpPr>
@@ -28768,8 +26986,8 @@
               <a:prstGeom prst="rect">
                 <a:avLst/>
               </a:prstGeom>
-              <a:blipFill>
-                <a:blip r:embed="rId6"/>
+              <a:blipFill rotWithShape="1">
+                <a:blip r:embed="rId4"/>
                 <a:stretch>
                   <a:fillRect b="-3279"/>
                 </a:stretch>
@@ -28785,6 +27003,9 @@
                   </a:rPr>
                   <a:t> </a:t>
                 </a:r>
+                <a:endParaRPr lang="zh-CN" altLang="en-US">
+                  <a:noFill/>
+                </a:endParaRPr>
               </a:p>
             </p:txBody>
           </p:sp>
@@ -28792,16 +27013,8 @@
       </mc:AlternateContent>
       <p:cxnSp>
         <p:nvCxnSpPr>
-          <p:cNvPr id="13" name="直接箭头连接符 12">
-            <a:extLst>
-              <a:ext uri="{FF2B5EF4-FFF2-40B4-BE49-F238E27FC236}">
-                <a16:creationId xmlns:a16="http://schemas.microsoft.com/office/drawing/2014/main" id="{D9524121-D6D7-40A0-9E66-F124B7B7FEE0}"/>
-              </a:ext>
-            </a:extLst>
-          </p:cNvPr>
-          <p:cNvCxnSpPr>
-            <a:cxnSpLocks/>
-          </p:cNvCxnSpPr>
+          <p:cNvPr id="13" name="直接箭头连接符 12"/>
+          <p:cNvCxnSpPr/>
           <p:nvPr/>
         </p:nvCxnSpPr>
         <p:spPr>
@@ -28833,13 +27046,7 @@
       </p:cxnSp>
       <p:sp>
         <p:nvSpPr>
-          <p:cNvPr id="14" name="流程图: 接点 13">
-            <a:extLst>
-              <a:ext uri="{FF2B5EF4-FFF2-40B4-BE49-F238E27FC236}">
-                <a16:creationId xmlns:a16="http://schemas.microsoft.com/office/drawing/2014/main" id="{83166CB8-DE20-4D4A-AFEA-C41D6520D8D5}"/>
-              </a:ext>
-            </a:extLst>
-          </p:cNvPr>
+          <p:cNvPr id="14" name="流程图: 接点 13"/>
           <p:cNvSpPr/>
           <p:nvPr/>
         </p:nvSpPr>
@@ -28885,14 +27092,14 @@
           </a:p>
         </p:txBody>
       </p:sp>
-      <mc:AlternateContent xmlns:mc="http://schemas.openxmlformats.org/markup-compatibility/2006" xmlns:a14="http://schemas.microsoft.com/office/drawing/2010/main">
-        <mc:Choice Requires="a14">
+      <mc:AlternateContent xmlns:mc="http://schemas.openxmlformats.org/markup-compatibility/2006">
+        <mc:Choice xmlns:a14="http://schemas.microsoft.com/office/drawing/2010/main" Requires="a14">
           <p:sp>
             <p:nvSpPr>
               <p:cNvPr id="15" name="文本框 14">
                 <a:extLst>
                   <a:ext uri="{FF2B5EF4-FFF2-40B4-BE49-F238E27FC236}">
-                    <a16:creationId xmlns:a16="http://schemas.microsoft.com/office/drawing/2014/main" id="{35B2049C-A951-4E3A-BD63-2589D338141A}"/>
+                    <ele attr="{35B2049C-A951-4E3A-BD63-2589D338141A}"/>
                   </a:ext>
                 </a:extLst>
               </p:cNvPr>
@@ -28955,16 +27162,10 @@
             </p:txBody>
           </p:sp>
         </mc:Choice>
-        <mc:Fallback xmlns="">
+        <mc:Fallback>
           <p:sp>
             <p:nvSpPr>
-              <p:cNvPr id="15" name="文本框 14">
-                <a:extLst>
-                  <a:ext uri="{FF2B5EF4-FFF2-40B4-BE49-F238E27FC236}">
-                    <a16:creationId xmlns:a16="http://schemas.microsoft.com/office/drawing/2014/main" id="{35B2049C-A951-4E3A-BD63-2589D338141A}"/>
-                  </a:ext>
-                </a:extLst>
-              </p:cNvPr>
+              <p:cNvPr id="15" name="文本框 14"/>
               <p:cNvSpPr txBox="1">
                 <a:spLocks noRot="1" noChangeAspect="1" noMove="1" noResize="1" noEditPoints="1" noAdjustHandles="1" noChangeArrowheads="1" noChangeShapeType="1" noTextEdit="1"/>
               </p:cNvSpPr>
@@ -28978,8 +27179,8 @@
               <a:prstGeom prst="rect">
                 <a:avLst/>
               </a:prstGeom>
-              <a:blipFill>
-                <a:blip r:embed="rId7"/>
+              <a:blipFill rotWithShape="1">
+                <a:blip r:embed="rId5"/>
                 <a:stretch>
                   <a:fillRect l="-20690" r="-13793" b="-24242"/>
                 </a:stretch>
@@ -28995,19 +27196,22 @@
                   </a:rPr>
                   <a:t> </a:t>
                 </a:r>
+                <a:endParaRPr lang="zh-CN" altLang="en-US">
+                  <a:noFill/>
+                </a:endParaRPr>
               </a:p>
             </p:txBody>
           </p:sp>
         </mc:Fallback>
       </mc:AlternateContent>
-      <mc:AlternateContent xmlns:mc="http://schemas.openxmlformats.org/markup-compatibility/2006" xmlns:a14="http://schemas.microsoft.com/office/drawing/2010/main">
-        <mc:Choice Requires="a14">
+      <mc:AlternateContent xmlns:mc="http://schemas.openxmlformats.org/markup-compatibility/2006">
+        <mc:Choice xmlns:a14="http://schemas.microsoft.com/office/drawing/2010/main" Requires="a14">
           <p:sp>
             <p:nvSpPr>
               <p:cNvPr id="16" name="矩形 15">
                 <a:extLst>
                   <a:ext uri="{FF2B5EF4-FFF2-40B4-BE49-F238E27FC236}">
-                    <a16:creationId xmlns:a16="http://schemas.microsoft.com/office/drawing/2014/main" id="{ED0F0C66-77F7-4F23-9798-F612DDBB86F4}"/>
+                    <ele attr="{ED0F0C66-77F7-4F23-9798-F612DDBB86F4}"/>
                   </a:ext>
                 </a:extLst>
               </p:cNvPr>
@@ -29084,16 +27288,10 @@
             </p:txBody>
           </p:sp>
         </mc:Choice>
-        <mc:Fallback xmlns="">
+        <mc:Fallback>
           <p:sp>
             <p:nvSpPr>
-              <p:cNvPr id="16" name="矩形 15">
-                <a:extLst>
-                  <a:ext uri="{FF2B5EF4-FFF2-40B4-BE49-F238E27FC236}">
-                    <a16:creationId xmlns:a16="http://schemas.microsoft.com/office/drawing/2014/main" id="{ED0F0C66-77F7-4F23-9798-F612DDBB86F4}"/>
-                  </a:ext>
-                </a:extLst>
-              </p:cNvPr>
+              <p:cNvPr id="16" name="矩形 15"/>
               <p:cNvSpPr>
                 <a:spLocks noRot="1" noChangeAspect="1" noMove="1" noResize="1" noEditPoints="1" noAdjustHandles="1" noChangeArrowheads="1" noChangeShapeType="1" noTextEdit="1"/>
               </p:cNvSpPr>
@@ -29107,8 +27305,8 @@
               <a:prstGeom prst="rect">
                 <a:avLst/>
               </a:prstGeom>
-              <a:blipFill>
-                <a:blip r:embed="rId8"/>
+              <a:blipFill rotWithShape="1">
+                <a:blip r:embed="rId6"/>
                 <a:stretch>
                   <a:fillRect b="-13333"/>
                 </a:stretch>
@@ -29124,6 +27322,9 @@
                   </a:rPr>
                   <a:t> </a:t>
                 </a:r>
+                <a:endParaRPr lang="zh-CN" altLang="en-US">
+                  <a:noFill/>
+                </a:endParaRPr>
               </a:p>
             </p:txBody>
           </p:sp>
@@ -29131,16 +27332,8 @@
       </mc:AlternateContent>
       <p:cxnSp>
         <p:nvCxnSpPr>
-          <p:cNvPr id="17" name="直接箭头连接符 16">
-            <a:extLst>
-              <a:ext uri="{FF2B5EF4-FFF2-40B4-BE49-F238E27FC236}">
-                <a16:creationId xmlns:a16="http://schemas.microsoft.com/office/drawing/2014/main" id="{F3148ED9-71C8-4B43-B8A2-2541E650D12C}"/>
-              </a:ext>
-            </a:extLst>
-          </p:cNvPr>
-          <p:cNvCxnSpPr>
-            <a:cxnSpLocks/>
-          </p:cNvCxnSpPr>
+          <p:cNvPr id="17" name="直接箭头连接符 16"/>
+          <p:cNvCxnSpPr/>
           <p:nvPr/>
         </p:nvCxnSpPr>
         <p:spPr>
@@ -29177,13 +27370,7 @@
       </p:cxnSp>
       <p:sp>
         <p:nvSpPr>
-          <p:cNvPr id="21" name="流程图: 接点 20">
-            <a:extLst>
-              <a:ext uri="{FF2B5EF4-FFF2-40B4-BE49-F238E27FC236}">
-                <a16:creationId xmlns:a16="http://schemas.microsoft.com/office/drawing/2014/main" id="{7E9C8BAF-8A4F-49D0-AAC5-6478C3840388}"/>
-              </a:ext>
-            </a:extLst>
-          </p:cNvPr>
+          <p:cNvPr id="21" name="流程图: 接点 20"/>
           <p:cNvSpPr/>
           <p:nvPr/>
         </p:nvSpPr>
@@ -29229,14 +27416,14 @@
           </a:p>
         </p:txBody>
       </p:sp>
-      <mc:AlternateContent xmlns:mc="http://schemas.openxmlformats.org/markup-compatibility/2006" xmlns:a14="http://schemas.microsoft.com/office/drawing/2010/main">
-        <mc:Choice Requires="a14">
+      <mc:AlternateContent xmlns:mc="http://schemas.openxmlformats.org/markup-compatibility/2006">
+        <mc:Choice xmlns:a14="http://schemas.microsoft.com/office/drawing/2010/main" Requires="a14">
           <p:sp>
             <p:nvSpPr>
               <p:cNvPr id="22" name="矩形 21">
                 <a:extLst>
                   <a:ext uri="{FF2B5EF4-FFF2-40B4-BE49-F238E27FC236}">
-                    <a16:creationId xmlns:a16="http://schemas.microsoft.com/office/drawing/2014/main" id="{6B49218B-4A4B-4E2E-A8EF-D08A3C0E87C4}"/>
+                    <ele attr="{6B49218B-4A4B-4E2E-A8EF-D08A3C0E87C4}"/>
                   </a:ext>
                 </a:extLst>
               </p:cNvPr>
@@ -29322,16 +27509,10 @@
             </p:txBody>
           </p:sp>
         </mc:Choice>
-        <mc:Fallback xmlns="">
+        <mc:Fallback>
           <p:sp>
             <p:nvSpPr>
-              <p:cNvPr id="22" name="矩形 21">
-                <a:extLst>
-                  <a:ext uri="{FF2B5EF4-FFF2-40B4-BE49-F238E27FC236}">
-                    <a16:creationId xmlns:a16="http://schemas.microsoft.com/office/drawing/2014/main" id="{6B49218B-4A4B-4E2E-A8EF-D08A3C0E87C4}"/>
-                  </a:ext>
-                </a:extLst>
-              </p:cNvPr>
+              <p:cNvPr id="22" name="矩形 21"/>
               <p:cNvSpPr>
                 <a:spLocks noRot="1" noChangeAspect="1" noMove="1" noResize="1" noEditPoints="1" noAdjustHandles="1" noChangeArrowheads="1" noChangeShapeType="1" noTextEdit="1"/>
               </p:cNvSpPr>
@@ -29345,8 +27526,8 @@
               <a:prstGeom prst="rect">
                 <a:avLst/>
               </a:prstGeom>
-              <a:blipFill>
-                <a:blip r:embed="rId9"/>
+              <a:blipFill rotWithShape="1">
+                <a:blip r:embed="rId7"/>
                 <a:stretch>
                   <a:fillRect b="-5634"/>
                 </a:stretch>
@@ -29362,6 +27543,9 @@
                   </a:rPr>
                   <a:t> </a:t>
                 </a:r>
+                <a:endParaRPr lang="zh-CN" altLang="en-US">
+                  <a:noFill/>
+                </a:endParaRPr>
               </a:p>
             </p:txBody>
           </p:sp>
@@ -29369,13 +27553,7 @@
       </mc:AlternateContent>
       <p:sp>
         <p:nvSpPr>
-          <p:cNvPr id="23" name="流程图: 接点 22">
-            <a:extLst>
-              <a:ext uri="{FF2B5EF4-FFF2-40B4-BE49-F238E27FC236}">
-                <a16:creationId xmlns:a16="http://schemas.microsoft.com/office/drawing/2014/main" id="{3A732B19-DFF0-4007-8CC7-151AD811B354}"/>
-              </a:ext>
-            </a:extLst>
-          </p:cNvPr>
+          <p:cNvPr id="23" name="流程图: 接点 22"/>
           <p:cNvSpPr/>
           <p:nvPr/>
         </p:nvSpPr>
@@ -29423,13 +27601,7 @@
       </p:sp>
       <p:sp>
         <p:nvSpPr>
-          <p:cNvPr id="24" name="流程图: 接点 23">
-            <a:extLst>
-              <a:ext uri="{FF2B5EF4-FFF2-40B4-BE49-F238E27FC236}">
-                <a16:creationId xmlns:a16="http://schemas.microsoft.com/office/drawing/2014/main" id="{C0CCA0A9-1C4F-47DE-BCE4-60087AA427CE}"/>
-              </a:ext>
-            </a:extLst>
-          </p:cNvPr>
+          <p:cNvPr id="24" name="流程图: 接点 23"/>
           <p:cNvSpPr/>
           <p:nvPr/>
         </p:nvSpPr>
@@ -29477,16 +27649,8 @@
       </p:sp>
       <p:cxnSp>
         <p:nvCxnSpPr>
-          <p:cNvPr id="25" name="直接箭头连接符 24">
-            <a:extLst>
-              <a:ext uri="{FF2B5EF4-FFF2-40B4-BE49-F238E27FC236}">
-                <a16:creationId xmlns:a16="http://schemas.microsoft.com/office/drawing/2014/main" id="{1C502820-17A0-48AD-9493-49019DF2EBD6}"/>
-              </a:ext>
-            </a:extLst>
-          </p:cNvPr>
-          <p:cNvCxnSpPr>
-            <a:cxnSpLocks/>
-          </p:cNvCxnSpPr>
+          <p:cNvPr id="25" name="直接箭头连接符 24"/>
+          <p:cNvCxnSpPr/>
           <p:nvPr/>
         </p:nvCxnSpPr>
         <p:spPr>
@@ -29522,11 +27686,6 @@
         </p:style>
       </p:cxnSp>
     </p:spTree>
-    <p:extLst>
-      <p:ext uri="{BB962C8B-B14F-4D97-AF65-F5344CB8AC3E}">
-        <p14:creationId xmlns:p14="http://schemas.microsoft.com/office/powerpoint/2010/main" val="3709820731"/>
-      </p:ext>
-    </p:extLst>
   </p:cSld>
   <p:clrMapOvr>
     <a:masterClrMapping/>
@@ -29814,8 +27973,11 @@
       </a:bgFillStyleLst>
     </a:fmtScheme>
   </a:themeElements>
-  <a:objectDefaults/>
-  <a:extraClrSchemeLst/>
+  <a:extLst>
+    <a:ext uri="{05A4C25C-085E-4340-85A3-A5531E510DB2}">
+      <thm15:themeFamily xmlns:thm15="http://schemas.microsoft.com/office/thememl/2012/main" name="Office Theme" id="{62F939B6-93AF-4DB8-9C6B-D6C7DFDC589F}" vid="{4A3C46E8-61CC-4603-A589-7422A47A8E4A}"/>
+    </a:ext>
+  </a:extLst>
 </a:theme>
 </file>
 
@@ -30099,8 +28261,11 @@
       </a:bgFillStyleLst>
     </a:fmtScheme>
   </a:themeElements>
-  <a:objectDefaults/>
-  <a:extraClrSchemeLst/>
+  <a:extLst>
+    <a:ext uri="{05A4C25C-085E-4340-85A3-A5531E510DB2}">
+      <thm15:themeFamily xmlns:thm15="http://schemas.microsoft.com/office/thememl/2012/main" name="Office Theme" id="{62F939B6-93AF-4DB8-9C6B-D6C7DFDC589F}" vid="{4A3C46E8-61CC-4603-A589-7422A47A8E4A}"/>
+    </a:ext>
+  </a:extLst>
 </a:theme>
 </file>
 
@@ -30384,7 +28549,10 @@
       </a:bgFillStyleLst>
     </a:fmtScheme>
   </a:themeElements>
-  <a:objectDefaults/>
-  <a:extraClrSchemeLst/>
+  <a:extLst>
+    <a:ext uri="{05A4C25C-085E-4340-85A3-A5531E510DB2}">
+      <thm15:themeFamily xmlns:thm15="http://schemas.microsoft.com/office/thememl/2012/main" name="Office Theme" id="{62F939B6-93AF-4DB8-9C6B-D6C7DFDC589F}" vid="{4A3C46E8-61CC-4603-A589-7422A47A8E4A}"/>
+    </a:ext>
+  </a:extLst>
 </a:theme>
 </file>